--- a/PPT/第二部分 软件测试技术/5.3  白盒测试技术-对于判定的测试.pptx
+++ b/PPT/第二部分 软件测试技术/5.3  白盒测试技术-对于判定的测试.pptx
@@ -5,45 +5,47 @@
     <p:sldMasterId id="2147483776" r:id="rId1"/>
   </p:sldMasterIdLst>
   <p:notesMasterIdLst>
-    <p:notesMasterId r:id="rId35"/>
+    <p:notesMasterId r:id="rId37"/>
   </p:notesMasterIdLst>
   <p:handoutMasterIdLst>
-    <p:handoutMasterId r:id="rId36"/>
+    <p:handoutMasterId r:id="rId38"/>
   </p:handoutMasterIdLst>
   <p:sldIdLst>
     <p:sldId id="451" r:id="rId2"/>
-    <p:sldId id="452" r:id="rId3"/>
-    <p:sldId id="268" r:id="rId4"/>
-    <p:sldId id="269" r:id="rId5"/>
-    <p:sldId id="334" r:id="rId6"/>
-    <p:sldId id="372" r:id="rId7"/>
-    <p:sldId id="373" r:id="rId8"/>
-    <p:sldId id="371" r:id="rId9"/>
-    <p:sldId id="374" r:id="rId10"/>
-    <p:sldId id="375" r:id="rId11"/>
-    <p:sldId id="370" r:id="rId12"/>
-    <p:sldId id="376" r:id="rId13"/>
-    <p:sldId id="377" r:id="rId14"/>
-    <p:sldId id="369" r:id="rId15"/>
-    <p:sldId id="378" r:id="rId16"/>
-    <p:sldId id="454" r:id="rId17"/>
-    <p:sldId id="453" r:id="rId18"/>
-    <p:sldId id="368" r:id="rId19"/>
-    <p:sldId id="380" r:id="rId20"/>
-    <p:sldId id="381" r:id="rId21"/>
-    <p:sldId id="382" r:id="rId22"/>
-    <p:sldId id="367" r:id="rId23"/>
-    <p:sldId id="383" r:id="rId24"/>
-    <p:sldId id="384" r:id="rId25"/>
-    <p:sldId id="335" r:id="rId26"/>
-    <p:sldId id="270" r:id="rId27"/>
-    <p:sldId id="385" r:id="rId28"/>
-    <p:sldId id="387" r:id="rId29"/>
-    <p:sldId id="386" r:id="rId30"/>
-    <p:sldId id="388" r:id="rId31"/>
-    <p:sldId id="389" r:id="rId32"/>
-    <p:sldId id="271" r:id="rId33"/>
-    <p:sldId id="316" r:id="rId34"/>
+    <p:sldId id="268" r:id="rId3"/>
+    <p:sldId id="456" r:id="rId4"/>
+    <p:sldId id="455" r:id="rId5"/>
+    <p:sldId id="269" r:id="rId6"/>
+    <p:sldId id="334" r:id="rId7"/>
+    <p:sldId id="372" r:id="rId8"/>
+    <p:sldId id="373" r:id="rId9"/>
+    <p:sldId id="371" r:id="rId10"/>
+    <p:sldId id="374" r:id="rId11"/>
+    <p:sldId id="375" r:id="rId12"/>
+    <p:sldId id="370" r:id="rId13"/>
+    <p:sldId id="376" r:id="rId14"/>
+    <p:sldId id="377" r:id="rId15"/>
+    <p:sldId id="369" r:id="rId16"/>
+    <p:sldId id="378" r:id="rId17"/>
+    <p:sldId id="454" r:id="rId18"/>
+    <p:sldId id="453" r:id="rId19"/>
+    <p:sldId id="368" r:id="rId20"/>
+    <p:sldId id="380" r:id="rId21"/>
+    <p:sldId id="381" r:id="rId22"/>
+    <p:sldId id="382" r:id="rId23"/>
+    <p:sldId id="367" r:id="rId24"/>
+    <p:sldId id="383" r:id="rId25"/>
+    <p:sldId id="384" r:id="rId26"/>
+    <p:sldId id="457" r:id="rId27"/>
+    <p:sldId id="335" r:id="rId28"/>
+    <p:sldId id="458" r:id="rId29"/>
+    <p:sldId id="459" r:id="rId30"/>
+    <p:sldId id="460" r:id="rId31"/>
+    <p:sldId id="461" r:id="rId32"/>
+    <p:sldId id="462" r:id="rId33"/>
+    <p:sldId id="463" r:id="rId34"/>
+    <p:sldId id="271" r:id="rId35"/>
+    <p:sldId id="316" r:id="rId36"/>
   </p:sldIdLst>
   <p:sldSz cx="9144000" cy="6858000" type="screen4x3"/>
   <p:notesSz cx="6858000" cy="9144000"/>
@@ -541,7 +543,7 @@
         <p:nvSpPr>
           <p:cNvPr id="117764" name="Rectangle 4"/>
           <p:cNvSpPr>
-            <a:spLocks noRot="1" noChangeArrowheads="1" noTextEdit="1"/>
+            <a:spLocks noGrp="1" noRot="1" noChangeAspect="1" noChangeArrowheads="1" noTextEdit="1"/>
           </p:cNvSpPr>
           <p:nvPr>
             <p:ph type="sldImg" idx="2"/>
@@ -1107,7 +1109,7 @@
                 <a:latin typeface="Arial" charset="0"/>
               </a:rPr>
               <a:pPr eaLnBrk="1" hangingPunct="1"/>
-              <a:t>7</a:t>
+              <a:t>8</a:t>
             </a:fld>
             <a:endParaRPr lang="en-US" altLang="zh-CN" smtClean="0">
               <a:latin typeface="Arial" charset="0"/>
@@ -5335,6 +5337,13 @@
     <a:masterClrMapping/>
   </p:clrMapOvr>
   <p:transition/>
+  <p:timing>
+    <p:tnLst>
+      <p:par>
+        <p:cTn id="1" dur="indefinite" restart="never" nodeType="tmRoot"/>
+      </p:par>
+    </p:tnLst>
+  </p:timing>
 </p:sld>
 </file>
 
@@ -5357,7 +5366,7 @@
       </p:grpSpPr>
       <p:sp>
         <p:nvSpPr>
-          <p:cNvPr id="12290" name="灯片编号占位符 5"/>
+          <p:cNvPr id="11266" name="灯片编号占位符 5"/>
           <p:cNvSpPr>
             <a:spLocks noGrp="1"/>
           </p:cNvSpPr>
@@ -5499,10 +5508,273 @@
           </a:lstStyle>
           <a:p>
             <a:pPr eaLnBrk="1" hangingPunct="1"/>
+            <a:fld id="{41A1BEC1-6F21-4B44-9D6A-7418AF0A6B24}" type="slidenum">
+              <a:rPr lang="en-US" altLang="zh-CN" smtClean="0"/>
+              <a:pPr eaLnBrk="1" hangingPunct="1"/>
+              <a:t>10</a:t>
+            </a:fld>
+            <a:endParaRPr lang="en-US" altLang="zh-CN" smtClean="0"/>
+          </a:p>
+        </p:txBody>
+      </p:sp>
+      <p:sp>
+        <p:nvSpPr>
+          <p:cNvPr id="11267" name="Rectangle 2"/>
+          <p:cNvSpPr>
+            <a:spLocks noGrp="1" noChangeArrowheads="1"/>
+          </p:cNvSpPr>
+          <p:nvPr>
+            <p:ph type="title"/>
+          </p:nvPr>
+        </p:nvSpPr>
+        <p:spPr/>
+        <p:txBody>
+          <a:bodyPr/>
+          <a:lstStyle/>
+          <a:p>
+            <a:pPr eaLnBrk="1" hangingPunct="1"/>
+            <a:r>
+              <a:rPr lang="en-US" altLang="zh-CN" b="1" smtClean="0">
+                <a:latin typeface="黑体" pitchFamily="49" charset="-122"/>
+                <a:ea typeface="黑体" pitchFamily="49" charset="-122"/>
+              </a:rPr>
+              <a:t>5.3 </a:t>
+            </a:r>
+            <a:r>
+              <a:rPr lang="zh-CN" altLang="en-US" b="1" smtClean="0">
+                <a:latin typeface="黑体" pitchFamily="49" charset="-122"/>
+                <a:ea typeface="黑体" pitchFamily="49" charset="-122"/>
+              </a:rPr>
+              <a:t>对判定的测试</a:t>
+            </a:r>
+          </a:p>
+        </p:txBody>
+      </p:sp>
+      <p:sp>
+        <p:nvSpPr>
+          <p:cNvPr id="11268" name="Rectangle 3"/>
+          <p:cNvSpPr>
+            <a:spLocks noGrp="1" noChangeArrowheads="1"/>
+          </p:cNvSpPr>
+          <p:nvPr>
+            <p:ph type="body" idx="1"/>
+          </p:nvPr>
+        </p:nvSpPr>
+        <p:spPr/>
+        <p:txBody>
+          <a:bodyPr/>
+          <a:lstStyle/>
+          <a:p>
+            <a:pPr algn="just" eaLnBrk="1" hangingPunct="1"/>
+            <a:r>
+              <a:rPr lang="zh-CN" altLang="en-US" sz="3400" b="1" dirty="0" smtClean="0"/>
+              <a:t>判定覆盖</a:t>
+            </a:r>
+            <a:endParaRPr lang="en-US" altLang="zh-CN" sz="3400" b="1" dirty="0" smtClean="0"/>
+          </a:p>
+          <a:p>
+            <a:pPr lvl="1" algn="just" eaLnBrk="1" hangingPunct="1"/>
+            <a:r>
+              <a:rPr lang="zh-CN" altLang="en-US" sz="3200" b="1" dirty="0"/>
+              <a:t>设计测试用例时应保证程序中每个判定节点的取真和取假分支至少执行一</a:t>
+            </a:r>
+            <a:r>
+              <a:rPr lang="zh-CN" altLang="en-US" sz="3200" b="1" dirty="0" smtClean="0"/>
+              <a:t>次</a:t>
+            </a:r>
+            <a:endParaRPr lang="en-US" altLang="zh-CN" sz="3200" b="1" dirty="0" smtClean="0"/>
+          </a:p>
+          <a:p>
+            <a:pPr lvl="1" algn="just" eaLnBrk="1" hangingPunct="1"/>
+            <a:r>
+              <a:rPr lang="zh-CN" altLang="en-US" sz="3200" b="1" dirty="0" smtClean="0"/>
+              <a:t>边覆盖</a:t>
+            </a:r>
+            <a:endParaRPr lang="zh-CN" altLang="en-US" sz="3200" b="1" dirty="0"/>
+          </a:p>
+        </p:txBody>
+      </p:sp>
+    </p:spTree>
+  </p:cSld>
+  <p:clrMapOvr>
+    <a:masterClrMapping/>
+  </p:clrMapOvr>
+  <p:transition/>
+  <p:timing>
+    <p:tnLst>
+      <p:par>
+        <p:cTn id="1" dur="indefinite" restart="never" nodeType="tmRoot"/>
+      </p:par>
+    </p:tnLst>
+  </p:timing>
+</p:sld>
+</file>
+
+<file path=ppt/slides/slide11.xml><?xml version="1.0" encoding="utf-8"?>
+<p:sld xmlns:a="http://schemas.openxmlformats.org/drawingml/2006/main" xmlns:r="http://schemas.openxmlformats.org/officeDocument/2006/relationships" xmlns:p="http://schemas.openxmlformats.org/presentationml/2006/main">
+  <p:cSld>
+    <p:spTree>
+      <p:nvGrpSpPr>
+        <p:cNvPr id="1" name=""/>
+        <p:cNvGrpSpPr/>
+        <p:nvPr/>
+      </p:nvGrpSpPr>
+      <p:grpSpPr>
+        <a:xfrm>
+          <a:off x="0" y="0"/>
+          <a:ext cx="0" cy="0"/>
+          <a:chOff x="0" y="0"/>
+          <a:chExt cx="0" cy="0"/>
+        </a:xfrm>
+      </p:grpSpPr>
+      <p:sp>
+        <p:nvSpPr>
+          <p:cNvPr id="12290" name="灯片编号占位符 5"/>
+          <p:cNvSpPr>
+            <a:spLocks noGrp="1"/>
+          </p:cNvSpPr>
+          <p:nvPr>
+            <p:ph type="sldNum" sz="quarter" idx="12"/>
+          </p:nvPr>
+        </p:nvSpPr>
+        <p:spPr>
+          <a:noFill/>
+          <a:ln/>
+          <a:extLst>
+            <a:ext uri="{909E8E84-426E-40DD-AFC4-6F175D3DCCD1}">
+              <a14:hiddenFill xmlns:a14="http://schemas.microsoft.com/office/drawing/2010/main">
+                <a:solidFill>
+                  <a:srgbClr val="FFFFFF"/>
+                </a:solidFill>
+              </a14:hiddenFill>
+            </a:ext>
+            <a:ext uri="{91240B29-F687-4F45-9708-019B960494DF}">
+              <a14:hiddenLine xmlns:a14="http://schemas.microsoft.com/office/drawing/2010/main" w="9525">
+                <a:solidFill>
+                  <a:srgbClr val="000000"/>
+                </a:solidFill>
+                <a:miter lim="800000"/>
+                <a:headEnd/>
+                <a:tailEnd/>
+              </a14:hiddenLine>
+            </a:ext>
+          </a:extLst>
+        </p:spPr>
+        <p:txBody>
+          <a:bodyPr/>
+          <a:lstStyle>
+            <a:lvl1pPr eaLnBrk="0" hangingPunct="0">
+              <a:defRPr>
+                <a:solidFill>
+                  <a:schemeClr val="tx1"/>
+                </a:solidFill>
+                <a:latin typeface="Verdana" pitchFamily="34" charset="0"/>
+                <a:ea typeface="宋体" charset="-122"/>
+              </a:defRPr>
+            </a:lvl1pPr>
+            <a:lvl2pPr marL="742950" indent="-285750" eaLnBrk="0" hangingPunct="0">
+              <a:defRPr>
+                <a:solidFill>
+                  <a:schemeClr val="tx1"/>
+                </a:solidFill>
+                <a:latin typeface="Verdana" pitchFamily="34" charset="0"/>
+                <a:ea typeface="宋体" charset="-122"/>
+              </a:defRPr>
+            </a:lvl2pPr>
+            <a:lvl3pPr marL="1143000" indent="-228600" eaLnBrk="0" hangingPunct="0">
+              <a:defRPr>
+                <a:solidFill>
+                  <a:schemeClr val="tx1"/>
+                </a:solidFill>
+                <a:latin typeface="Verdana" pitchFamily="34" charset="0"/>
+                <a:ea typeface="宋体" charset="-122"/>
+              </a:defRPr>
+            </a:lvl3pPr>
+            <a:lvl4pPr marL="1600200" indent="-228600" eaLnBrk="0" hangingPunct="0">
+              <a:defRPr>
+                <a:solidFill>
+                  <a:schemeClr val="tx1"/>
+                </a:solidFill>
+                <a:latin typeface="Verdana" pitchFamily="34" charset="0"/>
+                <a:ea typeface="宋体" charset="-122"/>
+              </a:defRPr>
+            </a:lvl4pPr>
+            <a:lvl5pPr marL="2057400" indent="-228600" eaLnBrk="0" hangingPunct="0">
+              <a:defRPr>
+                <a:solidFill>
+                  <a:schemeClr val="tx1"/>
+                </a:solidFill>
+                <a:latin typeface="Verdana" pitchFamily="34" charset="0"/>
+                <a:ea typeface="宋体" charset="-122"/>
+              </a:defRPr>
+            </a:lvl5pPr>
+            <a:lvl6pPr marL="2514600" indent="-228600" eaLnBrk="0" fontAlgn="base" hangingPunct="0">
+              <a:spcBef>
+                <a:spcPct val="0"/>
+              </a:spcBef>
+              <a:spcAft>
+                <a:spcPct val="0"/>
+              </a:spcAft>
+              <a:defRPr>
+                <a:solidFill>
+                  <a:schemeClr val="tx1"/>
+                </a:solidFill>
+                <a:latin typeface="Verdana" pitchFamily="34" charset="0"/>
+                <a:ea typeface="宋体" charset="-122"/>
+              </a:defRPr>
+            </a:lvl6pPr>
+            <a:lvl7pPr marL="2971800" indent="-228600" eaLnBrk="0" fontAlgn="base" hangingPunct="0">
+              <a:spcBef>
+                <a:spcPct val="0"/>
+              </a:spcBef>
+              <a:spcAft>
+                <a:spcPct val="0"/>
+              </a:spcAft>
+              <a:defRPr>
+                <a:solidFill>
+                  <a:schemeClr val="tx1"/>
+                </a:solidFill>
+                <a:latin typeface="Verdana" pitchFamily="34" charset="0"/>
+                <a:ea typeface="宋体" charset="-122"/>
+              </a:defRPr>
+            </a:lvl7pPr>
+            <a:lvl8pPr marL="3429000" indent="-228600" eaLnBrk="0" fontAlgn="base" hangingPunct="0">
+              <a:spcBef>
+                <a:spcPct val="0"/>
+              </a:spcBef>
+              <a:spcAft>
+                <a:spcPct val="0"/>
+              </a:spcAft>
+              <a:defRPr>
+                <a:solidFill>
+                  <a:schemeClr val="tx1"/>
+                </a:solidFill>
+                <a:latin typeface="Verdana" pitchFamily="34" charset="0"/>
+                <a:ea typeface="宋体" charset="-122"/>
+              </a:defRPr>
+            </a:lvl8pPr>
+            <a:lvl9pPr marL="3886200" indent="-228600" eaLnBrk="0" fontAlgn="base" hangingPunct="0">
+              <a:spcBef>
+                <a:spcPct val="0"/>
+              </a:spcBef>
+              <a:spcAft>
+                <a:spcPct val="0"/>
+              </a:spcAft>
+              <a:defRPr>
+                <a:solidFill>
+                  <a:schemeClr val="tx1"/>
+                </a:solidFill>
+                <a:latin typeface="Verdana" pitchFamily="34" charset="0"/>
+                <a:ea typeface="宋体" charset="-122"/>
+              </a:defRPr>
+            </a:lvl9pPr>
+          </a:lstStyle>
+          <a:p>
+            <a:pPr eaLnBrk="1" hangingPunct="1"/>
             <a:fld id="{020B812F-9691-4E64-BF25-3256C7133913}" type="slidenum">
               <a:rPr lang="en-US" altLang="zh-CN" smtClean="0"/>
               <a:pPr eaLnBrk="1" hangingPunct="1"/>
-              <a:t>10</a:t>
+              <a:t>11</a:t>
             </a:fld>
             <a:endParaRPr lang="en-US" altLang="zh-CN" smtClean="0"/>
           </a:p>
@@ -5662,320 +5934,6 @@
 </p:sld>
 </file>
 
-<file path=ppt/slides/slide11.xml><?xml version="1.0" encoding="utf-8"?>
-<p:sld xmlns:a="http://schemas.openxmlformats.org/drawingml/2006/main" xmlns:r="http://schemas.openxmlformats.org/officeDocument/2006/relationships" xmlns:p="http://schemas.openxmlformats.org/presentationml/2006/main">
-  <p:cSld>
-    <p:spTree>
-      <p:nvGrpSpPr>
-        <p:cNvPr id="1" name=""/>
-        <p:cNvGrpSpPr/>
-        <p:nvPr/>
-      </p:nvGrpSpPr>
-      <p:grpSpPr>
-        <a:xfrm>
-          <a:off x="0" y="0"/>
-          <a:ext cx="0" cy="0"/>
-          <a:chOff x="0" y="0"/>
-          <a:chExt cx="0" cy="0"/>
-        </a:xfrm>
-      </p:grpSpPr>
-      <p:sp>
-        <p:nvSpPr>
-          <p:cNvPr id="13314" name="灯片编号占位符 5"/>
-          <p:cNvSpPr>
-            <a:spLocks noGrp="1"/>
-          </p:cNvSpPr>
-          <p:nvPr>
-            <p:ph type="sldNum" sz="quarter" idx="12"/>
-          </p:nvPr>
-        </p:nvSpPr>
-        <p:spPr>
-          <a:noFill/>
-          <a:ln/>
-          <a:extLst>
-            <a:ext uri="{909E8E84-426E-40DD-AFC4-6F175D3DCCD1}">
-              <a14:hiddenFill xmlns:a14="http://schemas.microsoft.com/office/drawing/2010/main">
-                <a:solidFill>
-                  <a:srgbClr val="FFFFFF"/>
-                </a:solidFill>
-              </a14:hiddenFill>
-            </a:ext>
-            <a:ext uri="{91240B29-F687-4F45-9708-019B960494DF}">
-              <a14:hiddenLine xmlns:a14="http://schemas.microsoft.com/office/drawing/2010/main" w="9525">
-                <a:solidFill>
-                  <a:srgbClr val="000000"/>
-                </a:solidFill>
-                <a:miter lim="800000"/>
-                <a:headEnd/>
-                <a:tailEnd/>
-              </a14:hiddenLine>
-            </a:ext>
-          </a:extLst>
-        </p:spPr>
-        <p:txBody>
-          <a:bodyPr/>
-          <a:lstStyle>
-            <a:lvl1pPr eaLnBrk="0" hangingPunct="0">
-              <a:defRPr>
-                <a:solidFill>
-                  <a:schemeClr val="tx1"/>
-                </a:solidFill>
-                <a:latin typeface="Verdana" pitchFamily="34" charset="0"/>
-                <a:ea typeface="宋体" charset="-122"/>
-              </a:defRPr>
-            </a:lvl1pPr>
-            <a:lvl2pPr marL="742950" indent="-285750" eaLnBrk="0" hangingPunct="0">
-              <a:defRPr>
-                <a:solidFill>
-                  <a:schemeClr val="tx1"/>
-                </a:solidFill>
-                <a:latin typeface="Verdana" pitchFamily="34" charset="0"/>
-                <a:ea typeface="宋体" charset="-122"/>
-              </a:defRPr>
-            </a:lvl2pPr>
-            <a:lvl3pPr marL="1143000" indent="-228600" eaLnBrk="0" hangingPunct="0">
-              <a:defRPr>
-                <a:solidFill>
-                  <a:schemeClr val="tx1"/>
-                </a:solidFill>
-                <a:latin typeface="Verdana" pitchFamily="34" charset="0"/>
-                <a:ea typeface="宋体" charset="-122"/>
-              </a:defRPr>
-            </a:lvl3pPr>
-            <a:lvl4pPr marL="1600200" indent="-228600" eaLnBrk="0" hangingPunct="0">
-              <a:defRPr>
-                <a:solidFill>
-                  <a:schemeClr val="tx1"/>
-                </a:solidFill>
-                <a:latin typeface="Verdana" pitchFamily="34" charset="0"/>
-                <a:ea typeface="宋体" charset="-122"/>
-              </a:defRPr>
-            </a:lvl4pPr>
-            <a:lvl5pPr marL="2057400" indent="-228600" eaLnBrk="0" hangingPunct="0">
-              <a:defRPr>
-                <a:solidFill>
-                  <a:schemeClr val="tx1"/>
-                </a:solidFill>
-                <a:latin typeface="Verdana" pitchFamily="34" charset="0"/>
-                <a:ea typeface="宋体" charset="-122"/>
-              </a:defRPr>
-            </a:lvl5pPr>
-            <a:lvl6pPr marL="2514600" indent="-228600" eaLnBrk="0" fontAlgn="base" hangingPunct="0">
-              <a:spcBef>
-                <a:spcPct val="0"/>
-              </a:spcBef>
-              <a:spcAft>
-                <a:spcPct val="0"/>
-              </a:spcAft>
-              <a:defRPr>
-                <a:solidFill>
-                  <a:schemeClr val="tx1"/>
-                </a:solidFill>
-                <a:latin typeface="Verdana" pitchFamily="34" charset="0"/>
-                <a:ea typeface="宋体" charset="-122"/>
-              </a:defRPr>
-            </a:lvl6pPr>
-            <a:lvl7pPr marL="2971800" indent="-228600" eaLnBrk="0" fontAlgn="base" hangingPunct="0">
-              <a:spcBef>
-                <a:spcPct val="0"/>
-              </a:spcBef>
-              <a:spcAft>
-                <a:spcPct val="0"/>
-              </a:spcAft>
-              <a:defRPr>
-                <a:solidFill>
-                  <a:schemeClr val="tx1"/>
-                </a:solidFill>
-                <a:latin typeface="Verdana" pitchFamily="34" charset="0"/>
-                <a:ea typeface="宋体" charset="-122"/>
-              </a:defRPr>
-            </a:lvl7pPr>
-            <a:lvl8pPr marL="3429000" indent="-228600" eaLnBrk="0" fontAlgn="base" hangingPunct="0">
-              <a:spcBef>
-                <a:spcPct val="0"/>
-              </a:spcBef>
-              <a:spcAft>
-                <a:spcPct val="0"/>
-              </a:spcAft>
-              <a:defRPr>
-                <a:solidFill>
-                  <a:schemeClr val="tx1"/>
-                </a:solidFill>
-                <a:latin typeface="Verdana" pitchFamily="34" charset="0"/>
-                <a:ea typeface="宋体" charset="-122"/>
-              </a:defRPr>
-            </a:lvl8pPr>
-            <a:lvl9pPr marL="3886200" indent="-228600" eaLnBrk="0" fontAlgn="base" hangingPunct="0">
-              <a:spcBef>
-                <a:spcPct val="0"/>
-              </a:spcBef>
-              <a:spcAft>
-                <a:spcPct val="0"/>
-              </a:spcAft>
-              <a:defRPr>
-                <a:solidFill>
-                  <a:schemeClr val="tx1"/>
-                </a:solidFill>
-                <a:latin typeface="Verdana" pitchFamily="34" charset="0"/>
-                <a:ea typeface="宋体" charset="-122"/>
-              </a:defRPr>
-            </a:lvl9pPr>
-          </a:lstStyle>
-          <a:p>
-            <a:pPr eaLnBrk="1" hangingPunct="1"/>
-            <a:fld id="{92134782-2403-426D-A7A2-B4EA04DECFC4}" type="slidenum">
-              <a:rPr lang="en-US" altLang="zh-CN" smtClean="0"/>
-              <a:pPr eaLnBrk="1" hangingPunct="1"/>
-              <a:t>11</a:t>
-            </a:fld>
-            <a:endParaRPr lang="en-US" altLang="zh-CN" smtClean="0"/>
-          </a:p>
-        </p:txBody>
-      </p:sp>
-      <p:sp>
-        <p:nvSpPr>
-          <p:cNvPr id="13315" name="Rectangle 2"/>
-          <p:cNvSpPr>
-            <a:spLocks noGrp="1" noChangeArrowheads="1"/>
-          </p:cNvSpPr>
-          <p:nvPr>
-            <p:ph type="title"/>
-          </p:nvPr>
-        </p:nvSpPr>
-        <p:spPr/>
-        <p:txBody>
-          <a:bodyPr/>
-          <a:lstStyle/>
-          <a:p>
-            <a:pPr eaLnBrk="1" hangingPunct="1"/>
-            <a:r>
-              <a:rPr lang="en-US" altLang="zh-CN" b="1" smtClean="0">
-                <a:latin typeface="黑体" pitchFamily="49" charset="-122"/>
-                <a:ea typeface="黑体" pitchFamily="49" charset="-122"/>
-              </a:rPr>
-              <a:t>5.3 </a:t>
-            </a:r>
-            <a:r>
-              <a:rPr lang="zh-CN" altLang="en-US" b="1" smtClean="0">
-                <a:latin typeface="黑体" pitchFamily="49" charset="-122"/>
-                <a:ea typeface="黑体" pitchFamily="49" charset="-122"/>
-              </a:rPr>
-              <a:t>对判定的测试</a:t>
-            </a:r>
-          </a:p>
-        </p:txBody>
-      </p:sp>
-      <p:sp>
-        <p:nvSpPr>
-          <p:cNvPr id="13316" name="Rectangle 3"/>
-          <p:cNvSpPr>
-            <a:spLocks noGrp="1" noChangeArrowheads="1"/>
-          </p:cNvSpPr>
-          <p:nvPr>
-            <p:ph type="body" idx="1"/>
-          </p:nvPr>
-        </p:nvSpPr>
-        <p:spPr/>
-        <p:txBody>
-          <a:bodyPr/>
-          <a:lstStyle/>
-          <a:p>
-            <a:pPr algn="just" eaLnBrk="1" hangingPunct="1"/>
-            <a:r>
-              <a:rPr lang="zh-CN" altLang="en-US" sz="3400" b="1" smtClean="0"/>
-              <a:t>测试用例设计</a:t>
-            </a:r>
-            <a:endParaRPr lang="en-US" altLang="zh-CN" sz="3400" b="1" smtClean="0"/>
-          </a:p>
-          <a:p>
-            <a:pPr lvl="1" algn="just" eaLnBrk="1" hangingPunct="1"/>
-            <a:r>
-              <a:rPr lang="zh-CN" altLang="en-US" b="1" smtClean="0"/>
-              <a:t>语句覆盖</a:t>
-            </a:r>
-            <a:endParaRPr lang="en-US" altLang="zh-CN" b="1" smtClean="0"/>
-          </a:p>
-          <a:p>
-            <a:pPr lvl="1" algn="just" eaLnBrk="1" hangingPunct="1"/>
-            <a:r>
-              <a:rPr lang="zh-CN" altLang="en-US" b="1" smtClean="0"/>
-              <a:t>判定覆盖</a:t>
-            </a:r>
-            <a:endParaRPr lang="en-US" altLang="zh-CN" b="1" smtClean="0"/>
-          </a:p>
-          <a:p>
-            <a:pPr lvl="1" algn="just" eaLnBrk="1" hangingPunct="1"/>
-            <a:r>
-              <a:rPr lang="zh-CN" altLang="en-US" b="1" smtClean="0">
-                <a:solidFill>
-                  <a:srgbClr val="0000FF"/>
-                </a:solidFill>
-              </a:rPr>
-              <a:t>条件覆盖</a:t>
-            </a:r>
-            <a:endParaRPr lang="en-US" altLang="zh-CN" b="1" smtClean="0">
-              <a:solidFill>
-                <a:srgbClr val="0000FF"/>
-              </a:solidFill>
-            </a:endParaRPr>
-          </a:p>
-          <a:p>
-            <a:pPr lvl="1" algn="just" eaLnBrk="1" hangingPunct="1"/>
-            <a:r>
-              <a:rPr lang="zh-CN" altLang="en-US" b="1" smtClean="0"/>
-              <a:t>判定</a:t>
-            </a:r>
-            <a:r>
-              <a:rPr lang="en-US" altLang="zh-CN" b="1" smtClean="0"/>
-              <a:t>/</a:t>
-            </a:r>
-            <a:r>
-              <a:rPr lang="zh-CN" altLang="en-US" b="1" smtClean="0"/>
-              <a:t>条件覆盖</a:t>
-            </a:r>
-            <a:endParaRPr lang="en-US" altLang="zh-CN" b="1" smtClean="0"/>
-          </a:p>
-          <a:p>
-            <a:pPr lvl="1" algn="just" eaLnBrk="1" hangingPunct="1"/>
-            <a:r>
-              <a:rPr lang="zh-CN" altLang="en-US" b="1" smtClean="0"/>
-              <a:t>条件组合覆盖</a:t>
-            </a:r>
-            <a:endParaRPr lang="en-US" altLang="zh-CN" b="1" smtClean="0"/>
-          </a:p>
-          <a:p>
-            <a:pPr lvl="1" algn="just" eaLnBrk="1" hangingPunct="1"/>
-            <a:r>
-              <a:rPr lang="zh-CN" altLang="en-US" b="1" smtClean="0"/>
-              <a:t>修正的判定</a:t>
-            </a:r>
-            <a:r>
-              <a:rPr lang="en-US" altLang="zh-CN" b="1" smtClean="0"/>
-              <a:t>/</a:t>
-            </a:r>
-            <a:r>
-              <a:rPr lang="zh-CN" altLang="en-US" b="1" smtClean="0"/>
-              <a:t>条件覆盖</a:t>
-            </a:r>
-          </a:p>
-        </p:txBody>
-      </p:sp>
-    </p:spTree>
-  </p:cSld>
-  <p:clrMapOvr>
-    <a:masterClrMapping/>
-  </p:clrMapOvr>
-  <p:transition/>
-  <p:timing>
-    <p:tnLst>
-      <p:par>
-        <p:cTn id="1" dur="indefinite" restart="never" nodeType="tmRoot"/>
-      </p:par>
-    </p:tnLst>
-  </p:timing>
-</p:sld>
-</file>
-
 <file path=ppt/slides/slide12.xml><?xml version="1.0" encoding="utf-8"?>
 <p:sld xmlns:a="http://schemas.openxmlformats.org/drawingml/2006/main" xmlns:r="http://schemas.openxmlformats.org/officeDocument/2006/relationships" xmlns:p="http://schemas.openxmlformats.org/presentationml/2006/main">
   <p:cSld>
@@ -5995,7 +5953,7 @@
       </p:grpSpPr>
       <p:sp>
         <p:nvSpPr>
-          <p:cNvPr id="14338" name="灯片编号占位符 5"/>
+          <p:cNvPr id="13314" name="灯片编号占位符 5"/>
           <p:cNvSpPr>
             <a:spLocks noGrp="1"/>
           </p:cNvSpPr>
@@ -6137,7 +6095,7 @@
           </a:lstStyle>
           <a:p>
             <a:pPr eaLnBrk="1" hangingPunct="1"/>
-            <a:fld id="{CBD02EE1-200A-499C-8840-D90C4B220FA6}" type="slidenum">
+            <a:fld id="{92134782-2403-426D-A7A2-B4EA04DECFC4}" type="slidenum">
               <a:rPr lang="en-US" altLang="zh-CN" smtClean="0"/>
               <a:pPr eaLnBrk="1" hangingPunct="1"/>
               <a:t>12</a:t>
@@ -6148,7 +6106,7 @@
       </p:sp>
       <p:sp>
         <p:nvSpPr>
-          <p:cNvPr id="14339" name="Rectangle 2"/>
+          <p:cNvPr id="13315" name="Rectangle 2"/>
           <p:cNvSpPr>
             <a:spLocks noGrp="1" noChangeArrowheads="1"/>
           </p:cNvSpPr>
@@ -6181,7 +6139,7 @@
       </p:sp>
       <p:sp>
         <p:nvSpPr>
-          <p:cNvPr id="14340" name="Rectangle 3"/>
+          <p:cNvPr id="13316" name="Rectangle 3"/>
           <p:cNvSpPr>
             <a:spLocks noGrp="1" noChangeArrowheads="1"/>
           </p:cNvSpPr>
@@ -6196,16 +6154,80 @@
           <a:p>
             <a:pPr algn="just" eaLnBrk="1" hangingPunct="1"/>
             <a:r>
-              <a:rPr lang="zh-CN" altLang="en-US" sz="3400" b="1" dirty="0" smtClean="0"/>
+              <a:rPr lang="zh-CN" altLang="en-US" sz="3400" b="1" smtClean="0"/>
+              <a:t>测试用例设计</a:t>
+            </a:r>
+            <a:endParaRPr lang="en-US" altLang="zh-CN" sz="3400" b="1" smtClean="0"/>
+          </a:p>
+          <a:p>
+            <a:pPr lvl="1" algn="just" eaLnBrk="1" hangingPunct="1"/>
+            <a:r>
+              <a:rPr lang="zh-CN" altLang="en-US" b="1" smtClean="0"/>
+              <a:t>语句覆盖</a:t>
+            </a:r>
+            <a:endParaRPr lang="en-US" altLang="zh-CN" b="1" smtClean="0"/>
+          </a:p>
+          <a:p>
+            <a:pPr lvl="1" algn="just" eaLnBrk="1" hangingPunct="1"/>
+            <a:r>
+              <a:rPr lang="zh-CN" altLang="en-US" b="1" smtClean="0"/>
+              <a:t>判定覆盖</a:t>
+            </a:r>
+            <a:endParaRPr lang="en-US" altLang="zh-CN" b="1" smtClean="0"/>
+          </a:p>
+          <a:p>
+            <a:pPr lvl="1" algn="just" eaLnBrk="1" hangingPunct="1"/>
+            <a:r>
+              <a:rPr lang="zh-CN" altLang="en-US" b="1" smtClean="0">
+                <a:solidFill>
+                  <a:srgbClr val="0000FF"/>
+                </a:solidFill>
+              </a:rPr>
               <a:t>条件覆盖</a:t>
             </a:r>
-            <a:endParaRPr lang="en-US" altLang="zh-CN" sz="3400" b="1" dirty="0" smtClean="0"/>
+            <a:endParaRPr lang="en-US" altLang="zh-CN" b="1" smtClean="0">
+              <a:solidFill>
+                <a:srgbClr val="0000FF"/>
+              </a:solidFill>
+            </a:endParaRPr>
           </a:p>
           <a:p>
             <a:pPr lvl="1" algn="just" eaLnBrk="1" hangingPunct="1"/>
             <a:r>
-              <a:rPr lang="zh-CN" altLang="en-US" sz="3200" b="1" dirty="0"/>
-              <a:t>设计测试用例时应保证程序中每个复合判定表达式中，每个简单判定条件的取真和取假情况至少执行一次</a:t>
+              <a:rPr lang="zh-CN" altLang="en-US" b="1" smtClean="0"/>
+              <a:t>判定</a:t>
+            </a:r>
+            <a:r>
+              <a:rPr lang="en-US" altLang="zh-CN" b="1" smtClean="0"/>
+              <a:t>/</a:t>
+            </a:r>
+            <a:r>
+              <a:rPr lang="zh-CN" altLang="en-US" b="1" smtClean="0"/>
+              <a:t>条件覆盖</a:t>
+            </a:r>
+            <a:endParaRPr lang="en-US" altLang="zh-CN" b="1" smtClean="0"/>
+          </a:p>
+          <a:p>
+            <a:pPr lvl="1" algn="just" eaLnBrk="1" hangingPunct="1"/>
+            <a:r>
+              <a:rPr lang="zh-CN" altLang="en-US" b="1" smtClean="0"/>
+              <a:t>条件组合覆盖</a:t>
+            </a:r>
+            <a:endParaRPr lang="en-US" altLang="zh-CN" b="1" smtClean="0"/>
+          </a:p>
+          <a:p>
+            <a:pPr lvl="1" algn="just" eaLnBrk="1" hangingPunct="1"/>
+            <a:r>
+              <a:rPr lang="zh-CN" altLang="en-US" b="1" smtClean="0"/>
+              <a:t>修正的判定</a:t>
+            </a:r>
+            <a:r>
+              <a:rPr lang="en-US" altLang="zh-CN" b="1" smtClean="0"/>
+              <a:t>/</a:t>
+            </a:r>
+            <a:r>
+              <a:rPr lang="zh-CN" altLang="en-US" b="1" smtClean="0"/>
+              <a:t>条件覆盖</a:t>
             </a:r>
           </a:p>
         </p:txBody>
@@ -6245,7 +6267,7 @@
       </p:grpSpPr>
       <p:sp>
         <p:nvSpPr>
-          <p:cNvPr id="15362" name="灯片编号占位符 5"/>
+          <p:cNvPr id="14338" name="灯片编号占位符 5"/>
           <p:cNvSpPr>
             <a:spLocks noGrp="1"/>
           </p:cNvSpPr>
@@ -6387,7 +6409,7 @@
           </a:lstStyle>
           <a:p>
             <a:pPr eaLnBrk="1" hangingPunct="1"/>
-            <a:fld id="{20C507CF-AD5E-402A-8DCA-BB34C0A73AB4}" type="slidenum">
+            <a:fld id="{CBD02EE1-200A-499C-8840-D90C4B220FA6}" type="slidenum">
               <a:rPr lang="en-US" altLang="zh-CN" smtClean="0"/>
               <a:pPr eaLnBrk="1" hangingPunct="1"/>
               <a:t>13</a:t>
@@ -6398,7 +6420,7 @@
       </p:sp>
       <p:sp>
         <p:nvSpPr>
-          <p:cNvPr id="15363" name="Rectangle 2"/>
+          <p:cNvPr id="14339" name="Rectangle 2"/>
           <p:cNvSpPr>
             <a:spLocks noGrp="1" noChangeArrowheads="1"/>
           </p:cNvSpPr>
@@ -6431,7 +6453,7 @@
       </p:sp>
       <p:sp>
         <p:nvSpPr>
-          <p:cNvPr id="15364" name="Rectangle 3"/>
+          <p:cNvPr id="14340" name="Rectangle 3"/>
           <p:cNvSpPr>
             <a:spLocks noGrp="1" noChangeArrowheads="1"/>
           </p:cNvSpPr>
@@ -6452,6 +6474,256 @@
             <a:endParaRPr lang="en-US" altLang="zh-CN" sz="3400" b="1" dirty="0" smtClean="0"/>
           </a:p>
           <a:p>
+            <a:pPr lvl="1" algn="just" eaLnBrk="1" hangingPunct="1"/>
+            <a:r>
+              <a:rPr lang="zh-CN" altLang="en-US" sz="3200" b="1" dirty="0"/>
+              <a:t>设计测试用例时应保证程序中每个复合判定表达式中，每个简单判定条件的取真和取假情况至少执行一次</a:t>
+            </a:r>
+          </a:p>
+        </p:txBody>
+      </p:sp>
+    </p:spTree>
+  </p:cSld>
+  <p:clrMapOvr>
+    <a:masterClrMapping/>
+  </p:clrMapOvr>
+  <p:transition/>
+  <p:timing>
+    <p:tnLst>
+      <p:par>
+        <p:cTn id="1" dur="indefinite" restart="never" nodeType="tmRoot"/>
+      </p:par>
+    </p:tnLst>
+  </p:timing>
+</p:sld>
+</file>
+
+<file path=ppt/slides/slide14.xml><?xml version="1.0" encoding="utf-8"?>
+<p:sld xmlns:a="http://schemas.openxmlformats.org/drawingml/2006/main" xmlns:r="http://schemas.openxmlformats.org/officeDocument/2006/relationships" xmlns:p="http://schemas.openxmlformats.org/presentationml/2006/main">
+  <p:cSld>
+    <p:spTree>
+      <p:nvGrpSpPr>
+        <p:cNvPr id="1" name=""/>
+        <p:cNvGrpSpPr/>
+        <p:nvPr/>
+      </p:nvGrpSpPr>
+      <p:grpSpPr>
+        <a:xfrm>
+          <a:off x="0" y="0"/>
+          <a:ext cx="0" cy="0"/>
+          <a:chOff x="0" y="0"/>
+          <a:chExt cx="0" cy="0"/>
+        </a:xfrm>
+      </p:grpSpPr>
+      <p:sp>
+        <p:nvSpPr>
+          <p:cNvPr id="15362" name="灯片编号占位符 5"/>
+          <p:cNvSpPr>
+            <a:spLocks noGrp="1"/>
+          </p:cNvSpPr>
+          <p:nvPr>
+            <p:ph type="sldNum" sz="quarter" idx="12"/>
+          </p:nvPr>
+        </p:nvSpPr>
+        <p:spPr>
+          <a:noFill/>
+          <a:ln/>
+          <a:extLst>
+            <a:ext uri="{909E8E84-426E-40DD-AFC4-6F175D3DCCD1}">
+              <a14:hiddenFill xmlns:a14="http://schemas.microsoft.com/office/drawing/2010/main">
+                <a:solidFill>
+                  <a:srgbClr val="FFFFFF"/>
+                </a:solidFill>
+              </a14:hiddenFill>
+            </a:ext>
+            <a:ext uri="{91240B29-F687-4F45-9708-019B960494DF}">
+              <a14:hiddenLine xmlns:a14="http://schemas.microsoft.com/office/drawing/2010/main" w="9525">
+                <a:solidFill>
+                  <a:srgbClr val="000000"/>
+                </a:solidFill>
+                <a:miter lim="800000"/>
+                <a:headEnd/>
+                <a:tailEnd/>
+              </a14:hiddenLine>
+            </a:ext>
+          </a:extLst>
+        </p:spPr>
+        <p:txBody>
+          <a:bodyPr/>
+          <a:lstStyle>
+            <a:lvl1pPr eaLnBrk="0" hangingPunct="0">
+              <a:defRPr>
+                <a:solidFill>
+                  <a:schemeClr val="tx1"/>
+                </a:solidFill>
+                <a:latin typeface="Verdana" pitchFamily="34" charset="0"/>
+                <a:ea typeface="宋体" charset="-122"/>
+              </a:defRPr>
+            </a:lvl1pPr>
+            <a:lvl2pPr marL="742950" indent="-285750" eaLnBrk="0" hangingPunct="0">
+              <a:defRPr>
+                <a:solidFill>
+                  <a:schemeClr val="tx1"/>
+                </a:solidFill>
+                <a:latin typeface="Verdana" pitchFamily="34" charset="0"/>
+                <a:ea typeface="宋体" charset="-122"/>
+              </a:defRPr>
+            </a:lvl2pPr>
+            <a:lvl3pPr marL="1143000" indent="-228600" eaLnBrk="0" hangingPunct="0">
+              <a:defRPr>
+                <a:solidFill>
+                  <a:schemeClr val="tx1"/>
+                </a:solidFill>
+                <a:latin typeface="Verdana" pitchFamily="34" charset="0"/>
+                <a:ea typeface="宋体" charset="-122"/>
+              </a:defRPr>
+            </a:lvl3pPr>
+            <a:lvl4pPr marL="1600200" indent="-228600" eaLnBrk="0" hangingPunct="0">
+              <a:defRPr>
+                <a:solidFill>
+                  <a:schemeClr val="tx1"/>
+                </a:solidFill>
+                <a:latin typeface="Verdana" pitchFamily="34" charset="0"/>
+                <a:ea typeface="宋体" charset="-122"/>
+              </a:defRPr>
+            </a:lvl4pPr>
+            <a:lvl5pPr marL="2057400" indent="-228600" eaLnBrk="0" hangingPunct="0">
+              <a:defRPr>
+                <a:solidFill>
+                  <a:schemeClr val="tx1"/>
+                </a:solidFill>
+                <a:latin typeface="Verdana" pitchFamily="34" charset="0"/>
+                <a:ea typeface="宋体" charset="-122"/>
+              </a:defRPr>
+            </a:lvl5pPr>
+            <a:lvl6pPr marL="2514600" indent="-228600" eaLnBrk="0" fontAlgn="base" hangingPunct="0">
+              <a:spcBef>
+                <a:spcPct val="0"/>
+              </a:spcBef>
+              <a:spcAft>
+                <a:spcPct val="0"/>
+              </a:spcAft>
+              <a:defRPr>
+                <a:solidFill>
+                  <a:schemeClr val="tx1"/>
+                </a:solidFill>
+                <a:latin typeface="Verdana" pitchFamily="34" charset="0"/>
+                <a:ea typeface="宋体" charset="-122"/>
+              </a:defRPr>
+            </a:lvl6pPr>
+            <a:lvl7pPr marL="2971800" indent="-228600" eaLnBrk="0" fontAlgn="base" hangingPunct="0">
+              <a:spcBef>
+                <a:spcPct val="0"/>
+              </a:spcBef>
+              <a:spcAft>
+                <a:spcPct val="0"/>
+              </a:spcAft>
+              <a:defRPr>
+                <a:solidFill>
+                  <a:schemeClr val="tx1"/>
+                </a:solidFill>
+                <a:latin typeface="Verdana" pitchFamily="34" charset="0"/>
+                <a:ea typeface="宋体" charset="-122"/>
+              </a:defRPr>
+            </a:lvl7pPr>
+            <a:lvl8pPr marL="3429000" indent="-228600" eaLnBrk="0" fontAlgn="base" hangingPunct="0">
+              <a:spcBef>
+                <a:spcPct val="0"/>
+              </a:spcBef>
+              <a:spcAft>
+                <a:spcPct val="0"/>
+              </a:spcAft>
+              <a:defRPr>
+                <a:solidFill>
+                  <a:schemeClr val="tx1"/>
+                </a:solidFill>
+                <a:latin typeface="Verdana" pitchFamily="34" charset="0"/>
+                <a:ea typeface="宋体" charset="-122"/>
+              </a:defRPr>
+            </a:lvl8pPr>
+            <a:lvl9pPr marL="3886200" indent="-228600" eaLnBrk="0" fontAlgn="base" hangingPunct="0">
+              <a:spcBef>
+                <a:spcPct val="0"/>
+              </a:spcBef>
+              <a:spcAft>
+                <a:spcPct val="0"/>
+              </a:spcAft>
+              <a:defRPr>
+                <a:solidFill>
+                  <a:schemeClr val="tx1"/>
+                </a:solidFill>
+                <a:latin typeface="Verdana" pitchFamily="34" charset="0"/>
+                <a:ea typeface="宋体" charset="-122"/>
+              </a:defRPr>
+            </a:lvl9pPr>
+          </a:lstStyle>
+          <a:p>
+            <a:pPr eaLnBrk="1" hangingPunct="1"/>
+            <a:fld id="{20C507CF-AD5E-402A-8DCA-BB34C0A73AB4}" type="slidenum">
+              <a:rPr lang="en-US" altLang="zh-CN" smtClean="0"/>
+              <a:pPr eaLnBrk="1" hangingPunct="1"/>
+              <a:t>14</a:t>
+            </a:fld>
+            <a:endParaRPr lang="en-US" altLang="zh-CN" smtClean="0"/>
+          </a:p>
+        </p:txBody>
+      </p:sp>
+      <p:sp>
+        <p:nvSpPr>
+          <p:cNvPr id="15363" name="Rectangle 2"/>
+          <p:cNvSpPr>
+            <a:spLocks noGrp="1" noChangeArrowheads="1"/>
+          </p:cNvSpPr>
+          <p:nvPr>
+            <p:ph type="title"/>
+          </p:nvPr>
+        </p:nvSpPr>
+        <p:spPr/>
+        <p:txBody>
+          <a:bodyPr/>
+          <a:lstStyle/>
+          <a:p>
+            <a:pPr eaLnBrk="1" hangingPunct="1"/>
+            <a:r>
+              <a:rPr lang="en-US" altLang="zh-CN" b="1" smtClean="0">
+                <a:latin typeface="黑体" pitchFamily="49" charset="-122"/>
+                <a:ea typeface="黑体" pitchFamily="49" charset="-122"/>
+              </a:rPr>
+              <a:t>5.3 </a:t>
+            </a:r>
+            <a:r>
+              <a:rPr lang="zh-CN" altLang="en-US" b="1" smtClean="0">
+                <a:latin typeface="黑体" pitchFamily="49" charset="-122"/>
+                <a:ea typeface="黑体" pitchFamily="49" charset="-122"/>
+              </a:rPr>
+              <a:t>对判定的测试</a:t>
+            </a:r>
+          </a:p>
+        </p:txBody>
+      </p:sp>
+      <p:sp>
+        <p:nvSpPr>
+          <p:cNvPr id="15364" name="Rectangle 3"/>
+          <p:cNvSpPr>
+            <a:spLocks noGrp="1" noChangeArrowheads="1"/>
+          </p:cNvSpPr>
+          <p:nvPr>
+            <p:ph type="body" idx="1"/>
+          </p:nvPr>
+        </p:nvSpPr>
+        <p:spPr/>
+        <p:txBody>
+          <a:bodyPr/>
+          <a:lstStyle/>
+          <a:p>
+            <a:pPr algn="just" eaLnBrk="1" hangingPunct="1"/>
+            <a:r>
+              <a:rPr lang="zh-CN" altLang="en-US" sz="3400" b="1" dirty="0" smtClean="0"/>
+              <a:t>条件覆盖</a:t>
+            </a:r>
+            <a:endParaRPr lang="en-US" altLang="zh-CN" sz="3400" b="1" dirty="0" smtClean="0"/>
+          </a:p>
+          <a:p>
             <a:pPr algn="just" eaLnBrk="1" hangingPunct="1"/>
             <a:endParaRPr lang="en-US" altLang="zh-CN" sz="3400" b="1" dirty="0" smtClean="0"/>
           </a:p>
@@ -6483,11 +6755,7 @@
             </a:r>
             <a:r>
               <a:rPr lang="zh-CN" altLang="en-US" b="1" dirty="0"/>
-              <a:t>的判定</a:t>
-            </a:r>
-            <a:r>
-              <a:rPr lang="zh-CN" altLang="en-US" b="1" dirty="0"/>
-              <a:t>覆盖</a:t>
+              <a:t>的判定覆盖</a:t>
             </a:r>
           </a:p>
         </p:txBody>
@@ -6562,328 +6830,6 @@
 </p:sld>
 </file>
 
-<file path=ppt/slides/slide14.xml><?xml version="1.0" encoding="utf-8"?>
-<p:sld xmlns:a="http://schemas.openxmlformats.org/drawingml/2006/main" xmlns:r="http://schemas.openxmlformats.org/officeDocument/2006/relationships" xmlns:p="http://schemas.openxmlformats.org/presentationml/2006/main">
-  <p:cSld>
-    <p:spTree>
-      <p:nvGrpSpPr>
-        <p:cNvPr id="1" name=""/>
-        <p:cNvGrpSpPr/>
-        <p:nvPr/>
-      </p:nvGrpSpPr>
-      <p:grpSpPr>
-        <a:xfrm>
-          <a:off x="0" y="0"/>
-          <a:ext cx="0" cy="0"/>
-          <a:chOff x="0" y="0"/>
-          <a:chExt cx="0" cy="0"/>
-        </a:xfrm>
-      </p:grpSpPr>
-      <p:sp>
-        <p:nvSpPr>
-          <p:cNvPr id="16386" name="灯片编号占位符 5"/>
-          <p:cNvSpPr>
-            <a:spLocks noGrp="1"/>
-          </p:cNvSpPr>
-          <p:nvPr>
-            <p:ph type="sldNum" sz="quarter" idx="12"/>
-          </p:nvPr>
-        </p:nvSpPr>
-        <p:spPr>
-          <a:noFill/>
-          <a:ln/>
-          <a:extLst>
-            <a:ext uri="{909E8E84-426E-40DD-AFC4-6F175D3DCCD1}">
-              <a14:hiddenFill xmlns:a14="http://schemas.microsoft.com/office/drawing/2010/main">
-                <a:solidFill>
-                  <a:srgbClr val="FFFFFF"/>
-                </a:solidFill>
-              </a14:hiddenFill>
-            </a:ext>
-            <a:ext uri="{91240B29-F687-4F45-9708-019B960494DF}">
-              <a14:hiddenLine xmlns:a14="http://schemas.microsoft.com/office/drawing/2010/main" w="9525">
-                <a:solidFill>
-                  <a:srgbClr val="000000"/>
-                </a:solidFill>
-                <a:miter lim="800000"/>
-                <a:headEnd/>
-                <a:tailEnd/>
-              </a14:hiddenLine>
-            </a:ext>
-          </a:extLst>
-        </p:spPr>
-        <p:txBody>
-          <a:bodyPr/>
-          <a:lstStyle>
-            <a:lvl1pPr eaLnBrk="0" hangingPunct="0">
-              <a:defRPr>
-                <a:solidFill>
-                  <a:schemeClr val="tx1"/>
-                </a:solidFill>
-                <a:latin typeface="Verdana" pitchFamily="34" charset="0"/>
-                <a:ea typeface="宋体" charset="-122"/>
-              </a:defRPr>
-            </a:lvl1pPr>
-            <a:lvl2pPr marL="742950" indent="-285750" eaLnBrk="0" hangingPunct="0">
-              <a:defRPr>
-                <a:solidFill>
-                  <a:schemeClr val="tx1"/>
-                </a:solidFill>
-                <a:latin typeface="Verdana" pitchFamily="34" charset="0"/>
-                <a:ea typeface="宋体" charset="-122"/>
-              </a:defRPr>
-            </a:lvl2pPr>
-            <a:lvl3pPr marL="1143000" indent="-228600" eaLnBrk="0" hangingPunct="0">
-              <a:defRPr>
-                <a:solidFill>
-                  <a:schemeClr val="tx1"/>
-                </a:solidFill>
-                <a:latin typeface="Verdana" pitchFamily="34" charset="0"/>
-                <a:ea typeface="宋体" charset="-122"/>
-              </a:defRPr>
-            </a:lvl3pPr>
-            <a:lvl4pPr marL="1600200" indent="-228600" eaLnBrk="0" hangingPunct="0">
-              <a:defRPr>
-                <a:solidFill>
-                  <a:schemeClr val="tx1"/>
-                </a:solidFill>
-                <a:latin typeface="Verdana" pitchFamily="34" charset="0"/>
-                <a:ea typeface="宋体" charset="-122"/>
-              </a:defRPr>
-            </a:lvl4pPr>
-            <a:lvl5pPr marL="2057400" indent="-228600" eaLnBrk="0" hangingPunct="0">
-              <a:defRPr>
-                <a:solidFill>
-                  <a:schemeClr val="tx1"/>
-                </a:solidFill>
-                <a:latin typeface="Verdana" pitchFamily="34" charset="0"/>
-                <a:ea typeface="宋体" charset="-122"/>
-              </a:defRPr>
-            </a:lvl5pPr>
-            <a:lvl6pPr marL="2514600" indent="-228600" eaLnBrk="0" fontAlgn="base" hangingPunct="0">
-              <a:spcBef>
-                <a:spcPct val="0"/>
-              </a:spcBef>
-              <a:spcAft>
-                <a:spcPct val="0"/>
-              </a:spcAft>
-              <a:defRPr>
-                <a:solidFill>
-                  <a:schemeClr val="tx1"/>
-                </a:solidFill>
-                <a:latin typeface="Verdana" pitchFamily="34" charset="0"/>
-                <a:ea typeface="宋体" charset="-122"/>
-              </a:defRPr>
-            </a:lvl6pPr>
-            <a:lvl7pPr marL="2971800" indent="-228600" eaLnBrk="0" fontAlgn="base" hangingPunct="0">
-              <a:spcBef>
-                <a:spcPct val="0"/>
-              </a:spcBef>
-              <a:spcAft>
-                <a:spcPct val="0"/>
-              </a:spcAft>
-              <a:defRPr>
-                <a:solidFill>
-                  <a:schemeClr val="tx1"/>
-                </a:solidFill>
-                <a:latin typeface="Verdana" pitchFamily="34" charset="0"/>
-                <a:ea typeface="宋体" charset="-122"/>
-              </a:defRPr>
-            </a:lvl7pPr>
-            <a:lvl8pPr marL="3429000" indent="-228600" eaLnBrk="0" fontAlgn="base" hangingPunct="0">
-              <a:spcBef>
-                <a:spcPct val="0"/>
-              </a:spcBef>
-              <a:spcAft>
-                <a:spcPct val="0"/>
-              </a:spcAft>
-              <a:defRPr>
-                <a:solidFill>
-                  <a:schemeClr val="tx1"/>
-                </a:solidFill>
-                <a:latin typeface="Verdana" pitchFamily="34" charset="0"/>
-                <a:ea typeface="宋体" charset="-122"/>
-              </a:defRPr>
-            </a:lvl8pPr>
-            <a:lvl9pPr marL="3886200" indent="-228600" eaLnBrk="0" fontAlgn="base" hangingPunct="0">
-              <a:spcBef>
-                <a:spcPct val="0"/>
-              </a:spcBef>
-              <a:spcAft>
-                <a:spcPct val="0"/>
-              </a:spcAft>
-              <a:defRPr>
-                <a:solidFill>
-                  <a:schemeClr val="tx1"/>
-                </a:solidFill>
-                <a:latin typeface="Verdana" pitchFamily="34" charset="0"/>
-                <a:ea typeface="宋体" charset="-122"/>
-              </a:defRPr>
-            </a:lvl9pPr>
-          </a:lstStyle>
-          <a:p>
-            <a:pPr eaLnBrk="1" hangingPunct="1"/>
-            <a:fld id="{9DFBDE98-9742-42FB-8A41-58BEA1CE35EC}" type="slidenum">
-              <a:rPr lang="en-US" altLang="zh-CN" smtClean="0"/>
-              <a:pPr eaLnBrk="1" hangingPunct="1"/>
-              <a:t>14</a:t>
-            </a:fld>
-            <a:endParaRPr lang="en-US" altLang="zh-CN" smtClean="0"/>
-          </a:p>
-        </p:txBody>
-      </p:sp>
-      <p:sp>
-        <p:nvSpPr>
-          <p:cNvPr id="16387" name="Rectangle 2"/>
-          <p:cNvSpPr>
-            <a:spLocks noGrp="1" noChangeArrowheads="1"/>
-          </p:cNvSpPr>
-          <p:nvPr>
-            <p:ph type="title"/>
-          </p:nvPr>
-        </p:nvSpPr>
-        <p:spPr/>
-        <p:txBody>
-          <a:bodyPr/>
-          <a:lstStyle/>
-          <a:p>
-            <a:pPr eaLnBrk="1" hangingPunct="1"/>
-            <a:r>
-              <a:rPr lang="en-US" altLang="zh-CN" b="1" smtClean="0">
-                <a:latin typeface="黑体" pitchFamily="49" charset="-122"/>
-                <a:ea typeface="黑体" pitchFamily="49" charset="-122"/>
-              </a:rPr>
-              <a:t>5.3 </a:t>
-            </a:r>
-            <a:r>
-              <a:rPr lang="zh-CN" altLang="en-US" b="1" smtClean="0">
-                <a:latin typeface="黑体" pitchFamily="49" charset="-122"/>
-                <a:ea typeface="黑体" pitchFamily="49" charset="-122"/>
-              </a:rPr>
-              <a:t>对判定的测试</a:t>
-            </a:r>
-          </a:p>
-        </p:txBody>
-      </p:sp>
-      <p:sp>
-        <p:nvSpPr>
-          <p:cNvPr id="16388" name="Rectangle 3"/>
-          <p:cNvSpPr>
-            <a:spLocks noGrp="1" noChangeArrowheads="1"/>
-          </p:cNvSpPr>
-          <p:nvPr>
-            <p:ph type="body" idx="1"/>
-          </p:nvPr>
-        </p:nvSpPr>
-        <p:spPr/>
-        <p:txBody>
-          <a:bodyPr/>
-          <a:lstStyle/>
-          <a:p>
-            <a:pPr algn="just" eaLnBrk="1" hangingPunct="1"/>
-            <a:r>
-              <a:rPr lang="zh-CN" altLang="en-US" sz="3400" b="1" dirty="0" smtClean="0"/>
-              <a:t>测试用例设计</a:t>
-            </a:r>
-            <a:endParaRPr lang="en-US" altLang="zh-CN" sz="3400" b="1" dirty="0" smtClean="0"/>
-          </a:p>
-          <a:p>
-            <a:pPr lvl="1" algn="just" eaLnBrk="1" hangingPunct="1"/>
-            <a:r>
-              <a:rPr lang="zh-CN" altLang="en-US" b="1" dirty="0" smtClean="0"/>
-              <a:t>语句覆盖</a:t>
-            </a:r>
-            <a:endParaRPr lang="en-US" altLang="zh-CN" b="1" dirty="0" smtClean="0"/>
-          </a:p>
-          <a:p>
-            <a:pPr lvl="1" algn="just" eaLnBrk="1" hangingPunct="1"/>
-            <a:r>
-              <a:rPr lang="zh-CN" altLang="en-US" b="1" dirty="0" smtClean="0"/>
-              <a:t>判定覆盖</a:t>
-            </a:r>
-            <a:endParaRPr lang="en-US" altLang="zh-CN" b="1" dirty="0" smtClean="0"/>
-          </a:p>
-          <a:p>
-            <a:pPr lvl="1" algn="just" eaLnBrk="1" hangingPunct="1"/>
-            <a:r>
-              <a:rPr lang="zh-CN" altLang="en-US" b="1" dirty="0" smtClean="0"/>
-              <a:t>条件覆盖</a:t>
-            </a:r>
-            <a:endParaRPr lang="en-US" altLang="zh-CN" b="1" dirty="0" smtClean="0"/>
-          </a:p>
-          <a:p>
-            <a:pPr lvl="1" algn="just" eaLnBrk="1" hangingPunct="1"/>
-            <a:r>
-              <a:rPr lang="zh-CN" altLang="en-US" b="1" dirty="0" smtClean="0">
-                <a:solidFill>
-                  <a:srgbClr val="0000FF"/>
-                </a:solidFill>
-              </a:rPr>
-              <a:t>判定</a:t>
-            </a:r>
-            <a:r>
-              <a:rPr lang="en-US" altLang="zh-CN" b="1" dirty="0" smtClean="0">
-                <a:solidFill>
-                  <a:srgbClr val="0000FF"/>
-                </a:solidFill>
-              </a:rPr>
-              <a:t>/</a:t>
-            </a:r>
-            <a:r>
-              <a:rPr lang="zh-CN" altLang="en-US" b="1" dirty="0" smtClean="0">
-                <a:solidFill>
-                  <a:srgbClr val="0000FF"/>
-                </a:solidFill>
-              </a:rPr>
-              <a:t>条件覆盖</a:t>
-            </a:r>
-            <a:endParaRPr lang="en-US" altLang="zh-CN" b="1" dirty="0" smtClean="0">
-              <a:solidFill>
-                <a:srgbClr val="0000FF"/>
-              </a:solidFill>
-            </a:endParaRPr>
-          </a:p>
-          <a:p>
-            <a:pPr lvl="1" algn="just" eaLnBrk="1" hangingPunct="1"/>
-            <a:r>
-              <a:rPr lang="zh-CN" altLang="en-US" b="1" dirty="0" smtClean="0"/>
-              <a:t>条件组合覆盖</a:t>
-            </a:r>
-            <a:endParaRPr lang="en-US" altLang="zh-CN" b="1" dirty="0" smtClean="0"/>
-          </a:p>
-          <a:p>
-            <a:pPr lvl="1" algn="just" eaLnBrk="1" hangingPunct="1"/>
-            <a:r>
-              <a:rPr lang="zh-CN" altLang="en-US" b="1" dirty="0" smtClean="0"/>
-              <a:t>修正的判定</a:t>
-            </a:r>
-            <a:r>
-              <a:rPr lang="en-US" altLang="zh-CN" b="1" dirty="0" smtClean="0"/>
-              <a:t>/</a:t>
-            </a:r>
-            <a:r>
-              <a:rPr lang="zh-CN" altLang="en-US" b="1" dirty="0" smtClean="0"/>
-              <a:t>条件覆盖</a:t>
-            </a:r>
-          </a:p>
-        </p:txBody>
-      </p:sp>
-    </p:spTree>
-  </p:cSld>
-  <p:clrMapOvr>
-    <a:masterClrMapping/>
-  </p:clrMapOvr>
-  <p:transition/>
-  <p:timing>
-    <p:tnLst>
-      <p:par>
-        <p:cTn id="1" dur="indefinite" restart="never" nodeType="tmRoot"/>
-      </p:par>
-    </p:tnLst>
-  </p:timing>
-</p:sld>
-</file>
-
 <file path=ppt/slides/slide15.xml><?xml version="1.0" encoding="utf-8"?>
 <p:sld xmlns:a="http://schemas.openxmlformats.org/drawingml/2006/main" xmlns:r="http://schemas.openxmlformats.org/officeDocument/2006/relationships" xmlns:p="http://schemas.openxmlformats.org/presentationml/2006/main">
   <p:cSld>
@@ -6903,7 +6849,7 @@
       </p:grpSpPr>
       <p:sp>
         <p:nvSpPr>
-          <p:cNvPr id="17410" name="灯片编号占位符 5"/>
+          <p:cNvPr id="16386" name="灯片编号占位符 5"/>
           <p:cNvSpPr>
             <a:spLocks noGrp="1"/>
           </p:cNvSpPr>
@@ -7045,7 +6991,7 @@
           </a:lstStyle>
           <a:p>
             <a:pPr eaLnBrk="1" hangingPunct="1"/>
-            <a:fld id="{DB27C71B-E9EB-4330-A857-3D428E5FC73E}" type="slidenum">
+            <a:fld id="{9DFBDE98-9742-42FB-8A41-58BEA1CE35EC}" type="slidenum">
               <a:rPr lang="en-US" altLang="zh-CN" smtClean="0"/>
               <a:pPr eaLnBrk="1" hangingPunct="1"/>
               <a:t>15</a:t>
@@ -7056,7 +7002,7 @@
       </p:sp>
       <p:sp>
         <p:nvSpPr>
-          <p:cNvPr id="17411" name="Rectangle 2"/>
+          <p:cNvPr id="16387" name="Rectangle 2"/>
           <p:cNvSpPr>
             <a:spLocks noGrp="1" noChangeArrowheads="1"/>
           </p:cNvSpPr>
@@ -7089,7 +7035,7 @@
       </p:sp>
       <p:sp>
         <p:nvSpPr>
-          <p:cNvPr id="17412" name="Rectangle 3"/>
+          <p:cNvPr id="16388" name="Rectangle 3"/>
           <p:cNvSpPr>
             <a:spLocks noGrp="1" noChangeArrowheads="1"/>
           </p:cNvSpPr>
@@ -7105,35 +7051,87 @@
             <a:pPr algn="just" eaLnBrk="1" hangingPunct="1"/>
             <a:r>
               <a:rPr lang="zh-CN" altLang="en-US" sz="3400" b="1" dirty="0" smtClean="0"/>
+              <a:t>测试用例设计</a:t>
+            </a:r>
+            <a:endParaRPr lang="en-US" altLang="zh-CN" sz="3400" b="1" dirty="0" smtClean="0"/>
+          </a:p>
+          <a:p>
+            <a:pPr lvl="1" algn="just" eaLnBrk="1" hangingPunct="1"/>
+            <a:r>
+              <a:rPr lang="zh-CN" altLang="en-US" b="1" dirty="0" smtClean="0"/>
+              <a:t>语句覆盖</a:t>
+            </a:r>
+            <a:endParaRPr lang="en-US" altLang="zh-CN" b="1" dirty="0" smtClean="0"/>
+          </a:p>
+          <a:p>
+            <a:pPr lvl="1" algn="just" eaLnBrk="1" hangingPunct="1"/>
+            <a:r>
+              <a:rPr lang="zh-CN" altLang="en-US" b="1" dirty="0" smtClean="0"/>
+              <a:t>判定覆盖</a:t>
+            </a:r>
+            <a:endParaRPr lang="en-US" altLang="zh-CN" b="1" dirty="0" smtClean="0"/>
+          </a:p>
+          <a:p>
+            <a:pPr lvl="1" algn="just" eaLnBrk="1" hangingPunct="1"/>
+            <a:r>
+              <a:rPr lang="zh-CN" altLang="en-US" b="1" dirty="0" smtClean="0"/>
+              <a:t>条件覆盖</a:t>
+            </a:r>
+            <a:endParaRPr lang="en-US" altLang="zh-CN" b="1" dirty="0" smtClean="0"/>
+          </a:p>
+          <a:p>
+            <a:pPr lvl="1" algn="just" eaLnBrk="1" hangingPunct="1"/>
+            <a:r>
+              <a:rPr lang="zh-CN" altLang="en-US" b="1" dirty="0" smtClean="0">
+                <a:solidFill>
+                  <a:srgbClr val="0000FF"/>
+                </a:solidFill>
+              </a:rPr>
               <a:t>判定</a:t>
             </a:r>
             <a:r>
-              <a:rPr lang="en-US" altLang="zh-CN" sz="3400" b="1" dirty="0" smtClean="0"/>
+              <a:rPr lang="en-US" altLang="zh-CN" b="1" dirty="0" smtClean="0">
+                <a:solidFill>
+                  <a:srgbClr val="0000FF"/>
+                </a:solidFill>
+              </a:rPr>
               <a:t>/</a:t>
             </a:r>
             <a:r>
-              <a:rPr lang="zh-CN" altLang="en-US" sz="3400" b="1" dirty="0" smtClean="0"/>
+              <a:rPr lang="zh-CN" altLang="en-US" b="1" dirty="0" smtClean="0">
+                <a:solidFill>
+                  <a:srgbClr val="0000FF"/>
+                </a:solidFill>
+              </a:rPr>
               <a:t>条件覆盖</a:t>
             </a:r>
-            <a:endParaRPr lang="en-US" altLang="zh-CN" sz="3400" b="1" dirty="0" smtClean="0"/>
+            <a:endParaRPr lang="en-US" altLang="zh-CN" b="1" dirty="0" smtClean="0">
+              <a:solidFill>
+                <a:srgbClr val="0000FF"/>
+              </a:solidFill>
+            </a:endParaRPr>
           </a:p>
           <a:p>
             <a:pPr lvl="1" algn="just" eaLnBrk="1" hangingPunct="1"/>
             <a:r>
-              <a:rPr lang="zh-CN" altLang="en-US" sz="3200" b="1" dirty="0"/>
-              <a:t>测试用例的设计应满足判定节点的取真和取假分支至少执行一次，且每个简单判定条件的取真和取假情况也应至少执行一次，即判定覆盖</a:t>
-            </a:r>
-            <a:r>
-              <a:rPr lang="en-US" altLang="en-US" sz="3200" b="1" dirty="0"/>
-              <a:t>+</a:t>
-            </a:r>
-            <a:r>
-              <a:rPr lang="zh-CN" altLang="en-US" sz="3200" b="1" dirty="0"/>
-              <a:t>条件</a:t>
-            </a:r>
-            <a:r>
-              <a:rPr lang="zh-CN" altLang="en-US" sz="3200" b="1" dirty="0"/>
-              <a:t>覆盖</a:t>
+              <a:rPr lang="zh-CN" altLang="en-US" b="1" dirty="0" smtClean="0"/>
+              <a:t>条件组合覆盖</a:t>
+            </a:r>
+            <a:endParaRPr lang="en-US" altLang="zh-CN" b="1" dirty="0" smtClean="0"/>
+          </a:p>
+          <a:p>
+            <a:pPr lvl="1" algn="just" eaLnBrk="1" hangingPunct="1"/>
+            <a:r>
+              <a:rPr lang="zh-CN" altLang="en-US" b="1" dirty="0" smtClean="0"/>
+              <a:t>修正的判定</a:t>
+            </a:r>
+            <a:r>
+              <a:rPr lang="en-US" altLang="zh-CN" b="1" dirty="0" smtClean="0"/>
+              <a:t>/</a:t>
+            </a:r>
+            <a:r>
+              <a:rPr lang="zh-CN" altLang="en-US" b="1" dirty="0" smtClean="0"/>
+              <a:t>条件覆盖</a:t>
             </a:r>
           </a:p>
         </p:txBody>
@@ -7173,7 +7171,7 @@
       </p:grpSpPr>
       <p:sp>
         <p:nvSpPr>
-          <p:cNvPr id="18434" name="灯片编号占位符 5"/>
+          <p:cNvPr id="17410" name="灯片编号占位符 5"/>
           <p:cNvSpPr>
             <a:spLocks noGrp="1"/>
           </p:cNvSpPr>
@@ -7315,10 +7313,276 @@
           </a:lstStyle>
           <a:p>
             <a:pPr eaLnBrk="1" hangingPunct="1"/>
+            <a:fld id="{DB27C71B-E9EB-4330-A857-3D428E5FC73E}" type="slidenum">
+              <a:rPr lang="en-US" altLang="zh-CN" smtClean="0"/>
+              <a:pPr eaLnBrk="1" hangingPunct="1"/>
+              <a:t>16</a:t>
+            </a:fld>
+            <a:endParaRPr lang="en-US" altLang="zh-CN" smtClean="0"/>
+          </a:p>
+        </p:txBody>
+      </p:sp>
+      <p:sp>
+        <p:nvSpPr>
+          <p:cNvPr id="17411" name="Rectangle 2"/>
+          <p:cNvSpPr>
+            <a:spLocks noGrp="1" noChangeArrowheads="1"/>
+          </p:cNvSpPr>
+          <p:nvPr>
+            <p:ph type="title"/>
+          </p:nvPr>
+        </p:nvSpPr>
+        <p:spPr/>
+        <p:txBody>
+          <a:bodyPr/>
+          <a:lstStyle/>
+          <a:p>
+            <a:pPr eaLnBrk="1" hangingPunct="1"/>
+            <a:r>
+              <a:rPr lang="en-US" altLang="zh-CN" b="1" smtClean="0">
+                <a:latin typeface="黑体" pitchFamily="49" charset="-122"/>
+                <a:ea typeface="黑体" pitchFamily="49" charset="-122"/>
+              </a:rPr>
+              <a:t>5.3 </a:t>
+            </a:r>
+            <a:r>
+              <a:rPr lang="zh-CN" altLang="en-US" b="1" smtClean="0">
+                <a:latin typeface="黑体" pitchFamily="49" charset="-122"/>
+                <a:ea typeface="黑体" pitchFamily="49" charset="-122"/>
+              </a:rPr>
+              <a:t>对判定的测试</a:t>
+            </a:r>
+          </a:p>
+        </p:txBody>
+      </p:sp>
+      <p:sp>
+        <p:nvSpPr>
+          <p:cNvPr id="17412" name="Rectangle 3"/>
+          <p:cNvSpPr>
+            <a:spLocks noGrp="1" noChangeArrowheads="1"/>
+          </p:cNvSpPr>
+          <p:nvPr>
+            <p:ph type="body" idx="1"/>
+          </p:nvPr>
+        </p:nvSpPr>
+        <p:spPr/>
+        <p:txBody>
+          <a:bodyPr/>
+          <a:lstStyle/>
+          <a:p>
+            <a:pPr algn="just" eaLnBrk="1" hangingPunct="1"/>
+            <a:r>
+              <a:rPr lang="zh-CN" altLang="en-US" sz="3400" b="1" dirty="0" smtClean="0"/>
+              <a:t>判定</a:t>
+            </a:r>
+            <a:r>
+              <a:rPr lang="en-US" altLang="zh-CN" sz="3400" b="1" dirty="0" smtClean="0"/>
+              <a:t>/</a:t>
+            </a:r>
+            <a:r>
+              <a:rPr lang="zh-CN" altLang="en-US" sz="3400" b="1" dirty="0" smtClean="0"/>
+              <a:t>条件覆盖</a:t>
+            </a:r>
+            <a:endParaRPr lang="en-US" altLang="zh-CN" sz="3400" b="1" dirty="0" smtClean="0"/>
+          </a:p>
+          <a:p>
+            <a:pPr lvl="1" algn="just" eaLnBrk="1" hangingPunct="1"/>
+            <a:r>
+              <a:rPr lang="zh-CN" altLang="en-US" sz="3200" b="1" dirty="0"/>
+              <a:t>测试用例的设计应满足判定节点的取真和取假分支至少执行一次，且每个简单判定条件的取真和取假情况也应至少执行一次，即判定覆盖</a:t>
+            </a:r>
+            <a:r>
+              <a:rPr lang="en-US" altLang="en-US" sz="3200" b="1" dirty="0"/>
+              <a:t>+</a:t>
+            </a:r>
+            <a:r>
+              <a:rPr lang="zh-CN" altLang="en-US" sz="3200" b="1" dirty="0"/>
+              <a:t>条件覆盖</a:t>
+            </a:r>
+          </a:p>
+        </p:txBody>
+      </p:sp>
+    </p:spTree>
+  </p:cSld>
+  <p:clrMapOvr>
+    <a:masterClrMapping/>
+  </p:clrMapOvr>
+  <p:transition/>
+  <p:timing>
+    <p:tnLst>
+      <p:par>
+        <p:cTn id="1" dur="indefinite" restart="never" nodeType="tmRoot"/>
+      </p:par>
+    </p:tnLst>
+  </p:timing>
+</p:sld>
+</file>
+
+<file path=ppt/slides/slide17.xml><?xml version="1.0" encoding="utf-8"?>
+<p:sld xmlns:a="http://schemas.openxmlformats.org/drawingml/2006/main" xmlns:r="http://schemas.openxmlformats.org/officeDocument/2006/relationships" xmlns:p="http://schemas.openxmlformats.org/presentationml/2006/main">
+  <p:cSld>
+    <p:spTree>
+      <p:nvGrpSpPr>
+        <p:cNvPr id="1" name=""/>
+        <p:cNvGrpSpPr/>
+        <p:nvPr/>
+      </p:nvGrpSpPr>
+      <p:grpSpPr>
+        <a:xfrm>
+          <a:off x="0" y="0"/>
+          <a:ext cx="0" cy="0"/>
+          <a:chOff x="0" y="0"/>
+          <a:chExt cx="0" cy="0"/>
+        </a:xfrm>
+      </p:grpSpPr>
+      <p:sp>
+        <p:nvSpPr>
+          <p:cNvPr id="18434" name="灯片编号占位符 5"/>
+          <p:cNvSpPr>
+            <a:spLocks noGrp="1"/>
+          </p:cNvSpPr>
+          <p:nvPr>
+            <p:ph type="sldNum" sz="quarter" idx="12"/>
+          </p:nvPr>
+        </p:nvSpPr>
+        <p:spPr>
+          <a:noFill/>
+          <a:ln/>
+          <a:extLst>
+            <a:ext uri="{909E8E84-426E-40DD-AFC4-6F175D3DCCD1}">
+              <a14:hiddenFill xmlns:a14="http://schemas.microsoft.com/office/drawing/2010/main">
+                <a:solidFill>
+                  <a:srgbClr val="FFFFFF"/>
+                </a:solidFill>
+              </a14:hiddenFill>
+            </a:ext>
+            <a:ext uri="{91240B29-F687-4F45-9708-019B960494DF}">
+              <a14:hiddenLine xmlns:a14="http://schemas.microsoft.com/office/drawing/2010/main" w="9525">
+                <a:solidFill>
+                  <a:srgbClr val="000000"/>
+                </a:solidFill>
+                <a:miter lim="800000"/>
+                <a:headEnd/>
+                <a:tailEnd/>
+              </a14:hiddenLine>
+            </a:ext>
+          </a:extLst>
+        </p:spPr>
+        <p:txBody>
+          <a:bodyPr/>
+          <a:lstStyle>
+            <a:lvl1pPr eaLnBrk="0" hangingPunct="0">
+              <a:defRPr>
+                <a:solidFill>
+                  <a:schemeClr val="tx1"/>
+                </a:solidFill>
+                <a:latin typeface="Verdana" pitchFamily="34" charset="0"/>
+                <a:ea typeface="宋体" charset="-122"/>
+              </a:defRPr>
+            </a:lvl1pPr>
+            <a:lvl2pPr marL="742950" indent="-285750" eaLnBrk="0" hangingPunct="0">
+              <a:defRPr>
+                <a:solidFill>
+                  <a:schemeClr val="tx1"/>
+                </a:solidFill>
+                <a:latin typeface="Verdana" pitchFamily="34" charset="0"/>
+                <a:ea typeface="宋体" charset="-122"/>
+              </a:defRPr>
+            </a:lvl2pPr>
+            <a:lvl3pPr marL="1143000" indent="-228600" eaLnBrk="0" hangingPunct="0">
+              <a:defRPr>
+                <a:solidFill>
+                  <a:schemeClr val="tx1"/>
+                </a:solidFill>
+                <a:latin typeface="Verdana" pitchFamily="34" charset="0"/>
+                <a:ea typeface="宋体" charset="-122"/>
+              </a:defRPr>
+            </a:lvl3pPr>
+            <a:lvl4pPr marL="1600200" indent="-228600" eaLnBrk="0" hangingPunct="0">
+              <a:defRPr>
+                <a:solidFill>
+                  <a:schemeClr val="tx1"/>
+                </a:solidFill>
+                <a:latin typeface="Verdana" pitchFamily="34" charset="0"/>
+                <a:ea typeface="宋体" charset="-122"/>
+              </a:defRPr>
+            </a:lvl4pPr>
+            <a:lvl5pPr marL="2057400" indent="-228600" eaLnBrk="0" hangingPunct="0">
+              <a:defRPr>
+                <a:solidFill>
+                  <a:schemeClr val="tx1"/>
+                </a:solidFill>
+                <a:latin typeface="Verdana" pitchFamily="34" charset="0"/>
+                <a:ea typeface="宋体" charset="-122"/>
+              </a:defRPr>
+            </a:lvl5pPr>
+            <a:lvl6pPr marL="2514600" indent="-228600" eaLnBrk="0" fontAlgn="base" hangingPunct="0">
+              <a:spcBef>
+                <a:spcPct val="0"/>
+              </a:spcBef>
+              <a:spcAft>
+                <a:spcPct val="0"/>
+              </a:spcAft>
+              <a:defRPr>
+                <a:solidFill>
+                  <a:schemeClr val="tx1"/>
+                </a:solidFill>
+                <a:latin typeface="Verdana" pitchFamily="34" charset="0"/>
+                <a:ea typeface="宋体" charset="-122"/>
+              </a:defRPr>
+            </a:lvl6pPr>
+            <a:lvl7pPr marL="2971800" indent="-228600" eaLnBrk="0" fontAlgn="base" hangingPunct="0">
+              <a:spcBef>
+                <a:spcPct val="0"/>
+              </a:spcBef>
+              <a:spcAft>
+                <a:spcPct val="0"/>
+              </a:spcAft>
+              <a:defRPr>
+                <a:solidFill>
+                  <a:schemeClr val="tx1"/>
+                </a:solidFill>
+                <a:latin typeface="Verdana" pitchFamily="34" charset="0"/>
+                <a:ea typeface="宋体" charset="-122"/>
+              </a:defRPr>
+            </a:lvl7pPr>
+            <a:lvl8pPr marL="3429000" indent="-228600" eaLnBrk="0" fontAlgn="base" hangingPunct="0">
+              <a:spcBef>
+                <a:spcPct val="0"/>
+              </a:spcBef>
+              <a:spcAft>
+                <a:spcPct val="0"/>
+              </a:spcAft>
+              <a:defRPr>
+                <a:solidFill>
+                  <a:schemeClr val="tx1"/>
+                </a:solidFill>
+                <a:latin typeface="Verdana" pitchFamily="34" charset="0"/>
+                <a:ea typeface="宋体" charset="-122"/>
+              </a:defRPr>
+            </a:lvl8pPr>
+            <a:lvl9pPr marL="3886200" indent="-228600" eaLnBrk="0" fontAlgn="base" hangingPunct="0">
+              <a:spcBef>
+                <a:spcPct val="0"/>
+              </a:spcBef>
+              <a:spcAft>
+                <a:spcPct val="0"/>
+              </a:spcAft>
+              <a:defRPr>
+                <a:solidFill>
+                  <a:schemeClr val="tx1"/>
+                </a:solidFill>
+                <a:latin typeface="Verdana" pitchFamily="34" charset="0"/>
+                <a:ea typeface="宋体" charset="-122"/>
+              </a:defRPr>
+            </a:lvl9pPr>
+          </a:lstStyle>
+          <a:p>
+            <a:pPr eaLnBrk="1" hangingPunct="1"/>
             <a:fld id="{2C4A8DB0-FB39-4409-B394-3D3D31021DFF}" type="slidenum">
               <a:rPr lang="en-US" altLang="zh-CN" smtClean="0"/>
               <a:pPr eaLnBrk="1" hangingPunct="1"/>
-              <a:t>16</a:t>
+              <a:t>17</a:t>
             </a:fld>
             <a:endParaRPr lang="en-US" altLang="zh-CN" smtClean="0"/>
           </a:p>
@@ -7463,7 +7727,7 @@
 </p:sld>
 </file>
 
-<file path=ppt/slides/slide17.xml><?xml version="1.0" encoding="utf-8"?>
+<file path=ppt/slides/slide18.xml><?xml version="1.0" encoding="utf-8"?>
 <p:sld xmlns:a="http://schemas.openxmlformats.org/drawingml/2006/main" xmlns:r="http://schemas.openxmlformats.org/officeDocument/2006/relationships" xmlns:p="http://schemas.openxmlformats.org/presentationml/2006/main">
   <p:cSld>
     <p:spTree>
@@ -7627,7 +7891,7 @@
             <a:fld id="{20C507CF-AD5E-402A-8DCA-BB34C0A73AB4}" type="slidenum">
               <a:rPr lang="en-US" altLang="zh-CN" smtClean="0"/>
               <a:pPr eaLnBrk="1" hangingPunct="1"/>
-              <a:t>17</a:t>
+              <a:t>18</a:t>
             </a:fld>
             <a:endParaRPr lang="en-US" altLang="zh-CN" smtClean="0"/>
           </a:p>
@@ -7692,11 +7956,7 @@
             </a:r>
             <a:r>
               <a:rPr lang="zh-CN" altLang="en-US" sz="3400" b="1" dirty="0" smtClean="0"/>
-              <a:t>条件</a:t>
-            </a:r>
-            <a:r>
-              <a:rPr lang="zh-CN" altLang="en-US" sz="3400" b="1" dirty="0" smtClean="0"/>
-              <a:t>覆盖</a:t>
+              <a:t>条件覆盖</a:t>
             </a:r>
             <a:endParaRPr lang="en-US" altLang="zh-CN" sz="3400" b="1" dirty="0" smtClean="0"/>
           </a:p>
@@ -7724,7 +7984,39 @@
             <a:pPr lvl="1" algn="just" eaLnBrk="1" hangingPunct="1"/>
             <a:r>
               <a:rPr lang="zh-CN" altLang="en-US" b="1" dirty="0"/>
-              <a:t>考虑条件的组合情况</a:t>
+              <a:t>考虑条件的组合</a:t>
+            </a:r>
+            <a:r>
+              <a:rPr lang="zh-CN" altLang="en-US" b="1" dirty="0" smtClean="0"/>
+              <a:t>情况</a:t>
+            </a:r>
+            <a:endParaRPr lang="en-US" altLang="zh-CN" b="1" dirty="0" smtClean="0"/>
+          </a:p>
+          <a:p>
+            <a:pPr lvl="1" algn="just" eaLnBrk="1" hangingPunct="1"/>
+            <a:r>
+              <a:rPr lang="en-US" altLang="zh-CN" b="1" dirty="0" smtClean="0"/>
+              <a:t>and</a:t>
+            </a:r>
+            <a:r>
+              <a:rPr lang="zh-CN" altLang="en-US" b="1" dirty="0" smtClean="0"/>
+              <a:t>错写为</a:t>
+            </a:r>
+            <a:r>
+              <a:rPr lang="en-US" altLang="zh-CN" b="1" dirty="0" smtClean="0"/>
+              <a:t>or</a:t>
+            </a:r>
+            <a:r>
+              <a:rPr lang="zh-CN" altLang="en-US" b="1" dirty="0" smtClean="0"/>
+              <a:t>，判定</a:t>
+            </a:r>
+            <a:r>
+              <a:rPr lang="en-US" altLang="zh-CN" b="1" dirty="0" smtClean="0"/>
+              <a:t>/</a:t>
+            </a:r>
+            <a:r>
+              <a:rPr lang="zh-CN" altLang="en-US" b="1" dirty="0" smtClean="0"/>
+              <a:t>条件覆盖是无法发现这种缺陷</a:t>
             </a:r>
             <a:endParaRPr lang="en-US" altLang="zh-CN" b="1" dirty="0"/>
           </a:p>
@@ -7813,320 +8105,6 @@
 </p:sld>
 </file>
 
-<file path=ppt/slides/slide18.xml><?xml version="1.0" encoding="utf-8"?>
-<p:sld xmlns:a="http://schemas.openxmlformats.org/drawingml/2006/main" xmlns:r="http://schemas.openxmlformats.org/officeDocument/2006/relationships" xmlns:p="http://schemas.openxmlformats.org/presentationml/2006/main">
-  <p:cSld>
-    <p:spTree>
-      <p:nvGrpSpPr>
-        <p:cNvPr id="1" name=""/>
-        <p:cNvGrpSpPr/>
-        <p:nvPr/>
-      </p:nvGrpSpPr>
-      <p:grpSpPr>
-        <a:xfrm>
-          <a:off x="0" y="0"/>
-          <a:ext cx="0" cy="0"/>
-          <a:chOff x="0" y="0"/>
-          <a:chExt cx="0" cy="0"/>
-        </a:xfrm>
-      </p:grpSpPr>
-      <p:sp>
-        <p:nvSpPr>
-          <p:cNvPr id="19458" name="灯片编号占位符 5"/>
-          <p:cNvSpPr>
-            <a:spLocks noGrp="1"/>
-          </p:cNvSpPr>
-          <p:nvPr>
-            <p:ph type="sldNum" sz="quarter" idx="12"/>
-          </p:nvPr>
-        </p:nvSpPr>
-        <p:spPr>
-          <a:noFill/>
-          <a:ln/>
-          <a:extLst>
-            <a:ext uri="{909E8E84-426E-40DD-AFC4-6F175D3DCCD1}">
-              <a14:hiddenFill xmlns:a14="http://schemas.microsoft.com/office/drawing/2010/main">
-                <a:solidFill>
-                  <a:srgbClr val="FFFFFF"/>
-                </a:solidFill>
-              </a14:hiddenFill>
-            </a:ext>
-            <a:ext uri="{91240B29-F687-4F45-9708-019B960494DF}">
-              <a14:hiddenLine xmlns:a14="http://schemas.microsoft.com/office/drawing/2010/main" w="9525">
-                <a:solidFill>
-                  <a:srgbClr val="000000"/>
-                </a:solidFill>
-                <a:miter lim="800000"/>
-                <a:headEnd/>
-                <a:tailEnd/>
-              </a14:hiddenLine>
-            </a:ext>
-          </a:extLst>
-        </p:spPr>
-        <p:txBody>
-          <a:bodyPr/>
-          <a:lstStyle>
-            <a:lvl1pPr eaLnBrk="0" hangingPunct="0">
-              <a:defRPr>
-                <a:solidFill>
-                  <a:schemeClr val="tx1"/>
-                </a:solidFill>
-                <a:latin typeface="Verdana" pitchFamily="34" charset="0"/>
-                <a:ea typeface="宋体" charset="-122"/>
-              </a:defRPr>
-            </a:lvl1pPr>
-            <a:lvl2pPr marL="742950" indent="-285750" eaLnBrk="0" hangingPunct="0">
-              <a:defRPr>
-                <a:solidFill>
-                  <a:schemeClr val="tx1"/>
-                </a:solidFill>
-                <a:latin typeface="Verdana" pitchFamily="34" charset="0"/>
-                <a:ea typeface="宋体" charset="-122"/>
-              </a:defRPr>
-            </a:lvl2pPr>
-            <a:lvl3pPr marL="1143000" indent="-228600" eaLnBrk="0" hangingPunct="0">
-              <a:defRPr>
-                <a:solidFill>
-                  <a:schemeClr val="tx1"/>
-                </a:solidFill>
-                <a:latin typeface="Verdana" pitchFamily="34" charset="0"/>
-                <a:ea typeface="宋体" charset="-122"/>
-              </a:defRPr>
-            </a:lvl3pPr>
-            <a:lvl4pPr marL="1600200" indent="-228600" eaLnBrk="0" hangingPunct="0">
-              <a:defRPr>
-                <a:solidFill>
-                  <a:schemeClr val="tx1"/>
-                </a:solidFill>
-                <a:latin typeface="Verdana" pitchFamily="34" charset="0"/>
-                <a:ea typeface="宋体" charset="-122"/>
-              </a:defRPr>
-            </a:lvl4pPr>
-            <a:lvl5pPr marL="2057400" indent="-228600" eaLnBrk="0" hangingPunct="0">
-              <a:defRPr>
-                <a:solidFill>
-                  <a:schemeClr val="tx1"/>
-                </a:solidFill>
-                <a:latin typeface="Verdana" pitchFamily="34" charset="0"/>
-                <a:ea typeface="宋体" charset="-122"/>
-              </a:defRPr>
-            </a:lvl5pPr>
-            <a:lvl6pPr marL="2514600" indent="-228600" eaLnBrk="0" fontAlgn="base" hangingPunct="0">
-              <a:spcBef>
-                <a:spcPct val="0"/>
-              </a:spcBef>
-              <a:spcAft>
-                <a:spcPct val="0"/>
-              </a:spcAft>
-              <a:defRPr>
-                <a:solidFill>
-                  <a:schemeClr val="tx1"/>
-                </a:solidFill>
-                <a:latin typeface="Verdana" pitchFamily="34" charset="0"/>
-                <a:ea typeface="宋体" charset="-122"/>
-              </a:defRPr>
-            </a:lvl6pPr>
-            <a:lvl7pPr marL="2971800" indent="-228600" eaLnBrk="0" fontAlgn="base" hangingPunct="0">
-              <a:spcBef>
-                <a:spcPct val="0"/>
-              </a:spcBef>
-              <a:spcAft>
-                <a:spcPct val="0"/>
-              </a:spcAft>
-              <a:defRPr>
-                <a:solidFill>
-                  <a:schemeClr val="tx1"/>
-                </a:solidFill>
-                <a:latin typeface="Verdana" pitchFamily="34" charset="0"/>
-                <a:ea typeface="宋体" charset="-122"/>
-              </a:defRPr>
-            </a:lvl7pPr>
-            <a:lvl8pPr marL="3429000" indent="-228600" eaLnBrk="0" fontAlgn="base" hangingPunct="0">
-              <a:spcBef>
-                <a:spcPct val="0"/>
-              </a:spcBef>
-              <a:spcAft>
-                <a:spcPct val="0"/>
-              </a:spcAft>
-              <a:defRPr>
-                <a:solidFill>
-                  <a:schemeClr val="tx1"/>
-                </a:solidFill>
-                <a:latin typeface="Verdana" pitchFamily="34" charset="0"/>
-                <a:ea typeface="宋体" charset="-122"/>
-              </a:defRPr>
-            </a:lvl8pPr>
-            <a:lvl9pPr marL="3886200" indent="-228600" eaLnBrk="0" fontAlgn="base" hangingPunct="0">
-              <a:spcBef>
-                <a:spcPct val="0"/>
-              </a:spcBef>
-              <a:spcAft>
-                <a:spcPct val="0"/>
-              </a:spcAft>
-              <a:defRPr>
-                <a:solidFill>
-                  <a:schemeClr val="tx1"/>
-                </a:solidFill>
-                <a:latin typeface="Verdana" pitchFamily="34" charset="0"/>
-                <a:ea typeface="宋体" charset="-122"/>
-              </a:defRPr>
-            </a:lvl9pPr>
-          </a:lstStyle>
-          <a:p>
-            <a:pPr eaLnBrk="1" hangingPunct="1"/>
-            <a:fld id="{D4CE2E62-2B97-49E1-BB8E-A6D0AFA92061}" type="slidenum">
-              <a:rPr lang="en-US" altLang="zh-CN" smtClean="0"/>
-              <a:pPr eaLnBrk="1" hangingPunct="1"/>
-              <a:t>18</a:t>
-            </a:fld>
-            <a:endParaRPr lang="en-US" altLang="zh-CN" smtClean="0"/>
-          </a:p>
-        </p:txBody>
-      </p:sp>
-      <p:sp>
-        <p:nvSpPr>
-          <p:cNvPr id="19459" name="Rectangle 2"/>
-          <p:cNvSpPr>
-            <a:spLocks noGrp="1" noChangeArrowheads="1"/>
-          </p:cNvSpPr>
-          <p:nvPr>
-            <p:ph type="title"/>
-          </p:nvPr>
-        </p:nvSpPr>
-        <p:spPr/>
-        <p:txBody>
-          <a:bodyPr/>
-          <a:lstStyle/>
-          <a:p>
-            <a:pPr eaLnBrk="1" hangingPunct="1"/>
-            <a:r>
-              <a:rPr lang="en-US" altLang="zh-CN" b="1" smtClean="0">
-                <a:latin typeface="黑体" pitchFamily="49" charset="-122"/>
-                <a:ea typeface="黑体" pitchFamily="49" charset="-122"/>
-              </a:rPr>
-              <a:t>5.3 </a:t>
-            </a:r>
-            <a:r>
-              <a:rPr lang="zh-CN" altLang="en-US" b="1" smtClean="0">
-                <a:latin typeface="黑体" pitchFamily="49" charset="-122"/>
-                <a:ea typeface="黑体" pitchFamily="49" charset="-122"/>
-              </a:rPr>
-              <a:t>对判定的测试</a:t>
-            </a:r>
-          </a:p>
-        </p:txBody>
-      </p:sp>
-      <p:sp>
-        <p:nvSpPr>
-          <p:cNvPr id="19460" name="Rectangle 3"/>
-          <p:cNvSpPr>
-            <a:spLocks noGrp="1" noChangeArrowheads="1"/>
-          </p:cNvSpPr>
-          <p:nvPr>
-            <p:ph type="body" idx="1"/>
-          </p:nvPr>
-        </p:nvSpPr>
-        <p:spPr/>
-        <p:txBody>
-          <a:bodyPr/>
-          <a:lstStyle/>
-          <a:p>
-            <a:pPr algn="just" eaLnBrk="1" hangingPunct="1"/>
-            <a:r>
-              <a:rPr lang="zh-CN" altLang="en-US" sz="3400" b="1" smtClean="0"/>
-              <a:t>测试用例设计</a:t>
-            </a:r>
-            <a:endParaRPr lang="en-US" altLang="zh-CN" sz="3400" b="1" smtClean="0"/>
-          </a:p>
-          <a:p>
-            <a:pPr lvl="1" algn="just" eaLnBrk="1" hangingPunct="1"/>
-            <a:r>
-              <a:rPr lang="zh-CN" altLang="en-US" b="1" smtClean="0"/>
-              <a:t>语句覆盖</a:t>
-            </a:r>
-            <a:endParaRPr lang="en-US" altLang="zh-CN" b="1" smtClean="0"/>
-          </a:p>
-          <a:p>
-            <a:pPr lvl="1" algn="just" eaLnBrk="1" hangingPunct="1"/>
-            <a:r>
-              <a:rPr lang="zh-CN" altLang="en-US" b="1" smtClean="0"/>
-              <a:t>判定覆盖</a:t>
-            </a:r>
-            <a:endParaRPr lang="en-US" altLang="zh-CN" b="1" smtClean="0"/>
-          </a:p>
-          <a:p>
-            <a:pPr lvl="1" algn="just" eaLnBrk="1" hangingPunct="1"/>
-            <a:r>
-              <a:rPr lang="zh-CN" altLang="en-US" b="1" smtClean="0"/>
-              <a:t>条件覆盖</a:t>
-            </a:r>
-            <a:endParaRPr lang="en-US" altLang="zh-CN" b="1" smtClean="0"/>
-          </a:p>
-          <a:p>
-            <a:pPr lvl="1" algn="just" eaLnBrk="1" hangingPunct="1"/>
-            <a:r>
-              <a:rPr lang="zh-CN" altLang="en-US" b="1" smtClean="0"/>
-              <a:t>判定</a:t>
-            </a:r>
-            <a:r>
-              <a:rPr lang="en-US" altLang="zh-CN" b="1" smtClean="0"/>
-              <a:t>/</a:t>
-            </a:r>
-            <a:r>
-              <a:rPr lang="zh-CN" altLang="en-US" b="1" smtClean="0"/>
-              <a:t>条件覆盖</a:t>
-            </a:r>
-            <a:endParaRPr lang="en-US" altLang="zh-CN" b="1" smtClean="0"/>
-          </a:p>
-          <a:p>
-            <a:pPr lvl="1" algn="just" eaLnBrk="1" hangingPunct="1"/>
-            <a:r>
-              <a:rPr lang="zh-CN" altLang="en-US" b="1" smtClean="0">
-                <a:solidFill>
-                  <a:srgbClr val="0000FF"/>
-                </a:solidFill>
-              </a:rPr>
-              <a:t>条件组合覆盖</a:t>
-            </a:r>
-            <a:endParaRPr lang="en-US" altLang="zh-CN" b="1" smtClean="0">
-              <a:solidFill>
-                <a:srgbClr val="0000FF"/>
-              </a:solidFill>
-            </a:endParaRPr>
-          </a:p>
-          <a:p>
-            <a:pPr lvl="1" algn="just" eaLnBrk="1" hangingPunct="1"/>
-            <a:r>
-              <a:rPr lang="zh-CN" altLang="en-US" b="1" smtClean="0"/>
-              <a:t>修正的判定</a:t>
-            </a:r>
-            <a:r>
-              <a:rPr lang="en-US" altLang="zh-CN" b="1" smtClean="0"/>
-              <a:t>/</a:t>
-            </a:r>
-            <a:r>
-              <a:rPr lang="zh-CN" altLang="en-US" b="1" smtClean="0"/>
-              <a:t>条件覆盖</a:t>
-            </a:r>
-          </a:p>
-        </p:txBody>
-      </p:sp>
-    </p:spTree>
-  </p:cSld>
-  <p:clrMapOvr>
-    <a:masterClrMapping/>
-  </p:clrMapOvr>
-  <p:transition/>
-  <p:timing>
-    <p:tnLst>
-      <p:par>
-        <p:cTn id="1" dur="indefinite" restart="never" nodeType="tmRoot"/>
-      </p:par>
-    </p:tnLst>
-  </p:timing>
-</p:sld>
-</file>
-
 <file path=ppt/slides/slide19.xml><?xml version="1.0" encoding="utf-8"?>
 <p:sld xmlns:a="http://schemas.openxmlformats.org/drawingml/2006/main" xmlns:r="http://schemas.openxmlformats.org/officeDocument/2006/relationships" xmlns:p="http://schemas.openxmlformats.org/presentationml/2006/main">
   <p:cSld>
@@ -8146,7 +8124,7 @@
       </p:grpSpPr>
       <p:sp>
         <p:nvSpPr>
-          <p:cNvPr id="20482" name="灯片编号占位符 5"/>
+          <p:cNvPr id="19458" name="灯片编号占位符 5"/>
           <p:cNvSpPr>
             <a:spLocks noGrp="1"/>
           </p:cNvSpPr>
@@ -8288,7 +8266,7 @@
           </a:lstStyle>
           <a:p>
             <a:pPr eaLnBrk="1" hangingPunct="1"/>
-            <a:fld id="{E407298B-8B19-46B5-965F-EA2CCB87EF7E}" type="slidenum">
+            <a:fld id="{D4CE2E62-2B97-49E1-BB8E-A6D0AFA92061}" type="slidenum">
               <a:rPr lang="en-US" altLang="zh-CN" smtClean="0"/>
               <a:pPr eaLnBrk="1" hangingPunct="1"/>
               <a:t>19</a:t>
@@ -8299,7 +8277,7 @@
       </p:sp>
       <p:sp>
         <p:nvSpPr>
-          <p:cNvPr id="20483" name="Rectangle 2"/>
+          <p:cNvPr id="19459" name="Rectangle 2"/>
           <p:cNvSpPr>
             <a:spLocks noGrp="1" noChangeArrowheads="1"/>
           </p:cNvSpPr>
@@ -8332,7 +8310,7 @@
       </p:sp>
       <p:sp>
         <p:nvSpPr>
-          <p:cNvPr id="20484" name="Rectangle 3"/>
+          <p:cNvPr id="19460" name="Rectangle 3"/>
           <p:cNvSpPr>
             <a:spLocks noGrp="1" noChangeArrowheads="1"/>
           </p:cNvSpPr>
@@ -8347,24 +8325,80 @@
           <a:p>
             <a:pPr algn="just" eaLnBrk="1" hangingPunct="1"/>
             <a:r>
-              <a:rPr lang="zh-CN" altLang="en-US" sz="3400" b="1" dirty="0" smtClean="0"/>
+              <a:rPr lang="zh-CN" altLang="en-US" sz="3400" b="1" smtClean="0"/>
+              <a:t>测试用例设计</a:t>
+            </a:r>
+            <a:endParaRPr lang="en-US" altLang="zh-CN" sz="3400" b="1" smtClean="0"/>
+          </a:p>
+          <a:p>
+            <a:pPr lvl="1" algn="just" eaLnBrk="1" hangingPunct="1"/>
+            <a:r>
+              <a:rPr lang="zh-CN" altLang="en-US" b="1" smtClean="0"/>
+              <a:t>语句覆盖</a:t>
+            </a:r>
+            <a:endParaRPr lang="en-US" altLang="zh-CN" b="1" smtClean="0"/>
+          </a:p>
+          <a:p>
+            <a:pPr lvl="1" algn="just" eaLnBrk="1" hangingPunct="1"/>
+            <a:r>
+              <a:rPr lang="zh-CN" altLang="en-US" b="1" smtClean="0"/>
+              <a:t>判定覆盖</a:t>
+            </a:r>
+            <a:endParaRPr lang="en-US" altLang="zh-CN" b="1" smtClean="0"/>
+          </a:p>
+          <a:p>
+            <a:pPr lvl="1" algn="just" eaLnBrk="1" hangingPunct="1"/>
+            <a:r>
+              <a:rPr lang="zh-CN" altLang="en-US" b="1" smtClean="0"/>
+              <a:t>条件覆盖</a:t>
+            </a:r>
+            <a:endParaRPr lang="en-US" altLang="zh-CN" b="1" smtClean="0"/>
+          </a:p>
+          <a:p>
+            <a:pPr lvl="1" algn="just" eaLnBrk="1" hangingPunct="1"/>
+            <a:r>
+              <a:rPr lang="zh-CN" altLang="en-US" b="1" smtClean="0"/>
+              <a:t>判定</a:t>
+            </a:r>
+            <a:r>
+              <a:rPr lang="en-US" altLang="zh-CN" b="1" smtClean="0"/>
+              <a:t>/</a:t>
+            </a:r>
+            <a:r>
+              <a:rPr lang="zh-CN" altLang="en-US" b="1" smtClean="0"/>
+              <a:t>条件覆盖</a:t>
+            </a:r>
+            <a:endParaRPr lang="en-US" altLang="zh-CN" b="1" smtClean="0"/>
+          </a:p>
+          <a:p>
+            <a:pPr lvl="1" algn="just" eaLnBrk="1" hangingPunct="1"/>
+            <a:r>
+              <a:rPr lang="zh-CN" altLang="en-US" b="1" smtClean="0">
+                <a:solidFill>
+                  <a:srgbClr val="0000FF"/>
+                </a:solidFill>
+              </a:rPr>
               <a:t>条件组合覆盖</a:t>
             </a:r>
-            <a:endParaRPr lang="en-US" altLang="zh-CN" sz="3400" b="1" dirty="0" smtClean="0"/>
+            <a:endParaRPr lang="en-US" altLang="zh-CN" b="1" smtClean="0">
+              <a:solidFill>
+                <a:srgbClr val="0000FF"/>
+              </a:solidFill>
+            </a:endParaRPr>
           </a:p>
           <a:p>
             <a:pPr lvl="1" algn="just" eaLnBrk="1" hangingPunct="1"/>
             <a:r>
-              <a:rPr lang="zh-CN" altLang="en-US" sz="3200" b="1" dirty="0"/>
-              <a:t>测试用例的设计应满足每个判定节点中，所有简单判定条件的所有可能的取值组合情况应至少执行一次</a:t>
-            </a:r>
-            <a:endParaRPr lang="en-US" altLang="zh-CN" sz="3200" b="1" dirty="0"/>
-          </a:p>
-          <a:p>
-            <a:pPr lvl="1" algn="just" eaLnBrk="1" hangingPunct="1"/>
-            <a:r>
-              <a:rPr lang="zh-CN" altLang="en-US" sz="3200" b="1" dirty="0"/>
-              <a:t>实质是通过列出真值表的方式来得到完全的覆盖，即以冗余换取方法的简单性</a:t>
+              <a:rPr lang="zh-CN" altLang="en-US" b="1" smtClean="0"/>
+              <a:t>修正的判定</a:t>
+            </a:r>
+            <a:r>
+              <a:rPr lang="en-US" altLang="zh-CN" b="1" smtClean="0"/>
+              <a:t>/</a:t>
+            </a:r>
+            <a:r>
+              <a:rPr lang="zh-CN" altLang="en-US" b="1" smtClean="0"/>
+              <a:t>条件覆盖</a:t>
             </a:r>
           </a:p>
         </p:txBody>
@@ -8404,7 +8438,7 @@
       </p:grpSpPr>
       <p:sp>
         <p:nvSpPr>
-          <p:cNvPr id="4098" name="灯片编号占位符 5"/>
+          <p:cNvPr id="5122" name="灯片编号占位符 5"/>
           <p:cNvSpPr>
             <a:spLocks noGrp="1"/>
           </p:cNvSpPr>
@@ -8546,7 +8580,7 @@
           </a:lstStyle>
           <a:p>
             <a:pPr eaLnBrk="1" hangingPunct="1"/>
-            <a:fld id="{954FEAA6-7CFA-498B-8101-A6494A6A95C6}" type="slidenum">
+            <a:fld id="{A0C70013-46F8-43D8-9C50-7439422DB6AA}" type="slidenum">
               <a:rPr lang="en-US" altLang="zh-CN" smtClean="0"/>
               <a:pPr eaLnBrk="1" hangingPunct="1"/>
               <a:t>2</a:t>
@@ -8557,7 +8591,7 @@
       </p:sp>
       <p:sp>
         <p:nvSpPr>
-          <p:cNvPr id="4099" name="Rectangle 2"/>
+          <p:cNvPr id="5123" name="Rectangle 2"/>
           <p:cNvSpPr>
             <a:spLocks noGrp="1" noChangeArrowheads="1"/>
           </p:cNvSpPr>
@@ -8572,32 +8606,19 @@
           <a:p>
             <a:pPr eaLnBrk="1" hangingPunct="1"/>
             <a:r>
-              <a:rPr lang="zh-CN" altLang="en-US" b="1" smtClean="0">
-                <a:latin typeface="黑体" pitchFamily="49" charset="-122"/>
-                <a:ea typeface="黑体" pitchFamily="49" charset="-122"/>
-              </a:rPr>
-              <a:t>第</a:t>
-            </a:r>
-            <a:r>
-              <a:rPr lang="en-US" altLang="zh-CN" b="1" smtClean="0">
-                <a:latin typeface="黑体" pitchFamily="49" charset="-122"/>
-                <a:ea typeface="黑体" pitchFamily="49" charset="-122"/>
-              </a:rPr>
-              <a:t>3</a:t>
-            </a:r>
-            <a:r>
-              <a:rPr lang="zh-CN" altLang="en-US" b="1" smtClean="0">
-                <a:latin typeface="黑体" pitchFamily="49" charset="-122"/>
-                <a:ea typeface="黑体" pitchFamily="49" charset="-122"/>
-              </a:rPr>
-              <a:t>章  黑盒测试技术</a:t>
-            </a:r>
-          </a:p>
-        </p:txBody>
-      </p:sp>
-      <p:sp>
-        <p:nvSpPr>
-          <p:cNvPr id="4100" name="Rectangle 3"/>
+              <a:rPr lang="zh-CN" altLang="en-US" dirty="0"/>
+              <a:t>控制流分析技术</a:t>
+            </a:r>
+            <a:endParaRPr lang="zh-CN" altLang="en-US" b="1" dirty="0" smtClean="0">
+              <a:latin typeface="黑体" pitchFamily="49" charset="-122"/>
+              <a:ea typeface="黑体" pitchFamily="49" charset="-122"/>
+            </a:endParaRPr>
+          </a:p>
+        </p:txBody>
+      </p:sp>
+      <p:sp>
+        <p:nvSpPr>
+          <p:cNvPr id="5124" name="Rectangle 3"/>
           <p:cNvSpPr>
             <a:spLocks noGrp="1" noChangeArrowheads="1"/>
           </p:cNvSpPr>
@@ -8610,107 +8631,80 @@
           <a:bodyPr/>
           <a:lstStyle/>
           <a:p>
-            <a:pPr eaLnBrk="1" hangingPunct="1"/>
-            <a:r>
-              <a:rPr lang="zh-CN" altLang="en-US" sz="3400" b="1" dirty="0" smtClean="0"/>
-              <a:t>本章重点</a:t>
-            </a:r>
-          </a:p>
-          <a:p>
-            <a:pPr lvl="1" algn="just" eaLnBrk="1" hangingPunct="1"/>
-            <a:r>
-              <a:rPr lang="zh-CN" altLang="en-US" sz="3100" b="1" smtClean="0"/>
-              <a:t>边界值测试</a:t>
-            </a:r>
-            <a:r>
-              <a:rPr lang="zh-CN" altLang="en-US" sz="3200" b="1" smtClean="0">
-                <a:solidFill>
-                  <a:srgbClr val="0000FF"/>
-                </a:solidFill>
-              </a:rPr>
-              <a:t>语句</a:t>
-            </a:r>
-            <a:r>
-              <a:rPr lang="zh-CN" altLang="en-US" sz="3200" b="1" dirty="0" smtClean="0">
-                <a:solidFill>
-                  <a:srgbClr val="0000FF"/>
-                </a:solidFill>
-              </a:rPr>
-              <a:t>覆盖</a:t>
-            </a:r>
-            <a:endParaRPr lang="en-US" altLang="zh-CN" sz="3200" b="1" dirty="0" smtClean="0">
-              <a:solidFill>
-                <a:srgbClr val="0000FF"/>
-              </a:solidFill>
-            </a:endParaRPr>
-          </a:p>
-          <a:p>
-            <a:pPr lvl="1" algn="just" eaLnBrk="1" hangingPunct="1"/>
-            <a:r>
-              <a:rPr lang="zh-CN" altLang="en-US" sz="3200" b="1" dirty="0" smtClean="0"/>
-              <a:t>判定覆盖</a:t>
-            </a:r>
-            <a:endParaRPr lang="en-US" altLang="zh-CN" sz="3200" b="1" dirty="0" smtClean="0"/>
-          </a:p>
-          <a:p>
-            <a:pPr lvl="1" algn="just" eaLnBrk="1" hangingPunct="1"/>
-            <a:r>
-              <a:rPr lang="zh-CN" altLang="en-US" sz="3200" b="1" dirty="0" smtClean="0"/>
-              <a:t>条件覆盖</a:t>
-            </a:r>
-            <a:endParaRPr lang="en-US" altLang="zh-CN" sz="3200" b="1" dirty="0" smtClean="0"/>
-          </a:p>
-          <a:p>
-            <a:pPr lvl="1" algn="just" eaLnBrk="1" hangingPunct="1"/>
-            <a:r>
-              <a:rPr lang="zh-CN" altLang="en-US" sz="3200" b="1" dirty="0" smtClean="0"/>
-              <a:t>判定</a:t>
-            </a:r>
-            <a:r>
-              <a:rPr lang="en-US" altLang="zh-CN" sz="3200" b="1" dirty="0" smtClean="0"/>
-              <a:t>/</a:t>
-            </a:r>
-            <a:r>
-              <a:rPr lang="zh-CN" altLang="en-US" sz="3200" b="1" dirty="0" smtClean="0"/>
-              <a:t>条件覆盖</a:t>
-            </a:r>
-            <a:endParaRPr lang="en-US" altLang="zh-CN" sz="3200" b="1" dirty="0" smtClean="0"/>
-          </a:p>
-          <a:p>
-            <a:pPr lvl="1" algn="just" eaLnBrk="1" hangingPunct="1"/>
-            <a:r>
-              <a:rPr lang="zh-CN" altLang="en-US" sz="3200" b="1" dirty="0" smtClean="0"/>
-              <a:t>条件组合覆盖</a:t>
-            </a:r>
-            <a:endParaRPr lang="en-US" altLang="zh-CN" sz="3200" b="1" dirty="0" smtClean="0"/>
-          </a:p>
-          <a:p>
-            <a:pPr lvl="1" algn="just" eaLnBrk="1" hangingPunct="1"/>
-            <a:r>
-              <a:rPr lang="zh-CN" altLang="en-US" sz="3200" b="1" dirty="0" smtClean="0"/>
-              <a:t>修正的判定</a:t>
-            </a:r>
-            <a:r>
-              <a:rPr lang="en-US" altLang="zh-CN" sz="3200" b="1" dirty="0" smtClean="0"/>
-              <a:t>/</a:t>
-            </a:r>
-            <a:r>
-              <a:rPr lang="zh-CN" altLang="en-US" sz="3200" b="1" dirty="0" smtClean="0"/>
-              <a:t>条件覆盖</a:t>
-            </a:r>
-          </a:p>
-          <a:p>
-            <a:pPr lvl="1" eaLnBrk="1" hangingPunct="1"/>
-            <a:endParaRPr lang="zh-CN" altLang="en-US" sz="3100" b="1" dirty="0" smtClean="0"/>
-          </a:p>
-        </p:txBody>
-      </p:sp>
+            <a:pPr marL="471487" lvl="1" indent="0" eaLnBrk="1" hangingPunct="1">
+              <a:buNone/>
+            </a:pPr>
+            <a:endParaRPr lang="zh-CN" altLang="en-US" dirty="0" smtClean="0"/>
+          </a:p>
+        </p:txBody>
+      </p:sp>
+      <p:pic>
+        <p:nvPicPr>
+          <p:cNvPr id="5126" name="Picture 6" descr="5t11"/>
+          <p:cNvPicPr>
+            <a:picLocks noChangeAspect="1" noChangeArrowheads="1"/>
+          </p:cNvPicPr>
+          <p:nvPr/>
+        </p:nvPicPr>
+        <p:blipFill>
+          <a:blip r:embed="rId2" cstate="print">
+            <a:extLst>
+              <a:ext uri="{28A0092B-C50C-407E-A947-70E740481C1C}">
+                <a14:useLocalDpi xmlns:a14="http://schemas.microsoft.com/office/drawing/2010/main" val="0"/>
+              </a:ext>
+            </a:extLst>
+          </a:blip>
+          <a:srcRect/>
+          <a:stretch>
+            <a:fillRect/>
+          </a:stretch>
+        </p:blipFill>
+        <p:spPr bwMode="auto">
+          <a:xfrm>
+            <a:off x="179512" y="2500313"/>
+            <a:ext cx="8537575" cy="2214562"/>
+          </a:xfrm>
+          <a:prstGeom prst="rect">
+            <a:avLst/>
+          </a:prstGeom>
+          <a:noFill/>
+          <a:ln>
+            <a:noFill/>
+          </a:ln>
+          <a:extLst>
+            <a:ext uri="{909E8E84-426E-40DD-AFC4-6F175D3DCCD1}">
+              <a14:hiddenFill xmlns:a14="http://schemas.microsoft.com/office/drawing/2010/main">
+                <a:solidFill>
+                  <a:srgbClr val="FFFFFF"/>
+                </a:solidFill>
+              </a14:hiddenFill>
+            </a:ext>
+            <a:ext uri="{91240B29-F687-4F45-9708-019B960494DF}">
+              <a14:hiddenLine xmlns:a14="http://schemas.microsoft.com/office/drawing/2010/main" w="9525">
+                <a:solidFill>
+                  <a:srgbClr val="000000"/>
+                </a:solidFill>
+                <a:miter lim="800000"/>
+                <a:headEnd/>
+                <a:tailEnd/>
+              </a14:hiddenLine>
+            </a:ext>
+          </a:extLst>
+        </p:spPr>
+      </p:pic>
     </p:spTree>
   </p:cSld>
   <p:clrMapOvr>
     <a:masterClrMapping/>
   </p:clrMapOvr>
   <p:transition/>
+  <p:timing>
+    <p:tnLst>
+      <p:par>
+        <p:cTn id="1" dur="indefinite" restart="never" nodeType="tmRoot"/>
+      </p:par>
+    </p:tnLst>
+  </p:timing>
 </p:sld>
 </file>
 
@@ -8733,7 +8727,7 @@
       </p:grpSpPr>
       <p:sp>
         <p:nvSpPr>
-          <p:cNvPr id="21506" name="灯片编号占位符 5"/>
+          <p:cNvPr id="20482" name="灯片编号占位符 5"/>
           <p:cNvSpPr>
             <a:spLocks noGrp="1"/>
           </p:cNvSpPr>
@@ -8875,10 +8869,280 @@
           </a:lstStyle>
           <a:p>
             <a:pPr eaLnBrk="1" hangingPunct="1"/>
+            <a:fld id="{E407298B-8B19-46B5-965F-EA2CCB87EF7E}" type="slidenum">
+              <a:rPr lang="en-US" altLang="zh-CN" smtClean="0"/>
+              <a:pPr eaLnBrk="1" hangingPunct="1"/>
+              <a:t>20</a:t>
+            </a:fld>
+            <a:endParaRPr lang="en-US" altLang="zh-CN" smtClean="0"/>
+          </a:p>
+        </p:txBody>
+      </p:sp>
+      <p:sp>
+        <p:nvSpPr>
+          <p:cNvPr id="20483" name="Rectangle 2"/>
+          <p:cNvSpPr>
+            <a:spLocks noGrp="1" noChangeArrowheads="1"/>
+          </p:cNvSpPr>
+          <p:nvPr>
+            <p:ph type="title"/>
+          </p:nvPr>
+        </p:nvSpPr>
+        <p:spPr/>
+        <p:txBody>
+          <a:bodyPr/>
+          <a:lstStyle/>
+          <a:p>
+            <a:pPr eaLnBrk="1" hangingPunct="1"/>
+            <a:r>
+              <a:rPr lang="en-US" altLang="zh-CN" b="1" smtClean="0">
+                <a:latin typeface="黑体" pitchFamily="49" charset="-122"/>
+                <a:ea typeface="黑体" pitchFamily="49" charset="-122"/>
+              </a:rPr>
+              <a:t>5.3 </a:t>
+            </a:r>
+            <a:r>
+              <a:rPr lang="zh-CN" altLang="en-US" b="1" smtClean="0">
+                <a:latin typeface="黑体" pitchFamily="49" charset="-122"/>
+                <a:ea typeface="黑体" pitchFamily="49" charset="-122"/>
+              </a:rPr>
+              <a:t>对判定的测试</a:t>
+            </a:r>
+          </a:p>
+        </p:txBody>
+      </p:sp>
+      <p:sp>
+        <p:nvSpPr>
+          <p:cNvPr id="20484" name="Rectangle 3"/>
+          <p:cNvSpPr>
+            <a:spLocks noGrp="1" noChangeArrowheads="1"/>
+          </p:cNvSpPr>
+          <p:nvPr>
+            <p:ph type="body" idx="1"/>
+          </p:nvPr>
+        </p:nvSpPr>
+        <p:spPr/>
+        <p:txBody>
+          <a:bodyPr/>
+          <a:lstStyle/>
+          <a:p>
+            <a:pPr algn="just" eaLnBrk="1" hangingPunct="1"/>
+            <a:r>
+              <a:rPr lang="zh-CN" altLang="en-US" sz="3400" b="1" dirty="0" smtClean="0"/>
+              <a:t>条件组合覆盖</a:t>
+            </a:r>
+            <a:endParaRPr lang="en-US" altLang="zh-CN" sz="3400" b="1" dirty="0" smtClean="0"/>
+          </a:p>
+          <a:p>
+            <a:pPr lvl="1" algn="just" eaLnBrk="1" hangingPunct="1"/>
+            <a:r>
+              <a:rPr lang="zh-CN" altLang="en-US" sz="3200" b="1" dirty="0"/>
+              <a:t>测试用例的设计应满足每个判定节点中，所有简单判定条件的所有可能的取值组合情况应至少执行一次</a:t>
+            </a:r>
+            <a:endParaRPr lang="en-US" altLang="zh-CN" sz="3200" b="1" dirty="0"/>
+          </a:p>
+          <a:p>
+            <a:pPr lvl="1" algn="just" eaLnBrk="1" hangingPunct="1"/>
+            <a:r>
+              <a:rPr lang="zh-CN" altLang="en-US" sz="3200" b="1" dirty="0"/>
+              <a:t>实质是通过列出</a:t>
+            </a:r>
+            <a:r>
+              <a:rPr lang="zh-CN" altLang="en-US" sz="3200" b="1" dirty="0">
+                <a:solidFill>
+                  <a:srgbClr val="FF0000"/>
+                </a:solidFill>
+              </a:rPr>
+              <a:t>真值表</a:t>
+            </a:r>
+            <a:r>
+              <a:rPr lang="zh-CN" altLang="en-US" sz="3200" b="1" dirty="0"/>
+              <a:t>的方式来得到完全的覆盖，即以冗余换取方法的简单性</a:t>
+            </a:r>
+          </a:p>
+        </p:txBody>
+      </p:sp>
+    </p:spTree>
+  </p:cSld>
+  <p:clrMapOvr>
+    <a:masterClrMapping/>
+  </p:clrMapOvr>
+  <p:transition/>
+  <p:timing>
+    <p:tnLst>
+      <p:par>
+        <p:cTn id="1" dur="indefinite" restart="never" nodeType="tmRoot"/>
+      </p:par>
+    </p:tnLst>
+  </p:timing>
+</p:sld>
+</file>
+
+<file path=ppt/slides/slide21.xml><?xml version="1.0" encoding="utf-8"?>
+<p:sld xmlns:a="http://schemas.openxmlformats.org/drawingml/2006/main" xmlns:r="http://schemas.openxmlformats.org/officeDocument/2006/relationships" xmlns:p="http://schemas.openxmlformats.org/presentationml/2006/main">
+  <p:cSld>
+    <p:spTree>
+      <p:nvGrpSpPr>
+        <p:cNvPr id="1" name=""/>
+        <p:cNvGrpSpPr/>
+        <p:nvPr/>
+      </p:nvGrpSpPr>
+      <p:grpSpPr>
+        <a:xfrm>
+          <a:off x="0" y="0"/>
+          <a:ext cx="0" cy="0"/>
+          <a:chOff x="0" y="0"/>
+          <a:chExt cx="0" cy="0"/>
+        </a:xfrm>
+      </p:grpSpPr>
+      <p:sp>
+        <p:nvSpPr>
+          <p:cNvPr id="21506" name="灯片编号占位符 5"/>
+          <p:cNvSpPr>
+            <a:spLocks noGrp="1"/>
+          </p:cNvSpPr>
+          <p:nvPr>
+            <p:ph type="sldNum" sz="quarter" idx="12"/>
+          </p:nvPr>
+        </p:nvSpPr>
+        <p:spPr>
+          <a:noFill/>
+          <a:ln/>
+          <a:extLst>
+            <a:ext uri="{909E8E84-426E-40DD-AFC4-6F175D3DCCD1}">
+              <a14:hiddenFill xmlns:a14="http://schemas.microsoft.com/office/drawing/2010/main">
+                <a:solidFill>
+                  <a:srgbClr val="FFFFFF"/>
+                </a:solidFill>
+              </a14:hiddenFill>
+            </a:ext>
+            <a:ext uri="{91240B29-F687-4F45-9708-019B960494DF}">
+              <a14:hiddenLine xmlns:a14="http://schemas.microsoft.com/office/drawing/2010/main" w="9525">
+                <a:solidFill>
+                  <a:srgbClr val="000000"/>
+                </a:solidFill>
+                <a:miter lim="800000"/>
+                <a:headEnd/>
+                <a:tailEnd/>
+              </a14:hiddenLine>
+            </a:ext>
+          </a:extLst>
+        </p:spPr>
+        <p:txBody>
+          <a:bodyPr/>
+          <a:lstStyle>
+            <a:lvl1pPr eaLnBrk="0" hangingPunct="0">
+              <a:defRPr>
+                <a:solidFill>
+                  <a:schemeClr val="tx1"/>
+                </a:solidFill>
+                <a:latin typeface="Verdana" pitchFamily="34" charset="0"/>
+                <a:ea typeface="宋体" charset="-122"/>
+              </a:defRPr>
+            </a:lvl1pPr>
+            <a:lvl2pPr marL="742950" indent="-285750" eaLnBrk="0" hangingPunct="0">
+              <a:defRPr>
+                <a:solidFill>
+                  <a:schemeClr val="tx1"/>
+                </a:solidFill>
+                <a:latin typeface="Verdana" pitchFamily="34" charset="0"/>
+                <a:ea typeface="宋体" charset="-122"/>
+              </a:defRPr>
+            </a:lvl2pPr>
+            <a:lvl3pPr marL="1143000" indent="-228600" eaLnBrk="0" hangingPunct="0">
+              <a:defRPr>
+                <a:solidFill>
+                  <a:schemeClr val="tx1"/>
+                </a:solidFill>
+                <a:latin typeface="Verdana" pitchFamily="34" charset="0"/>
+                <a:ea typeface="宋体" charset="-122"/>
+              </a:defRPr>
+            </a:lvl3pPr>
+            <a:lvl4pPr marL="1600200" indent="-228600" eaLnBrk="0" hangingPunct="0">
+              <a:defRPr>
+                <a:solidFill>
+                  <a:schemeClr val="tx1"/>
+                </a:solidFill>
+                <a:latin typeface="Verdana" pitchFamily="34" charset="0"/>
+                <a:ea typeface="宋体" charset="-122"/>
+              </a:defRPr>
+            </a:lvl4pPr>
+            <a:lvl5pPr marL="2057400" indent="-228600" eaLnBrk="0" hangingPunct="0">
+              <a:defRPr>
+                <a:solidFill>
+                  <a:schemeClr val="tx1"/>
+                </a:solidFill>
+                <a:latin typeface="Verdana" pitchFamily="34" charset="0"/>
+                <a:ea typeface="宋体" charset="-122"/>
+              </a:defRPr>
+            </a:lvl5pPr>
+            <a:lvl6pPr marL="2514600" indent="-228600" eaLnBrk="0" fontAlgn="base" hangingPunct="0">
+              <a:spcBef>
+                <a:spcPct val="0"/>
+              </a:spcBef>
+              <a:spcAft>
+                <a:spcPct val="0"/>
+              </a:spcAft>
+              <a:defRPr>
+                <a:solidFill>
+                  <a:schemeClr val="tx1"/>
+                </a:solidFill>
+                <a:latin typeface="Verdana" pitchFamily="34" charset="0"/>
+                <a:ea typeface="宋体" charset="-122"/>
+              </a:defRPr>
+            </a:lvl6pPr>
+            <a:lvl7pPr marL="2971800" indent="-228600" eaLnBrk="0" fontAlgn="base" hangingPunct="0">
+              <a:spcBef>
+                <a:spcPct val="0"/>
+              </a:spcBef>
+              <a:spcAft>
+                <a:spcPct val="0"/>
+              </a:spcAft>
+              <a:defRPr>
+                <a:solidFill>
+                  <a:schemeClr val="tx1"/>
+                </a:solidFill>
+                <a:latin typeface="Verdana" pitchFamily="34" charset="0"/>
+                <a:ea typeface="宋体" charset="-122"/>
+              </a:defRPr>
+            </a:lvl7pPr>
+            <a:lvl8pPr marL="3429000" indent="-228600" eaLnBrk="0" fontAlgn="base" hangingPunct="0">
+              <a:spcBef>
+                <a:spcPct val="0"/>
+              </a:spcBef>
+              <a:spcAft>
+                <a:spcPct val="0"/>
+              </a:spcAft>
+              <a:defRPr>
+                <a:solidFill>
+                  <a:schemeClr val="tx1"/>
+                </a:solidFill>
+                <a:latin typeface="Verdana" pitchFamily="34" charset="0"/>
+                <a:ea typeface="宋体" charset="-122"/>
+              </a:defRPr>
+            </a:lvl8pPr>
+            <a:lvl9pPr marL="3886200" indent="-228600" eaLnBrk="0" fontAlgn="base" hangingPunct="0">
+              <a:spcBef>
+                <a:spcPct val="0"/>
+              </a:spcBef>
+              <a:spcAft>
+                <a:spcPct val="0"/>
+              </a:spcAft>
+              <a:defRPr>
+                <a:solidFill>
+                  <a:schemeClr val="tx1"/>
+                </a:solidFill>
+                <a:latin typeface="Verdana" pitchFamily="34" charset="0"/>
+                <a:ea typeface="宋体" charset="-122"/>
+              </a:defRPr>
+            </a:lvl9pPr>
+          </a:lstStyle>
+          <a:p>
+            <a:pPr eaLnBrk="1" hangingPunct="1"/>
             <a:fld id="{B6F7FB28-BEF4-4559-89DC-2F11599C1A40}" type="slidenum">
               <a:rPr lang="en-US" altLang="zh-CN" smtClean="0"/>
               <a:pPr eaLnBrk="1" hangingPunct="1"/>
-              <a:t>20</a:t>
+              <a:t>21</a:t>
             </a:fld>
             <a:endParaRPr lang="en-US" altLang="zh-CN" smtClean="0"/>
           </a:p>
@@ -9010,272 +9274,6 @@
 </p:sld>
 </file>
 
-<file path=ppt/slides/slide21.xml><?xml version="1.0" encoding="utf-8"?>
-<p:sld xmlns:a="http://schemas.openxmlformats.org/drawingml/2006/main" xmlns:r="http://schemas.openxmlformats.org/officeDocument/2006/relationships" xmlns:p="http://schemas.openxmlformats.org/presentationml/2006/main">
-  <p:cSld>
-    <p:spTree>
-      <p:nvGrpSpPr>
-        <p:cNvPr id="1" name=""/>
-        <p:cNvGrpSpPr/>
-        <p:nvPr/>
-      </p:nvGrpSpPr>
-      <p:grpSpPr>
-        <a:xfrm>
-          <a:off x="0" y="0"/>
-          <a:ext cx="0" cy="0"/>
-          <a:chOff x="0" y="0"/>
-          <a:chExt cx="0" cy="0"/>
-        </a:xfrm>
-      </p:grpSpPr>
-      <p:sp>
-        <p:nvSpPr>
-          <p:cNvPr id="22530" name="灯片编号占位符 5"/>
-          <p:cNvSpPr>
-            <a:spLocks noGrp="1"/>
-          </p:cNvSpPr>
-          <p:nvPr>
-            <p:ph type="sldNum" sz="quarter" idx="12"/>
-          </p:nvPr>
-        </p:nvSpPr>
-        <p:spPr>
-          <a:noFill/>
-          <a:ln/>
-          <a:extLst>
-            <a:ext uri="{909E8E84-426E-40DD-AFC4-6F175D3DCCD1}">
-              <a14:hiddenFill xmlns:a14="http://schemas.microsoft.com/office/drawing/2010/main">
-                <a:solidFill>
-                  <a:srgbClr val="FFFFFF"/>
-                </a:solidFill>
-              </a14:hiddenFill>
-            </a:ext>
-            <a:ext uri="{91240B29-F687-4F45-9708-019B960494DF}">
-              <a14:hiddenLine xmlns:a14="http://schemas.microsoft.com/office/drawing/2010/main" w="9525">
-                <a:solidFill>
-                  <a:srgbClr val="000000"/>
-                </a:solidFill>
-                <a:miter lim="800000"/>
-                <a:headEnd/>
-                <a:tailEnd/>
-              </a14:hiddenLine>
-            </a:ext>
-          </a:extLst>
-        </p:spPr>
-        <p:txBody>
-          <a:bodyPr/>
-          <a:lstStyle>
-            <a:lvl1pPr eaLnBrk="0" hangingPunct="0">
-              <a:defRPr>
-                <a:solidFill>
-                  <a:schemeClr val="tx1"/>
-                </a:solidFill>
-                <a:latin typeface="Verdana" pitchFamily="34" charset="0"/>
-                <a:ea typeface="宋体" charset="-122"/>
-              </a:defRPr>
-            </a:lvl1pPr>
-            <a:lvl2pPr marL="742950" indent="-285750" eaLnBrk="0" hangingPunct="0">
-              <a:defRPr>
-                <a:solidFill>
-                  <a:schemeClr val="tx1"/>
-                </a:solidFill>
-                <a:latin typeface="Verdana" pitchFamily="34" charset="0"/>
-                <a:ea typeface="宋体" charset="-122"/>
-              </a:defRPr>
-            </a:lvl2pPr>
-            <a:lvl3pPr marL="1143000" indent="-228600" eaLnBrk="0" hangingPunct="0">
-              <a:defRPr>
-                <a:solidFill>
-                  <a:schemeClr val="tx1"/>
-                </a:solidFill>
-                <a:latin typeface="Verdana" pitchFamily="34" charset="0"/>
-                <a:ea typeface="宋体" charset="-122"/>
-              </a:defRPr>
-            </a:lvl3pPr>
-            <a:lvl4pPr marL="1600200" indent="-228600" eaLnBrk="0" hangingPunct="0">
-              <a:defRPr>
-                <a:solidFill>
-                  <a:schemeClr val="tx1"/>
-                </a:solidFill>
-                <a:latin typeface="Verdana" pitchFamily="34" charset="0"/>
-                <a:ea typeface="宋体" charset="-122"/>
-              </a:defRPr>
-            </a:lvl4pPr>
-            <a:lvl5pPr marL="2057400" indent="-228600" eaLnBrk="0" hangingPunct="0">
-              <a:defRPr>
-                <a:solidFill>
-                  <a:schemeClr val="tx1"/>
-                </a:solidFill>
-                <a:latin typeface="Verdana" pitchFamily="34" charset="0"/>
-                <a:ea typeface="宋体" charset="-122"/>
-              </a:defRPr>
-            </a:lvl5pPr>
-            <a:lvl6pPr marL="2514600" indent="-228600" eaLnBrk="0" fontAlgn="base" hangingPunct="0">
-              <a:spcBef>
-                <a:spcPct val="0"/>
-              </a:spcBef>
-              <a:spcAft>
-                <a:spcPct val="0"/>
-              </a:spcAft>
-              <a:defRPr>
-                <a:solidFill>
-                  <a:schemeClr val="tx1"/>
-                </a:solidFill>
-                <a:latin typeface="Verdana" pitchFamily="34" charset="0"/>
-                <a:ea typeface="宋体" charset="-122"/>
-              </a:defRPr>
-            </a:lvl6pPr>
-            <a:lvl7pPr marL="2971800" indent="-228600" eaLnBrk="0" fontAlgn="base" hangingPunct="0">
-              <a:spcBef>
-                <a:spcPct val="0"/>
-              </a:spcBef>
-              <a:spcAft>
-                <a:spcPct val="0"/>
-              </a:spcAft>
-              <a:defRPr>
-                <a:solidFill>
-                  <a:schemeClr val="tx1"/>
-                </a:solidFill>
-                <a:latin typeface="Verdana" pitchFamily="34" charset="0"/>
-                <a:ea typeface="宋体" charset="-122"/>
-              </a:defRPr>
-            </a:lvl7pPr>
-            <a:lvl8pPr marL="3429000" indent="-228600" eaLnBrk="0" fontAlgn="base" hangingPunct="0">
-              <a:spcBef>
-                <a:spcPct val="0"/>
-              </a:spcBef>
-              <a:spcAft>
-                <a:spcPct val="0"/>
-              </a:spcAft>
-              <a:defRPr>
-                <a:solidFill>
-                  <a:schemeClr val="tx1"/>
-                </a:solidFill>
-                <a:latin typeface="Verdana" pitchFamily="34" charset="0"/>
-                <a:ea typeface="宋体" charset="-122"/>
-              </a:defRPr>
-            </a:lvl8pPr>
-            <a:lvl9pPr marL="3886200" indent="-228600" eaLnBrk="0" fontAlgn="base" hangingPunct="0">
-              <a:spcBef>
-                <a:spcPct val="0"/>
-              </a:spcBef>
-              <a:spcAft>
-                <a:spcPct val="0"/>
-              </a:spcAft>
-              <a:defRPr>
-                <a:solidFill>
-                  <a:schemeClr val="tx1"/>
-                </a:solidFill>
-                <a:latin typeface="Verdana" pitchFamily="34" charset="0"/>
-                <a:ea typeface="宋体" charset="-122"/>
-              </a:defRPr>
-            </a:lvl9pPr>
-          </a:lstStyle>
-          <a:p>
-            <a:pPr eaLnBrk="1" hangingPunct="1"/>
-            <a:fld id="{11D3DD42-AC26-434A-AEEA-1EEAD5B1B0C7}" type="slidenum">
-              <a:rPr lang="en-US" altLang="zh-CN" smtClean="0"/>
-              <a:pPr eaLnBrk="1" hangingPunct="1"/>
-              <a:t>21</a:t>
-            </a:fld>
-            <a:endParaRPr lang="en-US" altLang="zh-CN" smtClean="0"/>
-          </a:p>
-        </p:txBody>
-      </p:sp>
-      <p:sp>
-        <p:nvSpPr>
-          <p:cNvPr id="22531" name="Rectangle 2"/>
-          <p:cNvSpPr>
-            <a:spLocks noGrp="1" noChangeArrowheads="1"/>
-          </p:cNvSpPr>
-          <p:nvPr>
-            <p:ph type="title"/>
-          </p:nvPr>
-        </p:nvSpPr>
-        <p:spPr/>
-        <p:txBody>
-          <a:bodyPr/>
-          <a:lstStyle/>
-          <a:p>
-            <a:pPr eaLnBrk="1" hangingPunct="1"/>
-            <a:r>
-              <a:rPr lang="en-US" altLang="zh-CN" b="1" smtClean="0">
-                <a:latin typeface="黑体" pitchFamily="49" charset="-122"/>
-                <a:ea typeface="黑体" pitchFamily="49" charset="-122"/>
-              </a:rPr>
-              <a:t>5.3 </a:t>
-            </a:r>
-            <a:r>
-              <a:rPr lang="zh-CN" altLang="en-US" b="1" smtClean="0">
-                <a:latin typeface="黑体" pitchFamily="49" charset="-122"/>
-                <a:ea typeface="黑体" pitchFamily="49" charset="-122"/>
-              </a:rPr>
-              <a:t>对判定的测试</a:t>
-            </a:r>
-          </a:p>
-        </p:txBody>
-      </p:sp>
-      <p:sp>
-        <p:nvSpPr>
-          <p:cNvPr id="22532" name="Rectangle 3"/>
-          <p:cNvSpPr>
-            <a:spLocks noGrp="1" noChangeArrowheads="1"/>
-          </p:cNvSpPr>
-          <p:nvPr>
-            <p:ph type="body" idx="1"/>
-          </p:nvPr>
-        </p:nvSpPr>
-        <p:spPr/>
-        <p:txBody>
-          <a:bodyPr/>
-          <a:lstStyle/>
-          <a:p>
-            <a:pPr algn="just" eaLnBrk="1" hangingPunct="1"/>
-            <a:r>
-              <a:rPr lang="zh-CN" altLang="en-US" sz="3400" b="1" dirty="0" smtClean="0"/>
-              <a:t>条件组合</a:t>
-            </a:r>
-            <a:r>
-              <a:rPr lang="zh-CN" altLang="en-US" sz="3400" b="1" dirty="0" smtClean="0"/>
-              <a:t>覆盖局限性</a:t>
-            </a:r>
-            <a:endParaRPr lang="en-US" altLang="zh-CN" sz="3400" b="1" dirty="0" smtClean="0"/>
-          </a:p>
-          <a:p>
-            <a:pPr lvl="1" algn="just" eaLnBrk="1" hangingPunct="1"/>
-            <a:r>
-              <a:rPr lang="zh-CN" altLang="en-US" sz="3200" b="1" dirty="0"/>
-              <a:t>当判定表达式本身较为复杂、且存在多个判定节点串联时，条件组合覆盖的</a:t>
-            </a:r>
-            <a:r>
-              <a:rPr lang="zh-CN" altLang="en-US" sz="3200" b="1" dirty="0">
-                <a:solidFill>
-                  <a:srgbClr val="FF0000"/>
-                </a:solidFill>
-              </a:rPr>
-              <a:t>测试用例规模</a:t>
-            </a:r>
-            <a:r>
-              <a:rPr lang="zh-CN" altLang="en-US" sz="3200" b="1" dirty="0"/>
-              <a:t>将大得惊人</a:t>
-            </a:r>
-          </a:p>
-        </p:txBody>
-      </p:sp>
-    </p:spTree>
-  </p:cSld>
-  <p:clrMapOvr>
-    <a:masterClrMapping/>
-  </p:clrMapOvr>
-  <p:transition/>
-  <p:timing>
-    <p:tnLst>
-      <p:par>
-        <p:cTn id="1" dur="indefinite" restart="never" nodeType="tmRoot"/>
-      </p:par>
-    </p:tnLst>
-  </p:timing>
-</p:sld>
-</file>
-
 <file path=ppt/slides/slide22.xml><?xml version="1.0" encoding="utf-8"?>
 <p:sld xmlns:a="http://schemas.openxmlformats.org/drawingml/2006/main" xmlns:r="http://schemas.openxmlformats.org/officeDocument/2006/relationships" xmlns:p="http://schemas.openxmlformats.org/presentationml/2006/main">
   <p:cSld>
@@ -9295,7 +9293,7 @@
       </p:grpSpPr>
       <p:sp>
         <p:nvSpPr>
-          <p:cNvPr id="23554" name="灯片编号占位符 5"/>
+          <p:cNvPr id="22530" name="灯片编号占位符 5"/>
           <p:cNvSpPr>
             <a:spLocks noGrp="1"/>
           </p:cNvSpPr>
@@ -9437,7 +9435,7 @@
           </a:lstStyle>
           <a:p>
             <a:pPr eaLnBrk="1" hangingPunct="1"/>
-            <a:fld id="{F7BDD3FE-3A4A-441C-959D-98C6805D57D7}" type="slidenum">
+            <a:fld id="{11D3DD42-AC26-434A-AEEA-1EEAD5B1B0C7}" type="slidenum">
               <a:rPr lang="en-US" altLang="zh-CN" smtClean="0"/>
               <a:pPr eaLnBrk="1" hangingPunct="1"/>
               <a:t>22</a:t>
@@ -9448,7 +9446,7 @@
       </p:sp>
       <p:sp>
         <p:nvSpPr>
-          <p:cNvPr id="23555" name="Rectangle 2"/>
+          <p:cNvPr id="22531" name="Rectangle 2"/>
           <p:cNvSpPr>
             <a:spLocks noGrp="1" noChangeArrowheads="1"/>
           </p:cNvSpPr>
@@ -9481,7 +9479,7 @@
       </p:sp>
       <p:sp>
         <p:nvSpPr>
-          <p:cNvPr id="23556" name="Rectangle 3"/>
+          <p:cNvPr id="22532" name="Rectangle 3"/>
           <p:cNvSpPr>
             <a:spLocks noGrp="1" noChangeArrowheads="1"/>
           </p:cNvSpPr>
@@ -9496,84 +9494,28 @@
           <a:p>
             <a:pPr algn="just" eaLnBrk="1" hangingPunct="1"/>
             <a:r>
-              <a:rPr lang="zh-CN" altLang="en-US" sz="3400" b="1" smtClean="0"/>
-              <a:t>测试用例设计</a:t>
-            </a:r>
-            <a:endParaRPr lang="en-US" altLang="zh-CN" sz="3400" b="1" smtClean="0"/>
+              <a:rPr lang="zh-CN" altLang="en-US" sz="3400" b="1" dirty="0" smtClean="0"/>
+              <a:t>条件组合覆盖局限性</a:t>
+            </a:r>
+            <a:endParaRPr lang="en-US" altLang="zh-CN" sz="3400" b="1" dirty="0" smtClean="0"/>
           </a:p>
           <a:p>
             <a:pPr lvl="1" algn="just" eaLnBrk="1" hangingPunct="1"/>
             <a:r>
-              <a:rPr lang="zh-CN" altLang="en-US" b="1" smtClean="0"/>
-              <a:t>语句覆盖</a:t>
-            </a:r>
-            <a:endParaRPr lang="en-US" altLang="zh-CN" b="1" smtClean="0"/>
-          </a:p>
-          <a:p>
-            <a:pPr lvl="1" algn="just" eaLnBrk="1" hangingPunct="1"/>
-            <a:r>
-              <a:rPr lang="zh-CN" altLang="en-US" b="1" smtClean="0"/>
-              <a:t>判定覆盖</a:t>
-            </a:r>
-            <a:endParaRPr lang="en-US" altLang="zh-CN" b="1" smtClean="0"/>
-          </a:p>
-          <a:p>
-            <a:pPr lvl="1" algn="just" eaLnBrk="1" hangingPunct="1"/>
-            <a:r>
-              <a:rPr lang="zh-CN" altLang="en-US" b="1" smtClean="0"/>
-              <a:t>条件覆盖</a:t>
-            </a:r>
-            <a:endParaRPr lang="en-US" altLang="zh-CN" b="1" smtClean="0"/>
-          </a:p>
-          <a:p>
-            <a:pPr lvl="1" algn="just" eaLnBrk="1" hangingPunct="1"/>
-            <a:r>
-              <a:rPr lang="zh-CN" altLang="en-US" b="1" smtClean="0"/>
-              <a:t>判定</a:t>
-            </a:r>
-            <a:r>
-              <a:rPr lang="en-US" altLang="zh-CN" b="1" smtClean="0"/>
-              <a:t>/</a:t>
-            </a:r>
-            <a:r>
-              <a:rPr lang="zh-CN" altLang="en-US" b="1" smtClean="0"/>
-              <a:t>条件覆盖</a:t>
-            </a:r>
-            <a:endParaRPr lang="en-US" altLang="zh-CN" b="1" smtClean="0"/>
-          </a:p>
-          <a:p>
-            <a:pPr lvl="1" algn="just" eaLnBrk="1" hangingPunct="1"/>
-            <a:r>
-              <a:rPr lang="zh-CN" altLang="en-US" b="1" smtClean="0"/>
-              <a:t>条件组合覆盖</a:t>
-            </a:r>
-            <a:endParaRPr lang="en-US" altLang="zh-CN" b="1" smtClean="0"/>
-          </a:p>
-          <a:p>
-            <a:pPr lvl="1" algn="just" eaLnBrk="1" hangingPunct="1"/>
-            <a:r>
-              <a:rPr lang="zh-CN" altLang="en-US" b="1" smtClean="0">
-                <a:solidFill>
-                  <a:srgbClr val="0000FF"/>
+              <a:rPr lang="zh-CN" altLang="en-US" sz="3200" b="1" dirty="0"/>
+              <a:t>当判定表达式本身较为复杂、且存在多个判定节点串联时，条件组合覆盖的</a:t>
+            </a:r>
+            <a:r>
+              <a:rPr lang="zh-CN" altLang="en-US" sz="3200" b="1" dirty="0">
+                <a:solidFill>
+                  <a:srgbClr val="FF0000"/>
                 </a:solidFill>
               </a:rPr>
-              <a:t>修正的判定</a:t>
-            </a:r>
-            <a:r>
-              <a:rPr lang="en-US" altLang="zh-CN" b="1" smtClean="0">
-                <a:solidFill>
-                  <a:srgbClr val="0000FF"/>
-                </a:solidFill>
-              </a:rPr>
-              <a:t>/</a:t>
-            </a:r>
-            <a:r>
-              <a:rPr lang="zh-CN" altLang="en-US" b="1" smtClean="0">
-                <a:solidFill>
-                  <a:srgbClr val="0000FF"/>
-                </a:solidFill>
-              </a:rPr>
-              <a:t>条件覆盖</a:t>
+              <a:t>测试用例规模</a:t>
+            </a:r>
+            <a:r>
+              <a:rPr lang="zh-CN" altLang="en-US" sz="3200" b="1" dirty="0"/>
+              <a:t>将大得惊人</a:t>
             </a:r>
           </a:p>
         </p:txBody>
@@ -9613,7 +9555,7 @@
       </p:grpSpPr>
       <p:sp>
         <p:nvSpPr>
-          <p:cNvPr id="24578" name="灯片编号占位符 5"/>
+          <p:cNvPr id="23554" name="灯片编号占位符 5"/>
           <p:cNvSpPr>
             <a:spLocks noGrp="1"/>
           </p:cNvSpPr>
@@ -9755,7 +9697,7 @@
           </a:lstStyle>
           <a:p>
             <a:pPr eaLnBrk="1" hangingPunct="1"/>
-            <a:fld id="{9604C1B8-E16C-494A-BB97-FDEBFFEF3ED5}" type="slidenum">
+            <a:fld id="{F7BDD3FE-3A4A-441C-959D-98C6805D57D7}" type="slidenum">
               <a:rPr lang="en-US" altLang="zh-CN" smtClean="0"/>
               <a:pPr eaLnBrk="1" hangingPunct="1"/>
               <a:t>23</a:t>
@@ -9766,7 +9708,7 @@
       </p:sp>
       <p:sp>
         <p:nvSpPr>
-          <p:cNvPr id="24579" name="Rectangle 2"/>
+          <p:cNvPr id="23555" name="Rectangle 2"/>
           <p:cNvSpPr>
             <a:spLocks noGrp="1" noChangeArrowheads="1"/>
           </p:cNvSpPr>
@@ -9799,7 +9741,7 @@
       </p:sp>
       <p:sp>
         <p:nvSpPr>
-          <p:cNvPr id="24580" name="Rectangle 3"/>
+          <p:cNvPr id="23556" name="Rectangle 3"/>
           <p:cNvSpPr>
             <a:spLocks noGrp="1" noChangeArrowheads="1"/>
           </p:cNvSpPr>
@@ -9815,39 +9757,83 @@
             <a:pPr algn="just" eaLnBrk="1" hangingPunct="1"/>
             <a:r>
               <a:rPr lang="zh-CN" altLang="en-US" sz="3400" b="1" smtClean="0"/>
+              <a:t>测试用例设计</a:t>
+            </a:r>
+            <a:endParaRPr lang="en-US" altLang="zh-CN" sz="3400" b="1" smtClean="0"/>
+          </a:p>
+          <a:p>
+            <a:pPr lvl="1" algn="just" eaLnBrk="1" hangingPunct="1"/>
+            <a:r>
+              <a:rPr lang="zh-CN" altLang="en-US" b="1" smtClean="0"/>
+              <a:t>语句覆盖</a:t>
+            </a:r>
+            <a:endParaRPr lang="en-US" altLang="zh-CN" b="1" smtClean="0"/>
+          </a:p>
+          <a:p>
+            <a:pPr lvl="1" algn="just" eaLnBrk="1" hangingPunct="1"/>
+            <a:r>
+              <a:rPr lang="zh-CN" altLang="en-US" b="1" smtClean="0"/>
+              <a:t>判定覆盖</a:t>
+            </a:r>
+            <a:endParaRPr lang="en-US" altLang="zh-CN" b="1" smtClean="0"/>
+          </a:p>
+          <a:p>
+            <a:pPr lvl="1" algn="just" eaLnBrk="1" hangingPunct="1"/>
+            <a:r>
+              <a:rPr lang="zh-CN" altLang="en-US" b="1" smtClean="0"/>
+              <a:t>条件覆盖</a:t>
+            </a:r>
+            <a:endParaRPr lang="en-US" altLang="zh-CN" b="1" smtClean="0"/>
+          </a:p>
+          <a:p>
+            <a:pPr lvl="1" algn="just" eaLnBrk="1" hangingPunct="1"/>
+            <a:r>
+              <a:rPr lang="zh-CN" altLang="en-US" b="1" smtClean="0"/>
+              <a:t>判定</a:t>
+            </a:r>
+            <a:r>
+              <a:rPr lang="en-US" altLang="zh-CN" b="1" smtClean="0"/>
+              <a:t>/</a:t>
+            </a:r>
+            <a:r>
+              <a:rPr lang="zh-CN" altLang="en-US" b="1" smtClean="0"/>
+              <a:t>条件覆盖</a:t>
+            </a:r>
+            <a:endParaRPr lang="en-US" altLang="zh-CN" b="1" smtClean="0"/>
+          </a:p>
+          <a:p>
+            <a:pPr lvl="1" algn="just" eaLnBrk="1" hangingPunct="1"/>
+            <a:r>
+              <a:rPr lang="zh-CN" altLang="en-US" b="1" smtClean="0"/>
+              <a:t>条件组合覆盖</a:t>
+            </a:r>
+            <a:endParaRPr lang="en-US" altLang="zh-CN" b="1" smtClean="0"/>
+          </a:p>
+          <a:p>
+            <a:pPr lvl="1" algn="just" eaLnBrk="1" hangingPunct="1"/>
+            <a:r>
+              <a:rPr lang="zh-CN" altLang="en-US" b="1" smtClean="0">
+                <a:solidFill>
+                  <a:srgbClr val="0000FF"/>
+                </a:solidFill>
+              </a:rPr>
               <a:t>修正的判定</a:t>
             </a:r>
             <a:r>
-              <a:rPr lang="en-US" altLang="zh-CN" sz="3400" b="1" smtClean="0"/>
+              <a:rPr lang="en-US" altLang="zh-CN" b="1" smtClean="0">
+                <a:solidFill>
+                  <a:srgbClr val="0000FF"/>
+                </a:solidFill>
+              </a:rPr>
               <a:t>/</a:t>
             </a:r>
             <a:r>
-              <a:rPr lang="zh-CN" altLang="en-US" sz="3400" b="1" smtClean="0"/>
+              <a:rPr lang="zh-CN" altLang="en-US" b="1" smtClean="0">
+                <a:solidFill>
+                  <a:srgbClr val="0000FF"/>
+                </a:solidFill>
+              </a:rPr>
               <a:t>条件覆盖</a:t>
-            </a:r>
-            <a:endParaRPr lang="en-US" altLang="zh-CN" sz="3400" b="1" smtClean="0"/>
-          </a:p>
-          <a:p>
-            <a:pPr algn="just" eaLnBrk="1" hangingPunct="1"/>
-            <a:r>
-              <a:rPr lang="zh-CN" altLang="en-US" sz="3400" b="1" smtClean="0"/>
-              <a:t>在满足判定</a:t>
-            </a:r>
-            <a:r>
-              <a:rPr lang="en-US" altLang="en-US" sz="3400" b="1" smtClean="0"/>
-              <a:t>/</a:t>
-            </a:r>
-            <a:r>
-              <a:rPr lang="zh-CN" altLang="en-US" sz="3400" b="1" smtClean="0"/>
-              <a:t>条件覆盖的基础上，每个简单判定条件都应独立地影响到整个判定表达式的取值</a:t>
-            </a:r>
-            <a:endParaRPr lang="en-US" altLang="zh-CN" sz="3400" b="1" smtClean="0"/>
-          </a:p>
-          <a:p>
-            <a:pPr algn="just" eaLnBrk="1" hangingPunct="1"/>
-            <a:r>
-              <a:rPr lang="zh-CN" altLang="en-US" sz="3400" b="1" smtClean="0"/>
-              <a:t>实质是利用简单判定条件的独立影响性来消除测试用例的冗余。</a:t>
             </a:r>
           </a:p>
         </p:txBody>
@@ -9887,7 +9873,7 @@
       </p:grpSpPr>
       <p:sp>
         <p:nvSpPr>
-          <p:cNvPr id="25602" name="灯片编号占位符 5"/>
+          <p:cNvPr id="24578" name="灯片编号占位符 5"/>
           <p:cNvSpPr>
             <a:spLocks noGrp="1"/>
           </p:cNvSpPr>
@@ -10029,7 +10015,7 @@
           </a:lstStyle>
           <a:p>
             <a:pPr eaLnBrk="1" hangingPunct="1"/>
-            <a:fld id="{AFE73AF3-B26E-4272-9910-CC54C08A2711}" type="slidenum">
+            <a:fld id="{9604C1B8-E16C-494A-BB97-FDEBFFEF3ED5}" type="slidenum">
               <a:rPr lang="en-US" altLang="zh-CN" smtClean="0"/>
               <a:pPr eaLnBrk="1" hangingPunct="1"/>
               <a:t>24</a:t>
@@ -10040,7 +10026,7 @@
       </p:sp>
       <p:sp>
         <p:nvSpPr>
-          <p:cNvPr id="25603" name="Rectangle 2"/>
+          <p:cNvPr id="24579" name="Rectangle 2"/>
           <p:cNvSpPr>
             <a:spLocks noGrp="1" noChangeArrowheads="1"/>
           </p:cNvSpPr>
@@ -10063,6 +10049,292 @@
             </a:r>
             <a:r>
               <a:rPr lang="zh-CN" altLang="en-US" b="1" smtClean="0">
+                <a:latin typeface="黑体" pitchFamily="49" charset="-122"/>
+                <a:ea typeface="黑体" pitchFamily="49" charset="-122"/>
+              </a:rPr>
+              <a:t>对判定的测试</a:t>
+            </a:r>
+          </a:p>
+        </p:txBody>
+      </p:sp>
+      <p:sp>
+        <p:nvSpPr>
+          <p:cNvPr id="24580" name="Rectangle 3"/>
+          <p:cNvSpPr>
+            <a:spLocks noGrp="1" noChangeArrowheads="1"/>
+          </p:cNvSpPr>
+          <p:nvPr>
+            <p:ph type="body" idx="1"/>
+          </p:nvPr>
+        </p:nvSpPr>
+        <p:spPr/>
+        <p:txBody>
+          <a:bodyPr/>
+          <a:lstStyle/>
+          <a:p>
+            <a:pPr algn="just" eaLnBrk="1" hangingPunct="1"/>
+            <a:r>
+              <a:rPr lang="zh-CN" altLang="en-US" sz="3400" b="1" dirty="0" smtClean="0"/>
+              <a:t>修正的判定</a:t>
+            </a:r>
+            <a:r>
+              <a:rPr lang="en-US" altLang="zh-CN" sz="3400" b="1" dirty="0" smtClean="0"/>
+              <a:t>/</a:t>
+            </a:r>
+            <a:r>
+              <a:rPr lang="zh-CN" altLang="en-US" sz="3400" b="1" dirty="0" smtClean="0"/>
+              <a:t>条件覆盖</a:t>
+            </a:r>
+            <a:endParaRPr lang="en-US" altLang="zh-CN" sz="3400" b="1" dirty="0" smtClean="0"/>
+          </a:p>
+          <a:p>
+            <a:pPr algn="just" eaLnBrk="1" hangingPunct="1"/>
+            <a:r>
+              <a:rPr lang="zh-CN" altLang="en-US" sz="3400" b="1" dirty="0" smtClean="0"/>
+              <a:t>在满足判定</a:t>
+            </a:r>
+            <a:r>
+              <a:rPr lang="en-US" altLang="en-US" sz="3400" b="1" dirty="0" smtClean="0"/>
+              <a:t>/</a:t>
+            </a:r>
+            <a:r>
+              <a:rPr lang="zh-CN" altLang="en-US" sz="3400" b="1" dirty="0" smtClean="0"/>
+              <a:t>条件覆盖的基础上，每个简单判定条件都应</a:t>
+            </a:r>
+            <a:r>
+              <a:rPr lang="zh-CN" altLang="en-US" sz="3400" b="1" dirty="0" smtClean="0">
+                <a:solidFill>
+                  <a:srgbClr val="FF0000"/>
+                </a:solidFill>
+              </a:rPr>
+              <a:t>独立地影响</a:t>
+            </a:r>
+            <a:r>
+              <a:rPr lang="zh-CN" altLang="en-US" sz="3400" b="1" dirty="0" smtClean="0"/>
+              <a:t>到整个判定表达式的取值</a:t>
+            </a:r>
+            <a:endParaRPr lang="en-US" altLang="zh-CN" sz="3400" b="1" dirty="0" smtClean="0"/>
+          </a:p>
+          <a:p>
+            <a:pPr algn="just" eaLnBrk="1" hangingPunct="1"/>
+            <a:r>
+              <a:rPr lang="zh-CN" altLang="en-US" sz="3400" b="1" dirty="0" smtClean="0"/>
+              <a:t>实质是利用简单判定条件的独立影响性来消除测试用例的冗余。</a:t>
+            </a:r>
+          </a:p>
+        </p:txBody>
+      </p:sp>
+    </p:spTree>
+  </p:cSld>
+  <p:clrMapOvr>
+    <a:masterClrMapping/>
+  </p:clrMapOvr>
+  <p:transition/>
+  <p:timing>
+    <p:tnLst>
+      <p:par>
+        <p:cTn id="1" dur="indefinite" restart="never" nodeType="tmRoot"/>
+      </p:par>
+    </p:tnLst>
+  </p:timing>
+</p:sld>
+</file>
+
+<file path=ppt/slides/slide25.xml><?xml version="1.0" encoding="utf-8"?>
+<p:sld xmlns:a="http://schemas.openxmlformats.org/drawingml/2006/main" xmlns:r="http://schemas.openxmlformats.org/officeDocument/2006/relationships" xmlns:p="http://schemas.openxmlformats.org/presentationml/2006/main">
+  <p:cSld>
+    <p:spTree>
+      <p:nvGrpSpPr>
+        <p:cNvPr id="1" name=""/>
+        <p:cNvGrpSpPr/>
+        <p:nvPr/>
+      </p:nvGrpSpPr>
+      <p:grpSpPr>
+        <a:xfrm>
+          <a:off x="0" y="0"/>
+          <a:ext cx="0" cy="0"/>
+          <a:chOff x="0" y="0"/>
+          <a:chExt cx="0" cy="0"/>
+        </a:xfrm>
+      </p:grpSpPr>
+      <p:sp>
+        <p:nvSpPr>
+          <p:cNvPr id="25602" name="灯片编号占位符 5"/>
+          <p:cNvSpPr>
+            <a:spLocks noGrp="1"/>
+          </p:cNvSpPr>
+          <p:nvPr>
+            <p:ph type="sldNum" sz="quarter" idx="12"/>
+          </p:nvPr>
+        </p:nvSpPr>
+        <p:spPr>
+          <a:noFill/>
+          <a:ln/>
+          <a:extLst>
+            <a:ext uri="{909E8E84-426E-40DD-AFC4-6F175D3DCCD1}">
+              <a14:hiddenFill xmlns:a14="http://schemas.microsoft.com/office/drawing/2010/main">
+                <a:solidFill>
+                  <a:srgbClr val="FFFFFF"/>
+                </a:solidFill>
+              </a14:hiddenFill>
+            </a:ext>
+            <a:ext uri="{91240B29-F687-4F45-9708-019B960494DF}">
+              <a14:hiddenLine xmlns:a14="http://schemas.microsoft.com/office/drawing/2010/main" w="9525">
+                <a:solidFill>
+                  <a:srgbClr val="000000"/>
+                </a:solidFill>
+                <a:miter lim="800000"/>
+                <a:headEnd/>
+                <a:tailEnd/>
+              </a14:hiddenLine>
+            </a:ext>
+          </a:extLst>
+        </p:spPr>
+        <p:txBody>
+          <a:bodyPr/>
+          <a:lstStyle>
+            <a:lvl1pPr eaLnBrk="0" hangingPunct="0">
+              <a:defRPr>
+                <a:solidFill>
+                  <a:schemeClr val="tx1"/>
+                </a:solidFill>
+                <a:latin typeface="Verdana" pitchFamily="34" charset="0"/>
+                <a:ea typeface="宋体" charset="-122"/>
+              </a:defRPr>
+            </a:lvl1pPr>
+            <a:lvl2pPr marL="742950" indent="-285750" eaLnBrk="0" hangingPunct="0">
+              <a:defRPr>
+                <a:solidFill>
+                  <a:schemeClr val="tx1"/>
+                </a:solidFill>
+                <a:latin typeface="Verdana" pitchFamily="34" charset="0"/>
+                <a:ea typeface="宋体" charset="-122"/>
+              </a:defRPr>
+            </a:lvl2pPr>
+            <a:lvl3pPr marL="1143000" indent="-228600" eaLnBrk="0" hangingPunct="0">
+              <a:defRPr>
+                <a:solidFill>
+                  <a:schemeClr val="tx1"/>
+                </a:solidFill>
+                <a:latin typeface="Verdana" pitchFamily="34" charset="0"/>
+                <a:ea typeface="宋体" charset="-122"/>
+              </a:defRPr>
+            </a:lvl3pPr>
+            <a:lvl4pPr marL="1600200" indent="-228600" eaLnBrk="0" hangingPunct="0">
+              <a:defRPr>
+                <a:solidFill>
+                  <a:schemeClr val="tx1"/>
+                </a:solidFill>
+                <a:latin typeface="Verdana" pitchFamily="34" charset="0"/>
+                <a:ea typeface="宋体" charset="-122"/>
+              </a:defRPr>
+            </a:lvl4pPr>
+            <a:lvl5pPr marL="2057400" indent="-228600" eaLnBrk="0" hangingPunct="0">
+              <a:defRPr>
+                <a:solidFill>
+                  <a:schemeClr val="tx1"/>
+                </a:solidFill>
+                <a:latin typeface="Verdana" pitchFamily="34" charset="0"/>
+                <a:ea typeface="宋体" charset="-122"/>
+              </a:defRPr>
+            </a:lvl5pPr>
+            <a:lvl6pPr marL="2514600" indent="-228600" eaLnBrk="0" fontAlgn="base" hangingPunct="0">
+              <a:spcBef>
+                <a:spcPct val="0"/>
+              </a:spcBef>
+              <a:spcAft>
+                <a:spcPct val="0"/>
+              </a:spcAft>
+              <a:defRPr>
+                <a:solidFill>
+                  <a:schemeClr val="tx1"/>
+                </a:solidFill>
+                <a:latin typeface="Verdana" pitchFamily="34" charset="0"/>
+                <a:ea typeface="宋体" charset="-122"/>
+              </a:defRPr>
+            </a:lvl6pPr>
+            <a:lvl7pPr marL="2971800" indent="-228600" eaLnBrk="0" fontAlgn="base" hangingPunct="0">
+              <a:spcBef>
+                <a:spcPct val="0"/>
+              </a:spcBef>
+              <a:spcAft>
+                <a:spcPct val="0"/>
+              </a:spcAft>
+              <a:defRPr>
+                <a:solidFill>
+                  <a:schemeClr val="tx1"/>
+                </a:solidFill>
+                <a:latin typeface="Verdana" pitchFamily="34" charset="0"/>
+                <a:ea typeface="宋体" charset="-122"/>
+              </a:defRPr>
+            </a:lvl7pPr>
+            <a:lvl8pPr marL="3429000" indent="-228600" eaLnBrk="0" fontAlgn="base" hangingPunct="0">
+              <a:spcBef>
+                <a:spcPct val="0"/>
+              </a:spcBef>
+              <a:spcAft>
+                <a:spcPct val="0"/>
+              </a:spcAft>
+              <a:defRPr>
+                <a:solidFill>
+                  <a:schemeClr val="tx1"/>
+                </a:solidFill>
+                <a:latin typeface="Verdana" pitchFamily="34" charset="0"/>
+                <a:ea typeface="宋体" charset="-122"/>
+              </a:defRPr>
+            </a:lvl8pPr>
+            <a:lvl9pPr marL="3886200" indent="-228600" eaLnBrk="0" fontAlgn="base" hangingPunct="0">
+              <a:spcBef>
+                <a:spcPct val="0"/>
+              </a:spcBef>
+              <a:spcAft>
+                <a:spcPct val="0"/>
+              </a:spcAft>
+              <a:defRPr>
+                <a:solidFill>
+                  <a:schemeClr val="tx1"/>
+                </a:solidFill>
+                <a:latin typeface="Verdana" pitchFamily="34" charset="0"/>
+                <a:ea typeface="宋体" charset="-122"/>
+              </a:defRPr>
+            </a:lvl9pPr>
+          </a:lstStyle>
+          <a:p>
+            <a:pPr eaLnBrk="1" hangingPunct="1"/>
+            <a:fld id="{AFE73AF3-B26E-4272-9910-CC54C08A2711}" type="slidenum">
+              <a:rPr lang="en-US" altLang="zh-CN" smtClean="0"/>
+              <a:pPr eaLnBrk="1" hangingPunct="1"/>
+              <a:t>25</a:t>
+            </a:fld>
+            <a:endParaRPr lang="en-US" altLang="zh-CN" smtClean="0"/>
+          </a:p>
+        </p:txBody>
+      </p:sp>
+      <p:sp>
+        <p:nvSpPr>
+          <p:cNvPr id="25603" name="Rectangle 2"/>
+          <p:cNvSpPr>
+            <a:spLocks noGrp="1" noChangeArrowheads="1"/>
+          </p:cNvSpPr>
+          <p:nvPr>
+            <p:ph type="title"/>
+          </p:nvPr>
+        </p:nvSpPr>
+        <p:spPr/>
+        <p:txBody>
+          <a:bodyPr/>
+          <a:lstStyle/>
+          <a:p>
+            <a:pPr eaLnBrk="1" hangingPunct="1"/>
+            <a:r>
+              <a:rPr lang="en-US" altLang="zh-CN" b="1" dirty="0" smtClean="0">
+                <a:latin typeface="黑体" pitchFamily="49" charset="-122"/>
+                <a:ea typeface="黑体" pitchFamily="49" charset="-122"/>
+              </a:rPr>
+              <a:t>5.3 </a:t>
+            </a:r>
+            <a:r>
+              <a:rPr lang="zh-CN" altLang="en-US" b="1" dirty="0" smtClean="0">
                 <a:latin typeface="黑体" pitchFamily="49" charset="-122"/>
                 <a:ea typeface="黑体" pitchFamily="49" charset="-122"/>
               </a:rPr>
@@ -11919,264 +12191,6 @@
 </p:sld>
 </file>
 
-<file path=ppt/slides/slide25.xml><?xml version="1.0" encoding="utf-8"?>
-<p:sld xmlns:a="http://schemas.openxmlformats.org/drawingml/2006/main" xmlns:r="http://schemas.openxmlformats.org/officeDocument/2006/relationships" xmlns:p="http://schemas.openxmlformats.org/presentationml/2006/main">
-  <p:cSld>
-    <p:spTree>
-      <p:nvGrpSpPr>
-        <p:cNvPr id="1" name=""/>
-        <p:cNvGrpSpPr/>
-        <p:nvPr/>
-      </p:nvGrpSpPr>
-      <p:grpSpPr>
-        <a:xfrm>
-          <a:off x="0" y="0"/>
-          <a:ext cx="0" cy="0"/>
-          <a:chOff x="0" y="0"/>
-          <a:chExt cx="0" cy="0"/>
-        </a:xfrm>
-      </p:grpSpPr>
-      <p:sp>
-        <p:nvSpPr>
-          <p:cNvPr id="26626" name="灯片编号占位符 5"/>
-          <p:cNvSpPr>
-            <a:spLocks noGrp="1"/>
-          </p:cNvSpPr>
-          <p:nvPr>
-            <p:ph type="sldNum" sz="quarter" idx="12"/>
-          </p:nvPr>
-        </p:nvSpPr>
-        <p:spPr>
-          <a:noFill/>
-          <a:ln/>
-          <a:extLst>
-            <a:ext uri="{909E8E84-426E-40DD-AFC4-6F175D3DCCD1}">
-              <a14:hiddenFill xmlns:a14="http://schemas.microsoft.com/office/drawing/2010/main">
-                <a:solidFill>
-                  <a:srgbClr val="FFFFFF"/>
-                </a:solidFill>
-              </a14:hiddenFill>
-            </a:ext>
-            <a:ext uri="{91240B29-F687-4F45-9708-019B960494DF}">
-              <a14:hiddenLine xmlns:a14="http://schemas.microsoft.com/office/drawing/2010/main" w="9525">
-                <a:solidFill>
-                  <a:srgbClr val="000000"/>
-                </a:solidFill>
-                <a:miter lim="800000"/>
-                <a:headEnd/>
-                <a:tailEnd/>
-              </a14:hiddenLine>
-            </a:ext>
-          </a:extLst>
-        </p:spPr>
-        <p:txBody>
-          <a:bodyPr/>
-          <a:lstStyle>
-            <a:lvl1pPr eaLnBrk="0" hangingPunct="0">
-              <a:defRPr>
-                <a:solidFill>
-                  <a:schemeClr val="tx1"/>
-                </a:solidFill>
-                <a:latin typeface="Verdana" pitchFamily="34" charset="0"/>
-                <a:ea typeface="宋体" charset="-122"/>
-              </a:defRPr>
-            </a:lvl1pPr>
-            <a:lvl2pPr marL="742950" indent="-285750" eaLnBrk="0" hangingPunct="0">
-              <a:defRPr>
-                <a:solidFill>
-                  <a:schemeClr val="tx1"/>
-                </a:solidFill>
-                <a:latin typeface="Verdana" pitchFamily="34" charset="0"/>
-                <a:ea typeface="宋体" charset="-122"/>
-              </a:defRPr>
-            </a:lvl2pPr>
-            <a:lvl3pPr marL="1143000" indent="-228600" eaLnBrk="0" hangingPunct="0">
-              <a:defRPr>
-                <a:solidFill>
-                  <a:schemeClr val="tx1"/>
-                </a:solidFill>
-                <a:latin typeface="Verdana" pitchFamily="34" charset="0"/>
-                <a:ea typeface="宋体" charset="-122"/>
-              </a:defRPr>
-            </a:lvl3pPr>
-            <a:lvl4pPr marL="1600200" indent="-228600" eaLnBrk="0" hangingPunct="0">
-              <a:defRPr>
-                <a:solidFill>
-                  <a:schemeClr val="tx1"/>
-                </a:solidFill>
-                <a:latin typeface="Verdana" pitchFamily="34" charset="0"/>
-                <a:ea typeface="宋体" charset="-122"/>
-              </a:defRPr>
-            </a:lvl4pPr>
-            <a:lvl5pPr marL="2057400" indent="-228600" eaLnBrk="0" hangingPunct="0">
-              <a:defRPr>
-                <a:solidFill>
-                  <a:schemeClr val="tx1"/>
-                </a:solidFill>
-                <a:latin typeface="Verdana" pitchFamily="34" charset="0"/>
-                <a:ea typeface="宋体" charset="-122"/>
-              </a:defRPr>
-            </a:lvl5pPr>
-            <a:lvl6pPr marL="2514600" indent="-228600" eaLnBrk="0" fontAlgn="base" hangingPunct="0">
-              <a:spcBef>
-                <a:spcPct val="0"/>
-              </a:spcBef>
-              <a:spcAft>
-                <a:spcPct val="0"/>
-              </a:spcAft>
-              <a:defRPr>
-                <a:solidFill>
-                  <a:schemeClr val="tx1"/>
-                </a:solidFill>
-                <a:latin typeface="Verdana" pitchFamily="34" charset="0"/>
-                <a:ea typeface="宋体" charset="-122"/>
-              </a:defRPr>
-            </a:lvl6pPr>
-            <a:lvl7pPr marL="2971800" indent="-228600" eaLnBrk="0" fontAlgn="base" hangingPunct="0">
-              <a:spcBef>
-                <a:spcPct val="0"/>
-              </a:spcBef>
-              <a:spcAft>
-                <a:spcPct val="0"/>
-              </a:spcAft>
-              <a:defRPr>
-                <a:solidFill>
-                  <a:schemeClr val="tx1"/>
-                </a:solidFill>
-                <a:latin typeface="Verdana" pitchFamily="34" charset="0"/>
-                <a:ea typeface="宋体" charset="-122"/>
-              </a:defRPr>
-            </a:lvl7pPr>
-            <a:lvl8pPr marL="3429000" indent="-228600" eaLnBrk="0" fontAlgn="base" hangingPunct="0">
-              <a:spcBef>
-                <a:spcPct val="0"/>
-              </a:spcBef>
-              <a:spcAft>
-                <a:spcPct val="0"/>
-              </a:spcAft>
-              <a:defRPr>
-                <a:solidFill>
-                  <a:schemeClr val="tx1"/>
-                </a:solidFill>
-                <a:latin typeface="Verdana" pitchFamily="34" charset="0"/>
-                <a:ea typeface="宋体" charset="-122"/>
-              </a:defRPr>
-            </a:lvl8pPr>
-            <a:lvl9pPr marL="3886200" indent="-228600" eaLnBrk="0" fontAlgn="base" hangingPunct="0">
-              <a:spcBef>
-                <a:spcPct val="0"/>
-              </a:spcBef>
-              <a:spcAft>
-                <a:spcPct val="0"/>
-              </a:spcAft>
-              <a:defRPr>
-                <a:solidFill>
-                  <a:schemeClr val="tx1"/>
-                </a:solidFill>
-                <a:latin typeface="Verdana" pitchFamily="34" charset="0"/>
-                <a:ea typeface="宋体" charset="-122"/>
-              </a:defRPr>
-            </a:lvl9pPr>
-          </a:lstStyle>
-          <a:p>
-            <a:pPr eaLnBrk="1" hangingPunct="1"/>
-            <a:fld id="{95108F07-F9B6-4113-82D6-CD961A5E42C0}" type="slidenum">
-              <a:rPr lang="en-US" altLang="zh-CN" smtClean="0"/>
-              <a:pPr eaLnBrk="1" hangingPunct="1"/>
-              <a:t>25</a:t>
-            </a:fld>
-            <a:endParaRPr lang="en-US" altLang="zh-CN" smtClean="0"/>
-          </a:p>
-        </p:txBody>
-      </p:sp>
-      <p:sp>
-        <p:nvSpPr>
-          <p:cNvPr id="26627" name="Rectangle 2"/>
-          <p:cNvSpPr>
-            <a:spLocks noGrp="1" noChangeArrowheads="1"/>
-          </p:cNvSpPr>
-          <p:nvPr>
-            <p:ph type="title"/>
-          </p:nvPr>
-        </p:nvSpPr>
-        <p:spPr/>
-        <p:txBody>
-          <a:bodyPr/>
-          <a:lstStyle/>
-          <a:p>
-            <a:pPr eaLnBrk="1" hangingPunct="1"/>
-            <a:r>
-              <a:rPr lang="en-US" altLang="zh-CN" b="1" smtClean="0">
-                <a:latin typeface="黑体" pitchFamily="49" charset="-122"/>
-                <a:ea typeface="黑体" pitchFamily="49" charset="-122"/>
-              </a:rPr>
-              <a:t>5.3 </a:t>
-            </a:r>
-            <a:r>
-              <a:rPr lang="zh-CN" altLang="en-US" b="1" smtClean="0">
-                <a:latin typeface="黑体" pitchFamily="49" charset="-122"/>
-                <a:ea typeface="黑体" pitchFamily="49" charset="-122"/>
-              </a:rPr>
-              <a:t>对判定的测试</a:t>
-            </a:r>
-          </a:p>
-        </p:txBody>
-      </p:sp>
-      <p:sp>
-        <p:nvSpPr>
-          <p:cNvPr id="26628" name="Rectangle 3"/>
-          <p:cNvSpPr>
-            <a:spLocks noGrp="1" noChangeArrowheads="1"/>
-          </p:cNvSpPr>
-          <p:nvPr>
-            <p:ph type="body" idx="1"/>
-          </p:nvPr>
-        </p:nvSpPr>
-        <p:spPr/>
-        <p:txBody>
-          <a:bodyPr/>
-          <a:lstStyle/>
-          <a:p>
-            <a:pPr algn="just" eaLnBrk="1" hangingPunct="1"/>
-            <a:r>
-              <a:rPr lang="zh-CN" altLang="en-US" sz="3400" b="1" smtClean="0"/>
-              <a:t>测试用例优化</a:t>
-            </a:r>
-            <a:endParaRPr lang="en-US" altLang="zh-CN" sz="3400" b="1" smtClean="0"/>
-          </a:p>
-          <a:p>
-            <a:pPr lvl="1" algn="just" eaLnBrk="1" hangingPunct="1"/>
-            <a:r>
-              <a:rPr lang="zh-CN" altLang="en-US" b="1" smtClean="0"/>
-              <a:t>尽量选择边界测试数据</a:t>
-            </a:r>
-            <a:endParaRPr lang="en-US" altLang="zh-CN" b="1" smtClean="0"/>
-          </a:p>
-          <a:p>
-            <a:pPr lvl="1" algn="just" eaLnBrk="1" hangingPunct="1"/>
-            <a:r>
-              <a:rPr lang="zh-CN" altLang="en-US" b="1" smtClean="0"/>
-              <a:t>应避免“与”、“或”关系的屏蔽现象</a:t>
-            </a:r>
-          </a:p>
-        </p:txBody>
-      </p:sp>
-    </p:spTree>
-  </p:cSld>
-  <p:clrMapOvr>
-    <a:masterClrMapping/>
-  </p:clrMapOvr>
-  <p:transition/>
-  <p:timing>
-    <p:tnLst>
-      <p:par>
-        <p:cTn id="1" dur="indefinite" restart="never" nodeType="tmRoot"/>
-      </p:par>
-    </p:tnLst>
-  </p:timing>
-</p:sld>
-</file>
-
 <file path=ppt/slides/slide26.xml><?xml version="1.0" encoding="utf-8"?>
 <p:sld xmlns:a="http://schemas.openxmlformats.org/drawingml/2006/main" xmlns:r="http://schemas.openxmlformats.org/officeDocument/2006/relationships" xmlns:p="http://schemas.openxmlformats.org/presentationml/2006/main">
   <p:cSld>
@@ -12196,7 +12210,66 @@
       </p:grpSpPr>
       <p:sp>
         <p:nvSpPr>
-          <p:cNvPr id="27650" name="灯片编号占位符 5"/>
+          <p:cNvPr id="3" name="内容占位符 2"/>
+          <p:cNvSpPr>
+            <a:spLocks noGrp="1"/>
+          </p:cNvSpPr>
+          <p:nvPr>
+            <p:ph idx="1"/>
+          </p:nvPr>
+        </p:nvSpPr>
+        <p:spPr/>
+        <p:txBody>
+          <a:bodyPr/>
+          <a:lstStyle/>
+          <a:p>
+            <a:pPr marL="514350" indent="-514350">
+              <a:buFont typeface="+mj-lt"/>
+              <a:buAutoNum type="arabicPeriod"/>
+            </a:pPr>
+            <a:r>
+              <a:rPr lang="zh-CN" altLang="en-US" sz="2800" b="1" dirty="0"/>
+              <a:t>列出所有简单判定条件；</a:t>
+            </a:r>
+          </a:p>
+          <a:p>
+            <a:pPr marL="514350" indent="-514350">
+              <a:buFont typeface="+mj-lt"/>
+              <a:buAutoNum type="arabicPeriod"/>
+            </a:pPr>
+            <a:r>
+              <a:rPr lang="zh-CN" altLang="en-US" sz="2800" b="1" dirty="0"/>
+              <a:t>构建真值表；</a:t>
+            </a:r>
+          </a:p>
+          <a:p>
+            <a:pPr marL="514350" indent="-514350">
+              <a:buFont typeface="+mj-lt"/>
+              <a:buAutoNum type="arabicPeriod"/>
+            </a:pPr>
+            <a:r>
+              <a:rPr lang="zh-CN" altLang="en-US" sz="2800" b="1" dirty="0"/>
+              <a:t>对每个简单判定条件，找到能对整个判定结果产生独立影响的测试用例集合（简称独立影响对），即在真值表中依次固定其他简单判定条件，找到该条件的独立影响对；</a:t>
+            </a:r>
+          </a:p>
+          <a:p>
+            <a:pPr marL="514350" indent="-514350">
+              <a:buFont typeface="+mj-lt"/>
+              <a:buAutoNum type="arabicPeriod"/>
+            </a:pPr>
+            <a:r>
+              <a:rPr lang="zh-CN" altLang="en-US" sz="2800" b="1" dirty="0"/>
+              <a:t>抽取能体现所有简单判定条件独立影响性的最少独立影响对。 </a:t>
+            </a:r>
+          </a:p>
+          <a:p>
+            <a:endParaRPr lang="zh-CN" altLang="en-US" dirty="0"/>
+          </a:p>
+        </p:txBody>
+      </p:sp>
+      <p:sp>
+        <p:nvSpPr>
+          <p:cNvPr id="4" name="灯片编号占位符 3"/>
           <p:cNvSpPr>
             <a:spLocks noGrp="1"/>
           </p:cNvSpPr>
@@ -12204,152 +12277,28 @@
             <p:ph type="sldNum" sz="quarter" idx="12"/>
           </p:nvPr>
         </p:nvSpPr>
-        <p:spPr>
-          <a:noFill/>
-          <a:ln/>
-          <a:extLst>
-            <a:ext uri="{909E8E84-426E-40DD-AFC4-6F175D3DCCD1}">
-              <a14:hiddenFill xmlns:a14="http://schemas.microsoft.com/office/drawing/2010/main">
-                <a:solidFill>
-                  <a:srgbClr val="FFFFFF"/>
-                </a:solidFill>
-              </a14:hiddenFill>
-            </a:ext>
-            <a:ext uri="{91240B29-F687-4F45-9708-019B960494DF}">
-              <a14:hiddenLine xmlns:a14="http://schemas.microsoft.com/office/drawing/2010/main" w="9525">
-                <a:solidFill>
-                  <a:srgbClr val="000000"/>
-                </a:solidFill>
-                <a:miter lim="800000"/>
-                <a:headEnd/>
-                <a:tailEnd/>
-              </a14:hiddenLine>
-            </a:ext>
-          </a:extLst>
-        </p:spPr>
+        <p:spPr/>
         <p:txBody>
           <a:bodyPr/>
-          <a:lstStyle>
-            <a:lvl1pPr eaLnBrk="0" hangingPunct="0">
-              <a:defRPr>
-                <a:solidFill>
-                  <a:schemeClr val="tx1"/>
-                </a:solidFill>
-                <a:latin typeface="Verdana" pitchFamily="34" charset="0"/>
-                <a:ea typeface="宋体" charset="-122"/>
-              </a:defRPr>
-            </a:lvl1pPr>
-            <a:lvl2pPr marL="742950" indent="-285750" eaLnBrk="0" hangingPunct="0">
-              <a:defRPr>
-                <a:solidFill>
-                  <a:schemeClr val="tx1"/>
-                </a:solidFill>
-                <a:latin typeface="Verdana" pitchFamily="34" charset="0"/>
-                <a:ea typeface="宋体" charset="-122"/>
-              </a:defRPr>
-            </a:lvl2pPr>
-            <a:lvl3pPr marL="1143000" indent="-228600" eaLnBrk="0" hangingPunct="0">
-              <a:defRPr>
-                <a:solidFill>
-                  <a:schemeClr val="tx1"/>
-                </a:solidFill>
-                <a:latin typeface="Verdana" pitchFamily="34" charset="0"/>
-                <a:ea typeface="宋体" charset="-122"/>
-              </a:defRPr>
-            </a:lvl3pPr>
-            <a:lvl4pPr marL="1600200" indent="-228600" eaLnBrk="0" hangingPunct="0">
-              <a:defRPr>
-                <a:solidFill>
-                  <a:schemeClr val="tx1"/>
-                </a:solidFill>
-                <a:latin typeface="Verdana" pitchFamily="34" charset="0"/>
-                <a:ea typeface="宋体" charset="-122"/>
-              </a:defRPr>
-            </a:lvl4pPr>
-            <a:lvl5pPr marL="2057400" indent="-228600" eaLnBrk="0" hangingPunct="0">
-              <a:defRPr>
-                <a:solidFill>
-                  <a:schemeClr val="tx1"/>
-                </a:solidFill>
-                <a:latin typeface="Verdana" pitchFamily="34" charset="0"/>
-                <a:ea typeface="宋体" charset="-122"/>
-              </a:defRPr>
-            </a:lvl5pPr>
-            <a:lvl6pPr marL="2514600" indent="-228600" eaLnBrk="0" fontAlgn="base" hangingPunct="0">
-              <a:spcBef>
-                <a:spcPct val="0"/>
-              </a:spcBef>
-              <a:spcAft>
-                <a:spcPct val="0"/>
-              </a:spcAft>
-              <a:defRPr>
-                <a:solidFill>
-                  <a:schemeClr val="tx1"/>
-                </a:solidFill>
-                <a:latin typeface="Verdana" pitchFamily="34" charset="0"/>
-                <a:ea typeface="宋体" charset="-122"/>
-              </a:defRPr>
-            </a:lvl6pPr>
-            <a:lvl7pPr marL="2971800" indent="-228600" eaLnBrk="0" fontAlgn="base" hangingPunct="0">
-              <a:spcBef>
-                <a:spcPct val="0"/>
-              </a:spcBef>
-              <a:spcAft>
-                <a:spcPct val="0"/>
-              </a:spcAft>
-              <a:defRPr>
-                <a:solidFill>
-                  <a:schemeClr val="tx1"/>
-                </a:solidFill>
-                <a:latin typeface="Verdana" pitchFamily="34" charset="0"/>
-                <a:ea typeface="宋体" charset="-122"/>
-              </a:defRPr>
-            </a:lvl7pPr>
-            <a:lvl8pPr marL="3429000" indent="-228600" eaLnBrk="0" fontAlgn="base" hangingPunct="0">
-              <a:spcBef>
-                <a:spcPct val="0"/>
-              </a:spcBef>
-              <a:spcAft>
-                <a:spcPct val="0"/>
-              </a:spcAft>
-              <a:defRPr>
-                <a:solidFill>
-                  <a:schemeClr val="tx1"/>
-                </a:solidFill>
-                <a:latin typeface="Verdana" pitchFamily="34" charset="0"/>
-                <a:ea typeface="宋体" charset="-122"/>
-              </a:defRPr>
-            </a:lvl8pPr>
-            <a:lvl9pPr marL="3886200" indent="-228600" eaLnBrk="0" fontAlgn="base" hangingPunct="0">
-              <a:spcBef>
-                <a:spcPct val="0"/>
-              </a:spcBef>
-              <a:spcAft>
-                <a:spcPct val="0"/>
-              </a:spcAft>
-              <a:defRPr>
-                <a:solidFill>
-                  <a:schemeClr val="tx1"/>
-                </a:solidFill>
-                <a:latin typeface="Verdana" pitchFamily="34" charset="0"/>
-                <a:ea typeface="宋体" charset="-122"/>
-              </a:defRPr>
-            </a:lvl9pPr>
-          </a:lstStyle>
-          <a:p>
-            <a:pPr eaLnBrk="1" hangingPunct="1"/>
-            <a:fld id="{6F3DBFF7-DA15-408C-9F65-DB36B398DB7A}" type="slidenum">
+          <a:lstStyle/>
+          <a:p>
+            <a:pPr>
+              <a:defRPr/>
+            </a:pPr>
+            <a:fld id="{A2129394-4104-4E4B-B479-2CD63F410336}" type="slidenum">
               <a:rPr lang="en-US" altLang="zh-CN" smtClean="0"/>
-              <a:pPr eaLnBrk="1" hangingPunct="1"/>
+              <a:pPr>
+                <a:defRPr/>
+              </a:pPr>
               <a:t>26</a:t>
             </a:fld>
-            <a:endParaRPr lang="en-US" altLang="zh-CN" smtClean="0"/>
-          </a:p>
-        </p:txBody>
-      </p:sp>
-      <p:sp>
-        <p:nvSpPr>
-          <p:cNvPr id="27651" name="Rectangle 2"/>
+            <a:endParaRPr lang="en-US" altLang="zh-CN"/>
+          </a:p>
+        </p:txBody>
+      </p:sp>
+      <p:sp>
+        <p:nvSpPr>
+          <p:cNvPr id="5" name="Rectangle 2"/>
           <p:cNvSpPr>
             <a:spLocks noGrp="1" noChangeArrowheads="1"/>
           </p:cNvSpPr>
@@ -12357,21 +12306,26 @@
             <p:ph type="title"/>
           </p:nvPr>
         </p:nvSpPr>
-        <p:spPr/>
+        <p:spPr>
+          <a:xfrm>
+            <a:off x="574675" y="304800"/>
+            <a:ext cx="8001000" cy="1216025"/>
+          </a:xfrm>
+        </p:spPr>
         <p:txBody>
           <a:bodyPr/>
           <a:lstStyle/>
           <a:p>
             <a:pPr eaLnBrk="1" hangingPunct="1"/>
             <a:r>
-              <a:rPr lang="en-US" altLang="zh-CN" b="1" smtClean="0">
+              <a:rPr lang="en-US" altLang="zh-CN" b="1" dirty="0" smtClean="0">
                 <a:latin typeface="黑体" pitchFamily="49" charset="-122"/>
                 <a:ea typeface="黑体" pitchFamily="49" charset="-122"/>
               </a:rPr>
               <a:t>5.3 </a:t>
             </a:r>
             <a:r>
-              <a:rPr lang="zh-CN" altLang="en-US" b="1" smtClean="0">
+              <a:rPr lang="zh-CN" altLang="en-US" b="1" dirty="0" smtClean="0">
                 <a:latin typeface="黑体" pitchFamily="49" charset="-122"/>
                 <a:ea typeface="黑体" pitchFamily="49" charset="-122"/>
               </a:rPr>
@@ -12380,107 +12334,26 @@
           </a:p>
         </p:txBody>
       </p:sp>
-      <p:sp>
-        <p:nvSpPr>
-          <p:cNvPr id="27652" name="Rectangle 3"/>
-          <p:cNvSpPr>
-            <a:spLocks noGrp="1" noChangeArrowheads="1"/>
-          </p:cNvSpPr>
-          <p:nvPr>
-            <p:ph type="body" idx="1"/>
-          </p:nvPr>
-        </p:nvSpPr>
-        <p:spPr/>
-        <p:txBody>
-          <a:bodyPr/>
-          <a:lstStyle/>
-          <a:p>
-            <a:pPr eaLnBrk="1" hangingPunct="1"/>
-            <a:r>
-              <a:rPr lang="zh-CN" altLang="en-US" sz="3800" b="1" smtClean="0">
-                <a:solidFill>
-                  <a:srgbClr val="0000FF"/>
-                </a:solidFill>
-                <a:ea typeface="华文新魏" pitchFamily="2" charset="-122"/>
-              </a:rPr>
-              <a:t>捉虫实践</a:t>
-            </a:r>
-            <a:r>
-              <a:rPr lang="en-US" altLang="zh-CN" sz="3800" b="1" smtClean="0">
-                <a:solidFill>
-                  <a:srgbClr val="0000FF"/>
-                </a:solidFill>
-                <a:ea typeface="华文新魏" pitchFamily="2" charset="-122"/>
-              </a:rPr>
-              <a:t>3</a:t>
-            </a:r>
-            <a:r>
-              <a:rPr lang="zh-CN" altLang="en-US" sz="3800" b="1" smtClean="0">
-                <a:solidFill>
-                  <a:srgbClr val="0000FF"/>
-                </a:solidFill>
-                <a:ea typeface="华文新魏" pitchFamily="2" charset="-122"/>
-              </a:rPr>
-              <a:t>：第二日问题</a:t>
-            </a:r>
-          </a:p>
-          <a:p>
-            <a:pPr lvl="1" eaLnBrk="1" hangingPunct="1"/>
-            <a:r>
-              <a:rPr lang="zh-CN" altLang="en-US" sz="3400" b="1" smtClean="0">
-                <a:solidFill>
-                  <a:srgbClr val="0000FF"/>
-                </a:solidFill>
-                <a:ea typeface="华文新魏" pitchFamily="2" charset="-122"/>
-              </a:rPr>
-              <a:t>代码说明</a:t>
-            </a:r>
-            <a:endParaRPr lang="en-US" altLang="zh-CN" sz="3400" b="1" smtClean="0">
-              <a:solidFill>
-                <a:srgbClr val="0000FF"/>
-              </a:solidFill>
-              <a:ea typeface="华文新魏" pitchFamily="2" charset="-122"/>
-            </a:endParaRPr>
-          </a:p>
-          <a:p>
-            <a:pPr lvl="1" eaLnBrk="1" hangingPunct="1"/>
-            <a:r>
-              <a:rPr lang="zh-CN" altLang="en-US" sz="3400" b="1" smtClean="0">
-                <a:solidFill>
-                  <a:srgbClr val="0000FF"/>
-                </a:solidFill>
-                <a:ea typeface="华文新魏" pitchFamily="2" charset="-122"/>
-              </a:rPr>
-              <a:t>开始测试</a:t>
-            </a:r>
-            <a:endParaRPr lang="en-US" altLang="zh-CN" sz="3400" b="1" smtClean="0">
-              <a:solidFill>
-                <a:srgbClr val="0000FF"/>
-              </a:solidFill>
-              <a:ea typeface="华文新魏" pitchFamily="2" charset="-122"/>
-            </a:endParaRPr>
-          </a:p>
-          <a:p>
-            <a:pPr lvl="1" eaLnBrk="1" hangingPunct="1"/>
-            <a:r>
-              <a:rPr lang="zh-CN" altLang="en-US" sz="3400" b="1" smtClean="0">
-                <a:solidFill>
-                  <a:srgbClr val="0000FF"/>
-                </a:solidFill>
-                <a:ea typeface="华文新魏" pitchFamily="2" charset="-122"/>
-              </a:rPr>
-              <a:t>测试分析</a:t>
-            </a:r>
-            <a:endParaRPr lang="en-US" altLang="zh-CN" sz="3500" b="1" smtClean="0"/>
-          </a:p>
-        </p:txBody>
-      </p:sp>
     </p:spTree>
+    <p:extLst>
+      <p:ext uri="{BB962C8B-B14F-4D97-AF65-F5344CB8AC3E}">
+        <p14:creationId xmlns:p14="http://schemas.microsoft.com/office/powerpoint/2010/main" val="2029488954"/>
+      </p:ext>
+    </p:extLst>
   </p:cSld>
   <p:clrMapOvr>
     <a:masterClrMapping/>
   </p:clrMapOvr>
-  <p:transition/>
+  <p:transition>
+    <p:blinds dir="vert"/>
+  </p:transition>
+  <p:timing>
+    <p:tnLst>
+      <p:par>
+        <p:cTn id="1" dur="indefinite" restart="never" nodeType="tmRoot"/>
+      </p:par>
+    </p:tnLst>
+  </p:timing>
 </p:sld>
 </file>
 
@@ -12503,7 +12376,7 @@
       </p:grpSpPr>
       <p:sp>
         <p:nvSpPr>
-          <p:cNvPr id="28674" name="灯片编号占位符 5"/>
+          <p:cNvPr id="26626" name="灯片编号占位符 5"/>
           <p:cNvSpPr>
             <a:spLocks noGrp="1"/>
           </p:cNvSpPr>
@@ -12645,7 +12518,7 @@
           </a:lstStyle>
           <a:p>
             <a:pPr eaLnBrk="1" hangingPunct="1"/>
-            <a:fld id="{4FA9DBDA-1731-44CF-8BE0-5CA5220E4DDC}" type="slidenum">
+            <a:fld id="{95108F07-F9B6-4113-82D6-CD961A5E42C0}" type="slidenum">
               <a:rPr lang="en-US" altLang="zh-CN" smtClean="0"/>
               <a:pPr eaLnBrk="1" hangingPunct="1"/>
               <a:t>27</a:t>
@@ -12656,7 +12529,7 @@
       </p:sp>
       <p:sp>
         <p:nvSpPr>
-          <p:cNvPr id="28675" name="Rectangle 2"/>
+          <p:cNvPr id="26627" name="Rectangle 2"/>
           <p:cNvSpPr>
             <a:spLocks noGrp="1" noChangeArrowheads="1"/>
           </p:cNvSpPr>
@@ -12689,7 +12562,7 @@
       </p:sp>
       <p:sp>
         <p:nvSpPr>
-          <p:cNvPr id="28676" name="Rectangle 3"/>
+          <p:cNvPr id="26628" name="Rectangle 3"/>
           <p:cNvSpPr>
             <a:spLocks noGrp="1" noChangeArrowheads="1"/>
           </p:cNvSpPr>
@@ -12702,292 +12575,27 @@
           <a:bodyPr/>
           <a:lstStyle/>
           <a:p>
-            <a:pPr eaLnBrk="1" hangingPunct="1"/>
-            <a:r>
-              <a:rPr lang="zh-CN" altLang="en-US" sz="3400" b="1" smtClean="0">
-                <a:solidFill>
-                  <a:srgbClr val="0000FF"/>
-                </a:solidFill>
-                <a:ea typeface="华文新魏" pitchFamily="2" charset="-122"/>
-              </a:rPr>
-              <a:t>代码说明</a:t>
-            </a:r>
-            <a:endParaRPr lang="en-US" altLang="zh-CN" sz="3400" b="1" smtClean="0">
-              <a:solidFill>
-                <a:srgbClr val="0000FF"/>
-              </a:solidFill>
-              <a:ea typeface="华文新魏" pitchFamily="2" charset="-122"/>
-            </a:endParaRPr>
-          </a:p>
-          <a:p>
-            <a:pPr eaLnBrk="1" hangingPunct="1"/>
-            <a:r>
-              <a:rPr lang="zh-CN" altLang="en-US" sz="3400" b="1" smtClean="0">
-                <a:solidFill>
-                  <a:srgbClr val="0000FF"/>
-                </a:solidFill>
-                <a:ea typeface="华文新魏" pitchFamily="2" charset="-122"/>
-              </a:rPr>
-              <a:t>共包含</a:t>
-            </a:r>
-            <a:r>
-              <a:rPr lang="en-US" altLang="en-US" sz="3400" b="1" smtClean="0">
-                <a:solidFill>
-                  <a:srgbClr val="0000FF"/>
-                </a:solidFill>
-                <a:ea typeface="华文新魏" pitchFamily="2" charset="-122"/>
-              </a:rPr>
-              <a:t>5</a:t>
-            </a:r>
-            <a:r>
-              <a:rPr lang="zh-CN" altLang="en-US" sz="3400" b="1" smtClean="0">
-                <a:solidFill>
-                  <a:srgbClr val="0000FF"/>
-                </a:solidFill>
-                <a:ea typeface="华文新魏" pitchFamily="2" charset="-122"/>
-              </a:rPr>
-              <a:t>个判定节点，含</a:t>
-            </a:r>
-            <a:r>
-              <a:rPr lang="en-US" altLang="en-US" sz="3400" b="1" smtClean="0">
-                <a:solidFill>
-                  <a:srgbClr val="0000FF"/>
-                </a:solidFill>
-                <a:ea typeface="华文新魏" pitchFamily="2" charset="-122"/>
-              </a:rPr>
-              <a:t>13</a:t>
-            </a:r>
-            <a:r>
-              <a:rPr lang="zh-CN" altLang="en-US" sz="3400" b="1" smtClean="0">
-                <a:solidFill>
-                  <a:srgbClr val="0000FF"/>
-                </a:solidFill>
-                <a:ea typeface="华文新魏" pitchFamily="2" charset="-122"/>
-              </a:rPr>
-              <a:t>个简单逻辑判定条件</a:t>
-            </a:r>
-            <a:endParaRPr lang="en-US" altLang="zh-CN" sz="3400" b="1" smtClean="0">
-              <a:solidFill>
-                <a:srgbClr val="0000FF"/>
-              </a:solidFill>
-              <a:ea typeface="华文新魏" pitchFamily="2" charset="-122"/>
-            </a:endParaRPr>
-          </a:p>
-          <a:p>
-            <a:pPr lvl="1"/>
-            <a:r>
-              <a:rPr lang="en-US" altLang="en-US" b="1" smtClean="0">
-                <a:solidFill>
-                  <a:srgbClr val="0000FF"/>
-                </a:solidFill>
-                <a:ea typeface="华文新魏" pitchFamily="2" charset="-122"/>
-              </a:rPr>
-              <a:t>T1</a:t>
-            </a:r>
-            <a:r>
-              <a:rPr lang="zh-CN" altLang="en-US" b="1" smtClean="0">
-                <a:solidFill>
-                  <a:srgbClr val="0000FF"/>
-                </a:solidFill>
-                <a:ea typeface="华文新魏" pitchFamily="2" charset="-122"/>
-              </a:rPr>
-              <a:t>：</a:t>
-            </a:r>
-            <a:r>
-              <a:rPr lang="en-US" altLang="en-US" b="1" smtClean="0">
-                <a:solidFill>
-                  <a:srgbClr val="0000FF"/>
-                </a:solidFill>
-                <a:ea typeface="华文新魏" pitchFamily="2" charset="-122"/>
-              </a:rPr>
-              <a:t>date.m_month % 2 == 1</a:t>
-            </a:r>
-            <a:endParaRPr lang="zh-CN" altLang="en-US" b="1" smtClean="0">
-              <a:solidFill>
-                <a:srgbClr val="0000FF"/>
-              </a:solidFill>
-              <a:ea typeface="华文新魏" pitchFamily="2" charset="-122"/>
-            </a:endParaRPr>
-          </a:p>
-          <a:p>
-            <a:pPr lvl="1"/>
-            <a:r>
-              <a:rPr lang="en-US" altLang="en-US" b="1" smtClean="0">
-                <a:solidFill>
-                  <a:srgbClr val="0000FF"/>
-                </a:solidFill>
-                <a:ea typeface="华文新魏" pitchFamily="2" charset="-122"/>
-              </a:rPr>
-              <a:t>T2</a:t>
-            </a:r>
-            <a:r>
-              <a:rPr lang="zh-CN" altLang="en-US" b="1" smtClean="0">
-                <a:solidFill>
-                  <a:srgbClr val="0000FF"/>
-                </a:solidFill>
-                <a:ea typeface="华文新魏" pitchFamily="2" charset="-122"/>
-              </a:rPr>
-              <a:t>：</a:t>
-            </a:r>
-            <a:r>
-              <a:rPr lang="en-US" altLang="en-US" b="1" smtClean="0">
-                <a:solidFill>
-                  <a:srgbClr val="0000FF"/>
-                </a:solidFill>
-                <a:ea typeface="华文新魏" pitchFamily="2" charset="-122"/>
-              </a:rPr>
-              <a:t>date.m_month &lt; 8</a:t>
-            </a:r>
-            <a:endParaRPr lang="zh-CN" altLang="en-US" b="1" smtClean="0">
-              <a:solidFill>
-                <a:srgbClr val="0000FF"/>
-              </a:solidFill>
-              <a:ea typeface="华文新魏" pitchFamily="2" charset="-122"/>
-            </a:endParaRPr>
-          </a:p>
-          <a:p>
-            <a:pPr lvl="1"/>
-            <a:r>
-              <a:rPr lang="en-US" altLang="en-US" b="1" smtClean="0">
-                <a:solidFill>
-                  <a:srgbClr val="0000FF"/>
-                </a:solidFill>
-                <a:ea typeface="华文新魏" pitchFamily="2" charset="-122"/>
-              </a:rPr>
-              <a:t>T3</a:t>
-            </a:r>
-            <a:r>
-              <a:rPr lang="zh-CN" altLang="en-US" b="1" smtClean="0">
-                <a:solidFill>
-                  <a:srgbClr val="0000FF"/>
-                </a:solidFill>
-                <a:ea typeface="华文新魏" pitchFamily="2" charset="-122"/>
-              </a:rPr>
-              <a:t>：</a:t>
-            </a:r>
-            <a:r>
-              <a:rPr lang="en-US" altLang="en-US" b="1" smtClean="0">
-                <a:solidFill>
-                  <a:srgbClr val="0000FF"/>
-                </a:solidFill>
-                <a:ea typeface="华文新魏" pitchFamily="2" charset="-122"/>
-              </a:rPr>
-              <a:t>date.m_month % 2 == 0</a:t>
-            </a:r>
-            <a:endParaRPr lang="zh-CN" altLang="en-US" b="1" smtClean="0">
-              <a:solidFill>
-                <a:srgbClr val="0000FF"/>
-              </a:solidFill>
-              <a:ea typeface="华文新魏" pitchFamily="2" charset="-122"/>
-            </a:endParaRPr>
-          </a:p>
-          <a:p>
-            <a:pPr lvl="1"/>
-            <a:r>
-              <a:rPr lang="en-US" altLang="en-US" b="1" smtClean="0">
-                <a:solidFill>
-                  <a:srgbClr val="0000FF"/>
-                </a:solidFill>
-                <a:ea typeface="华文新魏" pitchFamily="2" charset="-122"/>
-              </a:rPr>
-              <a:t>T4</a:t>
-            </a:r>
-            <a:r>
-              <a:rPr lang="zh-CN" altLang="en-US" b="1" smtClean="0">
-                <a:solidFill>
-                  <a:srgbClr val="0000FF"/>
-                </a:solidFill>
-                <a:ea typeface="华文新魏" pitchFamily="2" charset="-122"/>
-              </a:rPr>
-              <a:t>：</a:t>
-            </a:r>
-            <a:r>
-              <a:rPr lang="en-US" altLang="en-US" b="1" smtClean="0">
-                <a:solidFill>
-                  <a:srgbClr val="0000FF"/>
-                </a:solidFill>
-                <a:ea typeface="华文新魏" pitchFamily="2" charset="-122"/>
-              </a:rPr>
-              <a:t>date.m_month &gt;= 8</a:t>
-            </a:r>
-            <a:endParaRPr lang="zh-CN" altLang="en-US" b="1" smtClean="0">
-              <a:solidFill>
-                <a:srgbClr val="0000FF"/>
-              </a:solidFill>
-              <a:ea typeface="华文新魏" pitchFamily="2" charset="-122"/>
-            </a:endParaRPr>
-          </a:p>
-          <a:p>
-            <a:pPr lvl="1"/>
-            <a:r>
-              <a:rPr lang="en-US" altLang="en-US" b="1" smtClean="0">
-                <a:solidFill>
-                  <a:srgbClr val="0000FF"/>
-                </a:solidFill>
-                <a:ea typeface="华文新魏" pitchFamily="2" charset="-122"/>
-              </a:rPr>
-              <a:t>T5</a:t>
-            </a:r>
-            <a:r>
-              <a:rPr lang="zh-CN" altLang="en-US" b="1" smtClean="0">
-                <a:solidFill>
-                  <a:srgbClr val="0000FF"/>
-                </a:solidFill>
-                <a:ea typeface="华文新魏" pitchFamily="2" charset="-122"/>
-              </a:rPr>
-              <a:t>：</a:t>
-            </a:r>
-            <a:r>
-              <a:rPr lang="en-US" altLang="en-US" b="1" smtClean="0">
-                <a:solidFill>
-                  <a:srgbClr val="0000FF"/>
-                </a:solidFill>
-                <a:ea typeface="华文新魏" pitchFamily="2" charset="-122"/>
-              </a:rPr>
-              <a:t>date.m_month == 4 </a:t>
-            </a:r>
-            <a:endParaRPr lang="zh-CN" altLang="en-US" b="1" smtClean="0">
-              <a:solidFill>
-                <a:srgbClr val="0000FF"/>
-              </a:solidFill>
-              <a:ea typeface="华文新魏" pitchFamily="2" charset="-122"/>
-            </a:endParaRPr>
-          </a:p>
-          <a:p>
-            <a:pPr lvl="1"/>
-            <a:r>
-              <a:rPr lang="en-US" altLang="en-US" b="1" smtClean="0">
-                <a:solidFill>
-                  <a:srgbClr val="0000FF"/>
-                </a:solidFill>
-                <a:ea typeface="华文新魏" pitchFamily="2" charset="-122"/>
-              </a:rPr>
-              <a:t>T6</a:t>
-            </a:r>
-            <a:r>
-              <a:rPr lang="zh-CN" altLang="en-US" b="1" smtClean="0">
-                <a:solidFill>
-                  <a:srgbClr val="0000FF"/>
-                </a:solidFill>
-                <a:ea typeface="华文新魏" pitchFamily="2" charset="-122"/>
-              </a:rPr>
-              <a:t>：</a:t>
-            </a:r>
-            <a:r>
-              <a:rPr lang="en-US" altLang="en-US" b="1" smtClean="0">
-                <a:solidFill>
-                  <a:srgbClr val="0000FF"/>
-                </a:solidFill>
-                <a:ea typeface="华文新魏" pitchFamily="2" charset="-122"/>
-              </a:rPr>
-              <a:t>date.m_month == 6</a:t>
-            </a:r>
-            <a:endParaRPr lang="en-US" altLang="zh-CN" b="1" smtClean="0">
-              <a:solidFill>
-                <a:srgbClr val="0000FF"/>
-              </a:solidFill>
-              <a:ea typeface="华文新魏" pitchFamily="2" charset="-122"/>
-            </a:endParaRPr>
+            <a:pPr algn="just" eaLnBrk="1" hangingPunct="1"/>
+            <a:r>
+              <a:rPr lang="zh-CN" altLang="en-US" sz="3400" b="1" dirty="0" smtClean="0"/>
+              <a:t>测试用例优化</a:t>
+            </a:r>
+            <a:endParaRPr lang="en-US" altLang="zh-CN" sz="3400" b="1" dirty="0" smtClean="0"/>
+          </a:p>
+          <a:p>
+            <a:pPr lvl="1" algn="just" eaLnBrk="1" hangingPunct="1"/>
+            <a:r>
+              <a:rPr lang="zh-CN" altLang="en-US" b="1" dirty="0" smtClean="0"/>
+              <a:t>尽量选择边界测试数据</a:t>
+            </a:r>
+            <a:endParaRPr lang="en-US" altLang="zh-CN" b="1" dirty="0" smtClean="0"/>
+          </a:p>
+          <a:p>
+            <a:pPr lvl="1" algn="just" eaLnBrk="1" hangingPunct="1"/>
+            <a:r>
+              <a:rPr lang="zh-CN" altLang="en-US" b="1" dirty="0" smtClean="0"/>
+              <a:t>应避免“与”、“或”关系的屏蔽现象</a:t>
+            </a:r>
           </a:p>
         </p:txBody>
       </p:sp>
@@ -12997,6 +12605,13 @@
     <a:masterClrMapping/>
   </p:clrMapOvr>
   <p:transition/>
+  <p:timing>
+    <p:tnLst>
+      <p:par>
+        <p:cTn id="1" dur="indefinite" restart="never" nodeType="tmRoot"/>
+      </p:par>
+    </p:tnLst>
+  </p:timing>
 </p:sld>
 </file>
 
@@ -13019,7 +12634,7 @@
       </p:grpSpPr>
       <p:sp>
         <p:nvSpPr>
-          <p:cNvPr id="29698" name="灯片编号占位符 5"/>
+          <p:cNvPr id="67586" name="灯片编号占位符 5"/>
           <p:cNvSpPr>
             <a:spLocks noGrp="1"/>
           </p:cNvSpPr>
@@ -13059,7 +12674,7 @@
                   <a:schemeClr val="tx1"/>
                 </a:solidFill>
                 <a:latin typeface="Verdana" pitchFamily="34" charset="0"/>
-                <a:ea typeface="宋体" charset="-122"/>
+                <a:ea typeface="宋体" pitchFamily="2" charset="-122"/>
               </a:defRPr>
             </a:lvl1pPr>
             <a:lvl2pPr marL="742950" indent="-285750" eaLnBrk="0" hangingPunct="0">
@@ -13068,7 +12683,7 @@
                   <a:schemeClr val="tx1"/>
                 </a:solidFill>
                 <a:latin typeface="Verdana" pitchFamily="34" charset="0"/>
-                <a:ea typeface="宋体" charset="-122"/>
+                <a:ea typeface="宋体" pitchFamily="2" charset="-122"/>
               </a:defRPr>
             </a:lvl2pPr>
             <a:lvl3pPr marL="1143000" indent="-228600" eaLnBrk="0" hangingPunct="0">
@@ -13077,7 +12692,7 @@
                   <a:schemeClr val="tx1"/>
                 </a:solidFill>
                 <a:latin typeface="Verdana" pitchFamily="34" charset="0"/>
-                <a:ea typeface="宋体" charset="-122"/>
+                <a:ea typeface="宋体" pitchFamily="2" charset="-122"/>
               </a:defRPr>
             </a:lvl3pPr>
             <a:lvl4pPr marL="1600200" indent="-228600" eaLnBrk="0" hangingPunct="0">
@@ -13086,7 +12701,7 @@
                   <a:schemeClr val="tx1"/>
                 </a:solidFill>
                 <a:latin typeface="Verdana" pitchFamily="34" charset="0"/>
-                <a:ea typeface="宋体" charset="-122"/>
+                <a:ea typeface="宋体" pitchFamily="2" charset="-122"/>
               </a:defRPr>
             </a:lvl4pPr>
             <a:lvl5pPr marL="2057400" indent="-228600" eaLnBrk="0" hangingPunct="0">
@@ -13095,7 +12710,7 @@
                   <a:schemeClr val="tx1"/>
                 </a:solidFill>
                 <a:latin typeface="Verdana" pitchFamily="34" charset="0"/>
-                <a:ea typeface="宋体" charset="-122"/>
+                <a:ea typeface="宋体" pitchFamily="2" charset="-122"/>
               </a:defRPr>
             </a:lvl5pPr>
             <a:lvl6pPr marL="2514600" indent="-228600" eaLnBrk="0" fontAlgn="base" hangingPunct="0">
@@ -13110,7 +12725,7 @@
                   <a:schemeClr val="tx1"/>
                 </a:solidFill>
                 <a:latin typeface="Verdana" pitchFamily="34" charset="0"/>
-                <a:ea typeface="宋体" charset="-122"/>
+                <a:ea typeface="宋体" pitchFamily="2" charset="-122"/>
               </a:defRPr>
             </a:lvl6pPr>
             <a:lvl7pPr marL="2971800" indent="-228600" eaLnBrk="0" fontAlgn="base" hangingPunct="0">
@@ -13125,7 +12740,7 @@
                   <a:schemeClr val="tx1"/>
                 </a:solidFill>
                 <a:latin typeface="Verdana" pitchFamily="34" charset="0"/>
-                <a:ea typeface="宋体" charset="-122"/>
+                <a:ea typeface="宋体" pitchFamily="2" charset="-122"/>
               </a:defRPr>
             </a:lvl7pPr>
             <a:lvl8pPr marL="3429000" indent="-228600" eaLnBrk="0" fontAlgn="base" hangingPunct="0">
@@ -13140,7 +12755,7 @@
                   <a:schemeClr val="tx1"/>
                 </a:solidFill>
                 <a:latin typeface="Verdana" pitchFamily="34" charset="0"/>
-                <a:ea typeface="宋体" charset="-122"/>
+                <a:ea typeface="宋体" pitchFamily="2" charset="-122"/>
               </a:defRPr>
             </a:lvl8pPr>
             <a:lvl9pPr marL="3886200" indent="-228600" eaLnBrk="0" fontAlgn="base" hangingPunct="0">
@@ -13155,13 +12770,13 @@
                   <a:schemeClr val="tx1"/>
                 </a:solidFill>
                 <a:latin typeface="Verdana" pitchFamily="34" charset="0"/>
-                <a:ea typeface="宋体" charset="-122"/>
+                <a:ea typeface="宋体" pitchFamily="2" charset="-122"/>
               </a:defRPr>
             </a:lvl9pPr>
           </a:lstStyle>
           <a:p>
             <a:pPr eaLnBrk="1" hangingPunct="1"/>
-            <a:fld id="{B2896E30-C4C1-4055-A5C7-BE392F572E57}" type="slidenum">
+            <a:fld id="{3439A0C1-A167-493F-A8DD-ED320C689FA5}" type="slidenum">
               <a:rPr lang="en-US" altLang="zh-CN" smtClean="0"/>
               <a:pPr eaLnBrk="1" hangingPunct="1"/>
               <a:t>28</a:t>
@@ -13172,7 +12787,7 @@
       </p:sp>
       <p:sp>
         <p:nvSpPr>
-          <p:cNvPr id="29699" name="Rectangle 2"/>
+          <p:cNvPr id="67587" name="Rectangle 2"/>
           <p:cNvSpPr>
             <a:spLocks noGrp="1" noChangeArrowheads="1"/>
           </p:cNvSpPr>
@@ -13188,15 +12803,15 @@
             <a:pPr eaLnBrk="1" hangingPunct="1"/>
             <a:r>
               <a:rPr lang="en-US" altLang="zh-CN" b="1" smtClean="0">
-                <a:latin typeface="黑体" pitchFamily="49" charset="-122"/>
-                <a:ea typeface="黑体" pitchFamily="49" charset="-122"/>
+                <a:latin typeface="黑体" pitchFamily="2" charset="-122"/>
+                <a:ea typeface="黑体" pitchFamily="2" charset="-122"/>
               </a:rPr>
               <a:t>5.3 </a:t>
             </a:r>
             <a:r>
               <a:rPr lang="zh-CN" altLang="en-US" b="1" smtClean="0">
-                <a:latin typeface="黑体" pitchFamily="49" charset="-122"/>
-                <a:ea typeface="黑体" pitchFamily="49" charset="-122"/>
+                <a:latin typeface="黑体" pitchFamily="2" charset="-122"/>
+                <a:ea typeface="黑体" pitchFamily="2" charset="-122"/>
               </a:rPr>
               <a:t>对判定的测试</a:t>
             </a:r>
@@ -13205,7 +12820,7 @@
       </p:sp>
       <p:sp>
         <p:nvSpPr>
-          <p:cNvPr id="29700" name="Rectangle 3"/>
+          <p:cNvPr id="67588" name="Rectangle 3"/>
           <p:cNvSpPr>
             <a:spLocks noGrp="1" noChangeArrowheads="1"/>
           </p:cNvSpPr>
@@ -13220,13 +12835,43 @@
           <a:p>
             <a:pPr eaLnBrk="1" hangingPunct="1"/>
             <a:r>
-              <a:rPr lang="zh-CN" altLang="en-US" sz="3400" b="1" smtClean="0">
+              <a:rPr lang="zh-CN" altLang="en-US" sz="3800" b="1" smtClean="0">
                 <a:solidFill>
                   <a:srgbClr val="0000FF"/>
                 </a:solidFill>
                 <a:ea typeface="华文新魏" pitchFamily="2" charset="-122"/>
               </a:rPr>
-              <a:t>代码说明（续）</a:t>
+              <a:t>捉虫实践</a:t>
+            </a:r>
+            <a:r>
+              <a:rPr lang="en-US" altLang="zh-CN" sz="3800" b="1" smtClean="0">
+                <a:solidFill>
+                  <a:srgbClr val="0000FF"/>
+                </a:solidFill>
+                <a:ea typeface="华文新魏" pitchFamily="2" charset="-122"/>
+              </a:rPr>
+              <a:t>3</a:t>
+            </a:r>
+            <a:r>
+              <a:rPr lang="zh-CN" altLang="en-US" sz="3800" b="1" smtClean="0">
+                <a:solidFill>
+                  <a:srgbClr val="0000FF"/>
+                </a:solidFill>
+                <a:ea typeface="华文新魏" pitchFamily="2" charset="-122"/>
+              </a:rPr>
+              <a:t>：第二日问题</a:t>
+            </a:r>
+          </a:p>
+          <a:p>
+            <a:pPr lvl="1" eaLnBrk="1" hangingPunct="1"/>
+            <a:r>
+              <a:rPr lang="zh-CN" altLang="en-US" sz="3400" b="1" smtClean="0">
+                <a:solidFill>
+                  <a:srgbClr val="0000FF"/>
+                </a:solidFill>
+                <a:ea typeface="华文新魏" pitchFamily="2" charset="-122"/>
+              </a:rPr>
+              <a:t>代码说明</a:t>
             </a:r>
             <a:endParaRPr lang="en-US" altLang="zh-CN" sz="3400" b="1" smtClean="0">
               <a:solidFill>
@@ -13236,35 +12881,17 @@
             </a:endParaRPr>
           </a:p>
           <a:p>
-            <a:pPr lvl="1"/>
-            <a:r>
-              <a:rPr lang="en-US" altLang="en-US" b="1" smtClean="0">
+            <a:pPr lvl="1" eaLnBrk="1" hangingPunct="1"/>
+            <a:r>
+              <a:rPr lang="zh-CN" altLang="en-US" sz="3400" b="1" smtClean="0">
                 <a:solidFill>
                   <a:srgbClr val="0000FF"/>
                 </a:solidFill>
                 <a:ea typeface="华文新魏" pitchFamily="2" charset="-122"/>
               </a:rPr>
-              <a:t>T7</a:t>
-            </a:r>
-            <a:r>
-              <a:rPr lang="zh-CN" altLang="en-US" b="1" smtClean="0">
-                <a:solidFill>
-                  <a:srgbClr val="0000FF"/>
-                </a:solidFill>
-                <a:ea typeface="华文新魏" pitchFamily="2" charset="-122"/>
-              </a:rPr>
-              <a:t>：</a:t>
-            </a:r>
-            <a:r>
-              <a:rPr lang="en-US" altLang="en-US" b="1" smtClean="0">
-                <a:solidFill>
-                  <a:srgbClr val="0000FF"/>
-                </a:solidFill>
-                <a:ea typeface="华文新魏" pitchFamily="2" charset="-122"/>
-              </a:rPr>
-              <a:t>date.m_month == 9</a:t>
-            </a:r>
-            <a:endParaRPr lang="zh-CN" altLang="en-US" b="1" smtClean="0">
+              <a:t>开始测试</a:t>
+            </a:r>
+            <a:endParaRPr lang="en-US" altLang="zh-CN" sz="3400" b="1" smtClean="0">
               <a:solidFill>
                 <a:srgbClr val="0000FF"/>
               </a:solidFill>
@@ -13272,224 +12899,26 @@
             </a:endParaRPr>
           </a:p>
           <a:p>
-            <a:pPr lvl="1"/>
-            <a:r>
-              <a:rPr lang="en-US" altLang="en-US" b="1" smtClean="0">
+            <a:pPr lvl="1" eaLnBrk="1" hangingPunct="1"/>
+            <a:r>
+              <a:rPr lang="zh-CN" altLang="en-US" sz="3400" b="1" smtClean="0">
                 <a:solidFill>
                   <a:srgbClr val="0000FF"/>
                 </a:solidFill>
                 <a:ea typeface="华文新魏" pitchFamily="2" charset="-122"/>
               </a:rPr>
-              <a:t>T8</a:t>
-            </a:r>
-            <a:r>
-              <a:rPr lang="zh-CN" altLang="en-US" b="1" smtClean="0">
-                <a:solidFill>
-                  <a:srgbClr val="0000FF"/>
-                </a:solidFill>
-                <a:ea typeface="华文新魏" pitchFamily="2" charset="-122"/>
-              </a:rPr>
-              <a:t>：</a:t>
-            </a:r>
-            <a:r>
-              <a:rPr lang="en-US" altLang="en-US" b="1" smtClean="0">
-                <a:solidFill>
-                  <a:srgbClr val="0000FF"/>
-                </a:solidFill>
-                <a:ea typeface="华文新魏" pitchFamily="2" charset="-122"/>
-              </a:rPr>
-              <a:t>date.m_month == 11</a:t>
-            </a:r>
-            <a:endParaRPr lang="zh-CN" altLang="en-US" b="1" smtClean="0">
-              <a:solidFill>
-                <a:srgbClr val="0000FF"/>
-              </a:solidFill>
-              <a:ea typeface="华文新魏" pitchFamily="2" charset="-122"/>
-            </a:endParaRPr>
-          </a:p>
-          <a:p>
-            <a:pPr lvl="1"/>
-            <a:r>
-              <a:rPr lang="en-US" altLang="en-US" b="1" smtClean="0">
-                <a:solidFill>
-                  <a:srgbClr val="0000FF"/>
-                </a:solidFill>
-                <a:ea typeface="华文新魏" pitchFamily="2" charset="-122"/>
-              </a:rPr>
-              <a:t>T9</a:t>
-            </a:r>
-            <a:r>
-              <a:rPr lang="zh-CN" altLang="en-US" b="1" smtClean="0">
-                <a:solidFill>
-                  <a:srgbClr val="0000FF"/>
-                </a:solidFill>
-                <a:ea typeface="华文新魏" pitchFamily="2" charset="-122"/>
-              </a:rPr>
-              <a:t>：</a:t>
-            </a:r>
-            <a:r>
-              <a:rPr lang="en-US" altLang="en-US" b="1" smtClean="0">
-                <a:solidFill>
-                  <a:srgbClr val="0000FF"/>
-                </a:solidFill>
-                <a:ea typeface="华文新魏" pitchFamily="2" charset="-122"/>
-              </a:rPr>
-              <a:t>date.m_year % 4 == 0</a:t>
-            </a:r>
-            <a:endParaRPr lang="zh-CN" altLang="en-US" b="1" smtClean="0">
-              <a:solidFill>
-                <a:srgbClr val="0000FF"/>
-              </a:solidFill>
-              <a:ea typeface="华文新魏" pitchFamily="2" charset="-122"/>
-            </a:endParaRPr>
-          </a:p>
-          <a:p>
-            <a:pPr lvl="1"/>
-            <a:r>
-              <a:rPr lang="en-US" altLang="en-US" b="1" smtClean="0">
-                <a:solidFill>
-                  <a:srgbClr val="0000FF"/>
-                </a:solidFill>
-                <a:ea typeface="华文新魏" pitchFamily="2" charset="-122"/>
-              </a:rPr>
-              <a:t>T10</a:t>
-            </a:r>
-            <a:r>
-              <a:rPr lang="zh-CN" altLang="en-US" b="1" smtClean="0">
-                <a:solidFill>
-                  <a:srgbClr val="0000FF"/>
-                </a:solidFill>
-                <a:ea typeface="华文新魏" pitchFamily="2" charset="-122"/>
-              </a:rPr>
-              <a:t>：</a:t>
-            </a:r>
-            <a:r>
-              <a:rPr lang="en-US" altLang="en-US" b="1" smtClean="0">
-                <a:solidFill>
-                  <a:srgbClr val="0000FF"/>
-                </a:solidFill>
-                <a:ea typeface="华文新魏" pitchFamily="2" charset="-122"/>
-              </a:rPr>
-              <a:t>date.m_year % 100 != 0</a:t>
-            </a:r>
-            <a:endParaRPr lang="zh-CN" altLang="en-US" b="1" smtClean="0">
-              <a:solidFill>
-                <a:srgbClr val="0000FF"/>
-              </a:solidFill>
-              <a:ea typeface="华文新魏" pitchFamily="2" charset="-122"/>
-            </a:endParaRPr>
-          </a:p>
-          <a:p>
-            <a:pPr lvl="1"/>
-            <a:r>
-              <a:rPr lang="en-US" altLang="en-US" b="1" smtClean="0">
-                <a:solidFill>
-                  <a:srgbClr val="0000FF"/>
-                </a:solidFill>
-                <a:ea typeface="华文新魏" pitchFamily="2" charset="-122"/>
-              </a:rPr>
-              <a:t>T11</a:t>
-            </a:r>
-            <a:r>
-              <a:rPr lang="zh-CN" altLang="en-US" b="1" smtClean="0">
-                <a:solidFill>
-                  <a:srgbClr val="0000FF"/>
-                </a:solidFill>
-                <a:ea typeface="华文新魏" pitchFamily="2" charset="-122"/>
-              </a:rPr>
-              <a:t>：</a:t>
-            </a:r>
-            <a:r>
-              <a:rPr lang="en-US" altLang="en-US" b="1" smtClean="0">
-                <a:solidFill>
-                  <a:srgbClr val="0000FF"/>
-                </a:solidFill>
-                <a:ea typeface="华文新魏" pitchFamily="2" charset="-122"/>
-              </a:rPr>
-              <a:t>date.m_year % 400 == 0</a:t>
-            </a:r>
-            <a:endParaRPr lang="zh-CN" altLang="en-US" b="1" smtClean="0">
-              <a:solidFill>
-                <a:srgbClr val="0000FF"/>
-              </a:solidFill>
-              <a:ea typeface="华文新魏" pitchFamily="2" charset="-122"/>
-            </a:endParaRPr>
-          </a:p>
-          <a:p>
-            <a:pPr lvl="1"/>
-            <a:r>
-              <a:rPr lang="en-US" altLang="en-US" b="1" smtClean="0">
-                <a:solidFill>
-                  <a:srgbClr val="0000FF"/>
-                </a:solidFill>
-                <a:ea typeface="华文新魏" pitchFamily="2" charset="-122"/>
-              </a:rPr>
-              <a:t>T12</a:t>
-            </a:r>
-            <a:r>
-              <a:rPr lang="zh-CN" altLang="en-US" b="1" smtClean="0">
-                <a:solidFill>
-                  <a:srgbClr val="0000FF"/>
-                </a:solidFill>
-                <a:ea typeface="华文新魏" pitchFamily="2" charset="-122"/>
-              </a:rPr>
-              <a:t>：</a:t>
-            </a:r>
-            <a:r>
-              <a:rPr lang="en-US" altLang="en-US" b="1" smtClean="0">
-                <a:solidFill>
-                  <a:srgbClr val="0000FF"/>
-                </a:solidFill>
-                <a:ea typeface="华文新魏" pitchFamily="2" charset="-122"/>
-              </a:rPr>
-              <a:t>date.m_day == lastday</a:t>
-            </a:r>
-            <a:endParaRPr lang="zh-CN" altLang="en-US" b="1" smtClean="0">
-              <a:solidFill>
-                <a:srgbClr val="0000FF"/>
-              </a:solidFill>
-              <a:ea typeface="华文新魏" pitchFamily="2" charset="-122"/>
-            </a:endParaRPr>
-          </a:p>
-          <a:p>
-            <a:pPr lvl="1"/>
-            <a:r>
-              <a:rPr lang="en-US" altLang="en-US" b="1" smtClean="0">
-                <a:solidFill>
-                  <a:srgbClr val="0000FF"/>
-                </a:solidFill>
-                <a:ea typeface="华文新魏" pitchFamily="2" charset="-122"/>
-              </a:rPr>
-              <a:t>T13</a:t>
-            </a:r>
-            <a:r>
-              <a:rPr lang="zh-CN" altLang="en-US" b="1" smtClean="0">
-                <a:solidFill>
-                  <a:srgbClr val="0000FF"/>
-                </a:solidFill>
-                <a:ea typeface="华文新魏" pitchFamily="2" charset="-122"/>
-              </a:rPr>
-              <a:t>：</a:t>
-            </a:r>
-            <a:r>
-              <a:rPr lang="en-US" altLang="en-US" b="1" smtClean="0">
-                <a:solidFill>
-                  <a:srgbClr val="0000FF"/>
-                </a:solidFill>
-                <a:ea typeface="华文新魏" pitchFamily="2" charset="-122"/>
-              </a:rPr>
-              <a:t>date.m_month == 12</a:t>
-            </a:r>
-            <a:endParaRPr lang="en-US" altLang="zh-CN" b="1" smtClean="0">
-              <a:solidFill>
-                <a:srgbClr val="0000FF"/>
-              </a:solidFill>
-              <a:ea typeface="华文新魏" pitchFamily="2" charset="-122"/>
-            </a:endParaRPr>
+              <a:t>测试分析</a:t>
+            </a:r>
+            <a:endParaRPr lang="en-US" altLang="zh-CN" sz="3500" b="1" smtClean="0"/>
           </a:p>
         </p:txBody>
       </p:sp>
     </p:spTree>
+    <p:extLst>
+      <p:ext uri="{BB962C8B-B14F-4D97-AF65-F5344CB8AC3E}">
+        <p14:creationId xmlns:p14="http://schemas.microsoft.com/office/powerpoint/2010/main" val="2672640280"/>
+      </p:ext>
+    </p:extLst>
   </p:cSld>
   <p:clrMapOvr>
     <a:masterClrMapping/>
@@ -13517,7 +12946,7 @@
       </p:grpSpPr>
       <p:sp>
         <p:nvSpPr>
-          <p:cNvPr id="30722" name="灯片编号占位符 5"/>
+          <p:cNvPr id="68610" name="灯片编号占位符 5"/>
           <p:cNvSpPr>
             <a:spLocks noGrp="1"/>
           </p:cNvSpPr>
@@ -13557,7 +12986,7 @@
                   <a:schemeClr val="tx1"/>
                 </a:solidFill>
                 <a:latin typeface="Verdana" pitchFamily="34" charset="0"/>
-                <a:ea typeface="宋体" charset="-122"/>
+                <a:ea typeface="宋体" pitchFamily="2" charset="-122"/>
               </a:defRPr>
             </a:lvl1pPr>
             <a:lvl2pPr marL="742950" indent="-285750" eaLnBrk="0" hangingPunct="0">
@@ -13566,7 +12995,7 @@
                   <a:schemeClr val="tx1"/>
                 </a:solidFill>
                 <a:latin typeface="Verdana" pitchFamily="34" charset="0"/>
-                <a:ea typeface="宋体" charset="-122"/>
+                <a:ea typeface="宋体" pitchFamily="2" charset="-122"/>
               </a:defRPr>
             </a:lvl2pPr>
             <a:lvl3pPr marL="1143000" indent="-228600" eaLnBrk="0" hangingPunct="0">
@@ -13575,7 +13004,7 @@
                   <a:schemeClr val="tx1"/>
                 </a:solidFill>
                 <a:latin typeface="Verdana" pitchFamily="34" charset="0"/>
-                <a:ea typeface="宋体" charset="-122"/>
+                <a:ea typeface="宋体" pitchFamily="2" charset="-122"/>
               </a:defRPr>
             </a:lvl3pPr>
             <a:lvl4pPr marL="1600200" indent="-228600" eaLnBrk="0" hangingPunct="0">
@@ -13584,7 +13013,7 @@
                   <a:schemeClr val="tx1"/>
                 </a:solidFill>
                 <a:latin typeface="Verdana" pitchFamily="34" charset="0"/>
-                <a:ea typeface="宋体" charset="-122"/>
+                <a:ea typeface="宋体" pitchFamily="2" charset="-122"/>
               </a:defRPr>
             </a:lvl4pPr>
             <a:lvl5pPr marL="2057400" indent="-228600" eaLnBrk="0" hangingPunct="0">
@@ -13593,7 +13022,7 @@
                   <a:schemeClr val="tx1"/>
                 </a:solidFill>
                 <a:latin typeface="Verdana" pitchFamily="34" charset="0"/>
-                <a:ea typeface="宋体" charset="-122"/>
+                <a:ea typeface="宋体" pitchFamily="2" charset="-122"/>
               </a:defRPr>
             </a:lvl5pPr>
             <a:lvl6pPr marL="2514600" indent="-228600" eaLnBrk="0" fontAlgn="base" hangingPunct="0">
@@ -13608,7 +13037,7 @@
                   <a:schemeClr val="tx1"/>
                 </a:solidFill>
                 <a:latin typeface="Verdana" pitchFamily="34" charset="0"/>
-                <a:ea typeface="宋体" charset="-122"/>
+                <a:ea typeface="宋体" pitchFamily="2" charset="-122"/>
               </a:defRPr>
             </a:lvl6pPr>
             <a:lvl7pPr marL="2971800" indent="-228600" eaLnBrk="0" fontAlgn="base" hangingPunct="0">
@@ -13623,7 +13052,7 @@
                   <a:schemeClr val="tx1"/>
                 </a:solidFill>
                 <a:latin typeface="Verdana" pitchFamily="34" charset="0"/>
-                <a:ea typeface="宋体" charset="-122"/>
+                <a:ea typeface="宋体" pitchFamily="2" charset="-122"/>
               </a:defRPr>
             </a:lvl7pPr>
             <a:lvl8pPr marL="3429000" indent="-228600" eaLnBrk="0" fontAlgn="base" hangingPunct="0">
@@ -13638,7 +13067,7 @@
                   <a:schemeClr val="tx1"/>
                 </a:solidFill>
                 <a:latin typeface="Verdana" pitchFamily="34" charset="0"/>
-                <a:ea typeface="宋体" charset="-122"/>
+                <a:ea typeface="宋体" pitchFamily="2" charset="-122"/>
               </a:defRPr>
             </a:lvl8pPr>
             <a:lvl9pPr marL="3886200" indent="-228600" eaLnBrk="0" fontAlgn="base" hangingPunct="0">
@@ -13653,13 +13082,13 @@
                   <a:schemeClr val="tx1"/>
                 </a:solidFill>
                 <a:latin typeface="Verdana" pitchFamily="34" charset="0"/>
-                <a:ea typeface="宋体" charset="-122"/>
+                <a:ea typeface="宋体" pitchFamily="2" charset="-122"/>
               </a:defRPr>
             </a:lvl9pPr>
           </a:lstStyle>
           <a:p>
             <a:pPr eaLnBrk="1" hangingPunct="1"/>
-            <a:fld id="{C65D2A2F-BEDF-4374-B99C-42FFB966FF43}" type="slidenum">
+            <a:fld id="{64306233-16B8-4AD1-802C-11D77C72DF5B}" type="slidenum">
               <a:rPr lang="en-US" altLang="zh-CN" smtClean="0"/>
               <a:pPr eaLnBrk="1" hangingPunct="1"/>
               <a:t>29</a:t>
@@ -13670,7 +13099,7 @@
       </p:sp>
       <p:sp>
         <p:nvSpPr>
-          <p:cNvPr id="30723" name="Rectangle 2"/>
+          <p:cNvPr id="68611" name="Rectangle 2"/>
           <p:cNvSpPr>
             <a:spLocks noGrp="1" noChangeArrowheads="1"/>
           </p:cNvSpPr>
@@ -13686,15 +13115,15 @@
             <a:pPr eaLnBrk="1" hangingPunct="1"/>
             <a:r>
               <a:rPr lang="en-US" altLang="zh-CN" b="1" smtClean="0">
-                <a:latin typeface="黑体" pitchFamily="49" charset="-122"/>
-                <a:ea typeface="黑体" pitchFamily="49" charset="-122"/>
+                <a:latin typeface="黑体" pitchFamily="2" charset="-122"/>
+                <a:ea typeface="黑体" pitchFamily="2" charset="-122"/>
               </a:rPr>
               <a:t>5.3 </a:t>
             </a:r>
             <a:r>
               <a:rPr lang="zh-CN" altLang="en-US" b="1" smtClean="0">
-                <a:latin typeface="黑体" pitchFamily="49" charset="-122"/>
-                <a:ea typeface="黑体" pitchFamily="49" charset="-122"/>
+                <a:latin typeface="黑体" pitchFamily="2" charset="-122"/>
+                <a:ea typeface="黑体" pitchFamily="2" charset="-122"/>
               </a:rPr>
               <a:t>对判定的测试</a:t>
             </a:r>
@@ -13703,7 +13132,1228 @@
       </p:sp>
       <p:sp>
         <p:nvSpPr>
-          <p:cNvPr id="30724" name="Rectangle 3"/>
+          <p:cNvPr id="68612" name="Rectangle 3"/>
+          <p:cNvSpPr>
+            <a:spLocks noGrp="1" noChangeArrowheads="1"/>
+          </p:cNvSpPr>
+          <p:nvPr>
+            <p:ph type="body" idx="1"/>
+          </p:nvPr>
+        </p:nvSpPr>
+        <p:spPr/>
+        <p:txBody>
+          <a:bodyPr/>
+          <a:lstStyle/>
+          <a:p>
+            <a:pPr eaLnBrk="1" hangingPunct="1"/>
+            <a:r>
+              <a:rPr lang="zh-CN" altLang="en-US" sz="3400" b="1" smtClean="0">
+                <a:solidFill>
+                  <a:srgbClr val="0000FF"/>
+                </a:solidFill>
+                <a:ea typeface="华文新魏" pitchFamily="2" charset="-122"/>
+              </a:rPr>
+              <a:t>代码说明</a:t>
+            </a:r>
+            <a:endParaRPr lang="en-US" altLang="zh-CN" sz="3400" b="1" smtClean="0">
+              <a:solidFill>
+                <a:srgbClr val="0000FF"/>
+              </a:solidFill>
+              <a:ea typeface="华文新魏" pitchFamily="2" charset="-122"/>
+            </a:endParaRPr>
+          </a:p>
+          <a:p>
+            <a:pPr eaLnBrk="1" hangingPunct="1"/>
+            <a:r>
+              <a:rPr lang="zh-CN" altLang="en-US" sz="3400" b="1" smtClean="0">
+                <a:solidFill>
+                  <a:srgbClr val="0000FF"/>
+                </a:solidFill>
+                <a:ea typeface="华文新魏" pitchFamily="2" charset="-122"/>
+              </a:rPr>
+              <a:t>共包含</a:t>
+            </a:r>
+            <a:r>
+              <a:rPr lang="en-US" altLang="en-US" sz="3400" b="1" smtClean="0">
+                <a:solidFill>
+                  <a:srgbClr val="0000FF"/>
+                </a:solidFill>
+                <a:ea typeface="华文新魏" pitchFamily="2" charset="-122"/>
+              </a:rPr>
+              <a:t>5</a:t>
+            </a:r>
+            <a:r>
+              <a:rPr lang="zh-CN" altLang="en-US" sz="3400" b="1" smtClean="0">
+                <a:solidFill>
+                  <a:srgbClr val="0000FF"/>
+                </a:solidFill>
+                <a:ea typeface="华文新魏" pitchFamily="2" charset="-122"/>
+              </a:rPr>
+              <a:t>个判定节点，含</a:t>
+            </a:r>
+            <a:r>
+              <a:rPr lang="en-US" altLang="en-US" sz="3400" b="1" smtClean="0">
+                <a:solidFill>
+                  <a:srgbClr val="0000FF"/>
+                </a:solidFill>
+                <a:ea typeface="华文新魏" pitchFamily="2" charset="-122"/>
+              </a:rPr>
+              <a:t>13</a:t>
+            </a:r>
+            <a:r>
+              <a:rPr lang="zh-CN" altLang="en-US" sz="3400" b="1" smtClean="0">
+                <a:solidFill>
+                  <a:srgbClr val="0000FF"/>
+                </a:solidFill>
+                <a:ea typeface="华文新魏" pitchFamily="2" charset="-122"/>
+              </a:rPr>
+              <a:t>个简单逻辑判定条件</a:t>
+            </a:r>
+            <a:endParaRPr lang="en-US" altLang="zh-CN" sz="3400" b="1" smtClean="0">
+              <a:solidFill>
+                <a:srgbClr val="0000FF"/>
+              </a:solidFill>
+              <a:ea typeface="华文新魏" pitchFamily="2" charset="-122"/>
+            </a:endParaRPr>
+          </a:p>
+          <a:p>
+            <a:pPr lvl="1"/>
+            <a:r>
+              <a:rPr lang="en-US" altLang="en-US" b="1" smtClean="0">
+                <a:solidFill>
+                  <a:srgbClr val="0000FF"/>
+                </a:solidFill>
+                <a:ea typeface="华文新魏" pitchFamily="2" charset="-122"/>
+              </a:rPr>
+              <a:t>T1</a:t>
+            </a:r>
+            <a:r>
+              <a:rPr lang="zh-CN" altLang="en-US" b="1" smtClean="0">
+                <a:solidFill>
+                  <a:srgbClr val="0000FF"/>
+                </a:solidFill>
+                <a:ea typeface="华文新魏" pitchFamily="2" charset="-122"/>
+              </a:rPr>
+              <a:t>：</a:t>
+            </a:r>
+            <a:r>
+              <a:rPr lang="en-US" altLang="en-US" b="1" smtClean="0">
+                <a:solidFill>
+                  <a:srgbClr val="0000FF"/>
+                </a:solidFill>
+                <a:ea typeface="华文新魏" pitchFamily="2" charset="-122"/>
+              </a:rPr>
+              <a:t>date.m_month % 2 == 1</a:t>
+            </a:r>
+            <a:endParaRPr lang="zh-CN" altLang="en-US" b="1" smtClean="0">
+              <a:solidFill>
+                <a:srgbClr val="0000FF"/>
+              </a:solidFill>
+              <a:ea typeface="华文新魏" pitchFamily="2" charset="-122"/>
+            </a:endParaRPr>
+          </a:p>
+          <a:p>
+            <a:pPr lvl="1"/>
+            <a:r>
+              <a:rPr lang="en-US" altLang="en-US" b="1" smtClean="0">
+                <a:solidFill>
+                  <a:srgbClr val="0000FF"/>
+                </a:solidFill>
+                <a:ea typeface="华文新魏" pitchFamily="2" charset="-122"/>
+              </a:rPr>
+              <a:t>T2</a:t>
+            </a:r>
+            <a:r>
+              <a:rPr lang="zh-CN" altLang="en-US" b="1" smtClean="0">
+                <a:solidFill>
+                  <a:srgbClr val="0000FF"/>
+                </a:solidFill>
+                <a:ea typeface="华文新魏" pitchFamily="2" charset="-122"/>
+              </a:rPr>
+              <a:t>：</a:t>
+            </a:r>
+            <a:r>
+              <a:rPr lang="en-US" altLang="en-US" b="1" smtClean="0">
+                <a:solidFill>
+                  <a:srgbClr val="0000FF"/>
+                </a:solidFill>
+                <a:ea typeface="华文新魏" pitchFamily="2" charset="-122"/>
+              </a:rPr>
+              <a:t>date.m_month &lt; 8</a:t>
+            </a:r>
+            <a:endParaRPr lang="zh-CN" altLang="en-US" b="1" smtClean="0">
+              <a:solidFill>
+                <a:srgbClr val="0000FF"/>
+              </a:solidFill>
+              <a:ea typeface="华文新魏" pitchFamily="2" charset="-122"/>
+            </a:endParaRPr>
+          </a:p>
+          <a:p>
+            <a:pPr lvl="1"/>
+            <a:r>
+              <a:rPr lang="en-US" altLang="en-US" b="1" smtClean="0">
+                <a:solidFill>
+                  <a:srgbClr val="0000FF"/>
+                </a:solidFill>
+                <a:ea typeface="华文新魏" pitchFamily="2" charset="-122"/>
+              </a:rPr>
+              <a:t>T3</a:t>
+            </a:r>
+            <a:r>
+              <a:rPr lang="zh-CN" altLang="en-US" b="1" smtClean="0">
+                <a:solidFill>
+                  <a:srgbClr val="0000FF"/>
+                </a:solidFill>
+                <a:ea typeface="华文新魏" pitchFamily="2" charset="-122"/>
+              </a:rPr>
+              <a:t>：</a:t>
+            </a:r>
+            <a:r>
+              <a:rPr lang="en-US" altLang="en-US" b="1" smtClean="0">
+                <a:solidFill>
+                  <a:srgbClr val="0000FF"/>
+                </a:solidFill>
+                <a:ea typeface="华文新魏" pitchFamily="2" charset="-122"/>
+              </a:rPr>
+              <a:t>date.m_month % 2 == 0</a:t>
+            </a:r>
+            <a:endParaRPr lang="zh-CN" altLang="en-US" b="1" smtClean="0">
+              <a:solidFill>
+                <a:srgbClr val="0000FF"/>
+              </a:solidFill>
+              <a:ea typeface="华文新魏" pitchFamily="2" charset="-122"/>
+            </a:endParaRPr>
+          </a:p>
+          <a:p>
+            <a:pPr lvl="1"/>
+            <a:r>
+              <a:rPr lang="en-US" altLang="en-US" b="1" smtClean="0">
+                <a:solidFill>
+                  <a:srgbClr val="0000FF"/>
+                </a:solidFill>
+                <a:ea typeface="华文新魏" pitchFamily="2" charset="-122"/>
+              </a:rPr>
+              <a:t>T4</a:t>
+            </a:r>
+            <a:r>
+              <a:rPr lang="zh-CN" altLang="en-US" b="1" smtClean="0">
+                <a:solidFill>
+                  <a:srgbClr val="0000FF"/>
+                </a:solidFill>
+                <a:ea typeface="华文新魏" pitchFamily="2" charset="-122"/>
+              </a:rPr>
+              <a:t>：</a:t>
+            </a:r>
+            <a:r>
+              <a:rPr lang="en-US" altLang="en-US" b="1" smtClean="0">
+                <a:solidFill>
+                  <a:srgbClr val="0000FF"/>
+                </a:solidFill>
+                <a:ea typeface="华文新魏" pitchFamily="2" charset="-122"/>
+              </a:rPr>
+              <a:t>date.m_month &gt;= 8</a:t>
+            </a:r>
+            <a:endParaRPr lang="zh-CN" altLang="en-US" b="1" smtClean="0">
+              <a:solidFill>
+                <a:srgbClr val="0000FF"/>
+              </a:solidFill>
+              <a:ea typeface="华文新魏" pitchFamily="2" charset="-122"/>
+            </a:endParaRPr>
+          </a:p>
+          <a:p>
+            <a:pPr lvl="1"/>
+            <a:r>
+              <a:rPr lang="en-US" altLang="en-US" b="1" smtClean="0">
+                <a:solidFill>
+                  <a:srgbClr val="0000FF"/>
+                </a:solidFill>
+                <a:ea typeface="华文新魏" pitchFamily="2" charset="-122"/>
+              </a:rPr>
+              <a:t>T5</a:t>
+            </a:r>
+            <a:r>
+              <a:rPr lang="zh-CN" altLang="en-US" b="1" smtClean="0">
+                <a:solidFill>
+                  <a:srgbClr val="0000FF"/>
+                </a:solidFill>
+                <a:ea typeface="华文新魏" pitchFamily="2" charset="-122"/>
+              </a:rPr>
+              <a:t>：</a:t>
+            </a:r>
+            <a:r>
+              <a:rPr lang="en-US" altLang="en-US" b="1" smtClean="0">
+                <a:solidFill>
+                  <a:srgbClr val="0000FF"/>
+                </a:solidFill>
+                <a:ea typeface="华文新魏" pitchFamily="2" charset="-122"/>
+              </a:rPr>
+              <a:t>date.m_month == 4 </a:t>
+            </a:r>
+            <a:endParaRPr lang="zh-CN" altLang="en-US" b="1" smtClean="0">
+              <a:solidFill>
+                <a:srgbClr val="0000FF"/>
+              </a:solidFill>
+              <a:ea typeface="华文新魏" pitchFamily="2" charset="-122"/>
+            </a:endParaRPr>
+          </a:p>
+          <a:p>
+            <a:pPr lvl="1"/>
+            <a:r>
+              <a:rPr lang="en-US" altLang="en-US" b="1" smtClean="0">
+                <a:solidFill>
+                  <a:srgbClr val="0000FF"/>
+                </a:solidFill>
+                <a:ea typeface="华文新魏" pitchFamily="2" charset="-122"/>
+              </a:rPr>
+              <a:t>T6</a:t>
+            </a:r>
+            <a:r>
+              <a:rPr lang="zh-CN" altLang="en-US" b="1" smtClean="0">
+                <a:solidFill>
+                  <a:srgbClr val="0000FF"/>
+                </a:solidFill>
+                <a:ea typeface="华文新魏" pitchFamily="2" charset="-122"/>
+              </a:rPr>
+              <a:t>：</a:t>
+            </a:r>
+            <a:r>
+              <a:rPr lang="en-US" altLang="en-US" b="1" smtClean="0">
+                <a:solidFill>
+                  <a:srgbClr val="0000FF"/>
+                </a:solidFill>
+                <a:ea typeface="华文新魏" pitchFamily="2" charset="-122"/>
+              </a:rPr>
+              <a:t>date.m_month == 6</a:t>
+            </a:r>
+            <a:endParaRPr lang="en-US" altLang="zh-CN" b="1" smtClean="0">
+              <a:solidFill>
+                <a:srgbClr val="0000FF"/>
+              </a:solidFill>
+              <a:ea typeface="华文新魏" pitchFamily="2" charset="-122"/>
+            </a:endParaRPr>
+          </a:p>
+        </p:txBody>
+      </p:sp>
+    </p:spTree>
+    <p:extLst>
+      <p:ext uri="{BB962C8B-B14F-4D97-AF65-F5344CB8AC3E}">
+        <p14:creationId xmlns:p14="http://schemas.microsoft.com/office/powerpoint/2010/main" val="2673163242"/>
+      </p:ext>
+    </p:extLst>
+  </p:cSld>
+  <p:clrMapOvr>
+    <a:masterClrMapping/>
+  </p:clrMapOvr>
+  <p:transition/>
+</p:sld>
+</file>
+
+<file path=ppt/slides/slide3.xml><?xml version="1.0" encoding="utf-8"?>
+<p:sld xmlns:a="http://schemas.openxmlformats.org/drawingml/2006/main" xmlns:r="http://schemas.openxmlformats.org/officeDocument/2006/relationships" xmlns:p="http://schemas.openxmlformats.org/presentationml/2006/main">
+  <p:cSld>
+    <p:spTree>
+      <p:nvGrpSpPr>
+        <p:cNvPr id="1" name=""/>
+        <p:cNvGrpSpPr/>
+        <p:nvPr/>
+      </p:nvGrpSpPr>
+      <p:grpSpPr>
+        <a:xfrm>
+          <a:off x="0" y="0"/>
+          <a:ext cx="0" cy="0"/>
+          <a:chOff x="0" y="0"/>
+          <a:chExt cx="0" cy="0"/>
+        </a:xfrm>
+      </p:grpSpPr>
+      <p:sp>
+        <p:nvSpPr>
+          <p:cNvPr id="2" name="标题 1"/>
+          <p:cNvSpPr>
+            <a:spLocks noGrp="1"/>
+          </p:cNvSpPr>
+          <p:nvPr>
+            <p:ph type="title"/>
+          </p:nvPr>
+        </p:nvSpPr>
+        <p:spPr/>
+        <p:txBody>
+          <a:bodyPr/>
+          <a:lstStyle/>
+          <a:p>
+            <a:r>
+              <a:rPr lang="zh-CN" altLang="en-US" dirty="0" smtClean="0"/>
+              <a:t>控制流分析技术</a:t>
+            </a:r>
+            <a:endParaRPr lang="zh-CN" altLang="en-US" dirty="0"/>
+          </a:p>
+        </p:txBody>
+      </p:sp>
+      <p:sp>
+        <p:nvSpPr>
+          <p:cNvPr id="3" name="内容占位符 2"/>
+          <p:cNvSpPr>
+            <a:spLocks noGrp="1"/>
+          </p:cNvSpPr>
+          <p:nvPr>
+            <p:ph idx="1"/>
+          </p:nvPr>
+        </p:nvSpPr>
+        <p:spPr>
+          <a:xfrm>
+            <a:off x="566738" y="1752600"/>
+            <a:ext cx="8685782" cy="4267200"/>
+          </a:xfrm>
+        </p:spPr>
+        <p:txBody>
+          <a:bodyPr/>
+          <a:lstStyle/>
+          <a:p>
+            <a:pPr algn="just" eaLnBrk="1" hangingPunct="1"/>
+            <a:r>
+              <a:rPr lang="zh-CN" altLang="en-US" sz="2800" b="1" dirty="0" smtClean="0"/>
+              <a:t>关注</a:t>
+            </a:r>
+            <a:r>
+              <a:rPr lang="zh-CN" altLang="en-US" sz="2800" b="1" dirty="0"/>
+              <a:t>判定节点固有的复杂性</a:t>
+            </a:r>
+          </a:p>
+          <a:p>
+            <a:pPr lvl="1" algn="just" eaLnBrk="1" hangingPunct="1"/>
+            <a:r>
+              <a:rPr lang="zh-CN" altLang="en-US" b="1" dirty="0"/>
+              <a:t>焦点：判定表达式</a:t>
+            </a:r>
+          </a:p>
+          <a:p>
+            <a:pPr lvl="1" algn="just" eaLnBrk="1" hangingPunct="1"/>
+            <a:r>
+              <a:rPr lang="zh-CN" altLang="en-US" b="1" dirty="0"/>
+              <a:t>方法：逻辑覆盖测试</a:t>
+            </a:r>
+          </a:p>
+          <a:p>
+            <a:pPr algn="just" eaLnBrk="1" hangingPunct="1"/>
+            <a:r>
+              <a:rPr lang="zh-CN" altLang="en-US" sz="2800" b="1" dirty="0" smtClean="0"/>
+              <a:t>关注</a:t>
+            </a:r>
+            <a:r>
+              <a:rPr lang="zh-CN" altLang="en-US" sz="2800" b="1" dirty="0"/>
+              <a:t>判定结构与循环结构对执行路径产生的影响</a:t>
+            </a:r>
+          </a:p>
+          <a:p>
+            <a:pPr lvl="1" algn="just" eaLnBrk="1" hangingPunct="1"/>
+            <a:r>
+              <a:rPr lang="zh-CN" altLang="en-US" b="1" dirty="0"/>
+              <a:t>焦点：路径</a:t>
+            </a:r>
+          </a:p>
+          <a:p>
+            <a:pPr lvl="1" algn="just" eaLnBrk="1" hangingPunct="1"/>
+            <a:r>
+              <a:rPr lang="zh-CN" altLang="en-US" b="1" dirty="0"/>
+              <a:t>方法：独立路径测试</a:t>
+            </a:r>
+          </a:p>
+          <a:p>
+            <a:pPr algn="just" eaLnBrk="1" hangingPunct="1"/>
+            <a:r>
+              <a:rPr lang="zh-CN" altLang="en-US" sz="2800" b="1" dirty="0" smtClean="0"/>
+              <a:t>关注</a:t>
+            </a:r>
+            <a:r>
+              <a:rPr lang="zh-CN" altLang="en-US" sz="2800" b="1" dirty="0"/>
+              <a:t>循环结构本身的复杂性</a:t>
+            </a:r>
+          </a:p>
+          <a:p>
+            <a:pPr lvl="1" algn="just" eaLnBrk="1" hangingPunct="1"/>
+            <a:r>
+              <a:rPr lang="zh-CN" altLang="en-US" b="1" dirty="0"/>
+              <a:t>焦点：循环体</a:t>
+            </a:r>
+          </a:p>
+          <a:p>
+            <a:pPr lvl="1" algn="just" eaLnBrk="1" hangingPunct="1"/>
+            <a:r>
+              <a:rPr lang="zh-CN" altLang="en-US" b="1" dirty="0"/>
+              <a:t>方法：基于数据的静态分析 </a:t>
+            </a:r>
+          </a:p>
+          <a:p>
+            <a:endParaRPr lang="zh-CN" altLang="en-US" dirty="0"/>
+          </a:p>
+          <a:p>
+            <a:pPr marL="0" indent="0">
+              <a:buNone/>
+            </a:pPr>
+            <a:endParaRPr lang="zh-CN" altLang="en-US" dirty="0"/>
+          </a:p>
+        </p:txBody>
+      </p:sp>
+      <p:sp>
+        <p:nvSpPr>
+          <p:cNvPr id="4" name="灯片编号占位符 3"/>
+          <p:cNvSpPr>
+            <a:spLocks noGrp="1"/>
+          </p:cNvSpPr>
+          <p:nvPr>
+            <p:ph type="sldNum" sz="quarter" idx="12"/>
+          </p:nvPr>
+        </p:nvSpPr>
+        <p:spPr/>
+        <p:txBody>
+          <a:bodyPr/>
+          <a:lstStyle/>
+          <a:p>
+            <a:pPr>
+              <a:defRPr/>
+            </a:pPr>
+            <a:fld id="{A2129394-4104-4E4B-B479-2CD63F410336}" type="slidenum">
+              <a:rPr lang="en-US" altLang="zh-CN" smtClean="0"/>
+              <a:pPr>
+                <a:defRPr/>
+              </a:pPr>
+              <a:t>3</a:t>
+            </a:fld>
+            <a:endParaRPr lang="en-US" altLang="zh-CN"/>
+          </a:p>
+        </p:txBody>
+      </p:sp>
+    </p:spTree>
+    <p:extLst>
+      <p:ext uri="{BB962C8B-B14F-4D97-AF65-F5344CB8AC3E}">
+        <p14:creationId xmlns:p14="http://schemas.microsoft.com/office/powerpoint/2010/main" val="2941854595"/>
+      </p:ext>
+    </p:extLst>
+  </p:cSld>
+  <p:clrMapOvr>
+    <a:masterClrMapping/>
+  </p:clrMapOvr>
+  <p:transition>
+    <p:blinds dir="vert"/>
+  </p:transition>
+  <p:timing>
+    <p:tnLst>
+      <p:par>
+        <p:cTn id="1" dur="indefinite" restart="never" nodeType="tmRoot"/>
+      </p:par>
+    </p:tnLst>
+  </p:timing>
+</p:sld>
+</file>
+
+<file path=ppt/slides/slide30.xml><?xml version="1.0" encoding="utf-8"?>
+<p:sld xmlns:a="http://schemas.openxmlformats.org/drawingml/2006/main" xmlns:r="http://schemas.openxmlformats.org/officeDocument/2006/relationships" xmlns:p="http://schemas.openxmlformats.org/presentationml/2006/main">
+  <p:cSld>
+    <p:spTree>
+      <p:nvGrpSpPr>
+        <p:cNvPr id="1" name=""/>
+        <p:cNvGrpSpPr/>
+        <p:nvPr/>
+      </p:nvGrpSpPr>
+      <p:grpSpPr>
+        <a:xfrm>
+          <a:off x="0" y="0"/>
+          <a:ext cx="0" cy="0"/>
+          <a:chOff x="0" y="0"/>
+          <a:chExt cx="0" cy="0"/>
+        </a:xfrm>
+      </p:grpSpPr>
+      <p:sp>
+        <p:nvSpPr>
+          <p:cNvPr id="69634" name="灯片编号占位符 5"/>
+          <p:cNvSpPr>
+            <a:spLocks noGrp="1"/>
+          </p:cNvSpPr>
+          <p:nvPr>
+            <p:ph type="sldNum" sz="quarter" idx="12"/>
+          </p:nvPr>
+        </p:nvSpPr>
+        <p:spPr>
+          <a:noFill/>
+          <a:ln/>
+          <a:extLst>
+            <a:ext uri="{909E8E84-426E-40DD-AFC4-6F175D3DCCD1}">
+              <a14:hiddenFill xmlns:a14="http://schemas.microsoft.com/office/drawing/2010/main">
+                <a:solidFill>
+                  <a:srgbClr val="FFFFFF"/>
+                </a:solidFill>
+              </a14:hiddenFill>
+            </a:ext>
+            <a:ext uri="{91240B29-F687-4F45-9708-019B960494DF}">
+              <a14:hiddenLine xmlns:a14="http://schemas.microsoft.com/office/drawing/2010/main" w="9525">
+                <a:solidFill>
+                  <a:srgbClr val="000000"/>
+                </a:solidFill>
+                <a:miter lim="800000"/>
+                <a:headEnd/>
+                <a:tailEnd/>
+              </a14:hiddenLine>
+            </a:ext>
+          </a:extLst>
+        </p:spPr>
+        <p:txBody>
+          <a:bodyPr/>
+          <a:lstStyle>
+            <a:lvl1pPr eaLnBrk="0" hangingPunct="0">
+              <a:defRPr>
+                <a:solidFill>
+                  <a:schemeClr val="tx1"/>
+                </a:solidFill>
+                <a:latin typeface="Verdana" pitchFamily="34" charset="0"/>
+                <a:ea typeface="宋体" pitchFamily="2" charset="-122"/>
+              </a:defRPr>
+            </a:lvl1pPr>
+            <a:lvl2pPr marL="742950" indent="-285750" eaLnBrk="0" hangingPunct="0">
+              <a:defRPr>
+                <a:solidFill>
+                  <a:schemeClr val="tx1"/>
+                </a:solidFill>
+                <a:latin typeface="Verdana" pitchFamily="34" charset="0"/>
+                <a:ea typeface="宋体" pitchFamily="2" charset="-122"/>
+              </a:defRPr>
+            </a:lvl2pPr>
+            <a:lvl3pPr marL="1143000" indent="-228600" eaLnBrk="0" hangingPunct="0">
+              <a:defRPr>
+                <a:solidFill>
+                  <a:schemeClr val="tx1"/>
+                </a:solidFill>
+                <a:latin typeface="Verdana" pitchFamily="34" charset="0"/>
+                <a:ea typeface="宋体" pitchFamily="2" charset="-122"/>
+              </a:defRPr>
+            </a:lvl3pPr>
+            <a:lvl4pPr marL="1600200" indent="-228600" eaLnBrk="0" hangingPunct="0">
+              <a:defRPr>
+                <a:solidFill>
+                  <a:schemeClr val="tx1"/>
+                </a:solidFill>
+                <a:latin typeface="Verdana" pitchFamily="34" charset="0"/>
+                <a:ea typeface="宋体" pitchFamily="2" charset="-122"/>
+              </a:defRPr>
+            </a:lvl4pPr>
+            <a:lvl5pPr marL="2057400" indent="-228600" eaLnBrk="0" hangingPunct="0">
+              <a:defRPr>
+                <a:solidFill>
+                  <a:schemeClr val="tx1"/>
+                </a:solidFill>
+                <a:latin typeface="Verdana" pitchFamily="34" charset="0"/>
+                <a:ea typeface="宋体" pitchFamily="2" charset="-122"/>
+              </a:defRPr>
+            </a:lvl5pPr>
+            <a:lvl6pPr marL="2514600" indent="-228600" eaLnBrk="0" fontAlgn="base" hangingPunct="0">
+              <a:spcBef>
+                <a:spcPct val="0"/>
+              </a:spcBef>
+              <a:spcAft>
+                <a:spcPct val="0"/>
+              </a:spcAft>
+              <a:defRPr>
+                <a:solidFill>
+                  <a:schemeClr val="tx1"/>
+                </a:solidFill>
+                <a:latin typeface="Verdana" pitchFamily="34" charset="0"/>
+                <a:ea typeface="宋体" pitchFamily="2" charset="-122"/>
+              </a:defRPr>
+            </a:lvl6pPr>
+            <a:lvl7pPr marL="2971800" indent="-228600" eaLnBrk="0" fontAlgn="base" hangingPunct="0">
+              <a:spcBef>
+                <a:spcPct val="0"/>
+              </a:spcBef>
+              <a:spcAft>
+                <a:spcPct val="0"/>
+              </a:spcAft>
+              <a:defRPr>
+                <a:solidFill>
+                  <a:schemeClr val="tx1"/>
+                </a:solidFill>
+                <a:latin typeface="Verdana" pitchFamily="34" charset="0"/>
+                <a:ea typeface="宋体" pitchFamily="2" charset="-122"/>
+              </a:defRPr>
+            </a:lvl7pPr>
+            <a:lvl8pPr marL="3429000" indent="-228600" eaLnBrk="0" fontAlgn="base" hangingPunct="0">
+              <a:spcBef>
+                <a:spcPct val="0"/>
+              </a:spcBef>
+              <a:spcAft>
+                <a:spcPct val="0"/>
+              </a:spcAft>
+              <a:defRPr>
+                <a:solidFill>
+                  <a:schemeClr val="tx1"/>
+                </a:solidFill>
+                <a:latin typeface="Verdana" pitchFamily="34" charset="0"/>
+                <a:ea typeface="宋体" pitchFamily="2" charset="-122"/>
+              </a:defRPr>
+            </a:lvl8pPr>
+            <a:lvl9pPr marL="3886200" indent="-228600" eaLnBrk="0" fontAlgn="base" hangingPunct="0">
+              <a:spcBef>
+                <a:spcPct val="0"/>
+              </a:spcBef>
+              <a:spcAft>
+                <a:spcPct val="0"/>
+              </a:spcAft>
+              <a:defRPr>
+                <a:solidFill>
+                  <a:schemeClr val="tx1"/>
+                </a:solidFill>
+                <a:latin typeface="Verdana" pitchFamily="34" charset="0"/>
+                <a:ea typeface="宋体" pitchFamily="2" charset="-122"/>
+              </a:defRPr>
+            </a:lvl9pPr>
+          </a:lstStyle>
+          <a:p>
+            <a:pPr eaLnBrk="1" hangingPunct="1"/>
+            <a:fld id="{630F4716-784F-47D5-9B98-8EA5CB863519}" type="slidenum">
+              <a:rPr lang="en-US" altLang="zh-CN" smtClean="0"/>
+              <a:pPr eaLnBrk="1" hangingPunct="1"/>
+              <a:t>30</a:t>
+            </a:fld>
+            <a:endParaRPr lang="en-US" altLang="zh-CN" smtClean="0"/>
+          </a:p>
+        </p:txBody>
+      </p:sp>
+      <p:sp>
+        <p:nvSpPr>
+          <p:cNvPr id="69635" name="Rectangle 2"/>
+          <p:cNvSpPr>
+            <a:spLocks noGrp="1" noChangeArrowheads="1"/>
+          </p:cNvSpPr>
+          <p:nvPr>
+            <p:ph type="title"/>
+          </p:nvPr>
+        </p:nvSpPr>
+        <p:spPr/>
+        <p:txBody>
+          <a:bodyPr/>
+          <a:lstStyle/>
+          <a:p>
+            <a:pPr eaLnBrk="1" hangingPunct="1"/>
+            <a:r>
+              <a:rPr lang="en-US" altLang="zh-CN" b="1" smtClean="0">
+                <a:latin typeface="黑体" pitchFamily="2" charset="-122"/>
+                <a:ea typeface="黑体" pitchFamily="2" charset="-122"/>
+              </a:rPr>
+              <a:t>5.3 </a:t>
+            </a:r>
+            <a:r>
+              <a:rPr lang="zh-CN" altLang="en-US" b="1" smtClean="0">
+                <a:latin typeface="黑体" pitchFamily="2" charset="-122"/>
+                <a:ea typeface="黑体" pitchFamily="2" charset="-122"/>
+              </a:rPr>
+              <a:t>对判定的测试</a:t>
+            </a:r>
+          </a:p>
+        </p:txBody>
+      </p:sp>
+      <p:sp>
+        <p:nvSpPr>
+          <p:cNvPr id="69636" name="Rectangle 3"/>
+          <p:cNvSpPr>
+            <a:spLocks noGrp="1" noChangeArrowheads="1"/>
+          </p:cNvSpPr>
+          <p:nvPr>
+            <p:ph type="body" idx="1"/>
+          </p:nvPr>
+        </p:nvSpPr>
+        <p:spPr/>
+        <p:txBody>
+          <a:bodyPr/>
+          <a:lstStyle/>
+          <a:p>
+            <a:pPr eaLnBrk="1" hangingPunct="1"/>
+            <a:r>
+              <a:rPr lang="zh-CN" altLang="en-US" sz="3400" b="1" smtClean="0">
+                <a:solidFill>
+                  <a:srgbClr val="0000FF"/>
+                </a:solidFill>
+                <a:ea typeface="华文新魏" pitchFamily="2" charset="-122"/>
+              </a:rPr>
+              <a:t>代码说明（续）</a:t>
+            </a:r>
+            <a:endParaRPr lang="en-US" altLang="zh-CN" sz="3400" b="1" smtClean="0">
+              <a:solidFill>
+                <a:srgbClr val="0000FF"/>
+              </a:solidFill>
+              <a:ea typeface="华文新魏" pitchFamily="2" charset="-122"/>
+            </a:endParaRPr>
+          </a:p>
+          <a:p>
+            <a:pPr lvl="1"/>
+            <a:r>
+              <a:rPr lang="en-US" altLang="en-US" b="1" smtClean="0">
+                <a:solidFill>
+                  <a:srgbClr val="0000FF"/>
+                </a:solidFill>
+                <a:ea typeface="华文新魏" pitchFamily="2" charset="-122"/>
+              </a:rPr>
+              <a:t>T7</a:t>
+            </a:r>
+            <a:r>
+              <a:rPr lang="zh-CN" altLang="en-US" b="1" smtClean="0">
+                <a:solidFill>
+                  <a:srgbClr val="0000FF"/>
+                </a:solidFill>
+                <a:ea typeface="华文新魏" pitchFamily="2" charset="-122"/>
+              </a:rPr>
+              <a:t>：</a:t>
+            </a:r>
+            <a:r>
+              <a:rPr lang="en-US" altLang="en-US" b="1" smtClean="0">
+                <a:solidFill>
+                  <a:srgbClr val="0000FF"/>
+                </a:solidFill>
+                <a:ea typeface="华文新魏" pitchFamily="2" charset="-122"/>
+              </a:rPr>
+              <a:t>date.m_month == 9</a:t>
+            </a:r>
+            <a:endParaRPr lang="zh-CN" altLang="en-US" b="1" smtClean="0">
+              <a:solidFill>
+                <a:srgbClr val="0000FF"/>
+              </a:solidFill>
+              <a:ea typeface="华文新魏" pitchFamily="2" charset="-122"/>
+            </a:endParaRPr>
+          </a:p>
+          <a:p>
+            <a:pPr lvl="1"/>
+            <a:r>
+              <a:rPr lang="en-US" altLang="en-US" b="1" smtClean="0">
+                <a:solidFill>
+                  <a:srgbClr val="0000FF"/>
+                </a:solidFill>
+                <a:ea typeface="华文新魏" pitchFamily="2" charset="-122"/>
+              </a:rPr>
+              <a:t>T8</a:t>
+            </a:r>
+            <a:r>
+              <a:rPr lang="zh-CN" altLang="en-US" b="1" smtClean="0">
+                <a:solidFill>
+                  <a:srgbClr val="0000FF"/>
+                </a:solidFill>
+                <a:ea typeface="华文新魏" pitchFamily="2" charset="-122"/>
+              </a:rPr>
+              <a:t>：</a:t>
+            </a:r>
+            <a:r>
+              <a:rPr lang="en-US" altLang="en-US" b="1" smtClean="0">
+                <a:solidFill>
+                  <a:srgbClr val="0000FF"/>
+                </a:solidFill>
+                <a:ea typeface="华文新魏" pitchFamily="2" charset="-122"/>
+              </a:rPr>
+              <a:t>date.m_month == 11</a:t>
+            </a:r>
+            <a:endParaRPr lang="zh-CN" altLang="en-US" b="1" smtClean="0">
+              <a:solidFill>
+                <a:srgbClr val="0000FF"/>
+              </a:solidFill>
+              <a:ea typeface="华文新魏" pitchFamily="2" charset="-122"/>
+            </a:endParaRPr>
+          </a:p>
+          <a:p>
+            <a:pPr lvl="1"/>
+            <a:r>
+              <a:rPr lang="en-US" altLang="en-US" b="1" smtClean="0">
+                <a:solidFill>
+                  <a:srgbClr val="0000FF"/>
+                </a:solidFill>
+                <a:ea typeface="华文新魏" pitchFamily="2" charset="-122"/>
+              </a:rPr>
+              <a:t>T9</a:t>
+            </a:r>
+            <a:r>
+              <a:rPr lang="zh-CN" altLang="en-US" b="1" smtClean="0">
+                <a:solidFill>
+                  <a:srgbClr val="0000FF"/>
+                </a:solidFill>
+                <a:ea typeface="华文新魏" pitchFamily="2" charset="-122"/>
+              </a:rPr>
+              <a:t>：</a:t>
+            </a:r>
+            <a:r>
+              <a:rPr lang="en-US" altLang="en-US" b="1" smtClean="0">
+                <a:solidFill>
+                  <a:srgbClr val="0000FF"/>
+                </a:solidFill>
+                <a:ea typeface="华文新魏" pitchFamily="2" charset="-122"/>
+              </a:rPr>
+              <a:t>date.m_year % 4 == 0</a:t>
+            </a:r>
+            <a:endParaRPr lang="zh-CN" altLang="en-US" b="1" smtClean="0">
+              <a:solidFill>
+                <a:srgbClr val="0000FF"/>
+              </a:solidFill>
+              <a:ea typeface="华文新魏" pitchFamily="2" charset="-122"/>
+            </a:endParaRPr>
+          </a:p>
+          <a:p>
+            <a:pPr lvl="1"/>
+            <a:r>
+              <a:rPr lang="en-US" altLang="en-US" b="1" smtClean="0">
+                <a:solidFill>
+                  <a:srgbClr val="0000FF"/>
+                </a:solidFill>
+                <a:ea typeface="华文新魏" pitchFamily="2" charset="-122"/>
+              </a:rPr>
+              <a:t>T10</a:t>
+            </a:r>
+            <a:r>
+              <a:rPr lang="zh-CN" altLang="en-US" b="1" smtClean="0">
+                <a:solidFill>
+                  <a:srgbClr val="0000FF"/>
+                </a:solidFill>
+                <a:ea typeface="华文新魏" pitchFamily="2" charset="-122"/>
+              </a:rPr>
+              <a:t>：</a:t>
+            </a:r>
+            <a:r>
+              <a:rPr lang="en-US" altLang="en-US" b="1" smtClean="0">
+                <a:solidFill>
+                  <a:srgbClr val="0000FF"/>
+                </a:solidFill>
+                <a:ea typeface="华文新魏" pitchFamily="2" charset="-122"/>
+              </a:rPr>
+              <a:t>date.m_year % 100 != 0</a:t>
+            </a:r>
+            <a:endParaRPr lang="zh-CN" altLang="en-US" b="1" smtClean="0">
+              <a:solidFill>
+                <a:srgbClr val="0000FF"/>
+              </a:solidFill>
+              <a:ea typeface="华文新魏" pitchFamily="2" charset="-122"/>
+            </a:endParaRPr>
+          </a:p>
+          <a:p>
+            <a:pPr lvl="1"/>
+            <a:r>
+              <a:rPr lang="en-US" altLang="en-US" b="1" smtClean="0">
+                <a:solidFill>
+                  <a:srgbClr val="0000FF"/>
+                </a:solidFill>
+                <a:ea typeface="华文新魏" pitchFamily="2" charset="-122"/>
+              </a:rPr>
+              <a:t>T11</a:t>
+            </a:r>
+            <a:r>
+              <a:rPr lang="zh-CN" altLang="en-US" b="1" smtClean="0">
+                <a:solidFill>
+                  <a:srgbClr val="0000FF"/>
+                </a:solidFill>
+                <a:ea typeface="华文新魏" pitchFamily="2" charset="-122"/>
+              </a:rPr>
+              <a:t>：</a:t>
+            </a:r>
+            <a:r>
+              <a:rPr lang="en-US" altLang="en-US" b="1" smtClean="0">
+                <a:solidFill>
+                  <a:srgbClr val="0000FF"/>
+                </a:solidFill>
+                <a:ea typeface="华文新魏" pitchFamily="2" charset="-122"/>
+              </a:rPr>
+              <a:t>date.m_year % 400 == 0</a:t>
+            </a:r>
+            <a:endParaRPr lang="zh-CN" altLang="en-US" b="1" smtClean="0">
+              <a:solidFill>
+                <a:srgbClr val="0000FF"/>
+              </a:solidFill>
+              <a:ea typeface="华文新魏" pitchFamily="2" charset="-122"/>
+            </a:endParaRPr>
+          </a:p>
+          <a:p>
+            <a:pPr lvl="1"/>
+            <a:r>
+              <a:rPr lang="en-US" altLang="en-US" b="1" smtClean="0">
+                <a:solidFill>
+                  <a:srgbClr val="0000FF"/>
+                </a:solidFill>
+                <a:ea typeface="华文新魏" pitchFamily="2" charset="-122"/>
+              </a:rPr>
+              <a:t>T12</a:t>
+            </a:r>
+            <a:r>
+              <a:rPr lang="zh-CN" altLang="en-US" b="1" smtClean="0">
+                <a:solidFill>
+                  <a:srgbClr val="0000FF"/>
+                </a:solidFill>
+                <a:ea typeface="华文新魏" pitchFamily="2" charset="-122"/>
+              </a:rPr>
+              <a:t>：</a:t>
+            </a:r>
+            <a:r>
+              <a:rPr lang="en-US" altLang="en-US" b="1" smtClean="0">
+                <a:solidFill>
+                  <a:srgbClr val="0000FF"/>
+                </a:solidFill>
+                <a:ea typeface="华文新魏" pitchFamily="2" charset="-122"/>
+              </a:rPr>
+              <a:t>date.m_day == lastday</a:t>
+            </a:r>
+            <a:endParaRPr lang="zh-CN" altLang="en-US" b="1" smtClean="0">
+              <a:solidFill>
+                <a:srgbClr val="0000FF"/>
+              </a:solidFill>
+              <a:ea typeface="华文新魏" pitchFamily="2" charset="-122"/>
+            </a:endParaRPr>
+          </a:p>
+          <a:p>
+            <a:pPr lvl="1"/>
+            <a:r>
+              <a:rPr lang="en-US" altLang="en-US" b="1" smtClean="0">
+                <a:solidFill>
+                  <a:srgbClr val="0000FF"/>
+                </a:solidFill>
+                <a:ea typeface="华文新魏" pitchFamily="2" charset="-122"/>
+              </a:rPr>
+              <a:t>T13</a:t>
+            </a:r>
+            <a:r>
+              <a:rPr lang="zh-CN" altLang="en-US" b="1" smtClean="0">
+                <a:solidFill>
+                  <a:srgbClr val="0000FF"/>
+                </a:solidFill>
+                <a:ea typeface="华文新魏" pitchFamily="2" charset="-122"/>
+              </a:rPr>
+              <a:t>：</a:t>
+            </a:r>
+            <a:r>
+              <a:rPr lang="en-US" altLang="en-US" b="1" smtClean="0">
+                <a:solidFill>
+                  <a:srgbClr val="0000FF"/>
+                </a:solidFill>
+                <a:ea typeface="华文新魏" pitchFamily="2" charset="-122"/>
+              </a:rPr>
+              <a:t>date.m_month == 12</a:t>
+            </a:r>
+            <a:endParaRPr lang="en-US" altLang="zh-CN" b="1" smtClean="0">
+              <a:solidFill>
+                <a:srgbClr val="0000FF"/>
+              </a:solidFill>
+              <a:ea typeface="华文新魏" pitchFamily="2" charset="-122"/>
+            </a:endParaRPr>
+          </a:p>
+        </p:txBody>
+      </p:sp>
+    </p:spTree>
+    <p:extLst>
+      <p:ext uri="{BB962C8B-B14F-4D97-AF65-F5344CB8AC3E}">
+        <p14:creationId xmlns:p14="http://schemas.microsoft.com/office/powerpoint/2010/main" val="56993791"/>
+      </p:ext>
+    </p:extLst>
+  </p:cSld>
+  <p:clrMapOvr>
+    <a:masterClrMapping/>
+  </p:clrMapOvr>
+  <p:transition/>
+</p:sld>
+</file>
+
+<file path=ppt/slides/slide31.xml><?xml version="1.0" encoding="utf-8"?>
+<p:sld xmlns:a="http://schemas.openxmlformats.org/drawingml/2006/main" xmlns:r="http://schemas.openxmlformats.org/officeDocument/2006/relationships" xmlns:p="http://schemas.openxmlformats.org/presentationml/2006/main">
+  <p:cSld>
+    <p:spTree>
+      <p:nvGrpSpPr>
+        <p:cNvPr id="1" name=""/>
+        <p:cNvGrpSpPr/>
+        <p:nvPr/>
+      </p:nvGrpSpPr>
+      <p:grpSpPr>
+        <a:xfrm>
+          <a:off x="0" y="0"/>
+          <a:ext cx="0" cy="0"/>
+          <a:chOff x="0" y="0"/>
+          <a:chExt cx="0" cy="0"/>
+        </a:xfrm>
+      </p:grpSpPr>
+      <p:sp>
+        <p:nvSpPr>
+          <p:cNvPr id="70658" name="灯片编号占位符 5"/>
+          <p:cNvSpPr>
+            <a:spLocks noGrp="1"/>
+          </p:cNvSpPr>
+          <p:nvPr>
+            <p:ph type="sldNum" sz="quarter" idx="12"/>
+          </p:nvPr>
+        </p:nvSpPr>
+        <p:spPr>
+          <a:noFill/>
+          <a:ln/>
+          <a:extLst>
+            <a:ext uri="{909E8E84-426E-40DD-AFC4-6F175D3DCCD1}">
+              <a14:hiddenFill xmlns:a14="http://schemas.microsoft.com/office/drawing/2010/main">
+                <a:solidFill>
+                  <a:srgbClr val="FFFFFF"/>
+                </a:solidFill>
+              </a14:hiddenFill>
+            </a:ext>
+            <a:ext uri="{91240B29-F687-4F45-9708-019B960494DF}">
+              <a14:hiddenLine xmlns:a14="http://schemas.microsoft.com/office/drawing/2010/main" w="9525">
+                <a:solidFill>
+                  <a:srgbClr val="000000"/>
+                </a:solidFill>
+                <a:miter lim="800000"/>
+                <a:headEnd/>
+                <a:tailEnd/>
+              </a14:hiddenLine>
+            </a:ext>
+          </a:extLst>
+        </p:spPr>
+        <p:txBody>
+          <a:bodyPr/>
+          <a:lstStyle>
+            <a:lvl1pPr eaLnBrk="0" hangingPunct="0">
+              <a:defRPr>
+                <a:solidFill>
+                  <a:schemeClr val="tx1"/>
+                </a:solidFill>
+                <a:latin typeface="Verdana" pitchFamily="34" charset="0"/>
+                <a:ea typeface="宋体" pitchFamily="2" charset="-122"/>
+              </a:defRPr>
+            </a:lvl1pPr>
+            <a:lvl2pPr marL="742950" indent="-285750" eaLnBrk="0" hangingPunct="0">
+              <a:defRPr>
+                <a:solidFill>
+                  <a:schemeClr val="tx1"/>
+                </a:solidFill>
+                <a:latin typeface="Verdana" pitchFamily="34" charset="0"/>
+                <a:ea typeface="宋体" pitchFamily="2" charset="-122"/>
+              </a:defRPr>
+            </a:lvl2pPr>
+            <a:lvl3pPr marL="1143000" indent="-228600" eaLnBrk="0" hangingPunct="0">
+              <a:defRPr>
+                <a:solidFill>
+                  <a:schemeClr val="tx1"/>
+                </a:solidFill>
+                <a:latin typeface="Verdana" pitchFamily="34" charset="0"/>
+                <a:ea typeface="宋体" pitchFamily="2" charset="-122"/>
+              </a:defRPr>
+            </a:lvl3pPr>
+            <a:lvl4pPr marL="1600200" indent="-228600" eaLnBrk="0" hangingPunct="0">
+              <a:defRPr>
+                <a:solidFill>
+                  <a:schemeClr val="tx1"/>
+                </a:solidFill>
+                <a:latin typeface="Verdana" pitchFamily="34" charset="0"/>
+                <a:ea typeface="宋体" pitchFamily="2" charset="-122"/>
+              </a:defRPr>
+            </a:lvl4pPr>
+            <a:lvl5pPr marL="2057400" indent="-228600" eaLnBrk="0" hangingPunct="0">
+              <a:defRPr>
+                <a:solidFill>
+                  <a:schemeClr val="tx1"/>
+                </a:solidFill>
+                <a:latin typeface="Verdana" pitchFamily="34" charset="0"/>
+                <a:ea typeface="宋体" pitchFamily="2" charset="-122"/>
+              </a:defRPr>
+            </a:lvl5pPr>
+            <a:lvl6pPr marL="2514600" indent="-228600" eaLnBrk="0" fontAlgn="base" hangingPunct="0">
+              <a:spcBef>
+                <a:spcPct val="0"/>
+              </a:spcBef>
+              <a:spcAft>
+                <a:spcPct val="0"/>
+              </a:spcAft>
+              <a:defRPr>
+                <a:solidFill>
+                  <a:schemeClr val="tx1"/>
+                </a:solidFill>
+                <a:latin typeface="Verdana" pitchFamily="34" charset="0"/>
+                <a:ea typeface="宋体" pitchFamily="2" charset="-122"/>
+              </a:defRPr>
+            </a:lvl6pPr>
+            <a:lvl7pPr marL="2971800" indent="-228600" eaLnBrk="0" fontAlgn="base" hangingPunct="0">
+              <a:spcBef>
+                <a:spcPct val="0"/>
+              </a:spcBef>
+              <a:spcAft>
+                <a:spcPct val="0"/>
+              </a:spcAft>
+              <a:defRPr>
+                <a:solidFill>
+                  <a:schemeClr val="tx1"/>
+                </a:solidFill>
+                <a:latin typeface="Verdana" pitchFamily="34" charset="0"/>
+                <a:ea typeface="宋体" pitchFamily="2" charset="-122"/>
+              </a:defRPr>
+            </a:lvl7pPr>
+            <a:lvl8pPr marL="3429000" indent="-228600" eaLnBrk="0" fontAlgn="base" hangingPunct="0">
+              <a:spcBef>
+                <a:spcPct val="0"/>
+              </a:spcBef>
+              <a:spcAft>
+                <a:spcPct val="0"/>
+              </a:spcAft>
+              <a:defRPr>
+                <a:solidFill>
+                  <a:schemeClr val="tx1"/>
+                </a:solidFill>
+                <a:latin typeface="Verdana" pitchFamily="34" charset="0"/>
+                <a:ea typeface="宋体" pitchFamily="2" charset="-122"/>
+              </a:defRPr>
+            </a:lvl8pPr>
+            <a:lvl9pPr marL="3886200" indent="-228600" eaLnBrk="0" fontAlgn="base" hangingPunct="0">
+              <a:spcBef>
+                <a:spcPct val="0"/>
+              </a:spcBef>
+              <a:spcAft>
+                <a:spcPct val="0"/>
+              </a:spcAft>
+              <a:defRPr>
+                <a:solidFill>
+                  <a:schemeClr val="tx1"/>
+                </a:solidFill>
+                <a:latin typeface="Verdana" pitchFamily="34" charset="0"/>
+                <a:ea typeface="宋体" pitchFamily="2" charset="-122"/>
+              </a:defRPr>
+            </a:lvl9pPr>
+          </a:lstStyle>
+          <a:p>
+            <a:pPr eaLnBrk="1" hangingPunct="1"/>
+            <a:fld id="{A4F1E665-DD29-488F-A394-0E1B50A195CE}" type="slidenum">
+              <a:rPr lang="en-US" altLang="zh-CN" smtClean="0"/>
+              <a:pPr eaLnBrk="1" hangingPunct="1"/>
+              <a:t>31</a:t>
+            </a:fld>
+            <a:endParaRPr lang="en-US" altLang="zh-CN" smtClean="0"/>
+          </a:p>
+        </p:txBody>
+      </p:sp>
+      <p:sp>
+        <p:nvSpPr>
+          <p:cNvPr id="70659" name="Rectangle 2"/>
+          <p:cNvSpPr>
+            <a:spLocks noGrp="1" noChangeArrowheads="1"/>
+          </p:cNvSpPr>
+          <p:nvPr>
+            <p:ph type="title"/>
+          </p:nvPr>
+        </p:nvSpPr>
+        <p:spPr/>
+        <p:txBody>
+          <a:bodyPr/>
+          <a:lstStyle/>
+          <a:p>
+            <a:pPr eaLnBrk="1" hangingPunct="1"/>
+            <a:r>
+              <a:rPr lang="en-US" altLang="zh-CN" b="1" smtClean="0">
+                <a:latin typeface="黑体" pitchFamily="2" charset="-122"/>
+                <a:ea typeface="黑体" pitchFamily="2" charset="-122"/>
+              </a:rPr>
+              <a:t>5.3 </a:t>
+            </a:r>
+            <a:r>
+              <a:rPr lang="zh-CN" altLang="en-US" b="1" smtClean="0">
+                <a:latin typeface="黑体" pitchFamily="2" charset="-122"/>
+                <a:ea typeface="黑体" pitchFamily="2" charset="-122"/>
+              </a:rPr>
+              <a:t>对判定的测试</a:t>
+            </a:r>
+          </a:p>
+        </p:txBody>
+      </p:sp>
+      <p:sp>
+        <p:nvSpPr>
+          <p:cNvPr id="70660" name="Rectangle 3"/>
           <p:cNvSpPr>
             <a:spLocks noGrp="1" noChangeArrowheads="1"/>
           </p:cNvSpPr>
@@ -13764,7 +14414,7 @@
       </p:sp>
       <p:pic>
         <p:nvPicPr>
-          <p:cNvPr id="30726" name="Picture 3"/>
+          <p:cNvPr id="70662" name="Picture 3"/>
           <p:cNvPicPr>
             <a:picLocks noChangeAspect="1" noChangeArrowheads="1"/>
           </p:cNvPicPr>
@@ -13817,6 +14467,11 @@
         </p:spPr>
       </p:pic>
     </p:spTree>
+    <p:extLst>
+      <p:ext uri="{BB962C8B-B14F-4D97-AF65-F5344CB8AC3E}">
+        <p14:creationId xmlns:p14="http://schemas.microsoft.com/office/powerpoint/2010/main" val="4131062944"/>
+      </p:ext>
+    </p:extLst>
   </p:cSld>
   <p:clrMapOvr>
     <a:masterClrMapping/>
@@ -13825,7 +14480,7 @@
 </p:sld>
 </file>
 
-<file path=ppt/slides/slide3.xml><?xml version="1.0" encoding="utf-8"?>
+<file path=ppt/slides/slide32.xml><?xml version="1.0" encoding="utf-8"?>
 <p:sld xmlns:a="http://schemas.openxmlformats.org/drawingml/2006/main" xmlns:r="http://schemas.openxmlformats.org/officeDocument/2006/relationships" xmlns:p="http://schemas.openxmlformats.org/presentationml/2006/main">
   <p:cSld>
     <p:spTree>
@@ -13844,7 +14499,7 @@
       </p:grpSpPr>
       <p:sp>
         <p:nvSpPr>
-          <p:cNvPr id="5122" name="灯片编号占位符 5"/>
+          <p:cNvPr id="71682" name="灯片编号占位符 5"/>
           <p:cNvSpPr>
             <a:spLocks noGrp="1"/>
           </p:cNvSpPr>
@@ -13884,7 +14539,7 @@
                   <a:schemeClr val="tx1"/>
                 </a:solidFill>
                 <a:latin typeface="Verdana" pitchFamily="34" charset="0"/>
-                <a:ea typeface="宋体" charset="-122"/>
+                <a:ea typeface="宋体" pitchFamily="2" charset="-122"/>
               </a:defRPr>
             </a:lvl1pPr>
             <a:lvl2pPr marL="742950" indent="-285750" eaLnBrk="0" hangingPunct="0">
@@ -13893,7 +14548,7 @@
                   <a:schemeClr val="tx1"/>
                 </a:solidFill>
                 <a:latin typeface="Verdana" pitchFamily="34" charset="0"/>
-                <a:ea typeface="宋体" charset="-122"/>
+                <a:ea typeface="宋体" pitchFamily="2" charset="-122"/>
               </a:defRPr>
             </a:lvl2pPr>
             <a:lvl3pPr marL="1143000" indent="-228600" eaLnBrk="0" hangingPunct="0">
@@ -13902,7 +14557,7 @@
                   <a:schemeClr val="tx1"/>
                 </a:solidFill>
                 <a:latin typeface="Verdana" pitchFamily="34" charset="0"/>
-                <a:ea typeface="宋体" charset="-122"/>
+                <a:ea typeface="宋体" pitchFamily="2" charset="-122"/>
               </a:defRPr>
             </a:lvl3pPr>
             <a:lvl4pPr marL="1600200" indent="-228600" eaLnBrk="0" hangingPunct="0">
@@ -13911,7 +14566,7 @@
                   <a:schemeClr val="tx1"/>
                 </a:solidFill>
                 <a:latin typeface="Verdana" pitchFamily="34" charset="0"/>
-                <a:ea typeface="宋体" charset="-122"/>
+                <a:ea typeface="宋体" pitchFamily="2" charset="-122"/>
               </a:defRPr>
             </a:lvl4pPr>
             <a:lvl5pPr marL="2057400" indent="-228600" eaLnBrk="0" hangingPunct="0">
@@ -13920,7 +14575,7 @@
                   <a:schemeClr val="tx1"/>
                 </a:solidFill>
                 <a:latin typeface="Verdana" pitchFamily="34" charset="0"/>
-                <a:ea typeface="宋体" charset="-122"/>
+                <a:ea typeface="宋体" pitchFamily="2" charset="-122"/>
               </a:defRPr>
             </a:lvl5pPr>
             <a:lvl6pPr marL="2514600" indent="-228600" eaLnBrk="0" fontAlgn="base" hangingPunct="0">
@@ -13935,7 +14590,7 @@
                   <a:schemeClr val="tx1"/>
                 </a:solidFill>
                 <a:latin typeface="Verdana" pitchFamily="34" charset="0"/>
-                <a:ea typeface="宋体" charset="-122"/>
+                <a:ea typeface="宋体" pitchFamily="2" charset="-122"/>
               </a:defRPr>
             </a:lvl6pPr>
             <a:lvl7pPr marL="2971800" indent="-228600" eaLnBrk="0" fontAlgn="base" hangingPunct="0">
@@ -13950,7 +14605,7 @@
                   <a:schemeClr val="tx1"/>
                 </a:solidFill>
                 <a:latin typeface="Verdana" pitchFamily="34" charset="0"/>
-                <a:ea typeface="宋体" charset="-122"/>
+                <a:ea typeface="宋体" pitchFamily="2" charset="-122"/>
               </a:defRPr>
             </a:lvl7pPr>
             <a:lvl8pPr marL="3429000" indent="-228600" eaLnBrk="0" fontAlgn="base" hangingPunct="0">
@@ -13965,7 +14620,7 @@
                   <a:schemeClr val="tx1"/>
                 </a:solidFill>
                 <a:latin typeface="Verdana" pitchFamily="34" charset="0"/>
-                <a:ea typeface="宋体" charset="-122"/>
+                <a:ea typeface="宋体" pitchFamily="2" charset="-122"/>
               </a:defRPr>
             </a:lvl8pPr>
             <a:lvl9pPr marL="3886200" indent="-228600" eaLnBrk="0" fontAlgn="base" hangingPunct="0">
@@ -13980,16 +14635,16 @@
                   <a:schemeClr val="tx1"/>
                 </a:solidFill>
                 <a:latin typeface="Verdana" pitchFamily="34" charset="0"/>
-                <a:ea typeface="宋体" charset="-122"/>
+                <a:ea typeface="宋体" pitchFamily="2" charset="-122"/>
               </a:defRPr>
             </a:lvl9pPr>
           </a:lstStyle>
           <a:p>
             <a:pPr eaLnBrk="1" hangingPunct="1"/>
-            <a:fld id="{A0C70013-46F8-43D8-9C50-7439422DB6AA}" type="slidenum">
+            <a:fld id="{8EA69E5B-8A00-4C16-94B2-0692BF07ABEA}" type="slidenum">
               <a:rPr lang="en-US" altLang="zh-CN" smtClean="0"/>
               <a:pPr eaLnBrk="1" hangingPunct="1"/>
-              <a:t>3</a:t>
+              <a:t>32</a:t>
             </a:fld>
             <a:endParaRPr lang="en-US" altLang="zh-CN" smtClean="0"/>
           </a:p>
@@ -13997,7 +14652,7 @@
       </p:sp>
       <p:sp>
         <p:nvSpPr>
-          <p:cNvPr id="5123" name="Rectangle 2"/>
+          <p:cNvPr id="71683" name="Rectangle 2"/>
           <p:cNvSpPr>
             <a:spLocks noGrp="1" noChangeArrowheads="1"/>
           </p:cNvSpPr>
@@ -14013,15 +14668,15 @@
             <a:pPr eaLnBrk="1" hangingPunct="1"/>
             <a:r>
               <a:rPr lang="en-US" altLang="zh-CN" b="1" smtClean="0">
-                <a:latin typeface="黑体" pitchFamily="49" charset="-122"/>
-                <a:ea typeface="黑体" pitchFamily="49" charset="-122"/>
+                <a:latin typeface="黑体" pitchFamily="2" charset="-122"/>
+                <a:ea typeface="黑体" pitchFamily="2" charset="-122"/>
               </a:rPr>
               <a:t>5.3 </a:t>
             </a:r>
             <a:r>
               <a:rPr lang="zh-CN" altLang="en-US" b="1" smtClean="0">
-                <a:latin typeface="黑体" pitchFamily="49" charset="-122"/>
-                <a:ea typeface="黑体" pitchFamily="49" charset="-122"/>
+                <a:latin typeface="黑体" pitchFamily="2" charset="-122"/>
+                <a:ea typeface="黑体" pitchFamily="2" charset="-122"/>
               </a:rPr>
               <a:t>对判定的测试</a:t>
             </a:r>
@@ -14030,308 +14685,7 @@
       </p:sp>
       <p:sp>
         <p:nvSpPr>
-          <p:cNvPr id="5124" name="Rectangle 3"/>
-          <p:cNvSpPr>
-            <a:spLocks noGrp="1" noChangeArrowheads="1"/>
-          </p:cNvSpPr>
-          <p:nvPr>
-            <p:ph type="body" idx="1"/>
-          </p:nvPr>
-        </p:nvSpPr>
-        <p:spPr/>
-        <p:txBody>
-          <a:bodyPr/>
-          <a:lstStyle/>
-          <a:p>
-            <a:pPr algn="just" eaLnBrk="1" hangingPunct="1"/>
-            <a:r>
-              <a:rPr lang="zh-CN" altLang="en-US" sz="3400" b="1" smtClean="0"/>
-              <a:t>基本原理</a:t>
-            </a:r>
-            <a:endParaRPr lang="en-US" altLang="zh-CN" sz="3400" b="1" smtClean="0"/>
-          </a:p>
-          <a:p>
-            <a:pPr lvl="1" eaLnBrk="1" hangingPunct="1"/>
-            <a:endParaRPr lang="zh-CN" altLang="en-US" smtClean="0"/>
-          </a:p>
-        </p:txBody>
-      </p:sp>
-      <p:pic>
-        <p:nvPicPr>
-          <p:cNvPr id="5126" name="Picture 6" descr="5t11"/>
-          <p:cNvPicPr>
-            <a:picLocks noChangeAspect="1" noChangeArrowheads="1"/>
-          </p:cNvPicPr>
-          <p:nvPr/>
-        </p:nvPicPr>
-        <p:blipFill>
-          <a:blip r:embed="rId2" cstate="print">
-            <a:extLst>
-              <a:ext uri="{28A0092B-C50C-407E-A947-70E740481C1C}">
-                <a14:useLocalDpi xmlns:a14="http://schemas.microsoft.com/office/drawing/2010/main" val="0"/>
-              </a:ext>
-            </a:extLst>
-          </a:blip>
-          <a:srcRect/>
-          <a:stretch>
-            <a:fillRect/>
-          </a:stretch>
-        </p:blipFill>
-        <p:spPr bwMode="auto">
-          <a:xfrm>
-            <a:off x="357188" y="2500313"/>
-            <a:ext cx="8537575" cy="2214562"/>
-          </a:xfrm>
-          <a:prstGeom prst="rect">
-            <a:avLst/>
-          </a:prstGeom>
-          <a:noFill/>
-          <a:ln>
-            <a:noFill/>
-          </a:ln>
-          <a:extLst>
-            <a:ext uri="{909E8E84-426E-40DD-AFC4-6F175D3DCCD1}">
-              <a14:hiddenFill xmlns:a14="http://schemas.microsoft.com/office/drawing/2010/main">
-                <a:solidFill>
-                  <a:srgbClr val="FFFFFF"/>
-                </a:solidFill>
-              </a14:hiddenFill>
-            </a:ext>
-            <a:ext uri="{91240B29-F687-4F45-9708-019B960494DF}">
-              <a14:hiddenLine xmlns:a14="http://schemas.microsoft.com/office/drawing/2010/main" w="9525">
-                <a:solidFill>
-                  <a:srgbClr val="000000"/>
-                </a:solidFill>
-                <a:miter lim="800000"/>
-                <a:headEnd/>
-                <a:tailEnd/>
-              </a14:hiddenLine>
-            </a:ext>
-          </a:extLst>
-        </p:spPr>
-      </p:pic>
-    </p:spTree>
-  </p:cSld>
-  <p:clrMapOvr>
-    <a:masterClrMapping/>
-  </p:clrMapOvr>
-  <p:transition/>
-  <p:timing>
-    <p:tnLst>
-      <p:par>
-        <p:cTn id="1" dur="indefinite" restart="never" nodeType="tmRoot"/>
-      </p:par>
-    </p:tnLst>
-  </p:timing>
-</p:sld>
-</file>
-
-<file path=ppt/slides/slide30.xml><?xml version="1.0" encoding="utf-8"?>
-<p:sld xmlns:a="http://schemas.openxmlformats.org/drawingml/2006/main" xmlns:r="http://schemas.openxmlformats.org/officeDocument/2006/relationships" xmlns:p="http://schemas.openxmlformats.org/presentationml/2006/main">
-  <p:cSld>
-    <p:spTree>
-      <p:nvGrpSpPr>
-        <p:cNvPr id="1" name=""/>
-        <p:cNvGrpSpPr/>
-        <p:nvPr/>
-      </p:nvGrpSpPr>
-      <p:grpSpPr>
-        <a:xfrm>
-          <a:off x="0" y="0"/>
-          <a:ext cx="0" cy="0"/>
-          <a:chOff x="0" y="0"/>
-          <a:chExt cx="0" cy="0"/>
-        </a:xfrm>
-      </p:grpSpPr>
-      <p:sp>
-        <p:nvSpPr>
-          <p:cNvPr id="31746" name="灯片编号占位符 5"/>
-          <p:cNvSpPr>
-            <a:spLocks noGrp="1"/>
-          </p:cNvSpPr>
-          <p:nvPr>
-            <p:ph type="sldNum" sz="quarter" idx="12"/>
-          </p:nvPr>
-        </p:nvSpPr>
-        <p:spPr>
-          <a:noFill/>
-          <a:ln/>
-          <a:extLst>
-            <a:ext uri="{909E8E84-426E-40DD-AFC4-6F175D3DCCD1}">
-              <a14:hiddenFill xmlns:a14="http://schemas.microsoft.com/office/drawing/2010/main">
-                <a:solidFill>
-                  <a:srgbClr val="FFFFFF"/>
-                </a:solidFill>
-              </a14:hiddenFill>
-            </a:ext>
-            <a:ext uri="{91240B29-F687-4F45-9708-019B960494DF}">
-              <a14:hiddenLine xmlns:a14="http://schemas.microsoft.com/office/drawing/2010/main" w="9525">
-                <a:solidFill>
-                  <a:srgbClr val="000000"/>
-                </a:solidFill>
-                <a:miter lim="800000"/>
-                <a:headEnd/>
-                <a:tailEnd/>
-              </a14:hiddenLine>
-            </a:ext>
-          </a:extLst>
-        </p:spPr>
-        <p:txBody>
-          <a:bodyPr/>
-          <a:lstStyle>
-            <a:lvl1pPr eaLnBrk="0" hangingPunct="0">
-              <a:defRPr>
-                <a:solidFill>
-                  <a:schemeClr val="tx1"/>
-                </a:solidFill>
-                <a:latin typeface="Verdana" pitchFamily="34" charset="0"/>
-                <a:ea typeface="宋体" charset="-122"/>
-              </a:defRPr>
-            </a:lvl1pPr>
-            <a:lvl2pPr marL="742950" indent="-285750" eaLnBrk="0" hangingPunct="0">
-              <a:defRPr>
-                <a:solidFill>
-                  <a:schemeClr val="tx1"/>
-                </a:solidFill>
-                <a:latin typeface="Verdana" pitchFamily="34" charset="0"/>
-                <a:ea typeface="宋体" charset="-122"/>
-              </a:defRPr>
-            </a:lvl2pPr>
-            <a:lvl3pPr marL="1143000" indent="-228600" eaLnBrk="0" hangingPunct="0">
-              <a:defRPr>
-                <a:solidFill>
-                  <a:schemeClr val="tx1"/>
-                </a:solidFill>
-                <a:latin typeface="Verdana" pitchFamily="34" charset="0"/>
-                <a:ea typeface="宋体" charset="-122"/>
-              </a:defRPr>
-            </a:lvl3pPr>
-            <a:lvl4pPr marL="1600200" indent="-228600" eaLnBrk="0" hangingPunct="0">
-              <a:defRPr>
-                <a:solidFill>
-                  <a:schemeClr val="tx1"/>
-                </a:solidFill>
-                <a:latin typeface="Verdana" pitchFamily="34" charset="0"/>
-                <a:ea typeface="宋体" charset="-122"/>
-              </a:defRPr>
-            </a:lvl4pPr>
-            <a:lvl5pPr marL="2057400" indent="-228600" eaLnBrk="0" hangingPunct="0">
-              <a:defRPr>
-                <a:solidFill>
-                  <a:schemeClr val="tx1"/>
-                </a:solidFill>
-                <a:latin typeface="Verdana" pitchFamily="34" charset="0"/>
-                <a:ea typeface="宋体" charset="-122"/>
-              </a:defRPr>
-            </a:lvl5pPr>
-            <a:lvl6pPr marL="2514600" indent="-228600" eaLnBrk="0" fontAlgn="base" hangingPunct="0">
-              <a:spcBef>
-                <a:spcPct val="0"/>
-              </a:spcBef>
-              <a:spcAft>
-                <a:spcPct val="0"/>
-              </a:spcAft>
-              <a:defRPr>
-                <a:solidFill>
-                  <a:schemeClr val="tx1"/>
-                </a:solidFill>
-                <a:latin typeface="Verdana" pitchFamily="34" charset="0"/>
-                <a:ea typeface="宋体" charset="-122"/>
-              </a:defRPr>
-            </a:lvl6pPr>
-            <a:lvl7pPr marL="2971800" indent="-228600" eaLnBrk="0" fontAlgn="base" hangingPunct="0">
-              <a:spcBef>
-                <a:spcPct val="0"/>
-              </a:spcBef>
-              <a:spcAft>
-                <a:spcPct val="0"/>
-              </a:spcAft>
-              <a:defRPr>
-                <a:solidFill>
-                  <a:schemeClr val="tx1"/>
-                </a:solidFill>
-                <a:latin typeface="Verdana" pitchFamily="34" charset="0"/>
-                <a:ea typeface="宋体" charset="-122"/>
-              </a:defRPr>
-            </a:lvl7pPr>
-            <a:lvl8pPr marL="3429000" indent="-228600" eaLnBrk="0" fontAlgn="base" hangingPunct="0">
-              <a:spcBef>
-                <a:spcPct val="0"/>
-              </a:spcBef>
-              <a:spcAft>
-                <a:spcPct val="0"/>
-              </a:spcAft>
-              <a:defRPr>
-                <a:solidFill>
-                  <a:schemeClr val="tx1"/>
-                </a:solidFill>
-                <a:latin typeface="Verdana" pitchFamily="34" charset="0"/>
-                <a:ea typeface="宋体" charset="-122"/>
-              </a:defRPr>
-            </a:lvl8pPr>
-            <a:lvl9pPr marL="3886200" indent="-228600" eaLnBrk="0" fontAlgn="base" hangingPunct="0">
-              <a:spcBef>
-                <a:spcPct val="0"/>
-              </a:spcBef>
-              <a:spcAft>
-                <a:spcPct val="0"/>
-              </a:spcAft>
-              <a:defRPr>
-                <a:solidFill>
-                  <a:schemeClr val="tx1"/>
-                </a:solidFill>
-                <a:latin typeface="Verdana" pitchFamily="34" charset="0"/>
-                <a:ea typeface="宋体" charset="-122"/>
-              </a:defRPr>
-            </a:lvl9pPr>
-          </a:lstStyle>
-          <a:p>
-            <a:pPr eaLnBrk="1" hangingPunct="1"/>
-            <a:fld id="{311B9840-9D88-44C8-9EFE-DC09DEB16F7D}" type="slidenum">
-              <a:rPr lang="en-US" altLang="zh-CN" smtClean="0"/>
-              <a:pPr eaLnBrk="1" hangingPunct="1"/>
-              <a:t>30</a:t>
-            </a:fld>
-            <a:endParaRPr lang="en-US" altLang="zh-CN" smtClean="0"/>
-          </a:p>
-        </p:txBody>
-      </p:sp>
-      <p:sp>
-        <p:nvSpPr>
-          <p:cNvPr id="31747" name="Rectangle 2"/>
-          <p:cNvSpPr>
-            <a:spLocks noGrp="1" noChangeArrowheads="1"/>
-          </p:cNvSpPr>
-          <p:nvPr>
-            <p:ph type="title"/>
-          </p:nvPr>
-        </p:nvSpPr>
-        <p:spPr/>
-        <p:txBody>
-          <a:bodyPr/>
-          <a:lstStyle/>
-          <a:p>
-            <a:pPr eaLnBrk="1" hangingPunct="1"/>
-            <a:r>
-              <a:rPr lang="en-US" altLang="zh-CN" b="1" smtClean="0">
-                <a:latin typeface="黑体" pitchFamily="49" charset="-122"/>
-                <a:ea typeface="黑体" pitchFamily="49" charset="-122"/>
-              </a:rPr>
-              <a:t>5.3 </a:t>
-            </a:r>
-            <a:r>
-              <a:rPr lang="zh-CN" altLang="en-US" b="1" smtClean="0">
-                <a:latin typeface="黑体" pitchFamily="49" charset="-122"/>
-                <a:ea typeface="黑体" pitchFamily="49" charset="-122"/>
-              </a:rPr>
-              <a:t>对判定的测试</a:t>
-            </a:r>
-          </a:p>
-        </p:txBody>
-      </p:sp>
-      <p:sp>
-        <p:nvSpPr>
-          <p:cNvPr id="31748" name="Rectangle 3"/>
+          <p:cNvPr id="71684" name="Rectangle 3"/>
           <p:cNvSpPr>
             <a:spLocks noGrp="1" noChangeArrowheads="1"/>
           </p:cNvSpPr>
@@ -14392,7 +14746,7 @@
       </p:sp>
       <p:pic>
         <p:nvPicPr>
-          <p:cNvPr id="31750" name="Picture 2"/>
+          <p:cNvPr id="71686" name="Picture 2"/>
           <p:cNvPicPr>
             <a:picLocks noChangeAspect="1" noChangeArrowheads="1"/>
           </p:cNvPicPr>
@@ -14445,596 +14799,11 @@
         </p:spPr>
       </p:pic>
     </p:spTree>
-  </p:cSld>
-  <p:clrMapOvr>
-    <a:masterClrMapping/>
-  </p:clrMapOvr>
-  <p:transition/>
-</p:sld>
-</file>
-
-<file path=ppt/slides/slide31.xml><?xml version="1.0" encoding="utf-8"?>
-<p:sld xmlns:a="http://schemas.openxmlformats.org/drawingml/2006/main" xmlns:r="http://schemas.openxmlformats.org/officeDocument/2006/relationships" xmlns:p="http://schemas.openxmlformats.org/presentationml/2006/main">
-  <p:cSld>
-    <p:spTree>
-      <p:nvGrpSpPr>
-        <p:cNvPr id="1" name=""/>
-        <p:cNvGrpSpPr/>
-        <p:nvPr/>
-      </p:nvGrpSpPr>
-      <p:grpSpPr>
-        <a:xfrm>
-          <a:off x="0" y="0"/>
-          <a:ext cx="0" cy="0"/>
-          <a:chOff x="0" y="0"/>
-          <a:chExt cx="0" cy="0"/>
-        </a:xfrm>
-      </p:grpSpPr>
-      <p:sp>
-        <p:nvSpPr>
-          <p:cNvPr id="32770" name="灯片编号占位符 5"/>
-          <p:cNvSpPr>
-            <a:spLocks noGrp="1"/>
-          </p:cNvSpPr>
-          <p:nvPr>
-            <p:ph type="sldNum" sz="quarter" idx="12"/>
-          </p:nvPr>
-        </p:nvSpPr>
-        <p:spPr>
-          <a:noFill/>
-          <a:ln/>
-          <a:extLst>
-            <a:ext uri="{909E8E84-426E-40DD-AFC4-6F175D3DCCD1}">
-              <a14:hiddenFill xmlns:a14="http://schemas.microsoft.com/office/drawing/2010/main">
-                <a:solidFill>
-                  <a:srgbClr val="FFFFFF"/>
-                </a:solidFill>
-              </a14:hiddenFill>
-            </a:ext>
-            <a:ext uri="{91240B29-F687-4F45-9708-019B960494DF}">
-              <a14:hiddenLine xmlns:a14="http://schemas.microsoft.com/office/drawing/2010/main" w="9525">
-                <a:solidFill>
-                  <a:srgbClr val="000000"/>
-                </a:solidFill>
-                <a:miter lim="800000"/>
-                <a:headEnd/>
-                <a:tailEnd/>
-              </a14:hiddenLine>
-            </a:ext>
-          </a:extLst>
-        </p:spPr>
-        <p:txBody>
-          <a:bodyPr/>
-          <a:lstStyle>
-            <a:lvl1pPr eaLnBrk="0" hangingPunct="0">
-              <a:defRPr>
-                <a:solidFill>
-                  <a:schemeClr val="tx1"/>
-                </a:solidFill>
-                <a:latin typeface="Verdana" pitchFamily="34" charset="0"/>
-                <a:ea typeface="宋体" charset="-122"/>
-              </a:defRPr>
-            </a:lvl1pPr>
-            <a:lvl2pPr marL="742950" indent="-285750" eaLnBrk="0" hangingPunct="0">
-              <a:defRPr>
-                <a:solidFill>
-                  <a:schemeClr val="tx1"/>
-                </a:solidFill>
-                <a:latin typeface="Verdana" pitchFamily="34" charset="0"/>
-                <a:ea typeface="宋体" charset="-122"/>
-              </a:defRPr>
-            </a:lvl2pPr>
-            <a:lvl3pPr marL="1143000" indent="-228600" eaLnBrk="0" hangingPunct="0">
-              <a:defRPr>
-                <a:solidFill>
-                  <a:schemeClr val="tx1"/>
-                </a:solidFill>
-                <a:latin typeface="Verdana" pitchFamily="34" charset="0"/>
-                <a:ea typeface="宋体" charset="-122"/>
-              </a:defRPr>
-            </a:lvl3pPr>
-            <a:lvl4pPr marL="1600200" indent="-228600" eaLnBrk="0" hangingPunct="0">
-              <a:defRPr>
-                <a:solidFill>
-                  <a:schemeClr val="tx1"/>
-                </a:solidFill>
-                <a:latin typeface="Verdana" pitchFamily="34" charset="0"/>
-                <a:ea typeface="宋体" charset="-122"/>
-              </a:defRPr>
-            </a:lvl4pPr>
-            <a:lvl5pPr marL="2057400" indent="-228600" eaLnBrk="0" hangingPunct="0">
-              <a:defRPr>
-                <a:solidFill>
-                  <a:schemeClr val="tx1"/>
-                </a:solidFill>
-                <a:latin typeface="Verdana" pitchFamily="34" charset="0"/>
-                <a:ea typeface="宋体" charset="-122"/>
-              </a:defRPr>
-            </a:lvl5pPr>
-            <a:lvl6pPr marL="2514600" indent="-228600" eaLnBrk="0" fontAlgn="base" hangingPunct="0">
-              <a:spcBef>
-                <a:spcPct val="0"/>
-              </a:spcBef>
-              <a:spcAft>
-                <a:spcPct val="0"/>
-              </a:spcAft>
-              <a:defRPr>
-                <a:solidFill>
-                  <a:schemeClr val="tx1"/>
-                </a:solidFill>
-                <a:latin typeface="Verdana" pitchFamily="34" charset="0"/>
-                <a:ea typeface="宋体" charset="-122"/>
-              </a:defRPr>
-            </a:lvl6pPr>
-            <a:lvl7pPr marL="2971800" indent="-228600" eaLnBrk="0" fontAlgn="base" hangingPunct="0">
-              <a:spcBef>
-                <a:spcPct val="0"/>
-              </a:spcBef>
-              <a:spcAft>
-                <a:spcPct val="0"/>
-              </a:spcAft>
-              <a:defRPr>
-                <a:solidFill>
-                  <a:schemeClr val="tx1"/>
-                </a:solidFill>
-                <a:latin typeface="Verdana" pitchFamily="34" charset="0"/>
-                <a:ea typeface="宋体" charset="-122"/>
-              </a:defRPr>
-            </a:lvl7pPr>
-            <a:lvl8pPr marL="3429000" indent="-228600" eaLnBrk="0" fontAlgn="base" hangingPunct="0">
-              <a:spcBef>
-                <a:spcPct val="0"/>
-              </a:spcBef>
-              <a:spcAft>
-                <a:spcPct val="0"/>
-              </a:spcAft>
-              <a:defRPr>
-                <a:solidFill>
-                  <a:schemeClr val="tx1"/>
-                </a:solidFill>
-                <a:latin typeface="Verdana" pitchFamily="34" charset="0"/>
-                <a:ea typeface="宋体" charset="-122"/>
-              </a:defRPr>
-            </a:lvl8pPr>
-            <a:lvl9pPr marL="3886200" indent="-228600" eaLnBrk="0" fontAlgn="base" hangingPunct="0">
-              <a:spcBef>
-                <a:spcPct val="0"/>
-              </a:spcBef>
-              <a:spcAft>
-                <a:spcPct val="0"/>
-              </a:spcAft>
-              <a:defRPr>
-                <a:solidFill>
-                  <a:schemeClr val="tx1"/>
-                </a:solidFill>
-                <a:latin typeface="Verdana" pitchFamily="34" charset="0"/>
-                <a:ea typeface="宋体" charset="-122"/>
-              </a:defRPr>
-            </a:lvl9pPr>
-          </a:lstStyle>
-          <a:p>
-            <a:pPr eaLnBrk="1" hangingPunct="1"/>
-            <a:fld id="{23EC4263-25EC-4B22-A87E-A7C979D85ABA}" type="slidenum">
-              <a:rPr lang="en-US" altLang="zh-CN" smtClean="0"/>
-              <a:pPr eaLnBrk="1" hangingPunct="1"/>
-              <a:t>31</a:t>
-            </a:fld>
-            <a:endParaRPr lang="en-US" altLang="zh-CN" smtClean="0"/>
-          </a:p>
-        </p:txBody>
-      </p:sp>
-      <p:sp>
-        <p:nvSpPr>
-          <p:cNvPr id="32771" name="Rectangle 2"/>
-          <p:cNvSpPr>
-            <a:spLocks noGrp="1" noChangeArrowheads="1"/>
-          </p:cNvSpPr>
-          <p:nvPr>
-            <p:ph type="title"/>
-          </p:nvPr>
-        </p:nvSpPr>
-        <p:spPr/>
-        <p:txBody>
-          <a:bodyPr/>
-          <a:lstStyle/>
-          <a:p>
-            <a:pPr eaLnBrk="1" hangingPunct="1"/>
-            <a:r>
-              <a:rPr lang="en-US" altLang="zh-CN" b="1" smtClean="0">
-                <a:latin typeface="黑体" pitchFamily="49" charset="-122"/>
-                <a:ea typeface="黑体" pitchFamily="49" charset="-122"/>
-              </a:rPr>
-              <a:t>5.3 </a:t>
-            </a:r>
-            <a:r>
-              <a:rPr lang="zh-CN" altLang="en-US" b="1" smtClean="0">
-                <a:latin typeface="黑体" pitchFamily="49" charset="-122"/>
-                <a:ea typeface="黑体" pitchFamily="49" charset="-122"/>
-              </a:rPr>
-              <a:t>对判定的测试</a:t>
-            </a:r>
-          </a:p>
-        </p:txBody>
-      </p:sp>
-      <p:sp>
-        <p:nvSpPr>
-          <p:cNvPr id="32772" name="Rectangle 3"/>
-          <p:cNvSpPr>
-            <a:spLocks noGrp="1" noChangeArrowheads="1"/>
-          </p:cNvSpPr>
-          <p:nvPr>
-            <p:ph type="body" idx="1"/>
-          </p:nvPr>
-        </p:nvSpPr>
-        <p:spPr/>
-        <p:txBody>
-          <a:bodyPr/>
-          <a:lstStyle/>
-          <a:p>
-            <a:pPr eaLnBrk="1" hangingPunct="1"/>
-            <a:r>
-              <a:rPr lang="zh-CN" altLang="en-US" sz="3800" b="1" smtClean="0">
-                <a:solidFill>
-                  <a:srgbClr val="0000FF"/>
-                </a:solidFill>
-                <a:ea typeface="华文新魏" pitchFamily="2" charset="-122"/>
-              </a:rPr>
-              <a:t>测试分析</a:t>
-            </a:r>
-            <a:endParaRPr lang="en-US" altLang="zh-CN" sz="3800" b="1" smtClean="0">
-              <a:solidFill>
-                <a:srgbClr val="0000FF"/>
-              </a:solidFill>
-              <a:ea typeface="华文新魏" pitchFamily="2" charset="-122"/>
-            </a:endParaRPr>
-          </a:p>
-          <a:p>
-            <a:pPr lvl="1" eaLnBrk="1" hangingPunct="1"/>
-            <a:r>
-              <a:rPr lang="zh-CN" altLang="en-US" sz="3400" b="1" smtClean="0">
-                <a:solidFill>
-                  <a:srgbClr val="0000FF"/>
-                </a:solidFill>
-                <a:ea typeface="华文新魏" pitchFamily="2" charset="-122"/>
-              </a:rPr>
-              <a:t>仅靠判定覆盖或条件覆盖指标只能保证测试到对应这些分支，但并不能深入理解各判定节点在实现函数功能方面所起到的关键作用</a:t>
-            </a:r>
-            <a:endParaRPr lang="en-US" altLang="zh-CN" sz="3400" b="1" smtClean="0">
-              <a:solidFill>
-                <a:srgbClr val="0000FF"/>
-              </a:solidFill>
-              <a:ea typeface="华文新魏" pitchFamily="2" charset="-122"/>
-            </a:endParaRPr>
-          </a:p>
-          <a:p>
-            <a:pPr lvl="1" eaLnBrk="1" hangingPunct="1"/>
-            <a:r>
-              <a:rPr lang="zh-CN" altLang="en-US" sz="3400" b="1" smtClean="0">
-                <a:solidFill>
-                  <a:srgbClr val="0000FF"/>
-                </a:solidFill>
-                <a:ea typeface="华文新魏" pitchFamily="2" charset="-122"/>
-              </a:rPr>
-              <a:t>若引入条件组合覆盖，测试工作量往往又是测试人员所难以承受的</a:t>
-            </a:r>
-            <a:endParaRPr lang="en-US" altLang="zh-CN" sz="3400" b="1" smtClean="0">
-              <a:solidFill>
-                <a:srgbClr val="0000FF"/>
-              </a:solidFill>
-              <a:ea typeface="华文新魏" pitchFamily="2" charset="-122"/>
-            </a:endParaRPr>
-          </a:p>
-        </p:txBody>
-      </p:sp>
-    </p:spTree>
-  </p:cSld>
-  <p:clrMapOvr>
-    <a:masterClrMapping/>
-  </p:clrMapOvr>
-  <p:transition/>
-</p:sld>
-</file>
-
-<file path=ppt/slides/slide32.xml><?xml version="1.0" encoding="utf-8"?>
-<p:sld xmlns:a="http://schemas.openxmlformats.org/drawingml/2006/main" xmlns:r="http://schemas.openxmlformats.org/officeDocument/2006/relationships" xmlns:p="http://schemas.openxmlformats.org/presentationml/2006/main">
-  <p:cSld>
-    <p:spTree>
-      <p:nvGrpSpPr>
-        <p:cNvPr id="1" name=""/>
-        <p:cNvGrpSpPr/>
-        <p:nvPr/>
-      </p:nvGrpSpPr>
-      <p:grpSpPr>
-        <a:xfrm>
-          <a:off x="0" y="0"/>
-          <a:ext cx="0" cy="0"/>
-          <a:chOff x="0" y="0"/>
-          <a:chExt cx="0" cy="0"/>
-        </a:xfrm>
-      </p:grpSpPr>
-      <p:sp>
-        <p:nvSpPr>
-          <p:cNvPr id="33794" name="灯片编号占位符 5"/>
-          <p:cNvSpPr>
-            <a:spLocks noGrp="1"/>
-          </p:cNvSpPr>
-          <p:nvPr>
-            <p:ph type="sldNum" sz="quarter" idx="12"/>
-          </p:nvPr>
-        </p:nvSpPr>
-        <p:spPr>
-          <a:noFill/>
-          <a:ln/>
-          <a:extLst>
-            <a:ext uri="{909E8E84-426E-40DD-AFC4-6F175D3DCCD1}">
-              <a14:hiddenFill xmlns:a14="http://schemas.microsoft.com/office/drawing/2010/main">
-                <a:solidFill>
-                  <a:srgbClr val="FFFFFF"/>
-                </a:solidFill>
-              </a14:hiddenFill>
-            </a:ext>
-            <a:ext uri="{91240B29-F687-4F45-9708-019B960494DF}">
-              <a14:hiddenLine xmlns:a14="http://schemas.microsoft.com/office/drawing/2010/main" w="9525">
-                <a:solidFill>
-                  <a:srgbClr val="000000"/>
-                </a:solidFill>
-                <a:miter lim="800000"/>
-                <a:headEnd/>
-                <a:tailEnd/>
-              </a14:hiddenLine>
-            </a:ext>
-          </a:extLst>
-        </p:spPr>
-        <p:txBody>
-          <a:bodyPr/>
-          <a:lstStyle>
-            <a:lvl1pPr eaLnBrk="0" hangingPunct="0">
-              <a:defRPr>
-                <a:solidFill>
-                  <a:schemeClr val="tx1"/>
-                </a:solidFill>
-                <a:latin typeface="Verdana" pitchFamily="34" charset="0"/>
-                <a:ea typeface="宋体" charset="-122"/>
-              </a:defRPr>
-            </a:lvl1pPr>
-            <a:lvl2pPr marL="742950" indent="-285750" eaLnBrk="0" hangingPunct="0">
-              <a:defRPr>
-                <a:solidFill>
-                  <a:schemeClr val="tx1"/>
-                </a:solidFill>
-                <a:latin typeface="Verdana" pitchFamily="34" charset="0"/>
-                <a:ea typeface="宋体" charset="-122"/>
-              </a:defRPr>
-            </a:lvl2pPr>
-            <a:lvl3pPr marL="1143000" indent="-228600" eaLnBrk="0" hangingPunct="0">
-              <a:defRPr>
-                <a:solidFill>
-                  <a:schemeClr val="tx1"/>
-                </a:solidFill>
-                <a:latin typeface="Verdana" pitchFamily="34" charset="0"/>
-                <a:ea typeface="宋体" charset="-122"/>
-              </a:defRPr>
-            </a:lvl3pPr>
-            <a:lvl4pPr marL="1600200" indent="-228600" eaLnBrk="0" hangingPunct="0">
-              <a:defRPr>
-                <a:solidFill>
-                  <a:schemeClr val="tx1"/>
-                </a:solidFill>
-                <a:latin typeface="Verdana" pitchFamily="34" charset="0"/>
-                <a:ea typeface="宋体" charset="-122"/>
-              </a:defRPr>
-            </a:lvl4pPr>
-            <a:lvl5pPr marL="2057400" indent="-228600" eaLnBrk="0" hangingPunct="0">
-              <a:defRPr>
-                <a:solidFill>
-                  <a:schemeClr val="tx1"/>
-                </a:solidFill>
-                <a:latin typeface="Verdana" pitchFamily="34" charset="0"/>
-                <a:ea typeface="宋体" charset="-122"/>
-              </a:defRPr>
-            </a:lvl5pPr>
-            <a:lvl6pPr marL="2514600" indent="-228600" eaLnBrk="0" fontAlgn="base" hangingPunct="0">
-              <a:spcBef>
-                <a:spcPct val="0"/>
-              </a:spcBef>
-              <a:spcAft>
-                <a:spcPct val="0"/>
-              </a:spcAft>
-              <a:defRPr>
-                <a:solidFill>
-                  <a:schemeClr val="tx1"/>
-                </a:solidFill>
-                <a:latin typeface="Verdana" pitchFamily="34" charset="0"/>
-                <a:ea typeface="宋体" charset="-122"/>
-              </a:defRPr>
-            </a:lvl6pPr>
-            <a:lvl7pPr marL="2971800" indent="-228600" eaLnBrk="0" fontAlgn="base" hangingPunct="0">
-              <a:spcBef>
-                <a:spcPct val="0"/>
-              </a:spcBef>
-              <a:spcAft>
-                <a:spcPct val="0"/>
-              </a:spcAft>
-              <a:defRPr>
-                <a:solidFill>
-                  <a:schemeClr val="tx1"/>
-                </a:solidFill>
-                <a:latin typeface="Verdana" pitchFamily="34" charset="0"/>
-                <a:ea typeface="宋体" charset="-122"/>
-              </a:defRPr>
-            </a:lvl7pPr>
-            <a:lvl8pPr marL="3429000" indent="-228600" eaLnBrk="0" fontAlgn="base" hangingPunct="0">
-              <a:spcBef>
-                <a:spcPct val="0"/>
-              </a:spcBef>
-              <a:spcAft>
-                <a:spcPct val="0"/>
-              </a:spcAft>
-              <a:defRPr>
-                <a:solidFill>
-                  <a:schemeClr val="tx1"/>
-                </a:solidFill>
-                <a:latin typeface="Verdana" pitchFamily="34" charset="0"/>
-                <a:ea typeface="宋体" charset="-122"/>
-              </a:defRPr>
-            </a:lvl8pPr>
-            <a:lvl9pPr marL="3886200" indent="-228600" eaLnBrk="0" fontAlgn="base" hangingPunct="0">
-              <a:spcBef>
-                <a:spcPct val="0"/>
-              </a:spcBef>
-              <a:spcAft>
-                <a:spcPct val="0"/>
-              </a:spcAft>
-              <a:defRPr>
-                <a:solidFill>
-                  <a:schemeClr val="tx1"/>
-                </a:solidFill>
-                <a:latin typeface="Verdana" pitchFamily="34" charset="0"/>
-                <a:ea typeface="宋体" charset="-122"/>
-              </a:defRPr>
-            </a:lvl9pPr>
-          </a:lstStyle>
-          <a:p>
-            <a:pPr eaLnBrk="1" hangingPunct="1"/>
-            <a:fld id="{66C6CDEB-B40A-4A35-A09C-EED8FEADBE9C}" type="slidenum">
-              <a:rPr lang="en-US" altLang="zh-CN" smtClean="0"/>
-              <a:pPr eaLnBrk="1" hangingPunct="1"/>
-              <a:t>32</a:t>
-            </a:fld>
-            <a:endParaRPr lang="en-US" altLang="zh-CN" smtClean="0"/>
-          </a:p>
-        </p:txBody>
-      </p:sp>
-      <p:sp>
-        <p:nvSpPr>
-          <p:cNvPr id="33795" name="Rectangle 2"/>
-          <p:cNvSpPr>
-            <a:spLocks noGrp="1" noChangeArrowheads="1"/>
-          </p:cNvSpPr>
-          <p:nvPr>
-            <p:ph type="title"/>
-          </p:nvPr>
-        </p:nvSpPr>
-        <p:spPr/>
-        <p:txBody>
-          <a:bodyPr/>
-          <a:lstStyle/>
-          <a:p>
-            <a:pPr eaLnBrk="1" hangingPunct="1"/>
-            <a:r>
-              <a:rPr lang="en-US" altLang="zh-CN" b="1" smtClean="0">
-                <a:latin typeface="黑体" pitchFamily="49" charset="-122"/>
-                <a:ea typeface="黑体" pitchFamily="49" charset="-122"/>
-              </a:rPr>
-              <a:t>5.3 </a:t>
-            </a:r>
-            <a:r>
-              <a:rPr lang="zh-CN" altLang="en-US" b="1" smtClean="0">
-                <a:latin typeface="黑体" pitchFamily="49" charset="-122"/>
-                <a:ea typeface="黑体" pitchFamily="49" charset="-122"/>
-              </a:rPr>
-              <a:t>对判定的测试</a:t>
-            </a:r>
-          </a:p>
-        </p:txBody>
-      </p:sp>
-      <p:sp>
-        <p:nvSpPr>
-          <p:cNvPr id="33796" name="Rectangle 3"/>
-          <p:cNvSpPr>
-            <a:spLocks noGrp="1" noChangeArrowheads="1"/>
-          </p:cNvSpPr>
-          <p:nvPr>
-            <p:ph type="body" idx="1"/>
-          </p:nvPr>
-        </p:nvSpPr>
-        <p:spPr/>
-        <p:txBody>
-          <a:bodyPr/>
-          <a:lstStyle/>
-          <a:p>
-            <a:pPr algn="just" eaLnBrk="1" hangingPunct="1"/>
-            <a:r>
-              <a:rPr lang="zh-CN" altLang="en-US" sz="3400" b="1" smtClean="0"/>
-              <a:t>小结</a:t>
-            </a:r>
-            <a:endParaRPr lang="en-US" altLang="zh-CN" sz="3400" b="1" smtClean="0"/>
-          </a:p>
-          <a:p>
-            <a:pPr lvl="1" algn="just" eaLnBrk="1" hangingPunct="1"/>
-            <a:r>
-              <a:rPr lang="zh-CN" altLang="en-US" b="1" smtClean="0"/>
-              <a:t>主要是通过考察源代码中复合判定表达式或构成复合判定表达式的各简单判定条件的所有取值情况，来保证判定表达式的正确性</a:t>
-            </a:r>
-            <a:endParaRPr lang="en-US" altLang="zh-CN" b="1" smtClean="0"/>
-          </a:p>
-          <a:p>
-            <a:pPr lvl="1"/>
-            <a:r>
-              <a:rPr lang="zh-CN" altLang="en-US" b="1" smtClean="0"/>
-              <a:t>避免测试数据受到复合判定表达式中的“与”、“或”关系的屏蔽效应；</a:t>
-            </a:r>
-          </a:p>
-          <a:p>
-            <a:pPr lvl="1"/>
-            <a:r>
-              <a:rPr lang="zh-CN" altLang="en-US" b="1" smtClean="0"/>
-              <a:t>尽量结合边界值选择测试数据</a:t>
-            </a:r>
-          </a:p>
-        </p:txBody>
-      </p:sp>
-      <p:sp>
-        <p:nvSpPr>
-          <p:cNvPr id="33798" name="Rectangle 6"/>
-          <p:cNvSpPr>
-            <a:spLocks noChangeArrowheads="1"/>
-          </p:cNvSpPr>
-          <p:nvPr/>
-        </p:nvSpPr>
-        <p:spPr bwMode="auto">
-          <a:xfrm>
-            <a:off x="0" y="2476500"/>
-            <a:ext cx="9144000" cy="0"/>
-          </a:xfrm>
-          <a:prstGeom prst="rect">
-            <a:avLst/>
-          </a:prstGeom>
-          <a:noFill/>
-          <a:ln>
-            <a:noFill/>
-          </a:ln>
-          <a:extLst>
-            <a:ext uri="{909E8E84-426E-40DD-AFC4-6F175D3DCCD1}">
-              <a14:hiddenFill xmlns:a14="http://schemas.microsoft.com/office/drawing/2010/main">
-                <a:solidFill>
-                  <a:srgbClr val="FFFFFF"/>
-                </a:solidFill>
-              </a14:hiddenFill>
-            </a:ext>
-            <a:ext uri="{91240B29-F687-4F45-9708-019B960494DF}">
-              <a14:hiddenLine xmlns:a14="http://schemas.microsoft.com/office/drawing/2010/main" w="9525">
-                <a:solidFill>
-                  <a:srgbClr val="000000"/>
-                </a:solidFill>
-                <a:miter lim="800000"/>
-                <a:headEnd/>
-                <a:tailEnd/>
-              </a14:hiddenLine>
-            </a:ext>
-          </a:extLst>
-        </p:spPr>
-        <p:txBody>
-          <a:bodyPr wrap="none" anchor="ctr">
-            <a:spAutoFit/>
-          </a:bodyPr>
-          <a:lstStyle/>
-          <a:p>
-            <a:endParaRPr lang="zh-CN" altLang="en-US"/>
-          </a:p>
-        </p:txBody>
-      </p:sp>
-    </p:spTree>
+    <p:extLst>
+      <p:ext uri="{BB962C8B-B14F-4D97-AF65-F5344CB8AC3E}">
+        <p14:creationId xmlns:p14="http://schemas.microsoft.com/office/powerpoint/2010/main" val="2780557383"/>
+      </p:ext>
+    </p:extLst>
   </p:cSld>
   <p:clrMapOvr>
     <a:masterClrMapping/>
@@ -15062,52 +14831,7 @@
       </p:grpSpPr>
       <p:sp>
         <p:nvSpPr>
-          <p:cNvPr id="116738" name="标题 1"/>
-          <p:cNvSpPr>
-            <a:spLocks noGrp="1"/>
-          </p:cNvSpPr>
-          <p:nvPr>
-            <p:ph type="title"/>
-          </p:nvPr>
-        </p:nvSpPr>
-        <p:spPr/>
-        <p:txBody>
-          <a:bodyPr/>
-          <a:lstStyle/>
-          <a:p>
-            <a:pPr algn="ctr"/>
-            <a:r>
-              <a:rPr lang="zh-CN" altLang="en-US" b="1" smtClean="0">
-                <a:latin typeface="黑体" pitchFamily="49" charset="-122"/>
-                <a:ea typeface="黑体" pitchFamily="49" charset="-122"/>
-              </a:rPr>
-              <a:t>谢 谢</a:t>
-            </a:r>
-          </a:p>
-        </p:txBody>
-      </p:sp>
-      <p:sp>
-        <p:nvSpPr>
-          <p:cNvPr id="116739" name="内容占位符 2"/>
-          <p:cNvSpPr>
-            <a:spLocks noGrp="1"/>
-          </p:cNvSpPr>
-          <p:nvPr>
-            <p:ph idx="1"/>
-          </p:nvPr>
-        </p:nvSpPr>
-        <p:spPr/>
-        <p:txBody>
-          <a:bodyPr/>
-          <a:lstStyle/>
-          <a:p>
-            <a:endParaRPr lang="zh-CN" altLang="en-US" smtClean="0"/>
-          </a:p>
-        </p:txBody>
-      </p:sp>
-      <p:sp>
-        <p:nvSpPr>
-          <p:cNvPr id="116740" name="灯片编号占位符 3"/>
+          <p:cNvPr id="72706" name="灯片编号占位符 5"/>
           <p:cNvSpPr>
             <a:spLocks noGrp="1"/>
           </p:cNvSpPr>
@@ -15147,7 +14871,7 @@
                   <a:schemeClr val="tx1"/>
                 </a:solidFill>
                 <a:latin typeface="Verdana" pitchFamily="34" charset="0"/>
-                <a:ea typeface="宋体" charset="-122"/>
+                <a:ea typeface="宋体" pitchFamily="2" charset="-122"/>
               </a:defRPr>
             </a:lvl1pPr>
             <a:lvl2pPr marL="742950" indent="-285750" eaLnBrk="0" hangingPunct="0">
@@ -15156,7 +14880,7 @@
                   <a:schemeClr val="tx1"/>
                 </a:solidFill>
                 <a:latin typeface="Verdana" pitchFamily="34" charset="0"/>
-                <a:ea typeface="宋体" charset="-122"/>
+                <a:ea typeface="宋体" pitchFamily="2" charset="-122"/>
               </a:defRPr>
             </a:lvl2pPr>
             <a:lvl3pPr marL="1143000" indent="-228600" eaLnBrk="0" hangingPunct="0">
@@ -15165,7 +14889,7 @@
                   <a:schemeClr val="tx1"/>
                 </a:solidFill>
                 <a:latin typeface="Verdana" pitchFamily="34" charset="0"/>
-                <a:ea typeface="宋体" charset="-122"/>
+                <a:ea typeface="宋体" pitchFamily="2" charset="-122"/>
               </a:defRPr>
             </a:lvl3pPr>
             <a:lvl4pPr marL="1600200" indent="-228600" eaLnBrk="0" hangingPunct="0">
@@ -15174,7 +14898,7 @@
                   <a:schemeClr val="tx1"/>
                 </a:solidFill>
                 <a:latin typeface="Verdana" pitchFamily="34" charset="0"/>
-                <a:ea typeface="宋体" charset="-122"/>
+                <a:ea typeface="宋体" pitchFamily="2" charset="-122"/>
               </a:defRPr>
             </a:lvl4pPr>
             <a:lvl5pPr marL="2057400" indent="-228600" eaLnBrk="0" hangingPunct="0">
@@ -15183,7 +14907,7 @@
                   <a:schemeClr val="tx1"/>
                 </a:solidFill>
                 <a:latin typeface="Verdana" pitchFamily="34" charset="0"/>
-                <a:ea typeface="宋体" charset="-122"/>
+                <a:ea typeface="宋体" pitchFamily="2" charset="-122"/>
               </a:defRPr>
             </a:lvl5pPr>
             <a:lvl6pPr marL="2514600" indent="-228600" eaLnBrk="0" fontAlgn="base" hangingPunct="0">
@@ -15198,7 +14922,7 @@
                   <a:schemeClr val="tx1"/>
                 </a:solidFill>
                 <a:latin typeface="Verdana" pitchFamily="34" charset="0"/>
-                <a:ea typeface="宋体" charset="-122"/>
+                <a:ea typeface="宋体" pitchFamily="2" charset="-122"/>
               </a:defRPr>
             </a:lvl6pPr>
             <a:lvl7pPr marL="2971800" indent="-228600" eaLnBrk="0" fontAlgn="base" hangingPunct="0">
@@ -15213,7 +14937,7 @@
                   <a:schemeClr val="tx1"/>
                 </a:solidFill>
                 <a:latin typeface="Verdana" pitchFamily="34" charset="0"/>
-                <a:ea typeface="宋体" charset="-122"/>
+                <a:ea typeface="宋体" pitchFamily="2" charset="-122"/>
               </a:defRPr>
             </a:lvl7pPr>
             <a:lvl8pPr marL="3429000" indent="-228600" eaLnBrk="0" fontAlgn="base" hangingPunct="0">
@@ -15228,7 +14952,7 @@
                   <a:schemeClr val="tx1"/>
                 </a:solidFill>
                 <a:latin typeface="Verdana" pitchFamily="34" charset="0"/>
-                <a:ea typeface="宋体" charset="-122"/>
+                <a:ea typeface="宋体" pitchFamily="2" charset="-122"/>
               </a:defRPr>
             </a:lvl8pPr>
             <a:lvl9pPr marL="3886200" indent="-228600" eaLnBrk="0" fontAlgn="base" hangingPunct="0">
@@ -15243,18 +14967,434 @@
                   <a:schemeClr val="tx1"/>
                 </a:solidFill>
                 <a:latin typeface="Verdana" pitchFamily="34" charset="0"/>
-                <a:ea typeface="宋体" charset="-122"/>
+                <a:ea typeface="宋体" pitchFamily="2" charset="-122"/>
               </a:defRPr>
             </a:lvl9pPr>
           </a:lstStyle>
           <a:p>
             <a:pPr eaLnBrk="1" hangingPunct="1"/>
-            <a:fld id="{47BBDF7B-F768-4D32-9888-4E638ED8D6EB}" type="slidenum">
+            <a:fld id="{A9D2AC7D-770F-4BE7-B687-3579EE88C1E1}" type="slidenum">
               <a:rPr lang="en-US" altLang="zh-CN" smtClean="0"/>
               <a:pPr eaLnBrk="1" hangingPunct="1"/>
               <a:t>33</a:t>
             </a:fld>
             <a:endParaRPr lang="en-US" altLang="zh-CN" smtClean="0"/>
+          </a:p>
+        </p:txBody>
+      </p:sp>
+      <p:sp>
+        <p:nvSpPr>
+          <p:cNvPr id="72707" name="Rectangle 2"/>
+          <p:cNvSpPr>
+            <a:spLocks noGrp="1" noChangeArrowheads="1"/>
+          </p:cNvSpPr>
+          <p:nvPr>
+            <p:ph type="title"/>
+          </p:nvPr>
+        </p:nvSpPr>
+        <p:spPr/>
+        <p:txBody>
+          <a:bodyPr/>
+          <a:lstStyle/>
+          <a:p>
+            <a:pPr eaLnBrk="1" hangingPunct="1"/>
+            <a:r>
+              <a:rPr lang="en-US" altLang="zh-CN" b="1" dirty="0" smtClean="0">
+                <a:latin typeface="黑体" pitchFamily="2" charset="-122"/>
+                <a:ea typeface="黑体" pitchFamily="2" charset="-122"/>
+              </a:rPr>
+              <a:t>5.3 </a:t>
+            </a:r>
+            <a:r>
+              <a:rPr lang="zh-CN" altLang="en-US" b="1" dirty="0" smtClean="0">
+                <a:latin typeface="黑体" pitchFamily="2" charset="-122"/>
+                <a:ea typeface="黑体" pitchFamily="2" charset="-122"/>
+              </a:rPr>
+              <a:t>对判定的测试</a:t>
+            </a:r>
+          </a:p>
+        </p:txBody>
+      </p:sp>
+      <p:sp>
+        <p:nvSpPr>
+          <p:cNvPr id="72708" name="Rectangle 3"/>
+          <p:cNvSpPr>
+            <a:spLocks noGrp="1" noChangeArrowheads="1"/>
+          </p:cNvSpPr>
+          <p:nvPr>
+            <p:ph type="body" idx="1"/>
+          </p:nvPr>
+        </p:nvSpPr>
+        <p:spPr/>
+        <p:txBody>
+          <a:bodyPr/>
+          <a:lstStyle/>
+          <a:p>
+            <a:pPr eaLnBrk="1" hangingPunct="1"/>
+            <a:r>
+              <a:rPr lang="zh-CN" altLang="en-US" sz="3800" b="1" smtClean="0">
+                <a:solidFill>
+                  <a:srgbClr val="0000FF"/>
+                </a:solidFill>
+                <a:ea typeface="华文新魏" pitchFamily="2" charset="-122"/>
+              </a:rPr>
+              <a:t>测试分析</a:t>
+            </a:r>
+            <a:endParaRPr lang="en-US" altLang="zh-CN" sz="3800" b="1" smtClean="0">
+              <a:solidFill>
+                <a:srgbClr val="0000FF"/>
+              </a:solidFill>
+              <a:ea typeface="华文新魏" pitchFamily="2" charset="-122"/>
+            </a:endParaRPr>
+          </a:p>
+          <a:p>
+            <a:pPr lvl="1" eaLnBrk="1" hangingPunct="1"/>
+            <a:r>
+              <a:rPr lang="zh-CN" altLang="en-US" sz="3400" b="1" smtClean="0">
+                <a:solidFill>
+                  <a:srgbClr val="0000FF"/>
+                </a:solidFill>
+                <a:ea typeface="华文新魏" pitchFamily="2" charset="-122"/>
+              </a:rPr>
+              <a:t>仅靠判定覆盖或条件覆盖指标只能保证测试到对应这些分支，但并不能深入理解各判定节点在实现函数功能方面所起到的关键作用</a:t>
+            </a:r>
+            <a:endParaRPr lang="en-US" altLang="zh-CN" sz="3400" b="1" smtClean="0">
+              <a:solidFill>
+                <a:srgbClr val="0000FF"/>
+              </a:solidFill>
+              <a:ea typeface="华文新魏" pitchFamily="2" charset="-122"/>
+            </a:endParaRPr>
+          </a:p>
+          <a:p>
+            <a:pPr lvl="1" eaLnBrk="1" hangingPunct="1"/>
+            <a:r>
+              <a:rPr lang="zh-CN" altLang="en-US" sz="3400" b="1" smtClean="0">
+                <a:solidFill>
+                  <a:srgbClr val="0000FF"/>
+                </a:solidFill>
+                <a:ea typeface="华文新魏" pitchFamily="2" charset="-122"/>
+              </a:rPr>
+              <a:t>若引入条件组合覆盖，测试工作量往往又是测试人员所难以承受的</a:t>
+            </a:r>
+            <a:endParaRPr lang="en-US" altLang="zh-CN" sz="3400" b="1" smtClean="0">
+              <a:solidFill>
+                <a:srgbClr val="0000FF"/>
+              </a:solidFill>
+              <a:ea typeface="华文新魏" pitchFamily="2" charset="-122"/>
+            </a:endParaRPr>
+          </a:p>
+        </p:txBody>
+      </p:sp>
+    </p:spTree>
+    <p:extLst>
+      <p:ext uri="{BB962C8B-B14F-4D97-AF65-F5344CB8AC3E}">
+        <p14:creationId xmlns:p14="http://schemas.microsoft.com/office/powerpoint/2010/main" val="2222778773"/>
+      </p:ext>
+    </p:extLst>
+  </p:cSld>
+  <p:clrMapOvr>
+    <a:masterClrMapping/>
+  </p:clrMapOvr>
+  <p:transition/>
+</p:sld>
+</file>
+
+<file path=ppt/slides/slide34.xml><?xml version="1.0" encoding="utf-8"?>
+<p:sld xmlns:a="http://schemas.openxmlformats.org/drawingml/2006/main" xmlns:r="http://schemas.openxmlformats.org/officeDocument/2006/relationships" xmlns:p="http://schemas.openxmlformats.org/presentationml/2006/main">
+  <p:cSld>
+    <p:spTree>
+      <p:nvGrpSpPr>
+        <p:cNvPr id="1" name=""/>
+        <p:cNvGrpSpPr/>
+        <p:nvPr/>
+      </p:nvGrpSpPr>
+      <p:grpSpPr>
+        <a:xfrm>
+          <a:off x="0" y="0"/>
+          <a:ext cx="0" cy="0"/>
+          <a:chOff x="0" y="0"/>
+          <a:chExt cx="0" cy="0"/>
+        </a:xfrm>
+      </p:grpSpPr>
+      <p:sp>
+        <p:nvSpPr>
+          <p:cNvPr id="33794" name="灯片编号占位符 5"/>
+          <p:cNvSpPr>
+            <a:spLocks noGrp="1"/>
+          </p:cNvSpPr>
+          <p:nvPr>
+            <p:ph type="sldNum" sz="quarter" idx="12"/>
+          </p:nvPr>
+        </p:nvSpPr>
+        <p:spPr>
+          <a:noFill/>
+          <a:ln/>
+          <a:extLst>
+            <a:ext uri="{909E8E84-426E-40DD-AFC4-6F175D3DCCD1}">
+              <a14:hiddenFill xmlns:a14="http://schemas.microsoft.com/office/drawing/2010/main">
+                <a:solidFill>
+                  <a:srgbClr val="FFFFFF"/>
+                </a:solidFill>
+              </a14:hiddenFill>
+            </a:ext>
+            <a:ext uri="{91240B29-F687-4F45-9708-019B960494DF}">
+              <a14:hiddenLine xmlns:a14="http://schemas.microsoft.com/office/drawing/2010/main" w="9525">
+                <a:solidFill>
+                  <a:srgbClr val="000000"/>
+                </a:solidFill>
+                <a:miter lim="800000"/>
+                <a:headEnd/>
+                <a:tailEnd/>
+              </a14:hiddenLine>
+            </a:ext>
+          </a:extLst>
+        </p:spPr>
+        <p:txBody>
+          <a:bodyPr/>
+          <a:lstStyle>
+            <a:lvl1pPr eaLnBrk="0" hangingPunct="0">
+              <a:defRPr>
+                <a:solidFill>
+                  <a:schemeClr val="tx1"/>
+                </a:solidFill>
+                <a:latin typeface="Verdana" pitchFamily="34" charset="0"/>
+                <a:ea typeface="宋体" charset="-122"/>
+              </a:defRPr>
+            </a:lvl1pPr>
+            <a:lvl2pPr marL="742950" indent="-285750" eaLnBrk="0" hangingPunct="0">
+              <a:defRPr>
+                <a:solidFill>
+                  <a:schemeClr val="tx1"/>
+                </a:solidFill>
+                <a:latin typeface="Verdana" pitchFamily="34" charset="0"/>
+                <a:ea typeface="宋体" charset="-122"/>
+              </a:defRPr>
+            </a:lvl2pPr>
+            <a:lvl3pPr marL="1143000" indent="-228600" eaLnBrk="0" hangingPunct="0">
+              <a:defRPr>
+                <a:solidFill>
+                  <a:schemeClr val="tx1"/>
+                </a:solidFill>
+                <a:latin typeface="Verdana" pitchFamily="34" charset="0"/>
+                <a:ea typeface="宋体" charset="-122"/>
+              </a:defRPr>
+            </a:lvl3pPr>
+            <a:lvl4pPr marL="1600200" indent="-228600" eaLnBrk="0" hangingPunct="0">
+              <a:defRPr>
+                <a:solidFill>
+                  <a:schemeClr val="tx1"/>
+                </a:solidFill>
+                <a:latin typeface="Verdana" pitchFamily="34" charset="0"/>
+                <a:ea typeface="宋体" charset="-122"/>
+              </a:defRPr>
+            </a:lvl4pPr>
+            <a:lvl5pPr marL="2057400" indent="-228600" eaLnBrk="0" hangingPunct="0">
+              <a:defRPr>
+                <a:solidFill>
+                  <a:schemeClr val="tx1"/>
+                </a:solidFill>
+                <a:latin typeface="Verdana" pitchFamily="34" charset="0"/>
+                <a:ea typeface="宋体" charset="-122"/>
+              </a:defRPr>
+            </a:lvl5pPr>
+            <a:lvl6pPr marL="2514600" indent="-228600" eaLnBrk="0" fontAlgn="base" hangingPunct="0">
+              <a:spcBef>
+                <a:spcPct val="0"/>
+              </a:spcBef>
+              <a:spcAft>
+                <a:spcPct val="0"/>
+              </a:spcAft>
+              <a:defRPr>
+                <a:solidFill>
+                  <a:schemeClr val="tx1"/>
+                </a:solidFill>
+                <a:latin typeface="Verdana" pitchFamily="34" charset="0"/>
+                <a:ea typeface="宋体" charset="-122"/>
+              </a:defRPr>
+            </a:lvl6pPr>
+            <a:lvl7pPr marL="2971800" indent="-228600" eaLnBrk="0" fontAlgn="base" hangingPunct="0">
+              <a:spcBef>
+                <a:spcPct val="0"/>
+              </a:spcBef>
+              <a:spcAft>
+                <a:spcPct val="0"/>
+              </a:spcAft>
+              <a:defRPr>
+                <a:solidFill>
+                  <a:schemeClr val="tx1"/>
+                </a:solidFill>
+                <a:latin typeface="Verdana" pitchFamily="34" charset="0"/>
+                <a:ea typeface="宋体" charset="-122"/>
+              </a:defRPr>
+            </a:lvl7pPr>
+            <a:lvl8pPr marL="3429000" indent="-228600" eaLnBrk="0" fontAlgn="base" hangingPunct="0">
+              <a:spcBef>
+                <a:spcPct val="0"/>
+              </a:spcBef>
+              <a:spcAft>
+                <a:spcPct val="0"/>
+              </a:spcAft>
+              <a:defRPr>
+                <a:solidFill>
+                  <a:schemeClr val="tx1"/>
+                </a:solidFill>
+                <a:latin typeface="Verdana" pitchFamily="34" charset="0"/>
+                <a:ea typeface="宋体" charset="-122"/>
+              </a:defRPr>
+            </a:lvl8pPr>
+            <a:lvl9pPr marL="3886200" indent="-228600" eaLnBrk="0" fontAlgn="base" hangingPunct="0">
+              <a:spcBef>
+                <a:spcPct val="0"/>
+              </a:spcBef>
+              <a:spcAft>
+                <a:spcPct val="0"/>
+              </a:spcAft>
+              <a:defRPr>
+                <a:solidFill>
+                  <a:schemeClr val="tx1"/>
+                </a:solidFill>
+                <a:latin typeface="Verdana" pitchFamily="34" charset="0"/>
+                <a:ea typeface="宋体" charset="-122"/>
+              </a:defRPr>
+            </a:lvl9pPr>
+          </a:lstStyle>
+          <a:p>
+            <a:pPr eaLnBrk="1" hangingPunct="1"/>
+            <a:fld id="{66C6CDEB-B40A-4A35-A09C-EED8FEADBE9C}" type="slidenum">
+              <a:rPr lang="en-US" altLang="zh-CN" smtClean="0"/>
+              <a:pPr eaLnBrk="1" hangingPunct="1"/>
+              <a:t>34</a:t>
+            </a:fld>
+            <a:endParaRPr lang="en-US" altLang="zh-CN" smtClean="0"/>
+          </a:p>
+        </p:txBody>
+      </p:sp>
+      <p:sp>
+        <p:nvSpPr>
+          <p:cNvPr id="33795" name="Rectangle 2"/>
+          <p:cNvSpPr>
+            <a:spLocks noGrp="1" noChangeArrowheads="1"/>
+          </p:cNvSpPr>
+          <p:nvPr>
+            <p:ph type="title"/>
+          </p:nvPr>
+        </p:nvSpPr>
+        <p:spPr/>
+        <p:txBody>
+          <a:bodyPr/>
+          <a:lstStyle/>
+          <a:p>
+            <a:pPr eaLnBrk="1" hangingPunct="1"/>
+            <a:r>
+              <a:rPr lang="en-US" altLang="zh-CN" b="1" smtClean="0">
+                <a:latin typeface="黑体" pitchFamily="49" charset="-122"/>
+                <a:ea typeface="黑体" pitchFamily="49" charset="-122"/>
+              </a:rPr>
+              <a:t>5.3 </a:t>
+            </a:r>
+            <a:r>
+              <a:rPr lang="zh-CN" altLang="en-US" b="1" smtClean="0">
+                <a:latin typeface="黑体" pitchFamily="49" charset="-122"/>
+                <a:ea typeface="黑体" pitchFamily="49" charset="-122"/>
+              </a:rPr>
+              <a:t>对判定的测试</a:t>
+            </a:r>
+          </a:p>
+        </p:txBody>
+      </p:sp>
+      <p:sp>
+        <p:nvSpPr>
+          <p:cNvPr id="33796" name="Rectangle 3"/>
+          <p:cNvSpPr>
+            <a:spLocks noGrp="1" noChangeArrowheads="1"/>
+          </p:cNvSpPr>
+          <p:nvPr>
+            <p:ph type="body" idx="1"/>
+          </p:nvPr>
+        </p:nvSpPr>
+        <p:spPr/>
+        <p:txBody>
+          <a:bodyPr/>
+          <a:lstStyle/>
+          <a:p>
+            <a:pPr algn="just" eaLnBrk="1" hangingPunct="1"/>
+            <a:r>
+              <a:rPr lang="zh-CN" altLang="en-US" sz="3400" b="1" smtClean="0"/>
+              <a:t>小结</a:t>
+            </a:r>
+            <a:endParaRPr lang="en-US" altLang="zh-CN" sz="3400" b="1" smtClean="0"/>
+          </a:p>
+          <a:p>
+            <a:pPr lvl="1" algn="just" eaLnBrk="1" hangingPunct="1"/>
+            <a:r>
+              <a:rPr lang="zh-CN" altLang="en-US" b="1" smtClean="0"/>
+              <a:t>主要是通过考察源代码中复合判定表达式或构成复合判定表达式的各简单判定条件的所有取值情况，来保证判定表达式的正确性</a:t>
+            </a:r>
+            <a:endParaRPr lang="en-US" altLang="zh-CN" b="1" smtClean="0"/>
+          </a:p>
+          <a:p>
+            <a:pPr lvl="1"/>
+            <a:r>
+              <a:rPr lang="zh-CN" altLang="en-US" b="1" smtClean="0"/>
+              <a:t>避免测试数据受到复合判定表达式中的“与”、“或”关系的屏蔽效应；</a:t>
+            </a:r>
+          </a:p>
+          <a:p>
+            <a:pPr lvl="1"/>
+            <a:r>
+              <a:rPr lang="zh-CN" altLang="en-US" b="1" smtClean="0"/>
+              <a:t>尽量结合边界值选择测试数据</a:t>
+            </a:r>
+          </a:p>
+        </p:txBody>
+      </p:sp>
+      <p:sp>
+        <p:nvSpPr>
+          <p:cNvPr id="33798" name="Rectangle 6"/>
+          <p:cNvSpPr>
+            <a:spLocks noChangeArrowheads="1"/>
+          </p:cNvSpPr>
+          <p:nvPr/>
+        </p:nvSpPr>
+        <p:spPr bwMode="auto">
+          <a:xfrm>
+            <a:off x="0" y="2476500"/>
+            <a:ext cx="9144000" cy="0"/>
+          </a:xfrm>
+          <a:prstGeom prst="rect">
+            <a:avLst/>
+          </a:prstGeom>
+          <a:noFill/>
+          <a:ln>
+            <a:noFill/>
+          </a:ln>
+          <a:extLst>
+            <a:ext uri="{909E8E84-426E-40DD-AFC4-6F175D3DCCD1}">
+              <a14:hiddenFill xmlns:a14="http://schemas.microsoft.com/office/drawing/2010/main">
+                <a:solidFill>
+                  <a:srgbClr val="FFFFFF"/>
+                </a:solidFill>
+              </a14:hiddenFill>
+            </a:ext>
+            <a:ext uri="{91240B29-F687-4F45-9708-019B960494DF}">
+              <a14:hiddenLine xmlns:a14="http://schemas.microsoft.com/office/drawing/2010/main" w="9525">
+                <a:solidFill>
+                  <a:srgbClr val="000000"/>
+                </a:solidFill>
+                <a:miter lim="800000"/>
+                <a:headEnd/>
+                <a:tailEnd/>
+              </a14:hiddenLine>
+            </a:ext>
+          </a:extLst>
+        </p:spPr>
+        <p:txBody>
+          <a:bodyPr wrap="none" anchor="ctr">
+            <a:spAutoFit/>
+          </a:bodyPr>
+          <a:lstStyle/>
+          <a:p>
+            <a:endParaRPr lang="zh-CN" altLang="en-US"/>
           </a:p>
         </p:txBody>
       </p:sp>
@@ -15264,6 +15404,230 @@
     <a:masterClrMapping/>
   </p:clrMapOvr>
   <p:transition/>
+  <p:timing>
+    <p:tnLst>
+      <p:par>
+        <p:cTn id="1" dur="indefinite" restart="never" nodeType="tmRoot"/>
+      </p:par>
+    </p:tnLst>
+  </p:timing>
+</p:sld>
+</file>
+
+<file path=ppt/slides/slide35.xml><?xml version="1.0" encoding="utf-8"?>
+<p:sld xmlns:a="http://schemas.openxmlformats.org/drawingml/2006/main" xmlns:r="http://schemas.openxmlformats.org/officeDocument/2006/relationships" xmlns:p="http://schemas.openxmlformats.org/presentationml/2006/main">
+  <p:cSld>
+    <p:spTree>
+      <p:nvGrpSpPr>
+        <p:cNvPr id="1" name=""/>
+        <p:cNvGrpSpPr/>
+        <p:nvPr/>
+      </p:nvGrpSpPr>
+      <p:grpSpPr>
+        <a:xfrm>
+          <a:off x="0" y="0"/>
+          <a:ext cx="0" cy="0"/>
+          <a:chOff x="0" y="0"/>
+          <a:chExt cx="0" cy="0"/>
+        </a:xfrm>
+      </p:grpSpPr>
+      <p:sp>
+        <p:nvSpPr>
+          <p:cNvPr id="116738" name="标题 1"/>
+          <p:cNvSpPr>
+            <a:spLocks noGrp="1"/>
+          </p:cNvSpPr>
+          <p:nvPr>
+            <p:ph type="title"/>
+          </p:nvPr>
+        </p:nvSpPr>
+        <p:spPr>
+          <a:xfrm>
+            <a:off x="683568" y="3068960"/>
+            <a:ext cx="8001000" cy="1216025"/>
+          </a:xfrm>
+        </p:spPr>
+        <p:txBody>
+          <a:bodyPr/>
+          <a:lstStyle/>
+          <a:p>
+            <a:pPr algn="ctr"/>
+            <a:r>
+              <a:rPr lang="zh-CN" altLang="en-US" b="1" dirty="0" smtClean="0">
+                <a:latin typeface="黑体" pitchFamily="49" charset="-122"/>
+                <a:ea typeface="黑体" pitchFamily="49" charset="-122"/>
+              </a:rPr>
+              <a:t>谢 谢</a:t>
+            </a:r>
+          </a:p>
+        </p:txBody>
+      </p:sp>
+      <p:sp>
+        <p:nvSpPr>
+          <p:cNvPr id="116740" name="灯片编号占位符 3"/>
+          <p:cNvSpPr>
+            <a:spLocks noGrp="1"/>
+          </p:cNvSpPr>
+          <p:nvPr>
+            <p:ph type="sldNum" sz="quarter" idx="12"/>
+          </p:nvPr>
+        </p:nvSpPr>
+        <p:spPr>
+          <a:noFill/>
+          <a:ln/>
+          <a:extLst>
+            <a:ext uri="{909E8E84-426E-40DD-AFC4-6F175D3DCCD1}">
+              <a14:hiddenFill xmlns:a14="http://schemas.microsoft.com/office/drawing/2010/main">
+                <a:solidFill>
+                  <a:srgbClr val="FFFFFF"/>
+                </a:solidFill>
+              </a14:hiddenFill>
+            </a:ext>
+            <a:ext uri="{91240B29-F687-4F45-9708-019B960494DF}">
+              <a14:hiddenLine xmlns:a14="http://schemas.microsoft.com/office/drawing/2010/main" w="9525">
+                <a:solidFill>
+                  <a:srgbClr val="000000"/>
+                </a:solidFill>
+                <a:miter lim="800000"/>
+                <a:headEnd/>
+                <a:tailEnd/>
+              </a14:hiddenLine>
+            </a:ext>
+          </a:extLst>
+        </p:spPr>
+        <p:txBody>
+          <a:bodyPr/>
+          <a:lstStyle>
+            <a:lvl1pPr eaLnBrk="0" hangingPunct="0">
+              <a:defRPr>
+                <a:solidFill>
+                  <a:schemeClr val="tx1"/>
+                </a:solidFill>
+                <a:latin typeface="Verdana" pitchFamily="34" charset="0"/>
+                <a:ea typeface="宋体" charset="-122"/>
+              </a:defRPr>
+            </a:lvl1pPr>
+            <a:lvl2pPr marL="742950" indent="-285750" eaLnBrk="0" hangingPunct="0">
+              <a:defRPr>
+                <a:solidFill>
+                  <a:schemeClr val="tx1"/>
+                </a:solidFill>
+                <a:latin typeface="Verdana" pitchFamily="34" charset="0"/>
+                <a:ea typeface="宋体" charset="-122"/>
+              </a:defRPr>
+            </a:lvl2pPr>
+            <a:lvl3pPr marL="1143000" indent="-228600" eaLnBrk="0" hangingPunct="0">
+              <a:defRPr>
+                <a:solidFill>
+                  <a:schemeClr val="tx1"/>
+                </a:solidFill>
+                <a:latin typeface="Verdana" pitchFamily="34" charset="0"/>
+                <a:ea typeface="宋体" charset="-122"/>
+              </a:defRPr>
+            </a:lvl3pPr>
+            <a:lvl4pPr marL="1600200" indent="-228600" eaLnBrk="0" hangingPunct="0">
+              <a:defRPr>
+                <a:solidFill>
+                  <a:schemeClr val="tx1"/>
+                </a:solidFill>
+                <a:latin typeface="Verdana" pitchFamily="34" charset="0"/>
+                <a:ea typeface="宋体" charset="-122"/>
+              </a:defRPr>
+            </a:lvl4pPr>
+            <a:lvl5pPr marL="2057400" indent="-228600" eaLnBrk="0" hangingPunct="0">
+              <a:defRPr>
+                <a:solidFill>
+                  <a:schemeClr val="tx1"/>
+                </a:solidFill>
+                <a:latin typeface="Verdana" pitchFamily="34" charset="0"/>
+                <a:ea typeface="宋体" charset="-122"/>
+              </a:defRPr>
+            </a:lvl5pPr>
+            <a:lvl6pPr marL="2514600" indent="-228600" eaLnBrk="0" fontAlgn="base" hangingPunct="0">
+              <a:spcBef>
+                <a:spcPct val="0"/>
+              </a:spcBef>
+              <a:spcAft>
+                <a:spcPct val="0"/>
+              </a:spcAft>
+              <a:defRPr>
+                <a:solidFill>
+                  <a:schemeClr val="tx1"/>
+                </a:solidFill>
+                <a:latin typeface="Verdana" pitchFamily="34" charset="0"/>
+                <a:ea typeface="宋体" charset="-122"/>
+              </a:defRPr>
+            </a:lvl6pPr>
+            <a:lvl7pPr marL="2971800" indent="-228600" eaLnBrk="0" fontAlgn="base" hangingPunct="0">
+              <a:spcBef>
+                <a:spcPct val="0"/>
+              </a:spcBef>
+              <a:spcAft>
+                <a:spcPct val="0"/>
+              </a:spcAft>
+              <a:defRPr>
+                <a:solidFill>
+                  <a:schemeClr val="tx1"/>
+                </a:solidFill>
+                <a:latin typeface="Verdana" pitchFamily="34" charset="0"/>
+                <a:ea typeface="宋体" charset="-122"/>
+              </a:defRPr>
+            </a:lvl7pPr>
+            <a:lvl8pPr marL="3429000" indent="-228600" eaLnBrk="0" fontAlgn="base" hangingPunct="0">
+              <a:spcBef>
+                <a:spcPct val="0"/>
+              </a:spcBef>
+              <a:spcAft>
+                <a:spcPct val="0"/>
+              </a:spcAft>
+              <a:defRPr>
+                <a:solidFill>
+                  <a:schemeClr val="tx1"/>
+                </a:solidFill>
+                <a:latin typeface="Verdana" pitchFamily="34" charset="0"/>
+                <a:ea typeface="宋体" charset="-122"/>
+              </a:defRPr>
+            </a:lvl8pPr>
+            <a:lvl9pPr marL="3886200" indent="-228600" eaLnBrk="0" fontAlgn="base" hangingPunct="0">
+              <a:spcBef>
+                <a:spcPct val="0"/>
+              </a:spcBef>
+              <a:spcAft>
+                <a:spcPct val="0"/>
+              </a:spcAft>
+              <a:defRPr>
+                <a:solidFill>
+                  <a:schemeClr val="tx1"/>
+                </a:solidFill>
+                <a:latin typeface="Verdana" pitchFamily="34" charset="0"/>
+                <a:ea typeface="宋体" charset="-122"/>
+              </a:defRPr>
+            </a:lvl9pPr>
+          </a:lstStyle>
+          <a:p>
+            <a:pPr eaLnBrk="1" hangingPunct="1"/>
+            <a:fld id="{47BBDF7B-F768-4D32-9888-4E638ED8D6EB}" type="slidenum">
+              <a:rPr lang="en-US" altLang="zh-CN" smtClean="0"/>
+              <a:pPr eaLnBrk="1" hangingPunct="1"/>
+              <a:t>35</a:t>
+            </a:fld>
+            <a:endParaRPr lang="en-US" altLang="zh-CN" smtClean="0"/>
+          </a:p>
+        </p:txBody>
+      </p:sp>
+    </p:spTree>
+  </p:cSld>
+  <p:clrMapOvr>
+    <a:masterClrMapping/>
+  </p:clrMapOvr>
+  <p:transition/>
+  <p:timing>
+    <p:tnLst>
+      <p:par>
+        <p:cTn id="1" dur="indefinite" restart="never" nodeType="tmRoot"/>
+      </p:par>
+    </p:tnLst>
+  </p:timing>
 </p:sld>
 </file>
 
@@ -15286,6 +15650,179 @@
       </p:grpSpPr>
       <p:sp>
         <p:nvSpPr>
+          <p:cNvPr id="3" name="内容占位符 2"/>
+          <p:cNvSpPr>
+            <a:spLocks noGrp="1"/>
+          </p:cNvSpPr>
+          <p:nvPr>
+            <p:ph idx="1"/>
+          </p:nvPr>
+        </p:nvSpPr>
+        <p:spPr/>
+        <p:txBody>
+          <a:bodyPr/>
+          <a:lstStyle/>
+          <a:p>
+            <a:pPr algn="just" eaLnBrk="1" hangingPunct="1"/>
+            <a:r>
+              <a:rPr lang="zh-CN" altLang="en-US" sz="3400" b="1" dirty="0"/>
+              <a:t>逻辑覆盖：对判定的测试</a:t>
+            </a:r>
+          </a:p>
+          <a:p>
+            <a:pPr lvl="1" algn="just" eaLnBrk="1" hangingPunct="1"/>
+            <a:r>
+              <a:rPr lang="zh-CN" altLang="en-US" b="1" dirty="0"/>
+              <a:t>关注点：判定表达式本身的复杂度</a:t>
+            </a:r>
+          </a:p>
+          <a:p>
+            <a:pPr lvl="1" algn="just" eaLnBrk="1" hangingPunct="1"/>
+            <a:r>
+              <a:rPr lang="zh-CN" altLang="en-US" b="1" dirty="0"/>
+              <a:t>原理：通过对程序逻辑结构的遍历，来实现测试对程序的覆盖</a:t>
+            </a:r>
+          </a:p>
+          <a:p>
+            <a:pPr lvl="1" algn="just" eaLnBrk="1" hangingPunct="1"/>
+            <a:r>
+              <a:rPr lang="zh-CN" altLang="en-US" b="1" dirty="0"/>
+              <a:t>原则：对程序代码中所有的逻辑值，都需要测试真值（</a:t>
+            </a:r>
+            <a:r>
+              <a:rPr lang="en-US" altLang="zh-CN" b="1" dirty="0"/>
+              <a:t>True</a:t>
+            </a:r>
+            <a:r>
+              <a:rPr lang="zh-CN" altLang="en-US" b="1" dirty="0"/>
+              <a:t>）和假值（</a:t>
+            </a:r>
+            <a:r>
+              <a:rPr lang="en-US" altLang="zh-CN" b="1" dirty="0"/>
+              <a:t>False</a:t>
+            </a:r>
+            <a:r>
+              <a:rPr lang="zh-CN" altLang="en-US" b="1" dirty="0"/>
+              <a:t>）的情况 </a:t>
+            </a:r>
+          </a:p>
+          <a:p>
+            <a:pPr marL="0" indent="0">
+              <a:buNone/>
+            </a:pPr>
+            <a:endParaRPr lang="zh-CN" altLang="en-US" dirty="0"/>
+          </a:p>
+        </p:txBody>
+      </p:sp>
+      <p:sp>
+        <p:nvSpPr>
+          <p:cNvPr id="4" name="灯片编号占位符 3"/>
+          <p:cNvSpPr>
+            <a:spLocks noGrp="1"/>
+          </p:cNvSpPr>
+          <p:nvPr>
+            <p:ph type="sldNum" sz="quarter" idx="12"/>
+          </p:nvPr>
+        </p:nvSpPr>
+        <p:spPr/>
+        <p:txBody>
+          <a:bodyPr/>
+          <a:lstStyle/>
+          <a:p>
+            <a:pPr>
+              <a:defRPr/>
+            </a:pPr>
+            <a:fld id="{A2129394-4104-4E4B-B479-2CD63F410336}" type="slidenum">
+              <a:rPr lang="en-US" altLang="zh-CN" smtClean="0"/>
+              <a:pPr>
+                <a:defRPr/>
+              </a:pPr>
+              <a:t>4</a:t>
+            </a:fld>
+            <a:endParaRPr lang="en-US" altLang="zh-CN"/>
+          </a:p>
+        </p:txBody>
+      </p:sp>
+      <p:sp>
+        <p:nvSpPr>
+          <p:cNvPr id="6" name="Rectangle 2"/>
+          <p:cNvSpPr>
+            <a:spLocks noGrp="1" noChangeArrowheads="1"/>
+          </p:cNvSpPr>
+          <p:nvPr>
+            <p:ph type="title"/>
+          </p:nvPr>
+        </p:nvSpPr>
+        <p:spPr>
+          <a:xfrm>
+            <a:off x="574675" y="304800"/>
+            <a:ext cx="8001000" cy="1216025"/>
+          </a:xfrm>
+        </p:spPr>
+        <p:txBody>
+          <a:bodyPr/>
+          <a:lstStyle/>
+          <a:p>
+            <a:pPr eaLnBrk="1" hangingPunct="1"/>
+            <a:r>
+              <a:rPr lang="en-US" altLang="zh-CN" b="1" dirty="0" smtClean="0">
+                <a:latin typeface="黑体" pitchFamily="49" charset="-122"/>
+                <a:ea typeface="黑体" pitchFamily="49" charset="-122"/>
+              </a:rPr>
+              <a:t>5.3 </a:t>
+            </a:r>
+            <a:r>
+              <a:rPr lang="zh-CN" altLang="en-US" b="1" dirty="0" smtClean="0">
+                <a:latin typeface="黑体" pitchFamily="49" charset="-122"/>
+                <a:ea typeface="黑体" pitchFamily="49" charset="-122"/>
+              </a:rPr>
+              <a:t>对判定的测试</a:t>
+            </a:r>
+          </a:p>
+        </p:txBody>
+      </p:sp>
+    </p:spTree>
+    <p:extLst>
+      <p:ext uri="{BB962C8B-B14F-4D97-AF65-F5344CB8AC3E}">
+        <p14:creationId xmlns:p14="http://schemas.microsoft.com/office/powerpoint/2010/main" val="189679371"/>
+      </p:ext>
+    </p:extLst>
+  </p:cSld>
+  <p:clrMapOvr>
+    <a:masterClrMapping/>
+  </p:clrMapOvr>
+  <p:transition>
+    <p:blinds dir="vert"/>
+  </p:transition>
+  <p:timing>
+    <p:tnLst>
+      <p:par>
+        <p:cTn id="1" dur="indefinite" restart="never" nodeType="tmRoot"/>
+      </p:par>
+    </p:tnLst>
+  </p:timing>
+</p:sld>
+</file>
+
+<file path=ppt/slides/slide5.xml><?xml version="1.0" encoding="utf-8"?>
+<p:sld xmlns:a="http://schemas.openxmlformats.org/drawingml/2006/main" xmlns:r="http://schemas.openxmlformats.org/officeDocument/2006/relationships" xmlns:p="http://schemas.openxmlformats.org/presentationml/2006/main">
+  <p:cSld>
+    <p:spTree>
+      <p:nvGrpSpPr>
+        <p:cNvPr id="1" name=""/>
+        <p:cNvGrpSpPr/>
+        <p:nvPr/>
+      </p:nvGrpSpPr>
+      <p:grpSpPr>
+        <a:xfrm>
+          <a:off x="0" y="0"/>
+          <a:ext cx="0" cy="0"/>
+          <a:chOff x="0" y="0"/>
+          <a:chExt cx="0" cy="0"/>
+        </a:xfrm>
+      </p:grpSpPr>
+      <p:sp>
+        <p:nvSpPr>
           <p:cNvPr id="6146" name="灯片编号占位符 5"/>
           <p:cNvSpPr>
             <a:spLocks noGrp="1"/>
@@ -15431,7 +15968,7 @@
             <a:fld id="{6BC462E3-4FE8-4D0C-BD8A-87643D1AF27C}" type="slidenum">
               <a:rPr lang="en-US" altLang="zh-CN" smtClean="0"/>
               <a:pPr eaLnBrk="1" hangingPunct="1"/>
-              <a:t>4</a:t>
+              <a:t>5</a:t>
             </a:fld>
             <a:endParaRPr lang="en-US" altLang="zh-CN" smtClean="0"/>
           </a:p>
@@ -15487,7 +16024,7 @@
           <a:p>
             <a:pPr algn="just" eaLnBrk="1" hangingPunct="1"/>
             <a:r>
-              <a:rPr lang="zh-CN" altLang="en-US" sz="3400" b="1" smtClean="0"/>
+              <a:rPr lang="zh-CN" altLang="en-US" sz="3400" b="1" dirty="0" smtClean="0"/>
               <a:t>案例描述</a:t>
             </a:r>
           </a:p>
@@ -15617,320 +16154,6 @@
 </p:sld>
 </file>
 
-<file path=ppt/slides/slide5.xml><?xml version="1.0" encoding="utf-8"?>
-<p:sld xmlns:a="http://schemas.openxmlformats.org/drawingml/2006/main" xmlns:r="http://schemas.openxmlformats.org/officeDocument/2006/relationships" xmlns:p="http://schemas.openxmlformats.org/presentationml/2006/main">
-  <p:cSld>
-    <p:spTree>
-      <p:nvGrpSpPr>
-        <p:cNvPr id="1" name=""/>
-        <p:cNvGrpSpPr/>
-        <p:nvPr/>
-      </p:nvGrpSpPr>
-      <p:grpSpPr>
-        <a:xfrm>
-          <a:off x="0" y="0"/>
-          <a:ext cx="0" cy="0"/>
-          <a:chOff x="0" y="0"/>
-          <a:chExt cx="0" cy="0"/>
-        </a:xfrm>
-      </p:grpSpPr>
-      <p:sp>
-        <p:nvSpPr>
-          <p:cNvPr id="7170" name="灯片编号占位符 5"/>
-          <p:cNvSpPr>
-            <a:spLocks noGrp="1"/>
-          </p:cNvSpPr>
-          <p:nvPr>
-            <p:ph type="sldNum" sz="quarter" idx="12"/>
-          </p:nvPr>
-        </p:nvSpPr>
-        <p:spPr>
-          <a:noFill/>
-          <a:ln/>
-          <a:extLst>
-            <a:ext uri="{909E8E84-426E-40DD-AFC4-6F175D3DCCD1}">
-              <a14:hiddenFill xmlns:a14="http://schemas.microsoft.com/office/drawing/2010/main">
-                <a:solidFill>
-                  <a:srgbClr val="FFFFFF"/>
-                </a:solidFill>
-              </a14:hiddenFill>
-            </a:ext>
-            <a:ext uri="{91240B29-F687-4F45-9708-019B960494DF}">
-              <a14:hiddenLine xmlns:a14="http://schemas.microsoft.com/office/drawing/2010/main" w="9525">
-                <a:solidFill>
-                  <a:srgbClr val="000000"/>
-                </a:solidFill>
-                <a:miter lim="800000"/>
-                <a:headEnd/>
-                <a:tailEnd/>
-              </a14:hiddenLine>
-            </a:ext>
-          </a:extLst>
-        </p:spPr>
-        <p:txBody>
-          <a:bodyPr/>
-          <a:lstStyle>
-            <a:lvl1pPr eaLnBrk="0" hangingPunct="0">
-              <a:defRPr>
-                <a:solidFill>
-                  <a:schemeClr val="tx1"/>
-                </a:solidFill>
-                <a:latin typeface="Verdana" pitchFamily="34" charset="0"/>
-                <a:ea typeface="宋体" charset="-122"/>
-              </a:defRPr>
-            </a:lvl1pPr>
-            <a:lvl2pPr marL="742950" indent="-285750" eaLnBrk="0" hangingPunct="0">
-              <a:defRPr>
-                <a:solidFill>
-                  <a:schemeClr val="tx1"/>
-                </a:solidFill>
-                <a:latin typeface="Verdana" pitchFamily="34" charset="0"/>
-                <a:ea typeface="宋体" charset="-122"/>
-              </a:defRPr>
-            </a:lvl2pPr>
-            <a:lvl3pPr marL="1143000" indent="-228600" eaLnBrk="0" hangingPunct="0">
-              <a:defRPr>
-                <a:solidFill>
-                  <a:schemeClr val="tx1"/>
-                </a:solidFill>
-                <a:latin typeface="Verdana" pitchFamily="34" charset="0"/>
-                <a:ea typeface="宋体" charset="-122"/>
-              </a:defRPr>
-            </a:lvl3pPr>
-            <a:lvl4pPr marL="1600200" indent="-228600" eaLnBrk="0" hangingPunct="0">
-              <a:defRPr>
-                <a:solidFill>
-                  <a:schemeClr val="tx1"/>
-                </a:solidFill>
-                <a:latin typeface="Verdana" pitchFamily="34" charset="0"/>
-                <a:ea typeface="宋体" charset="-122"/>
-              </a:defRPr>
-            </a:lvl4pPr>
-            <a:lvl5pPr marL="2057400" indent="-228600" eaLnBrk="0" hangingPunct="0">
-              <a:defRPr>
-                <a:solidFill>
-                  <a:schemeClr val="tx1"/>
-                </a:solidFill>
-                <a:latin typeface="Verdana" pitchFamily="34" charset="0"/>
-                <a:ea typeface="宋体" charset="-122"/>
-              </a:defRPr>
-            </a:lvl5pPr>
-            <a:lvl6pPr marL="2514600" indent="-228600" eaLnBrk="0" fontAlgn="base" hangingPunct="0">
-              <a:spcBef>
-                <a:spcPct val="0"/>
-              </a:spcBef>
-              <a:spcAft>
-                <a:spcPct val="0"/>
-              </a:spcAft>
-              <a:defRPr>
-                <a:solidFill>
-                  <a:schemeClr val="tx1"/>
-                </a:solidFill>
-                <a:latin typeface="Verdana" pitchFamily="34" charset="0"/>
-                <a:ea typeface="宋体" charset="-122"/>
-              </a:defRPr>
-            </a:lvl6pPr>
-            <a:lvl7pPr marL="2971800" indent="-228600" eaLnBrk="0" fontAlgn="base" hangingPunct="0">
-              <a:spcBef>
-                <a:spcPct val="0"/>
-              </a:spcBef>
-              <a:spcAft>
-                <a:spcPct val="0"/>
-              </a:spcAft>
-              <a:defRPr>
-                <a:solidFill>
-                  <a:schemeClr val="tx1"/>
-                </a:solidFill>
-                <a:latin typeface="Verdana" pitchFamily="34" charset="0"/>
-                <a:ea typeface="宋体" charset="-122"/>
-              </a:defRPr>
-            </a:lvl7pPr>
-            <a:lvl8pPr marL="3429000" indent="-228600" eaLnBrk="0" fontAlgn="base" hangingPunct="0">
-              <a:spcBef>
-                <a:spcPct val="0"/>
-              </a:spcBef>
-              <a:spcAft>
-                <a:spcPct val="0"/>
-              </a:spcAft>
-              <a:defRPr>
-                <a:solidFill>
-                  <a:schemeClr val="tx1"/>
-                </a:solidFill>
-                <a:latin typeface="Verdana" pitchFamily="34" charset="0"/>
-                <a:ea typeface="宋体" charset="-122"/>
-              </a:defRPr>
-            </a:lvl8pPr>
-            <a:lvl9pPr marL="3886200" indent="-228600" eaLnBrk="0" fontAlgn="base" hangingPunct="0">
-              <a:spcBef>
-                <a:spcPct val="0"/>
-              </a:spcBef>
-              <a:spcAft>
-                <a:spcPct val="0"/>
-              </a:spcAft>
-              <a:defRPr>
-                <a:solidFill>
-                  <a:schemeClr val="tx1"/>
-                </a:solidFill>
-                <a:latin typeface="Verdana" pitchFamily="34" charset="0"/>
-                <a:ea typeface="宋体" charset="-122"/>
-              </a:defRPr>
-            </a:lvl9pPr>
-          </a:lstStyle>
-          <a:p>
-            <a:pPr eaLnBrk="1" hangingPunct="1"/>
-            <a:fld id="{1283A10C-7278-47DB-8EC3-DD932BEE4B41}" type="slidenum">
-              <a:rPr lang="en-US" altLang="zh-CN" smtClean="0"/>
-              <a:pPr eaLnBrk="1" hangingPunct="1"/>
-              <a:t>5</a:t>
-            </a:fld>
-            <a:endParaRPr lang="en-US" altLang="zh-CN" smtClean="0"/>
-          </a:p>
-        </p:txBody>
-      </p:sp>
-      <p:sp>
-        <p:nvSpPr>
-          <p:cNvPr id="7171" name="Rectangle 2"/>
-          <p:cNvSpPr>
-            <a:spLocks noGrp="1" noChangeArrowheads="1"/>
-          </p:cNvSpPr>
-          <p:nvPr>
-            <p:ph type="title"/>
-          </p:nvPr>
-        </p:nvSpPr>
-        <p:spPr/>
-        <p:txBody>
-          <a:bodyPr/>
-          <a:lstStyle/>
-          <a:p>
-            <a:pPr eaLnBrk="1" hangingPunct="1"/>
-            <a:r>
-              <a:rPr lang="en-US" altLang="zh-CN" b="1" smtClean="0">
-                <a:latin typeface="黑体" pitchFamily="49" charset="-122"/>
-                <a:ea typeface="黑体" pitchFamily="49" charset="-122"/>
-              </a:rPr>
-              <a:t>5.3 </a:t>
-            </a:r>
-            <a:r>
-              <a:rPr lang="zh-CN" altLang="en-US" b="1" smtClean="0">
-                <a:latin typeface="黑体" pitchFamily="49" charset="-122"/>
-                <a:ea typeface="黑体" pitchFamily="49" charset="-122"/>
-              </a:rPr>
-              <a:t>对判定的测试</a:t>
-            </a:r>
-          </a:p>
-        </p:txBody>
-      </p:sp>
-      <p:sp>
-        <p:nvSpPr>
-          <p:cNvPr id="7172" name="Rectangle 3"/>
-          <p:cNvSpPr>
-            <a:spLocks noGrp="1" noChangeArrowheads="1"/>
-          </p:cNvSpPr>
-          <p:nvPr>
-            <p:ph type="body" idx="1"/>
-          </p:nvPr>
-        </p:nvSpPr>
-        <p:spPr/>
-        <p:txBody>
-          <a:bodyPr/>
-          <a:lstStyle/>
-          <a:p>
-            <a:pPr algn="just" eaLnBrk="1" hangingPunct="1"/>
-            <a:r>
-              <a:rPr lang="zh-CN" altLang="en-US" sz="3400" b="1" smtClean="0"/>
-              <a:t>测试用例设计</a:t>
-            </a:r>
-            <a:endParaRPr lang="en-US" altLang="zh-CN" sz="3400" b="1" smtClean="0"/>
-          </a:p>
-          <a:p>
-            <a:pPr lvl="1" algn="just" eaLnBrk="1" hangingPunct="1"/>
-            <a:r>
-              <a:rPr lang="zh-CN" altLang="en-US" b="1" smtClean="0">
-                <a:solidFill>
-                  <a:srgbClr val="0000FF"/>
-                </a:solidFill>
-              </a:rPr>
-              <a:t>语句覆盖</a:t>
-            </a:r>
-            <a:endParaRPr lang="en-US" altLang="zh-CN" b="1" smtClean="0">
-              <a:solidFill>
-                <a:srgbClr val="0000FF"/>
-              </a:solidFill>
-            </a:endParaRPr>
-          </a:p>
-          <a:p>
-            <a:pPr lvl="1" algn="just" eaLnBrk="1" hangingPunct="1"/>
-            <a:r>
-              <a:rPr lang="zh-CN" altLang="en-US" b="1" smtClean="0"/>
-              <a:t>判定覆盖</a:t>
-            </a:r>
-            <a:endParaRPr lang="en-US" altLang="zh-CN" b="1" smtClean="0"/>
-          </a:p>
-          <a:p>
-            <a:pPr lvl="1" algn="just" eaLnBrk="1" hangingPunct="1"/>
-            <a:r>
-              <a:rPr lang="zh-CN" altLang="en-US" b="1" smtClean="0"/>
-              <a:t>条件覆盖</a:t>
-            </a:r>
-            <a:endParaRPr lang="en-US" altLang="zh-CN" b="1" smtClean="0"/>
-          </a:p>
-          <a:p>
-            <a:pPr lvl="1" algn="just" eaLnBrk="1" hangingPunct="1"/>
-            <a:r>
-              <a:rPr lang="zh-CN" altLang="en-US" b="1" smtClean="0"/>
-              <a:t>判定</a:t>
-            </a:r>
-            <a:r>
-              <a:rPr lang="en-US" altLang="zh-CN" b="1" smtClean="0"/>
-              <a:t>/</a:t>
-            </a:r>
-            <a:r>
-              <a:rPr lang="zh-CN" altLang="en-US" b="1" smtClean="0"/>
-              <a:t>条件覆盖</a:t>
-            </a:r>
-            <a:endParaRPr lang="en-US" altLang="zh-CN" b="1" smtClean="0"/>
-          </a:p>
-          <a:p>
-            <a:pPr lvl="1" algn="just" eaLnBrk="1" hangingPunct="1"/>
-            <a:r>
-              <a:rPr lang="zh-CN" altLang="en-US" b="1" smtClean="0"/>
-              <a:t>条件组合覆盖</a:t>
-            </a:r>
-            <a:endParaRPr lang="en-US" altLang="zh-CN" b="1" smtClean="0"/>
-          </a:p>
-          <a:p>
-            <a:pPr lvl="1" algn="just" eaLnBrk="1" hangingPunct="1"/>
-            <a:r>
-              <a:rPr lang="zh-CN" altLang="en-US" b="1" smtClean="0"/>
-              <a:t>修正的判定</a:t>
-            </a:r>
-            <a:r>
-              <a:rPr lang="en-US" altLang="zh-CN" b="1" smtClean="0"/>
-              <a:t>/</a:t>
-            </a:r>
-            <a:r>
-              <a:rPr lang="zh-CN" altLang="en-US" b="1" smtClean="0"/>
-              <a:t>条件覆盖</a:t>
-            </a:r>
-          </a:p>
-        </p:txBody>
-      </p:sp>
-    </p:spTree>
-  </p:cSld>
-  <p:clrMapOvr>
-    <a:masterClrMapping/>
-  </p:clrMapOvr>
-  <p:transition/>
-  <p:timing>
-    <p:tnLst>
-      <p:par>
-        <p:cTn id="1" dur="indefinite" restart="never" nodeType="tmRoot"/>
-      </p:par>
-    </p:tnLst>
-  </p:timing>
-</p:sld>
-</file>
-
 <file path=ppt/slides/slide6.xml><?xml version="1.0" encoding="utf-8"?>
 <p:sld xmlns:a="http://schemas.openxmlformats.org/drawingml/2006/main" xmlns:r="http://schemas.openxmlformats.org/officeDocument/2006/relationships" xmlns:p="http://schemas.openxmlformats.org/presentationml/2006/main">
   <p:cSld>
@@ -15950,7 +16173,7 @@
       </p:grpSpPr>
       <p:sp>
         <p:nvSpPr>
-          <p:cNvPr id="8194" name="灯片编号占位符 5"/>
+          <p:cNvPr id="7170" name="灯片编号占位符 5"/>
           <p:cNvSpPr>
             <a:spLocks noGrp="1"/>
           </p:cNvSpPr>
@@ -16092,7 +16315,7 @@
           </a:lstStyle>
           <a:p>
             <a:pPr eaLnBrk="1" hangingPunct="1"/>
-            <a:fld id="{81703D11-24E2-4536-8EFF-7CEAA2957AAE}" type="slidenum">
+            <a:fld id="{1283A10C-7278-47DB-8EC3-DD932BEE4B41}" type="slidenum">
               <a:rPr lang="en-US" altLang="zh-CN" smtClean="0"/>
               <a:pPr eaLnBrk="1" hangingPunct="1"/>
               <a:t>6</a:t>
@@ -16103,7 +16326,7 @@
       </p:sp>
       <p:sp>
         <p:nvSpPr>
-          <p:cNvPr id="8195" name="Rectangle 2"/>
+          <p:cNvPr id="7171" name="Rectangle 2"/>
           <p:cNvSpPr>
             <a:spLocks noGrp="1" noChangeArrowheads="1"/>
           </p:cNvSpPr>
@@ -16136,7 +16359,7 @@
       </p:sp>
       <p:sp>
         <p:nvSpPr>
-          <p:cNvPr id="8196" name="Rectangle 3"/>
+          <p:cNvPr id="7172" name="Rectangle 3"/>
           <p:cNvSpPr>
             <a:spLocks noGrp="1" noChangeArrowheads="1"/>
           </p:cNvSpPr>
@@ -16152,23 +16375,79 @@
             <a:pPr algn="just" eaLnBrk="1" hangingPunct="1"/>
             <a:r>
               <a:rPr lang="zh-CN" altLang="en-US" sz="3400" b="1" dirty="0" smtClean="0"/>
+              <a:t>测试用例设计</a:t>
+            </a:r>
+            <a:endParaRPr lang="en-US" altLang="zh-CN" sz="3400" b="1" dirty="0" smtClean="0"/>
+          </a:p>
+          <a:p>
+            <a:pPr lvl="1" algn="just" eaLnBrk="1" hangingPunct="1"/>
+            <a:r>
+              <a:rPr lang="zh-CN" altLang="en-US" b="1" dirty="0" smtClean="0">
+                <a:solidFill>
+                  <a:srgbClr val="0000FF"/>
+                </a:solidFill>
+              </a:rPr>
               <a:t>语句覆盖</a:t>
             </a:r>
-            <a:endParaRPr lang="en-US" altLang="zh-CN" sz="3400" b="1" dirty="0" smtClean="0"/>
+            <a:endParaRPr lang="en-US" altLang="zh-CN" b="1" dirty="0" smtClean="0">
+              <a:solidFill>
+                <a:srgbClr val="0000FF"/>
+              </a:solidFill>
+            </a:endParaRPr>
           </a:p>
           <a:p>
             <a:pPr lvl="1" algn="just" eaLnBrk="1" hangingPunct="1"/>
             <a:r>
-              <a:rPr lang="zh-CN" altLang="en-US" sz="2800" b="1" dirty="0"/>
-              <a:t>设计测试用例时应保证程序的每一条可执行语句至少执行一次。从图</a:t>
-            </a:r>
-            <a:r>
-              <a:rPr lang="en-US" altLang="en-US" sz="2800" b="1" dirty="0"/>
-              <a:t>5.12</a:t>
-            </a:r>
-            <a:r>
-              <a:rPr lang="zh-CN" altLang="en-US" sz="2800" b="1" dirty="0"/>
-              <a:t>所示的流程图来看，语句覆盖等同于对图中所有节点的覆盖</a:t>
+              <a:rPr lang="zh-CN" altLang="en-US" b="1" dirty="0" smtClean="0"/>
+              <a:t>判定覆盖</a:t>
+            </a:r>
+            <a:endParaRPr lang="en-US" altLang="zh-CN" b="1" dirty="0" smtClean="0"/>
+          </a:p>
+          <a:p>
+            <a:pPr lvl="1" algn="just" eaLnBrk="1" hangingPunct="1"/>
+            <a:r>
+              <a:rPr lang="zh-CN" altLang="en-US" b="1" dirty="0" smtClean="0"/>
+              <a:t>条件覆盖</a:t>
+            </a:r>
+            <a:endParaRPr lang="en-US" altLang="zh-CN" b="1" dirty="0" smtClean="0"/>
+          </a:p>
+          <a:p>
+            <a:pPr lvl="1" algn="just" eaLnBrk="1" hangingPunct="1"/>
+            <a:r>
+              <a:rPr lang="zh-CN" altLang="en-US" b="1" dirty="0" smtClean="0"/>
+              <a:t>判定</a:t>
+            </a:r>
+            <a:r>
+              <a:rPr lang="en-US" altLang="zh-CN" b="1" dirty="0" smtClean="0"/>
+              <a:t>/</a:t>
+            </a:r>
+            <a:r>
+              <a:rPr lang="zh-CN" altLang="en-US" b="1" dirty="0" smtClean="0"/>
+              <a:t>条件覆盖</a:t>
+            </a:r>
+            <a:endParaRPr lang="en-US" altLang="zh-CN" b="1" dirty="0" smtClean="0"/>
+          </a:p>
+          <a:p>
+            <a:pPr lvl="1" algn="just" eaLnBrk="1" hangingPunct="1"/>
+            <a:r>
+              <a:rPr lang="zh-CN" altLang="en-US" b="1" dirty="0" smtClean="0"/>
+              <a:t>条件组合覆盖</a:t>
+            </a:r>
+            <a:endParaRPr lang="en-US" altLang="zh-CN" b="1" dirty="0" smtClean="0"/>
+          </a:p>
+          <a:p>
+            <a:pPr lvl="1" algn="just" eaLnBrk="1" hangingPunct="1"/>
+            <a:r>
+              <a:rPr lang="zh-CN" altLang="en-US" b="1" dirty="0" smtClean="0"/>
+              <a:t>修正的判定</a:t>
+            </a:r>
+            <a:r>
+              <a:rPr lang="en-US" altLang="zh-CN" b="1" dirty="0" smtClean="0"/>
+              <a:t>/</a:t>
+            </a:r>
+            <a:r>
+              <a:rPr lang="zh-CN" altLang="en-US" b="1" dirty="0" smtClean="0"/>
+              <a:t>条件覆盖</a:t>
             </a:r>
           </a:p>
         </p:txBody>
@@ -16208,7 +16487,7 @@
       </p:grpSpPr>
       <p:sp>
         <p:nvSpPr>
-          <p:cNvPr id="9218" name="灯片编号占位符 5"/>
+          <p:cNvPr id="8194" name="灯片编号占位符 5"/>
           <p:cNvSpPr>
             <a:spLocks noGrp="1"/>
           </p:cNvSpPr>
@@ -16350,10 +16629,272 @@
           </a:lstStyle>
           <a:p>
             <a:pPr eaLnBrk="1" hangingPunct="1"/>
+            <a:fld id="{81703D11-24E2-4536-8EFF-7CEAA2957AAE}" type="slidenum">
+              <a:rPr lang="en-US" altLang="zh-CN" smtClean="0"/>
+              <a:pPr eaLnBrk="1" hangingPunct="1"/>
+              <a:t>7</a:t>
+            </a:fld>
+            <a:endParaRPr lang="en-US" altLang="zh-CN" smtClean="0"/>
+          </a:p>
+        </p:txBody>
+      </p:sp>
+      <p:sp>
+        <p:nvSpPr>
+          <p:cNvPr id="8195" name="Rectangle 2"/>
+          <p:cNvSpPr>
+            <a:spLocks noGrp="1" noChangeArrowheads="1"/>
+          </p:cNvSpPr>
+          <p:nvPr>
+            <p:ph type="title"/>
+          </p:nvPr>
+        </p:nvSpPr>
+        <p:spPr/>
+        <p:txBody>
+          <a:bodyPr/>
+          <a:lstStyle/>
+          <a:p>
+            <a:pPr eaLnBrk="1" hangingPunct="1"/>
+            <a:r>
+              <a:rPr lang="en-US" altLang="zh-CN" b="1" smtClean="0">
+                <a:latin typeface="黑体" pitchFamily="49" charset="-122"/>
+                <a:ea typeface="黑体" pitchFamily="49" charset="-122"/>
+              </a:rPr>
+              <a:t>5.3 </a:t>
+            </a:r>
+            <a:r>
+              <a:rPr lang="zh-CN" altLang="en-US" b="1" smtClean="0">
+                <a:latin typeface="黑体" pitchFamily="49" charset="-122"/>
+                <a:ea typeface="黑体" pitchFamily="49" charset="-122"/>
+              </a:rPr>
+              <a:t>对判定的测试</a:t>
+            </a:r>
+          </a:p>
+        </p:txBody>
+      </p:sp>
+      <p:sp>
+        <p:nvSpPr>
+          <p:cNvPr id="8196" name="Rectangle 3"/>
+          <p:cNvSpPr>
+            <a:spLocks noGrp="1" noChangeArrowheads="1"/>
+          </p:cNvSpPr>
+          <p:nvPr>
+            <p:ph type="body" idx="1"/>
+          </p:nvPr>
+        </p:nvSpPr>
+        <p:spPr/>
+        <p:txBody>
+          <a:bodyPr/>
+          <a:lstStyle/>
+          <a:p>
+            <a:pPr algn="just" eaLnBrk="1" hangingPunct="1"/>
+            <a:r>
+              <a:rPr lang="zh-CN" altLang="en-US" sz="3400" b="1" dirty="0" smtClean="0"/>
+              <a:t>语句覆盖</a:t>
+            </a:r>
+            <a:endParaRPr lang="en-US" altLang="zh-CN" sz="3400" b="1" dirty="0" smtClean="0"/>
+          </a:p>
+          <a:p>
+            <a:pPr lvl="1" algn="just" eaLnBrk="1" hangingPunct="1"/>
+            <a:r>
+              <a:rPr lang="zh-CN" altLang="en-US" sz="2800" b="1" dirty="0"/>
+              <a:t>设计测试用例时应保证程序的每一条可执行语句至少执行一次</a:t>
+            </a:r>
+            <a:r>
+              <a:rPr lang="zh-CN" altLang="en-US" sz="2800" b="1" dirty="0" smtClean="0"/>
+              <a:t>。</a:t>
+            </a:r>
+            <a:endParaRPr lang="en-US" altLang="zh-CN" sz="2800" b="1" dirty="0" smtClean="0"/>
+          </a:p>
+          <a:p>
+            <a:pPr lvl="1" algn="just" eaLnBrk="1" hangingPunct="1"/>
+            <a:r>
+              <a:rPr lang="zh-CN" altLang="en-US" sz="2800" b="1" dirty="0"/>
+              <a:t>点覆盖</a:t>
+            </a:r>
+          </a:p>
+        </p:txBody>
+      </p:sp>
+    </p:spTree>
+  </p:cSld>
+  <p:clrMapOvr>
+    <a:masterClrMapping/>
+  </p:clrMapOvr>
+  <p:transition/>
+  <p:timing>
+    <p:tnLst>
+      <p:par>
+        <p:cTn id="1" dur="indefinite" restart="never" nodeType="tmRoot"/>
+      </p:par>
+    </p:tnLst>
+  </p:timing>
+</p:sld>
+</file>
+
+<file path=ppt/slides/slide8.xml><?xml version="1.0" encoding="utf-8"?>
+<p:sld xmlns:a="http://schemas.openxmlformats.org/drawingml/2006/main" xmlns:r="http://schemas.openxmlformats.org/officeDocument/2006/relationships" xmlns:p="http://schemas.openxmlformats.org/presentationml/2006/main">
+  <p:cSld>
+    <p:spTree>
+      <p:nvGrpSpPr>
+        <p:cNvPr id="1" name=""/>
+        <p:cNvGrpSpPr/>
+        <p:nvPr/>
+      </p:nvGrpSpPr>
+      <p:grpSpPr>
+        <a:xfrm>
+          <a:off x="0" y="0"/>
+          <a:ext cx="0" cy="0"/>
+          <a:chOff x="0" y="0"/>
+          <a:chExt cx="0" cy="0"/>
+        </a:xfrm>
+      </p:grpSpPr>
+      <p:sp>
+        <p:nvSpPr>
+          <p:cNvPr id="9218" name="灯片编号占位符 5"/>
+          <p:cNvSpPr>
+            <a:spLocks noGrp="1"/>
+          </p:cNvSpPr>
+          <p:nvPr>
+            <p:ph type="sldNum" sz="quarter" idx="12"/>
+          </p:nvPr>
+        </p:nvSpPr>
+        <p:spPr>
+          <a:noFill/>
+          <a:ln/>
+          <a:extLst>
+            <a:ext uri="{909E8E84-426E-40DD-AFC4-6F175D3DCCD1}">
+              <a14:hiddenFill xmlns:a14="http://schemas.microsoft.com/office/drawing/2010/main">
+                <a:solidFill>
+                  <a:srgbClr val="FFFFFF"/>
+                </a:solidFill>
+              </a14:hiddenFill>
+            </a:ext>
+            <a:ext uri="{91240B29-F687-4F45-9708-019B960494DF}">
+              <a14:hiddenLine xmlns:a14="http://schemas.microsoft.com/office/drawing/2010/main" w="9525">
+                <a:solidFill>
+                  <a:srgbClr val="000000"/>
+                </a:solidFill>
+                <a:miter lim="800000"/>
+                <a:headEnd/>
+                <a:tailEnd/>
+              </a14:hiddenLine>
+            </a:ext>
+          </a:extLst>
+        </p:spPr>
+        <p:txBody>
+          <a:bodyPr/>
+          <a:lstStyle>
+            <a:lvl1pPr eaLnBrk="0" hangingPunct="0">
+              <a:defRPr>
+                <a:solidFill>
+                  <a:schemeClr val="tx1"/>
+                </a:solidFill>
+                <a:latin typeface="Verdana" pitchFamily="34" charset="0"/>
+                <a:ea typeface="宋体" charset="-122"/>
+              </a:defRPr>
+            </a:lvl1pPr>
+            <a:lvl2pPr marL="742950" indent="-285750" eaLnBrk="0" hangingPunct="0">
+              <a:defRPr>
+                <a:solidFill>
+                  <a:schemeClr val="tx1"/>
+                </a:solidFill>
+                <a:latin typeface="Verdana" pitchFamily="34" charset="0"/>
+                <a:ea typeface="宋体" charset="-122"/>
+              </a:defRPr>
+            </a:lvl2pPr>
+            <a:lvl3pPr marL="1143000" indent="-228600" eaLnBrk="0" hangingPunct="0">
+              <a:defRPr>
+                <a:solidFill>
+                  <a:schemeClr val="tx1"/>
+                </a:solidFill>
+                <a:latin typeface="Verdana" pitchFamily="34" charset="0"/>
+                <a:ea typeface="宋体" charset="-122"/>
+              </a:defRPr>
+            </a:lvl3pPr>
+            <a:lvl4pPr marL="1600200" indent="-228600" eaLnBrk="0" hangingPunct="0">
+              <a:defRPr>
+                <a:solidFill>
+                  <a:schemeClr val="tx1"/>
+                </a:solidFill>
+                <a:latin typeface="Verdana" pitchFamily="34" charset="0"/>
+                <a:ea typeface="宋体" charset="-122"/>
+              </a:defRPr>
+            </a:lvl4pPr>
+            <a:lvl5pPr marL="2057400" indent="-228600" eaLnBrk="0" hangingPunct="0">
+              <a:defRPr>
+                <a:solidFill>
+                  <a:schemeClr val="tx1"/>
+                </a:solidFill>
+                <a:latin typeface="Verdana" pitchFamily="34" charset="0"/>
+                <a:ea typeface="宋体" charset="-122"/>
+              </a:defRPr>
+            </a:lvl5pPr>
+            <a:lvl6pPr marL="2514600" indent="-228600" eaLnBrk="0" fontAlgn="base" hangingPunct="0">
+              <a:spcBef>
+                <a:spcPct val="0"/>
+              </a:spcBef>
+              <a:spcAft>
+                <a:spcPct val="0"/>
+              </a:spcAft>
+              <a:defRPr>
+                <a:solidFill>
+                  <a:schemeClr val="tx1"/>
+                </a:solidFill>
+                <a:latin typeface="Verdana" pitchFamily="34" charset="0"/>
+                <a:ea typeface="宋体" charset="-122"/>
+              </a:defRPr>
+            </a:lvl6pPr>
+            <a:lvl7pPr marL="2971800" indent="-228600" eaLnBrk="0" fontAlgn="base" hangingPunct="0">
+              <a:spcBef>
+                <a:spcPct val="0"/>
+              </a:spcBef>
+              <a:spcAft>
+                <a:spcPct val="0"/>
+              </a:spcAft>
+              <a:defRPr>
+                <a:solidFill>
+                  <a:schemeClr val="tx1"/>
+                </a:solidFill>
+                <a:latin typeface="Verdana" pitchFamily="34" charset="0"/>
+                <a:ea typeface="宋体" charset="-122"/>
+              </a:defRPr>
+            </a:lvl7pPr>
+            <a:lvl8pPr marL="3429000" indent="-228600" eaLnBrk="0" fontAlgn="base" hangingPunct="0">
+              <a:spcBef>
+                <a:spcPct val="0"/>
+              </a:spcBef>
+              <a:spcAft>
+                <a:spcPct val="0"/>
+              </a:spcAft>
+              <a:defRPr>
+                <a:solidFill>
+                  <a:schemeClr val="tx1"/>
+                </a:solidFill>
+                <a:latin typeface="Verdana" pitchFamily="34" charset="0"/>
+                <a:ea typeface="宋体" charset="-122"/>
+              </a:defRPr>
+            </a:lvl8pPr>
+            <a:lvl9pPr marL="3886200" indent="-228600" eaLnBrk="0" fontAlgn="base" hangingPunct="0">
+              <a:spcBef>
+                <a:spcPct val="0"/>
+              </a:spcBef>
+              <a:spcAft>
+                <a:spcPct val="0"/>
+              </a:spcAft>
+              <a:defRPr>
+                <a:solidFill>
+                  <a:schemeClr val="tx1"/>
+                </a:solidFill>
+                <a:latin typeface="Verdana" pitchFamily="34" charset="0"/>
+                <a:ea typeface="宋体" charset="-122"/>
+              </a:defRPr>
+            </a:lvl9pPr>
+          </a:lstStyle>
+          <a:p>
+            <a:pPr eaLnBrk="1" hangingPunct="1"/>
             <a:fld id="{4143C7B9-5A10-4B74-BCD0-0885223FDEE8}" type="slidenum">
               <a:rPr lang="en-US" altLang="zh-CN" smtClean="0"/>
               <a:pPr eaLnBrk="1" hangingPunct="1"/>
-              <a:t>7</a:t>
+              <a:t>8</a:t>
             </a:fld>
             <a:endParaRPr lang="en-US" altLang="zh-CN" smtClean="0"/>
           </a:p>
@@ -16521,320 +17062,6 @@
 </p:sld>
 </file>
 
-<file path=ppt/slides/slide8.xml><?xml version="1.0" encoding="utf-8"?>
-<p:sld xmlns:a="http://schemas.openxmlformats.org/drawingml/2006/main" xmlns:r="http://schemas.openxmlformats.org/officeDocument/2006/relationships" xmlns:p="http://schemas.openxmlformats.org/presentationml/2006/main">
-  <p:cSld>
-    <p:spTree>
-      <p:nvGrpSpPr>
-        <p:cNvPr id="1" name=""/>
-        <p:cNvGrpSpPr/>
-        <p:nvPr/>
-      </p:nvGrpSpPr>
-      <p:grpSpPr>
-        <a:xfrm>
-          <a:off x="0" y="0"/>
-          <a:ext cx="0" cy="0"/>
-          <a:chOff x="0" y="0"/>
-          <a:chExt cx="0" cy="0"/>
-        </a:xfrm>
-      </p:grpSpPr>
-      <p:sp>
-        <p:nvSpPr>
-          <p:cNvPr id="10242" name="灯片编号占位符 5"/>
-          <p:cNvSpPr>
-            <a:spLocks noGrp="1"/>
-          </p:cNvSpPr>
-          <p:nvPr>
-            <p:ph type="sldNum" sz="quarter" idx="12"/>
-          </p:nvPr>
-        </p:nvSpPr>
-        <p:spPr>
-          <a:noFill/>
-          <a:ln/>
-          <a:extLst>
-            <a:ext uri="{909E8E84-426E-40DD-AFC4-6F175D3DCCD1}">
-              <a14:hiddenFill xmlns:a14="http://schemas.microsoft.com/office/drawing/2010/main">
-                <a:solidFill>
-                  <a:srgbClr val="FFFFFF"/>
-                </a:solidFill>
-              </a14:hiddenFill>
-            </a:ext>
-            <a:ext uri="{91240B29-F687-4F45-9708-019B960494DF}">
-              <a14:hiddenLine xmlns:a14="http://schemas.microsoft.com/office/drawing/2010/main" w="9525">
-                <a:solidFill>
-                  <a:srgbClr val="000000"/>
-                </a:solidFill>
-                <a:miter lim="800000"/>
-                <a:headEnd/>
-                <a:tailEnd/>
-              </a14:hiddenLine>
-            </a:ext>
-          </a:extLst>
-        </p:spPr>
-        <p:txBody>
-          <a:bodyPr/>
-          <a:lstStyle>
-            <a:lvl1pPr eaLnBrk="0" hangingPunct="0">
-              <a:defRPr>
-                <a:solidFill>
-                  <a:schemeClr val="tx1"/>
-                </a:solidFill>
-                <a:latin typeface="Verdana" pitchFamily="34" charset="0"/>
-                <a:ea typeface="宋体" charset="-122"/>
-              </a:defRPr>
-            </a:lvl1pPr>
-            <a:lvl2pPr marL="742950" indent="-285750" eaLnBrk="0" hangingPunct="0">
-              <a:defRPr>
-                <a:solidFill>
-                  <a:schemeClr val="tx1"/>
-                </a:solidFill>
-                <a:latin typeface="Verdana" pitchFamily="34" charset="0"/>
-                <a:ea typeface="宋体" charset="-122"/>
-              </a:defRPr>
-            </a:lvl2pPr>
-            <a:lvl3pPr marL="1143000" indent="-228600" eaLnBrk="0" hangingPunct="0">
-              <a:defRPr>
-                <a:solidFill>
-                  <a:schemeClr val="tx1"/>
-                </a:solidFill>
-                <a:latin typeface="Verdana" pitchFamily="34" charset="0"/>
-                <a:ea typeface="宋体" charset="-122"/>
-              </a:defRPr>
-            </a:lvl3pPr>
-            <a:lvl4pPr marL="1600200" indent="-228600" eaLnBrk="0" hangingPunct="0">
-              <a:defRPr>
-                <a:solidFill>
-                  <a:schemeClr val="tx1"/>
-                </a:solidFill>
-                <a:latin typeface="Verdana" pitchFamily="34" charset="0"/>
-                <a:ea typeface="宋体" charset="-122"/>
-              </a:defRPr>
-            </a:lvl4pPr>
-            <a:lvl5pPr marL="2057400" indent="-228600" eaLnBrk="0" hangingPunct="0">
-              <a:defRPr>
-                <a:solidFill>
-                  <a:schemeClr val="tx1"/>
-                </a:solidFill>
-                <a:latin typeface="Verdana" pitchFamily="34" charset="0"/>
-                <a:ea typeface="宋体" charset="-122"/>
-              </a:defRPr>
-            </a:lvl5pPr>
-            <a:lvl6pPr marL="2514600" indent="-228600" eaLnBrk="0" fontAlgn="base" hangingPunct="0">
-              <a:spcBef>
-                <a:spcPct val="0"/>
-              </a:spcBef>
-              <a:spcAft>
-                <a:spcPct val="0"/>
-              </a:spcAft>
-              <a:defRPr>
-                <a:solidFill>
-                  <a:schemeClr val="tx1"/>
-                </a:solidFill>
-                <a:latin typeface="Verdana" pitchFamily="34" charset="0"/>
-                <a:ea typeface="宋体" charset="-122"/>
-              </a:defRPr>
-            </a:lvl6pPr>
-            <a:lvl7pPr marL="2971800" indent="-228600" eaLnBrk="0" fontAlgn="base" hangingPunct="0">
-              <a:spcBef>
-                <a:spcPct val="0"/>
-              </a:spcBef>
-              <a:spcAft>
-                <a:spcPct val="0"/>
-              </a:spcAft>
-              <a:defRPr>
-                <a:solidFill>
-                  <a:schemeClr val="tx1"/>
-                </a:solidFill>
-                <a:latin typeface="Verdana" pitchFamily="34" charset="0"/>
-                <a:ea typeface="宋体" charset="-122"/>
-              </a:defRPr>
-            </a:lvl7pPr>
-            <a:lvl8pPr marL="3429000" indent="-228600" eaLnBrk="0" fontAlgn="base" hangingPunct="0">
-              <a:spcBef>
-                <a:spcPct val="0"/>
-              </a:spcBef>
-              <a:spcAft>
-                <a:spcPct val="0"/>
-              </a:spcAft>
-              <a:defRPr>
-                <a:solidFill>
-                  <a:schemeClr val="tx1"/>
-                </a:solidFill>
-                <a:latin typeface="Verdana" pitchFamily="34" charset="0"/>
-                <a:ea typeface="宋体" charset="-122"/>
-              </a:defRPr>
-            </a:lvl8pPr>
-            <a:lvl9pPr marL="3886200" indent="-228600" eaLnBrk="0" fontAlgn="base" hangingPunct="0">
-              <a:spcBef>
-                <a:spcPct val="0"/>
-              </a:spcBef>
-              <a:spcAft>
-                <a:spcPct val="0"/>
-              </a:spcAft>
-              <a:defRPr>
-                <a:solidFill>
-                  <a:schemeClr val="tx1"/>
-                </a:solidFill>
-                <a:latin typeface="Verdana" pitchFamily="34" charset="0"/>
-                <a:ea typeface="宋体" charset="-122"/>
-              </a:defRPr>
-            </a:lvl9pPr>
-          </a:lstStyle>
-          <a:p>
-            <a:pPr eaLnBrk="1" hangingPunct="1"/>
-            <a:fld id="{865B32D5-27C3-4636-B8A4-7CB4D72CA079}" type="slidenum">
-              <a:rPr lang="en-US" altLang="zh-CN" smtClean="0"/>
-              <a:pPr eaLnBrk="1" hangingPunct="1"/>
-              <a:t>8</a:t>
-            </a:fld>
-            <a:endParaRPr lang="en-US" altLang="zh-CN" smtClean="0"/>
-          </a:p>
-        </p:txBody>
-      </p:sp>
-      <p:sp>
-        <p:nvSpPr>
-          <p:cNvPr id="10243" name="Rectangle 2"/>
-          <p:cNvSpPr>
-            <a:spLocks noGrp="1" noChangeArrowheads="1"/>
-          </p:cNvSpPr>
-          <p:nvPr>
-            <p:ph type="title"/>
-          </p:nvPr>
-        </p:nvSpPr>
-        <p:spPr/>
-        <p:txBody>
-          <a:bodyPr/>
-          <a:lstStyle/>
-          <a:p>
-            <a:pPr eaLnBrk="1" hangingPunct="1"/>
-            <a:r>
-              <a:rPr lang="en-US" altLang="zh-CN" b="1" smtClean="0">
-                <a:latin typeface="黑体" pitchFamily="49" charset="-122"/>
-                <a:ea typeface="黑体" pitchFamily="49" charset="-122"/>
-              </a:rPr>
-              <a:t>5.3 </a:t>
-            </a:r>
-            <a:r>
-              <a:rPr lang="zh-CN" altLang="en-US" b="1" smtClean="0">
-                <a:latin typeface="黑体" pitchFamily="49" charset="-122"/>
-                <a:ea typeface="黑体" pitchFamily="49" charset="-122"/>
-              </a:rPr>
-              <a:t>对判定的测试</a:t>
-            </a:r>
-          </a:p>
-        </p:txBody>
-      </p:sp>
-      <p:sp>
-        <p:nvSpPr>
-          <p:cNvPr id="10244" name="Rectangle 3"/>
-          <p:cNvSpPr>
-            <a:spLocks noGrp="1" noChangeArrowheads="1"/>
-          </p:cNvSpPr>
-          <p:nvPr>
-            <p:ph type="body" idx="1"/>
-          </p:nvPr>
-        </p:nvSpPr>
-        <p:spPr/>
-        <p:txBody>
-          <a:bodyPr/>
-          <a:lstStyle/>
-          <a:p>
-            <a:pPr algn="just" eaLnBrk="1" hangingPunct="1"/>
-            <a:r>
-              <a:rPr lang="zh-CN" altLang="en-US" sz="3400" b="1" smtClean="0"/>
-              <a:t>测试用例设计</a:t>
-            </a:r>
-            <a:endParaRPr lang="en-US" altLang="zh-CN" sz="3400" b="1" smtClean="0"/>
-          </a:p>
-          <a:p>
-            <a:pPr lvl="1" algn="just" eaLnBrk="1" hangingPunct="1"/>
-            <a:r>
-              <a:rPr lang="zh-CN" altLang="en-US" b="1" smtClean="0"/>
-              <a:t>语句覆盖</a:t>
-            </a:r>
-            <a:endParaRPr lang="en-US" altLang="zh-CN" b="1" smtClean="0"/>
-          </a:p>
-          <a:p>
-            <a:pPr lvl="1" algn="just" eaLnBrk="1" hangingPunct="1"/>
-            <a:r>
-              <a:rPr lang="zh-CN" altLang="en-US" b="1" smtClean="0">
-                <a:solidFill>
-                  <a:srgbClr val="0000FF"/>
-                </a:solidFill>
-              </a:rPr>
-              <a:t>判定覆盖</a:t>
-            </a:r>
-            <a:endParaRPr lang="en-US" altLang="zh-CN" b="1" smtClean="0">
-              <a:solidFill>
-                <a:srgbClr val="0000FF"/>
-              </a:solidFill>
-            </a:endParaRPr>
-          </a:p>
-          <a:p>
-            <a:pPr lvl="1" algn="just" eaLnBrk="1" hangingPunct="1"/>
-            <a:r>
-              <a:rPr lang="zh-CN" altLang="en-US" b="1" smtClean="0"/>
-              <a:t>条件覆盖</a:t>
-            </a:r>
-            <a:endParaRPr lang="en-US" altLang="zh-CN" b="1" smtClean="0"/>
-          </a:p>
-          <a:p>
-            <a:pPr lvl="1" algn="just" eaLnBrk="1" hangingPunct="1"/>
-            <a:r>
-              <a:rPr lang="zh-CN" altLang="en-US" b="1" smtClean="0"/>
-              <a:t>判定</a:t>
-            </a:r>
-            <a:r>
-              <a:rPr lang="en-US" altLang="zh-CN" b="1" smtClean="0"/>
-              <a:t>/</a:t>
-            </a:r>
-            <a:r>
-              <a:rPr lang="zh-CN" altLang="en-US" b="1" smtClean="0"/>
-              <a:t>条件覆盖</a:t>
-            </a:r>
-            <a:endParaRPr lang="en-US" altLang="zh-CN" b="1" smtClean="0"/>
-          </a:p>
-          <a:p>
-            <a:pPr lvl="1" algn="just" eaLnBrk="1" hangingPunct="1"/>
-            <a:r>
-              <a:rPr lang="zh-CN" altLang="en-US" b="1" smtClean="0"/>
-              <a:t>条件组合覆盖</a:t>
-            </a:r>
-            <a:endParaRPr lang="en-US" altLang="zh-CN" b="1" smtClean="0"/>
-          </a:p>
-          <a:p>
-            <a:pPr lvl="1" algn="just" eaLnBrk="1" hangingPunct="1"/>
-            <a:r>
-              <a:rPr lang="zh-CN" altLang="en-US" b="1" smtClean="0"/>
-              <a:t>修正的判定</a:t>
-            </a:r>
-            <a:r>
-              <a:rPr lang="en-US" altLang="zh-CN" b="1" smtClean="0"/>
-              <a:t>/</a:t>
-            </a:r>
-            <a:r>
-              <a:rPr lang="zh-CN" altLang="en-US" b="1" smtClean="0"/>
-              <a:t>条件覆盖</a:t>
-            </a:r>
-          </a:p>
-        </p:txBody>
-      </p:sp>
-    </p:spTree>
-  </p:cSld>
-  <p:clrMapOvr>
-    <a:masterClrMapping/>
-  </p:clrMapOvr>
-  <p:transition/>
-  <p:timing>
-    <p:tnLst>
-      <p:par>
-        <p:cTn id="1" dur="indefinite" restart="never" nodeType="tmRoot"/>
-      </p:par>
-    </p:tnLst>
-  </p:timing>
-</p:sld>
-</file>
-
 <file path=ppt/slides/slide9.xml><?xml version="1.0" encoding="utf-8"?>
 <p:sld xmlns:a="http://schemas.openxmlformats.org/drawingml/2006/main" xmlns:r="http://schemas.openxmlformats.org/officeDocument/2006/relationships" xmlns:p="http://schemas.openxmlformats.org/presentationml/2006/main">
   <p:cSld>
@@ -16854,7 +17081,7 @@
       </p:grpSpPr>
       <p:sp>
         <p:nvSpPr>
-          <p:cNvPr id="11266" name="灯片编号占位符 5"/>
+          <p:cNvPr id="10242" name="灯片编号占位符 5"/>
           <p:cNvSpPr>
             <a:spLocks noGrp="1"/>
           </p:cNvSpPr>
@@ -16996,7 +17223,7 @@
           </a:lstStyle>
           <a:p>
             <a:pPr eaLnBrk="1" hangingPunct="1"/>
-            <a:fld id="{41A1BEC1-6F21-4B44-9D6A-7418AF0A6B24}" type="slidenum">
+            <a:fld id="{865B32D5-27C3-4636-B8A4-7CB4D72CA079}" type="slidenum">
               <a:rPr lang="en-US" altLang="zh-CN" smtClean="0"/>
               <a:pPr eaLnBrk="1" hangingPunct="1"/>
               <a:t>9</a:t>
@@ -17007,7 +17234,7 @@
       </p:sp>
       <p:sp>
         <p:nvSpPr>
-          <p:cNvPr id="11267" name="Rectangle 2"/>
+          <p:cNvPr id="10243" name="Rectangle 2"/>
           <p:cNvSpPr>
             <a:spLocks noGrp="1" noChangeArrowheads="1"/>
           </p:cNvSpPr>
@@ -17040,7 +17267,7 @@
       </p:sp>
       <p:sp>
         <p:nvSpPr>
-          <p:cNvPr id="11268" name="Rectangle 3"/>
+          <p:cNvPr id="10244" name="Rectangle 3"/>
           <p:cNvSpPr>
             <a:spLocks noGrp="1" noChangeArrowheads="1"/>
           </p:cNvSpPr>
@@ -17055,16 +17282,80 @@
           <a:p>
             <a:pPr algn="just" eaLnBrk="1" hangingPunct="1"/>
             <a:r>
-              <a:rPr lang="zh-CN" altLang="en-US" sz="3400" b="1" dirty="0" smtClean="0"/>
+              <a:rPr lang="zh-CN" altLang="en-US" sz="3400" b="1" smtClean="0"/>
+              <a:t>测试用例设计</a:t>
+            </a:r>
+            <a:endParaRPr lang="en-US" altLang="zh-CN" sz="3400" b="1" smtClean="0"/>
+          </a:p>
+          <a:p>
+            <a:pPr lvl="1" algn="just" eaLnBrk="1" hangingPunct="1"/>
+            <a:r>
+              <a:rPr lang="zh-CN" altLang="en-US" b="1" smtClean="0"/>
+              <a:t>语句覆盖</a:t>
+            </a:r>
+            <a:endParaRPr lang="en-US" altLang="zh-CN" b="1" smtClean="0"/>
+          </a:p>
+          <a:p>
+            <a:pPr lvl="1" algn="just" eaLnBrk="1" hangingPunct="1"/>
+            <a:r>
+              <a:rPr lang="zh-CN" altLang="en-US" b="1" smtClean="0">
+                <a:solidFill>
+                  <a:srgbClr val="0000FF"/>
+                </a:solidFill>
+              </a:rPr>
               <a:t>判定覆盖</a:t>
             </a:r>
-            <a:endParaRPr lang="en-US" altLang="zh-CN" sz="3400" b="1" dirty="0" smtClean="0"/>
+            <a:endParaRPr lang="en-US" altLang="zh-CN" b="1" smtClean="0">
+              <a:solidFill>
+                <a:srgbClr val="0000FF"/>
+              </a:solidFill>
+            </a:endParaRPr>
           </a:p>
           <a:p>
             <a:pPr lvl="1" algn="just" eaLnBrk="1" hangingPunct="1"/>
             <a:r>
-              <a:rPr lang="zh-CN" altLang="en-US" sz="3200" b="1" dirty="0"/>
-              <a:t>设计测试用例时应保证程序中每个判定节点的取真和取假分支至少执行一次</a:t>
+              <a:rPr lang="zh-CN" altLang="en-US" b="1" smtClean="0"/>
+              <a:t>条件覆盖</a:t>
+            </a:r>
+            <a:endParaRPr lang="en-US" altLang="zh-CN" b="1" smtClean="0"/>
+          </a:p>
+          <a:p>
+            <a:pPr lvl="1" algn="just" eaLnBrk="1" hangingPunct="1"/>
+            <a:r>
+              <a:rPr lang="zh-CN" altLang="en-US" b="1" smtClean="0"/>
+              <a:t>判定</a:t>
+            </a:r>
+            <a:r>
+              <a:rPr lang="en-US" altLang="zh-CN" b="1" smtClean="0"/>
+              <a:t>/</a:t>
+            </a:r>
+            <a:r>
+              <a:rPr lang="zh-CN" altLang="en-US" b="1" smtClean="0"/>
+              <a:t>条件覆盖</a:t>
+            </a:r>
+            <a:endParaRPr lang="en-US" altLang="zh-CN" b="1" smtClean="0"/>
+          </a:p>
+          <a:p>
+            <a:pPr lvl="1" algn="just" eaLnBrk="1" hangingPunct="1"/>
+            <a:r>
+              <a:rPr lang="zh-CN" altLang="en-US" b="1" smtClean="0"/>
+              <a:t>条件组合覆盖</a:t>
+            </a:r>
+            <a:endParaRPr lang="en-US" altLang="zh-CN" b="1" smtClean="0"/>
+          </a:p>
+          <a:p>
+            <a:pPr lvl="1" algn="just" eaLnBrk="1" hangingPunct="1"/>
+            <a:r>
+              <a:rPr lang="zh-CN" altLang="en-US" b="1" smtClean="0"/>
+              <a:t>修正的判定</a:t>
+            </a:r>
+            <a:r>
+              <a:rPr lang="en-US" altLang="zh-CN" b="1" smtClean="0"/>
+              <a:t>/</a:t>
+            </a:r>
+            <a:r>
+              <a:rPr lang="zh-CN" altLang="en-US" b="1" smtClean="0"/>
+              <a:t>条件覆盖</a:t>
             </a:r>
           </a:p>
         </p:txBody>

--- a/PPT/第二部分 软件测试技术/5.3  白盒测试技术-对于判定的测试.pptx
+++ b/PPT/第二部分 软件测试技术/5.3  白盒测试技术-对于判定的测试.pptx
@@ -5,10 +5,10 @@
     <p:sldMasterId id="2147483776" r:id="rId1"/>
   </p:sldMasterIdLst>
   <p:notesMasterIdLst>
-    <p:notesMasterId r:id="rId37"/>
+    <p:notesMasterId r:id="rId38"/>
   </p:notesMasterIdLst>
   <p:handoutMasterIdLst>
-    <p:handoutMasterId r:id="rId38"/>
+    <p:handoutMasterId r:id="rId39"/>
   </p:handoutMasterIdLst>
   <p:sldIdLst>
     <p:sldId id="451" r:id="rId2"/>
@@ -19,33 +19,34 @@
     <p:sldId id="334" r:id="rId7"/>
     <p:sldId id="372" r:id="rId8"/>
     <p:sldId id="373" r:id="rId9"/>
-    <p:sldId id="371" r:id="rId10"/>
-    <p:sldId id="374" r:id="rId11"/>
-    <p:sldId id="375" r:id="rId12"/>
-    <p:sldId id="370" r:id="rId13"/>
-    <p:sldId id="376" r:id="rId14"/>
-    <p:sldId id="377" r:id="rId15"/>
-    <p:sldId id="369" r:id="rId16"/>
-    <p:sldId id="378" r:id="rId17"/>
-    <p:sldId id="454" r:id="rId18"/>
-    <p:sldId id="453" r:id="rId19"/>
-    <p:sldId id="368" r:id="rId20"/>
-    <p:sldId id="380" r:id="rId21"/>
-    <p:sldId id="381" r:id="rId22"/>
-    <p:sldId id="382" r:id="rId23"/>
-    <p:sldId id="367" r:id="rId24"/>
-    <p:sldId id="383" r:id="rId25"/>
-    <p:sldId id="384" r:id="rId26"/>
-    <p:sldId id="457" r:id="rId27"/>
-    <p:sldId id="335" r:id="rId28"/>
-    <p:sldId id="458" r:id="rId29"/>
-    <p:sldId id="459" r:id="rId30"/>
-    <p:sldId id="460" r:id="rId31"/>
-    <p:sldId id="461" r:id="rId32"/>
-    <p:sldId id="462" r:id="rId33"/>
-    <p:sldId id="463" r:id="rId34"/>
-    <p:sldId id="271" r:id="rId35"/>
-    <p:sldId id="316" r:id="rId36"/>
+    <p:sldId id="465" r:id="rId10"/>
+    <p:sldId id="371" r:id="rId11"/>
+    <p:sldId id="374" r:id="rId12"/>
+    <p:sldId id="375" r:id="rId13"/>
+    <p:sldId id="370" r:id="rId14"/>
+    <p:sldId id="376" r:id="rId15"/>
+    <p:sldId id="377" r:id="rId16"/>
+    <p:sldId id="369" r:id="rId17"/>
+    <p:sldId id="378" r:id="rId18"/>
+    <p:sldId id="454" r:id="rId19"/>
+    <p:sldId id="453" r:id="rId20"/>
+    <p:sldId id="368" r:id="rId21"/>
+    <p:sldId id="380" r:id="rId22"/>
+    <p:sldId id="381" r:id="rId23"/>
+    <p:sldId id="382" r:id="rId24"/>
+    <p:sldId id="367" r:id="rId25"/>
+    <p:sldId id="383" r:id="rId26"/>
+    <p:sldId id="384" r:id="rId27"/>
+    <p:sldId id="457" r:id="rId28"/>
+    <p:sldId id="335" r:id="rId29"/>
+    <p:sldId id="458" r:id="rId30"/>
+    <p:sldId id="459" r:id="rId31"/>
+    <p:sldId id="460" r:id="rId32"/>
+    <p:sldId id="461" r:id="rId33"/>
+    <p:sldId id="462" r:id="rId34"/>
+    <p:sldId id="463" r:id="rId35"/>
+    <p:sldId id="271" r:id="rId36"/>
+    <p:sldId id="316" r:id="rId37"/>
   </p:sldIdLst>
   <p:sldSz cx="9144000" cy="6858000" type="screen4x3"/>
   <p:notesSz cx="6858000" cy="9144000"/>
@@ -1110,6 +1111,245 @@
               </a:rPr>
               <a:pPr eaLnBrk="1" hangingPunct="1"/>
               <a:t>8</a:t>
+            </a:fld>
+            <a:endParaRPr lang="en-US" altLang="zh-CN" smtClean="0">
+              <a:latin typeface="Arial" charset="0"/>
+            </a:endParaRPr>
+          </a:p>
+        </p:txBody>
+      </p:sp>
+    </p:spTree>
+  </p:cSld>
+  <p:clrMapOvr>
+    <a:masterClrMapping/>
+  </p:clrMapOvr>
+</p:notes>
+</file>
+
+<file path=ppt/notesSlides/notesSlide2.xml><?xml version="1.0" encoding="utf-8"?>
+<p:notes xmlns:a="http://schemas.openxmlformats.org/drawingml/2006/main" xmlns:r="http://schemas.openxmlformats.org/officeDocument/2006/relationships" xmlns:p="http://schemas.openxmlformats.org/presentationml/2006/main">
+  <p:cSld>
+    <p:spTree>
+      <p:nvGrpSpPr>
+        <p:cNvPr id="1" name=""/>
+        <p:cNvGrpSpPr/>
+        <p:nvPr/>
+      </p:nvGrpSpPr>
+      <p:grpSpPr>
+        <a:xfrm>
+          <a:off x="0" y="0"/>
+          <a:ext cx="0" cy="0"/>
+          <a:chOff x="0" y="0"/>
+          <a:chExt cx="0" cy="0"/>
+        </a:xfrm>
+      </p:grpSpPr>
+      <p:sp>
+        <p:nvSpPr>
+          <p:cNvPr id="118786" name="幻灯片图像占位符 1"/>
+          <p:cNvSpPr>
+            <a:spLocks noGrp="1" noRot="1" noChangeAspect="1" noTextEdit="1"/>
+          </p:cNvSpPr>
+          <p:nvPr>
+            <p:ph type="sldImg"/>
+          </p:nvPr>
+        </p:nvSpPr>
+        <p:spPr>
+          <a:ln/>
+        </p:spPr>
+      </p:sp>
+      <p:sp>
+        <p:nvSpPr>
+          <p:cNvPr id="118787" name="备注占位符 2"/>
+          <p:cNvSpPr>
+            <a:spLocks noGrp="1"/>
+          </p:cNvSpPr>
+          <p:nvPr>
+            <p:ph type="body" idx="1"/>
+          </p:nvPr>
+        </p:nvSpPr>
+        <p:spPr>
+          <a:noFill/>
+          <a:ln/>
+          <a:extLst>
+            <a:ext uri="{909E8E84-426E-40DD-AFC4-6F175D3DCCD1}">
+              <a14:hiddenFill xmlns:a14="http://schemas.microsoft.com/office/drawing/2010/main">
+                <a:solidFill>
+                  <a:srgbClr val="FFFFFF"/>
+                </a:solidFill>
+              </a14:hiddenFill>
+            </a:ext>
+            <a:ext uri="{91240B29-F687-4F45-9708-019B960494DF}">
+              <a14:hiddenLine xmlns:a14="http://schemas.microsoft.com/office/drawing/2010/main" w="9525">
+                <a:solidFill>
+                  <a:srgbClr val="000000"/>
+                </a:solidFill>
+                <a:miter lim="800000"/>
+                <a:headEnd/>
+                <a:tailEnd/>
+              </a14:hiddenLine>
+            </a:ext>
+          </a:extLst>
+        </p:spPr>
+        <p:txBody>
+          <a:bodyPr/>
+          <a:lstStyle/>
+          <a:p>
+            <a:endParaRPr lang="zh-CN" altLang="en-US" smtClean="0">
+              <a:ea typeface="宋体" charset="-122"/>
+            </a:endParaRPr>
+          </a:p>
+        </p:txBody>
+      </p:sp>
+      <p:sp>
+        <p:nvSpPr>
+          <p:cNvPr id="118788" name="灯片编号占位符 3"/>
+          <p:cNvSpPr>
+            <a:spLocks noGrp="1"/>
+          </p:cNvSpPr>
+          <p:nvPr>
+            <p:ph type="sldNum" sz="quarter" idx="5"/>
+          </p:nvPr>
+        </p:nvSpPr>
+        <p:spPr>
+          <a:noFill/>
+          <a:ln/>
+          <a:extLst>
+            <a:ext uri="{909E8E84-426E-40DD-AFC4-6F175D3DCCD1}">
+              <a14:hiddenFill xmlns:a14="http://schemas.microsoft.com/office/drawing/2010/main">
+                <a:solidFill>
+                  <a:srgbClr val="FFFFFF"/>
+                </a:solidFill>
+              </a14:hiddenFill>
+            </a:ext>
+            <a:ext uri="{91240B29-F687-4F45-9708-019B960494DF}">
+              <a14:hiddenLine xmlns:a14="http://schemas.microsoft.com/office/drawing/2010/main" w="9525">
+                <a:solidFill>
+                  <a:srgbClr val="000000"/>
+                </a:solidFill>
+                <a:miter lim="800000"/>
+                <a:headEnd/>
+                <a:tailEnd/>
+              </a14:hiddenLine>
+            </a:ext>
+          </a:extLst>
+        </p:spPr>
+        <p:txBody>
+          <a:bodyPr/>
+          <a:lstStyle>
+            <a:lvl1pPr eaLnBrk="0" hangingPunct="0">
+              <a:defRPr>
+                <a:solidFill>
+                  <a:schemeClr val="tx1"/>
+                </a:solidFill>
+                <a:latin typeface="Verdana" pitchFamily="34" charset="0"/>
+                <a:ea typeface="宋体" charset="-122"/>
+              </a:defRPr>
+            </a:lvl1pPr>
+            <a:lvl2pPr marL="742950" indent="-285750" eaLnBrk="0" hangingPunct="0">
+              <a:defRPr>
+                <a:solidFill>
+                  <a:schemeClr val="tx1"/>
+                </a:solidFill>
+                <a:latin typeface="Verdana" pitchFamily="34" charset="0"/>
+                <a:ea typeface="宋体" charset="-122"/>
+              </a:defRPr>
+            </a:lvl2pPr>
+            <a:lvl3pPr marL="1143000" indent="-228600" eaLnBrk="0" hangingPunct="0">
+              <a:defRPr>
+                <a:solidFill>
+                  <a:schemeClr val="tx1"/>
+                </a:solidFill>
+                <a:latin typeface="Verdana" pitchFamily="34" charset="0"/>
+                <a:ea typeface="宋体" charset="-122"/>
+              </a:defRPr>
+            </a:lvl3pPr>
+            <a:lvl4pPr marL="1600200" indent="-228600" eaLnBrk="0" hangingPunct="0">
+              <a:defRPr>
+                <a:solidFill>
+                  <a:schemeClr val="tx1"/>
+                </a:solidFill>
+                <a:latin typeface="Verdana" pitchFamily="34" charset="0"/>
+                <a:ea typeface="宋体" charset="-122"/>
+              </a:defRPr>
+            </a:lvl4pPr>
+            <a:lvl5pPr marL="2057400" indent="-228600" eaLnBrk="0" hangingPunct="0">
+              <a:defRPr>
+                <a:solidFill>
+                  <a:schemeClr val="tx1"/>
+                </a:solidFill>
+                <a:latin typeface="Verdana" pitchFamily="34" charset="0"/>
+                <a:ea typeface="宋体" charset="-122"/>
+              </a:defRPr>
+            </a:lvl5pPr>
+            <a:lvl6pPr marL="2514600" indent="-228600" eaLnBrk="0" fontAlgn="base" hangingPunct="0">
+              <a:spcBef>
+                <a:spcPct val="0"/>
+              </a:spcBef>
+              <a:spcAft>
+                <a:spcPct val="0"/>
+              </a:spcAft>
+              <a:defRPr>
+                <a:solidFill>
+                  <a:schemeClr val="tx1"/>
+                </a:solidFill>
+                <a:latin typeface="Verdana" pitchFamily="34" charset="0"/>
+                <a:ea typeface="宋体" charset="-122"/>
+              </a:defRPr>
+            </a:lvl6pPr>
+            <a:lvl7pPr marL="2971800" indent="-228600" eaLnBrk="0" fontAlgn="base" hangingPunct="0">
+              <a:spcBef>
+                <a:spcPct val="0"/>
+              </a:spcBef>
+              <a:spcAft>
+                <a:spcPct val="0"/>
+              </a:spcAft>
+              <a:defRPr>
+                <a:solidFill>
+                  <a:schemeClr val="tx1"/>
+                </a:solidFill>
+                <a:latin typeface="Verdana" pitchFamily="34" charset="0"/>
+                <a:ea typeface="宋体" charset="-122"/>
+              </a:defRPr>
+            </a:lvl7pPr>
+            <a:lvl8pPr marL="3429000" indent="-228600" eaLnBrk="0" fontAlgn="base" hangingPunct="0">
+              <a:spcBef>
+                <a:spcPct val="0"/>
+              </a:spcBef>
+              <a:spcAft>
+                <a:spcPct val="0"/>
+              </a:spcAft>
+              <a:defRPr>
+                <a:solidFill>
+                  <a:schemeClr val="tx1"/>
+                </a:solidFill>
+                <a:latin typeface="Verdana" pitchFamily="34" charset="0"/>
+                <a:ea typeface="宋体" charset="-122"/>
+              </a:defRPr>
+            </a:lvl8pPr>
+            <a:lvl9pPr marL="3886200" indent="-228600" eaLnBrk="0" fontAlgn="base" hangingPunct="0">
+              <a:spcBef>
+                <a:spcPct val="0"/>
+              </a:spcBef>
+              <a:spcAft>
+                <a:spcPct val="0"/>
+              </a:spcAft>
+              <a:defRPr>
+                <a:solidFill>
+                  <a:schemeClr val="tx1"/>
+                </a:solidFill>
+                <a:latin typeface="Verdana" pitchFamily="34" charset="0"/>
+                <a:ea typeface="宋体" charset="-122"/>
+              </a:defRPr>
+            </a:lvl9pPr>
+          </a:lstStyle>
+          <a:p>
+            <a:pPr eaLnBrk="1" hangingPunct="1"/>
+            <a:fld id="{AA082D1F-9F31-44F1-AB82-695A3E5C8796}" type="slidenum">
+              <a:rPr lang="en-US" altLang="zh-CN" smtClean="0">
+                <a:latin typeface="Arial" charset="0"/>
+              </a:rPr>
+              <a:pPr eaLnBrk="1" hangingPunct="1"/>
+              <a:t>9</a:t>
             </a:fld>
             <a:endParaRPr lang="en-US" altLang="zh-CN" smtClean="0">
               <a:latin typeface="Arial" charset="0"/>
@@ -5366,7 +5606,7 @@
       </p:grpSpPr>
       <p:sp>
         <p:nvSpPr>
-          <p:cNvPr id="11266" name="灯片编号占位符 5"/>
+          <p:cNvPr id="10242" name="灯片编号占位符 5"/>
           <p:cNvSpPr>
             <a:spLocks noGrp="1"/>
           </p:cNvSpPr>
@@ -5508,7 +5748,7 @@
           </a:lstStyle>
           <a:p>
             <a:pPr eaLnBrk="1" hangingPunct="1"/>
-            <a:fld id="{41A1BEC1-6F21-4B44-9D6A-7418AF0A6B24}" type="slidenum">
+            <a:fld id="{865B32D5-27C3-4636-B8A4-7CB4D72CA079}" type="slidenum">
               <a:rPr lang="en-US" altLang="zh-CN" smtClean="0"/>
               <a:pPr eaLnBrk="1" hangingPunct="1"/>
               <a:t>10</a:t>
@@ -5519,7 +5759,7 @@
       </p:sp>
       <p:sp>
         <p:nvSpPr>
-          <p:cNvPr id="11267" name="Rectangle 2"/>
+          <p:cNvPr id="10243" name="Rectangle 2"/>
           <p:cNvSpPr>
             <a:spLocks noGrp="1" noChangeArrowheads="1"/>
           </p:cNvSpPr>
@@ -5552,7 +5792,7 @@
       </p:sp>
       <p:sp>
         <p:nvSpPr>
-          <p:cNvPr id="11268" name="Rectangle 3"/>
+          <p:cNvPr id="10244" name="Rectangle 3"/>
           <p:cNvSpPr>
             <a:spLocks noGrp="1" noChangeArrowheads="1"/>
           </p:cNvSpPr>
@@ -5567,30 +5807,81 @@
           <a:p>
             <a:pPr algn="just" eaLnBrk="1" hangingPunct="1"/>
             <a:r>
-              <a:rPr lang="zh-CN" altLang="en-US" sz="3400" b="1" dirty="0" smtClean="0"/>
+              <a:rPr lang="zh-CN" altLang="en-US" sz="3400" b="1" smtClean="0"/>
+              <a:t>测试用例设计</a:t>
+            </a:r>
+            <a:endParaRPr lang="en-US" altLang="zh-CN" sz="3400" b="1" smtClean="0"/>
+          </a:p>
+          <a:p>
+            <a:pPr lvl="1" algn="just" eaLnBrk="1" hangingPunct="1"/>
+            <a:r>
+              <a:rPr lang="zh-CN" altLang="en-US" b="1" smtClean="0"/>
+              <a:t>语句覆盖</a:t>
+            </a:r>
+            <a:endParaRPr lang="en-US" altLang="zh-CN" b="1" smtClean="0"/>
+          </a:p>
+          <a:p>
+            <a:pPr lvl="1" algn="just" eaLnBrk="1" hangingPunct="1"/>
+            <a:r>
+              <a:rPr lang="zh-CN" altLang="en-US" b="1" smtClean="0">
+                <a:solidFill>
+                  <a:srgbClr val="0000FF"/>
+                </a:solidFill>
+              </a:rPr>
               <a:t>判定覆盖</a:t>
             </a:r>
-            <a:endParaRPr lang="en-US" altLang="zh-CN" sz="3400" b="1" dirty="0" smtClean="0"/>
+            <a:endParaRPr lang="en-US" altLang="zh-CN" b="1" smtClean="0">
+              <a:solidFill>
+                <a:srgbClr val="0000FF"/>
+              </a:solidFill>
+            </a:endParaRPr>
           </a:p>
           <a:p>
             <a:pPr lvl="1" algn="just" eaLnBrk="1" hangingPunct="1"/>
             <a:r>
-              <a:rPr lang="zh-CN" altLang="en-US" sz="3200" b="1" dirty="0"/>
-              <a:t>设计测试用例时应保证程序中每个判定节点的取真和取假分支至少执行一</a:t>
-            </a:r>
-            <a:r>
-              <a:rPr lang="zh-CN" altLang="en-US" sz="3200" b="1" dirty="0" smtClean="0"/>
-              <a:t>次</a:t>
-            </a:r>
-            <a:endParaRPr lang="en-US" altLang="zh-CN" sz="3200" b="1" dirty="0" smtClean="0"/>
+              <a:rPr lang="zh-CN" altLang="en-US" b="1" smtClean="0"/>
+              <a:t>条件覆盖</a:t>
+            </a:r>
+            <a:endParaRPr lang="en-US" altLang="zh-CN" b="1" smtClean="0"/>
           </a:p>
           <a:p>
             <a:pPr lvl="1" algn="just" eaLnBrk="1" hangingPunct="1"/>
             <a:r>
-              <a:rPr lang="zh-CN" altLang="en-US" sz="3200" b="1" dirty="0" smtClean="0"/>
-              <a:t>边覆盖</a:t>
-            </a:r>
-            <a:endParaRPr lang="zh-CN" altLang="en-US" sz="3200" b="1" dirty="0"/>
+              <a:rPr lang="zh-CN" altLang="en-US" b="1" smtClean="0"/>
+              <a:t>判定</a:t>
+            </a:r>
+            <a:r>
+              <a:rPr lang="en-US" altLang="zh-CN" b="1" smtClean="0"/>
+              <a:t>/</a:t>
+            </a:r>
+            <a:r>
+              <a:rPr lang="zh-CN" altLang="en-US" b="1" smtClean="0"/>
+              <a:t>条件覆盖</a:t>
+            </a:r>
+            <a:endParaRPr lang="en-US" altLang="zh-CN" b="1" smtClean="0"/>
+          </a:p>
+          <a:p>
+            <a:pPr lvl="1" algn="just" eaLnBrk="1" hangingPunct="1"/>
+            <a:r>
+              <a:rPr lang="zh-CN" altLang="en-US" b="1" smtClean="0"/>
+              <a:t>条件组合覆盖</a:t>
+            </a:r>
+            <a:endParaRPr lang="en-US" altLang="zh-CN" b="1" smtClean="0"/>
+          </a:p>
+          <a:p>
+            <a:pPr lvl="1" algn="just" eaLnBrk="1" hangingPunct="1"/>
+            <a:r>
+              <a:rPr lang="zh-CN" altLang="en-US" b="1" smtClean="0"/>
+              <a:t>修正的判定</a:t>
+            </a:r>
+            <a:r>
+              <a:rPr lang="en-US" altLang="zh-CN" b="1" smtClean="0"/>
+              <a:t>/</a:t>
+            </a:r>
+            <a:r>
+              <a:rPr lang="zh-CN" altLang="en-US" b="1" smtClean="0"/>
+              <a:t>条件覆盖</a:t>
+            </a:r>
           </a:p>
         </p:txBody>
       </p:sp>
@@ -5629,6 +5920,301 @@
       </p:grpSpPr>
       <p:sp>
         <p:nvSpPr>
+          <p:cNvPr id="11266" name="灯片编号占位符 5"/>
+          <p:cNvSpPr>
+            <a:spLocks noGrp="1"/>
+          </p:cNvSpPr>
+          <p:nvPr>
+            <p:ph type="sldNum" sz="quarter" idx="12"/>
+          </p:nvPr>
+        </p:nvSpPr>
+        <p:spPr>
+          <a:noFill/>
+          <a:ln/>
+          <a:extLst>
+            <a:ext uri="{909E8E84-426E-40DD-AFC4-6F175D3DCCD1}">
+              <a14:hiddenFill xmlns:a14="http://schemas.microsoft.com/office/drawing/2010/main">
+                <a:solidFill>
+                  <a:srgbClr val="FFFFFF"/>
+                </a:solidFill>
+              </a14:hiddenFill>
+            </a:ext>
+            <a:ext uri="{91240B29-F687-4F45-9708-019B960494DF}">
+              <a14:hiddenLine xmlns:a14="http://schemas.microsoft.com/office/drawing/2010/main" w="9525">
+                <a:solidFill>
+                  <a:srgbClr val="000000"/>
+                </a:solidFill>
+                <a:miter lim="800000"/>
+                <a:headEnd/>
+                <a:tailEnd/>
+              </a14:hiddenLine>
+            </a:ext>
+          </a:extLst>
+        </p:spPr>
+        <p:txBody>
+          <a:bodyPr/>
+          <a:lstStyle>
+            <a:lvl1pPr eaLnBrk="0" hangingPunct="0">
+              <a:defRPr>
+                <a:solidFill>
+                  <a:schemeClr val="tx1"/>
+                </a:solidFill>
+                <a:latin typeface="Verdana" pitchFamily="34" charset="0"/>
+                <a:ea typeface="宋体" charset="-122"/>
+              </a:defRPr>
+            </a:lvl1pPr>
+            <a:lvl2pPr marL="742950" indent="-285750" eaLnBrk="0" hangingPunct="0">
+              <a:defRPr>
+                <a:solidFill>
+                  <a:schemeClr val="tx1"/>
+                </a:solidFill>
+                <a:latin typeface="Verdana" pitchFamily="34" charset="0"/>
+                <a:ea typeface="宋体" charset="-122"/>
+              </a:defRPr>
+            </a:lvl2pPr>
+            <a:lvl3pPr marL="1143000" indent="-228600" eaLnBrk="0" hangingPunct="0">
+              <a:defRPr>
+                <a:solidFill>
+                  <a:schemeClr val="tx1"/>
+                </a:solidFill>
+                <a:latin typeface="Verdana" pitchFamily="34" charset="0"/>
+                <a:ea typeface="宋体" charset="-122"/>
+              </a:defRPr>
+            </a:lvl3pPr>
+            <a:lvl4pPr marL="1600200" indent="-228600" eaLnBrk="0" hangingPunct="0">
+              <a:defRPr>
+                <a:solidFill>
+                  <a:schemeClr val="tx1"/>
+                </a:solidFill>
+                <a:latin typeface="Verdana" pitchFamily="34" charset="0"/>
+                <a:ea typeface="宋体" charset="-122"/>
+              </a:defRPr>
+            </a:lvl4pPr>
+            <a:lvl5pPr marL="2057400" indent="-228600" eaLnBrk="0" hangingPunct="0">
+              <a:defRPr>
+                <a:solidFill>
+                  <a:schemeClr val="tx1"/>
+                </a:solidFill>
+                <a:latin typeface="Verdana" pitchFamily="34" charset="0"/>
+                <a:ea typeface="宋体" charset="-122"/>
+              </a:defRPr>
+            </a:lvl5pPr>
+            <a:lvl6pPr marL="2514600" indent="-228600" eaLnBrk="0" fontAlgn="base" hangingPunct="0">
+              <a:spcBef>
+                <a:spcPct val="0"/>
+              </a:spcBef>
+              <a:spcAft>
+                <a:spcPct val="0"/>
+              </a:spcAft>
+              <a:defRPr>
+                <a:solidFill>
+                  <a:schemeClr val="tx1"/>
+                </a:solidFill>
+                <a:latin typeface="Verdana" pitchFamily="34" charset="0"/>
+                <a:ea typeface="宋体" charset="-122"/>
+              </a:defRPr>
+            </a:lvl6pPr>
+            <a:lvl7pPr marL="2971800" indent="-228600" eaLnBrk="0" fontAlgn="base" hangingPunct="0">
+              <a:spcBef>
+                <a:spcPct val="0"/>
+              </a:spcBef>
+              <a:spcAft>
+                <a:spcPct val="0"/>
+              </a:spcAft>
+              <a:defRPr>
+                <a:solidFill>
+                  <a:schemeClr val="tx1"/>
+                </a:solidFill>
+                <a:latin typeface="Verdana" pitchFamily="34" charset="0"/>
+                <a:ea typeface="宋体" charset="-122"/>
+              </a:defRPr>
+            </a:lvl7pPr>
+            <a:lvl8pPr marL="3429000" indent="-228600" eaLnBrk="0" fontAlgn="base" hangingPunct="0">
+              <a:spcBef>
+                <a:spcPct val="0"/>
+              </a:spcBef>
+              <a:spcAft>
+                <a:spcPct val="0"/>
+              </a:spcAft>
+              <a:defRPr>
+                <a:solidFill>
+                  <a:schemeClr val="tx1"/>
+                </a:solidFill>
+                <a:latin typeface="Verdana" pitchFamily="34" charset="0"/>
+                <a:ea typeface="宋体" charset="-122"/>
+              </a:defRPr>
+            </a:lvl8pPr>
+            <a:lvl9pPr marL="3886200" indent="-228600" eaLnBrk="0" fontAlgn="base" hangingPunct="0">
+              <a:spcBef>
+                <a:spcPct val="0"/>
+              </a:spcBef>
+              <a:spcAft>
+                <a:spcPct val="0"/>
+              </a:spcAft>
+              <a:defRPr>
+                <a:solidFill>
+                  <a:schemeClr val="tx1"/>
+                </a:solidFill>
+                <a:latin typeface="Verdana" pitchFamily="34" charset="0"/>
+                <a:ea typeface="宋体" charset="-122"/>
+              </a:defRPr>
+            </a:lvl9pPr>
+          </a:lstStyle>
+          <a:p>
+            <a:pPr eaLnBrk="1" hangingPunct="1"/>
+            <a:fld id="{41A1BEC1-6F21-4B44-9D6A-7418AF0A6B24}" type="slidenum">
+              <a:rPr lang="en-US" altLang="zh-CN" smtClean="0"/>
+              <a:pPr eaLnBrk="1" hangingPunct="1"/>
+              <a:t>11</a:t>
+            </a:fld>
+            <a:endParaRPr lang="en-US" altLang="zh-CN" smtClean="0"/>
+          </a:p>
+        </p:txBody>
+      </p:sp>
+      <p:sp>
+        <p:nvSpPr>
+          <p:cNvPr id="11267" name="Rectangle 2"/>
+          <p:cNvSpPr>
+            <a:spLocks noGrp="1" noChangeArrowheads="1"/>
+          </p:cNvSpPr>
+          <p:nvPr>
+            <p:ph type="title"/>
+          </p:nvPr>
+        </p:nvSpPr>
+        <p:spPr/>
+        <p:txBody>
+          <a:bodyPr/>
+          <a:lstStyle/>
+          <a:p>
+            <a:pPr eaLnBrk="1" hangingPunct="1"/>
+            <a:r>
+              <a:rPr lang="en-US" altLang="zh-CN" b="1" smtClean="0">
+                <a:latin typeface="黑体" pitchFamily="49" charset="-122"/>
+                <a:ea typeface="黑体" pitchFamily="49" charset="-122"/>
+              </a:rPr>
+              <a:t>5.3 </a:t>
+            </a:r>
+            <a:r>
+              <a:rPr lang="zh-CN" altLang="en-US" b="1" smtClean="0">
+                <a:latin typeface="黑体" pitchFamily="49" charset="-122"/>
+                <a:ea typeface="黑体" pitchFamily="49" charset="-122"/>
+              </a:rPr>
+              <a:t>对判定的测试</a:t>
+            </a:r>
+          </a:p>
+        </p:txBody>
+      </p:sp>
+      <p:sp>
+        <p:nvSpPr>
+          <p:cNvPr id="11268" name="Rectangle 3"/>
+          <p:cNvSpPr>
+            <a:spLocks noGrp="1" noChangeArrowheads="1"/>
+          </p:cNvSpPr>
+          <p:nvPr>
+            <p:ph type="body" idx="1"/>
+          </p:nvPr>
+        </p:nvSpPr>
+        <p:spPr/>
+        <p:txBody>
+          <a:bodyPr/>
+          <a:lstStyle/>
+          <a:p>
+            <a:pPr algn="just" eaLnBrk="1" hangingPunct="1"/>
+            <a:r>
+              <a:rPr lang="zh-CN" altLang="en-US" sz="3200" b="1" dirty="0" smtClean="0"/>
+              <a:t>判定覆盖</a:t>
+            </a:r>
+            <a:r>
+              <a:rPr lang="zh-CN" altLang="en-US" sz="4400" b="1" dirty="0" smtClean="0"/>
+              <a:t>（</a:t>
+            </a:r>
+            <a:r>
+              <a:rPr lang="en-US" altLang="zh-CN" sz="2800" b="1" dirty="0" smtClean="0"/>
+              <a:t>Decision </a:t>
+            </a:r>
+            <a:r>
+              <a:rPr lang="en-US" altLang="zh-CN" sz="2800" b="1" dirty="0"/>
+              <a:t>Coverage</a:t>
+            </a:r>
+            <a:r>
+              <a:rPr lang="zh-CN" altLang="en-US" sz="4400" b="1" dirty="0"/>
+              <a:t>）</a:t>
+            </a:r>
+            <a:endParaRPr lang="en-US" altLang="zh-CN" sz="4400" b="1" dirty="0"/>
+          </a:p>
+          <a:p>
+            <a:pPr lvl="1" algn="just" eaLnBrk="1" hangingPunct="1"/>
+            <a:r>
+              <a:rPr lang="zh-CN" altLang="en-US" sz="3200" b="1" dirty="0" smtClean="0"/>
+              <a:t>设计</a:t>
+            </a:r>
+            <a:r>
+              <a:rPr lang="zh-CN" altLang="en-US" sz="3200" b="1" dirty="0"/>
+              <a:t>测试用例时应保证程序中</a:t>
+            </a:r>
+            <a:r>
+              <a:rPr lang="zh-CN" altLang="en-US" sz="3200" b="1" dirty="0">
+                <a:solidFill>
+                  <a:srgbClr val="FF0000"/>
+                </a:solidFill>
+              </a:rPr>
+              <a:t>每个判定节点的取真和取假分支</a:t>
+            </a:r>
+            <a:r>
+              <a:rPr lang="zh-CN" altLang="en-US" sz="3200" b="1" dirty="0"/>
+              <a:t>至少执行一</a:t>
+            </a:r>
+            <a:r>
+              <a:rPr lang="zh-CN" altLang="en-US" sz="3200" b="1" dirty="0" smtClean="0"/>
+              <a:t>次</a:t>
+            </a:r>
+            <a:endParaRPr lang="en-US" altLang="zh-CN" sz="3200" b="1" dirty="0" smtClean="0"/>
+          </a:p>
+          <a:p>
+            <a:pPr lvl="1" algn="just" eaLnBrk="1" hangingPunct="1"/>
+            <a:r>
+              <a:rPr lang="zh-CN" altLang="en-US" sz="3200" b="1" dirty="0" smtClean="0"/>
+              <a:t>边覆盖</a:t>
+            </a:r>
+            <a:endParaRPr lang="zh-CN" altLang="en-US" sz="3200" b="1" dirty="0"/>
+          </a:p>
+        </p:txBody>
+      </p:sp>
+    </p:spTree>
+  </p:cSld>
+  <p:clrMapOvr>
+    <a:masterClrMapping/>
+  </p:clrMapOvr>
+  <p:transition/>
+  <p:timing>
+    <p:tnLst>
+      <p:par>
+        <p:cTn id="1" dur="indefinite" restart="never" nodeType="tmRoot"/>
+      </p:par>
+    </p:tnLst>
+  </p:timing>
+</p:sld>
+</file>
+
+<file path=ppt/slides/slide12.xml><?xml version="1.0" encoding="utf-8"?>
+<p:sld xmlns:a="http://schemas.openxmlformats.org/drawingml/2006/main" xmlns:r="http://schemas.openxmlformats.org/officeDocument/2006/relationships" xmlns:p="http://schemas.openxmlformats.org/presentationml/2006/main">
+  <p:cSld>
+    <p:spTree>
+      <p:nvGrpSpPr>
+        <p:cNvPr id="1" name=""/>
+        <p:cNvGrpSpPr/>
+        <p:nvPr/>
+      </p:nvGrpSpPr>
+      <p:grpSpPr>
+        <a:xfrm>
+          <a:off x="0" y="0"/>
+          <a:ext cx="0" cy="0"/>
+          <a:chOff x="0" y="0"/>
+          <a:chExt cx="0" cy="0"/>
+        </a:xfrm>
+      </p:grpSpPr>
+      <p:sp>
+        <p:nvSpPr>
           <p:cNvPr id="12290" name="灯片编号占位符 5"/>
           <p:cNvSpPr>
             <a:spLocks noGrp="1"/>
@@ -5774,7 +6360,7 @@
             <a:fld id="{020B812F-9691-4E64-BF25-3256C7133913}" type="slidenum">
               <a:rPr lang="en-US" altLang="zh-CN" smtClean="0"/>
               <a:pPr eaLnBrk="1" hangingPunct="1"/>
-              <a:t>11</a:t>
+              <a:t>12</a:t>
             </a:fld>
             <a:endParaRPr lang="en-US" altLang="zh-CN" smtClean="0"/>
           </a:p>
@@ -5934,7 +6520,7 @@
 </p:sld>
 </file>
 
-<file path=ppt/slides/slide12.xml><?xml version="1.0" encoding="utf-8"?>
+<file path=ppt/slides/slide13.xml><?xml version="1.0" encoding="utf-8"?>
 <p:sld xmlns:a="http://schemas.openxmlformats.org/drawingml/2006/main" xmlns:r="http://schemas.openxmlformats.org/officeDocument/2006/relationships" xmlns:p="http://schemas.openxmlformats.org/presentationml/2006/main">
   <p:cSld>
     <p:spTree>
@@ -6098,7 +6684,7 @@
             <a:fld id="{92134782-2403-426D-A7A2-B4EA04DECFC4}" type="slidenum">
               <a:rPr lang="en-US" altLang="zh-CN" smtClean="0"/>
               <a:pPr eaLnBrk="1" hangingPunct="1"/>
-              <a:t>12</a:t>
+              <a:t>13</a:t>
             </a:fld>
             <a:endParaRPr lang="en-US" altLang="zh-CN" smtClean="0"/>
           </a:p>
@@ -6228,256 +6814,6 @@
             <a:r>
               <a:rPr lang="zh-CN" altLang="en-US" b="1" smtClean="0"/>
               <a:t>条件覆盖</a:t>
-            </a:r>
-          </a:p>
-        </p:txBody>
-      </p:sp>
-    </p:spTree>
-  </p:cSld>
-  <p:clrMapOvr>
-    <a:masterClrMapping/>
-  </p:clrMapOvr>
-  <p:transition/>
-  <p:timing>
-    <p:tnLst>
-      <p:par>
-        <p:cTn id="1" dur="indefinite" restart="never" nodeType="tmRoot"/>
-      </p:par>
-    </p:tnLst>
-  </p:timing>
-</p:sld>
-</file>
-
-<file path=ppt/slides/slide13.xml><?xml version="1.0" encoding="utf-8"?>
-<p:sld xmlns:a="http://schemas.openxmlformats.org/drawingml/2006/main" xmlns:r="http://schemas.openxmlformats.org/officeDocument/2006/relationships" xmlns:p="http://schemas.openxmlformats.org/presentationml/2006/main">
-  <p:cSld>
-    <p:spTree>
-      <p:nvGrpSpPr>
-        <p:cNvPr id="1" name=""/>
-        <p:cNvGrpSpPr/>
-        <p:nvPr/>
-      </p:nvGrpSpPr>
-      <p:grpSpPr>
-        <a:xfrm>
-          <a:off x="0" y="0"/>
-          <a:ext cx="0" cy="0"/>
-          <a:chOff x="0" y="0"/>
-          <a:chExt cx="0" cy="0"/>
-        </a:xfrm>
-      </p:grpSpPr>
-      <p:sp>
-        <p:nvSpPr>
-          <p:cNvPr id="14338" name="灯片编号占位符 5"/>
-          <p:cNvSpPr>
-            <a:spLocks noGrp="1"/>
-          </p:cNvSpPr>
-          <p:nvPr>
-            <p:ph type="sldNum" sz="quarter" idx="12"/>
-          </p:nvPr>
-        </p:nvSpPr>
-        <p:spPr>
-          <a:noFill/>
-          <a:ln/>
-          <a:extLst>
-            <a:ext uri="{909E8E84-426E-40DD-AFC4-6F175D3DCCD1}">
-              <a14:hiddenFill xmlns:a14="http://schemas.microsoft.com/office/drawing/2010/main">
-                <a:solidFill>
-                  <a:srgbClr val="FFFFFF"/>
-                </a:solidFill>
-              </a14:hiddenFill>
-            </a:ext>
-            <a:ext uri="{91240B29-F687-4F45-9708-019B960494DF}">
-              <a14:hiddenLine xmlns:a14="http://schemas.microsoft.com/office/drawing/2010/main" w="9525">
-                <a:solidFill>
-                  <a:srgbClr val="000000"/>
-                </a:solidFill>
-                <a:miter lim="800000"/>
-                <a:headEnd/>
-                <a:tailEnd/>
-              </a14:hiddenLine>
-            </a:ext>
-          </a:extLst>
-        </p:spPr>
-        <p:txBody>
-          <a:bodyPr/>
-          <a:lstStyle>
-            <a:lvl1pPr eaLnBrk="0" hangingPunct="0">
-              <a:defRPr>
-                <a:solidFill>
-                  <a:schemeClr val="tx1"/>
-                </a:solidFill>
-                <a:latin typeface="Verdana" pitchFamily="34" charset="0"/>
-                <a:ea typeface="宋体" charset="-122"/>
-              </a:defRPr>
-            </a:lvl1pPr>
-            <a:lvl2pPr marL="742950" indent="-285750" eaLnBrk="0" hangingPunct="0">
-              <a:defRPr>
-                <a:solidFill>
-                  <a:schemeClr val="tx1"/>
-                </a:solidFill>
-                <a:latin typeface="Verdana" pitchFamily="34" charset="0"/>
-                <a:ea typeface="宋体" charset="-122"/>
-              </a:defRPr>
-            </a:lvl2pPr>
-            <a:lvl3pPr marL="1143000" indent="-228600" eaLnBrk="0" hangingPunct="0">
-              <a:defRPr>
-                <a:solidFill>
-                  <a:schemeClr val="tx1"/>
-                </a:solidFill>
-                <a:latin typeface="Verdana" pitchFamily="34" charset="0"/>
-                <a:ea typeface="宋体" charset="-122"/>
-              </a:defRPr>
-            </a:lvl3pPr>
-            <a:lvl4pPr marL="1600200" indent="-228600" eaLnBrk="0" hangingPunct="0">
-              <a:defRPr>
-                <a:solidFill>
-                  <a:schemeClr val="tx1"/>
-                </a:solidFill>
-                <a:latin typeface="Verdana" pitchFamily="34" charset="0"/>
-                <a:ea typeface="宋体" charset="-122"/>
-              </a:defRPr>
-            </a:lvl4pPr>
-            <a:lvl5pPr marL="2057400" indent="-228600" eaLnBrk="0" hangingPunct="0">
-              <a:defRPr>
-                <a:solidFill>
-                  <a:schemeClr val="tx1"/>
-                </a:solidFill>
-                <a:latin typeface="Verdana" pitchFamily="34" charset="0"/>
-                <a:ea typeface="宋体" charset="-122"/>
-              </a:defRPr>
-            </a:lvl5pPr>
-            <a:lvl6pPr marL="2514600" indent="-228600" eaLnBrk="0" fontAlgn="base" hangingPunct="0">
-              <a:spcBef>
-                <a:spcPct val="0"/>
-              </a:spcBef>
-              <a:spcAft>
-                <a:spcPct val="0"/>
-              </a:spcAft>
-              <a:defRPr>
-                <a:solidFill>
-                  <a:schemeClr val="tx1"/>
-                </a:solidFill>
-                <a:latin typeface="Verdana" pitchFamily="34" charset="0"/>
-                <a:ea typeface="宋体" charset="-122"/>
-              </a:defRPr>
-            </a:lvl6pPr>
-            <a:lvl7pPr marL="2971800" indent="-228600" eaLnBrk="0" fontAlgn="base" hangingPunct="0">
-              <a:spcBef>
-                <a:spcPct val="0"/>
-              </a:spcBef>
-              <a:spcAft>
-                <a:spcPct val="0"/>
-              </a:spcAft>
-              <a:defRPr>
-                <a:solidFill>
-                  <a:schemeClr val="tx1"/>
-                </a:solidFill>
-                <a:latin typeface="Verdana" pitchFamily="34" charset="0"/>
-                <a:ea typeface="宋体" charset="-122"/>
-              </a:defRPr>
-            </a:lvl7pPr>
-            <a:lvl8pPr marL="3429000" indent="-228600" eaLnBrk="0" fontAlgn="base" hangingPunct="0">
-              <a:spcBef>
-                <a:spcPct val="0"/>
-              </a:spcBef>
-              <a:spcAft>
-                <a:spcPct val="0"/>
-              </a:spcAft>
-              <a:defRPr>
-                <a:solidFill>
-                  <a:schemeClr val="tx1"/>
-                </a:solidFill>
-                <a:latin typeface="Verdana" pitchFamily="34" charset="0"/>
-                <a:ea typeface="宋体" charset="-122"/>
-              </a:defRPr>
-            </a:lvl8pPr>
-            <a:lvl9pPr marL="3886200" indent="-228600" eaLnBrk="0" fontAlgn="base" hangingPunct="0">
-              <a:spcBef>
-                <a:spcPct val="0"/>
-              </a:spcBef>
-              <a:spcAft>
-                <a:spcPct val="0"/>
-              </a:spcAft>
-              <a:defRPr>
-                <a:solidFill>
-                  <a:schemeClr val="tx1"/>
-                </a:solidFill>
-                <a:latin typeface="Verdana" pitchFamily="34" charset="0"/>
-                <a:ea typeface="宋体" charset="-122"/>
-              </a:defRPr>
-            </a:lvl9pPr>
-          </a:lstStyle>
-          <a:p>
-            <a:pPr eaLnBrk="1" hangingPunct="1"/>
-            <a:fld id="{CBD02EE1-200A-499C-8840-D90C4B220FA6}" type="slidenum">
-              <a:rPr lang="en-US" altLang="zh-CN" smtClean="0"/>
-              <a:pPr eaLnBrk="1" hangingPunct="1"/>
-              <a:t>13</a:t>
-            </a:fld>
-            <a:endParaRPr lang="en-US" altLang="zh-CN" smtClean="0"/>
-          </a:p>
-        </p:txBody>
-      </p:sp>
-      <p:sp>
-        <p:nvSpPr>
-          <p:cNvPr id="14339" name="Rectangle 2"/>
-          <p:cNvSpPr>
-            <a:spLocks noGrp="1" noChangeArrowheads="1"/>
-          </p:cNvSpPr>
-          <p:nvPr>
-            <p:ph type="title"/>
-          </p:nvPr>
-        </p:nvSpPr>
-        <p:spPr/>
-        <p:txBody>
-          <a:bodyPr/>
-          <a:lstStyle/>
-          <a:p>
-            <a:pPr eaLnBrk="1" hangingPunct="1"/>
-            <a:r>
-              <a:rPr lang="en-US" altLang="zh-CN" b="1" smtClean="0">
-                <a:latin typeface="黑体" pitchFamily="49" charset="-122"/>
-                <a:ea typeface="黑体" pitchFamily="49" charset="-122"/>
-              </a:rPr>
-              <a:t>5.3 </a:t>
-            </a:r>
-            <a:r>
-              <a:rPr lang="zh-CN" altLang="en-US" b="1" smtClean="0">
-                <a:latin typeface="黑体" pitchFamily="49" charset="-122"/>
-                <a:ea typeface="黑体" pitchFamily="49" charset="-122"/>
-              </a:rPr>
-              <a:t>对判定的测试</a:t>
-            </a:r>
-          </a:p>
-        </p:txBody>
-      </p:sp>
-      <p:sp>
-        <p:nvSpPr>
-          <p:cNvPr id="14340" name="Rectangle 3"/>
-          <p:cNvSpPr>
-            <a:spLocks noGrp="1" noChangeArrowheads="1"/>
-          </p:cNvSpPr>
-          <p:nvPr>
-            <p:ph type="body" idx="1"/>
-          </p:nvPr>
-        </p:nvSpPr>
-        <p:spPr/>
-        <p:txBody>
-          <a:bodyPr/>
-          <a:lstStyle/>
-          <a:p>
-            <a:pPr algn="just" eaLnBrk="1" hangingPunct="1"/>
-            <a:r>
-              <a:rPr lang="zh-CN" altLang="en-US" sz="3400" b="1" dirty="0" smtClean="0"/>
-              <a:t>条件覆盖</a:t>
-            </a:r>
-            <a:endParaRPr lang="en-US" altLang="zh-CN" sz="3400" b="1" dirty="0" smtClean="0"/>
-          </a:p>
-          <a:p>
-            <a:pPr lvl="1" algn="just" eaLnBrk="1" hangingPunct="1"/>
-            <a:r>
-              <a:rPr lang="zh-CN" altLang="en-US" sz="3200" b="1" dirty="0"/>
-              <a:t>设计测试用例时应保证程序中每个复合判定表达式中，每个简单判定条件的取真和取假情况至少执行一次</a:t>
             </a:r>
           </a:p>
         </p:txBody>
@@ -6517,6 +6853,272 @@
       </p:grpSpPr>
       <p:sp>
         <p:nvSpPr>
+          <p:cNvPr id="14338" name="灯片编号占位符 5"/>
+          <p:cNvSpPr>
+            <a:spLocks noGrp="1"/>
+          </p:cNvSpPr>
+          <p:nvPr>
+            <p:ph type="sldNum" sz="quarter" idx="12"/>
+          </p:nvPr>
+        </p:nvSpPr>
+        <p:spPr>
+          <a:noFill/>
+          <a:ln/>
+          <a:extLst>
+            <a:ext uri="{909E8E84-426E-40DD-AFC4-6F175D3DCCD1}">
+              <a14:hiddenFill xmlns:a14="http://schemas.microsoft.com/office/drawing/2010/main">
+                <a:solidFill>
+                  <a:srgbClr val="FFFFFF"/>
+                </a:solidFill>
+              </a14:hiddenFill>
+            </a:ext>
+            <a:ext uri="{91240B29-F687-4F45-9708-019B960494DF}">
+              <a14:hiddenLine xmlns:a14="http://schemas.microsoft.com/office/drawing/2010/main" w="9525">
+                <a:solidFill>
+                  <a:srgbClr val="000000"/>
+                </a:solidFill>
+                <a:miter lim="800000"/>
+                <a:headEnd/>
+                <a:tailEnd/>
+              </a14:hiddenLine>
+            </a:ext>
+          </a:extLst>
+        </p:spPr>
+        <p:txBody>
+          <a:bodyPr/>
+          <a:lstStyle>
+            <a:lvl1pPr eaLnBrk="0" hangingPunct="0">
+              <a:defRPr>
+                <a:solidFill>
+                  <a:schemeClr val="tx1"/>
+                </a:solidFill>
+                <a:latin typeface="Verdana" pitchFamily="34" charset="0"/>
+                <a:ea typeface="宋体" charset="-122"/>
+              </a:defRPr>
+            </a:lvl1pPr>
+            <a:lvl2pPr marL="742950" indent="-285750" eaLnBrk="0" hangingPunct="0">
+              <a:defRPr>
+                <a:solidFill>
+                  <a:schemeClr val="tx1"/>
+                </a:solidFill>
+                <a:latin typeface="Verdana" pitchFamily="34" charset="0"/>
+                <a:ea typeface="宋体" charset="-122"/>
+              </a:defRPr>
+            </a:lvl2pPr>
+            <a:lvl3pPr marL="1143000" indent="-228600" eaLnBrk="0" hangingPunct="0">
+              <a:defRPr>
+                <a:solidFill>
+                  <a:schemeClr val="tx1"/>
+                </a:solidFill>
+                <a:latin typeface="Verdana" pitchFamily="34" charset="0"/>
+                <a:ea typeface="宋体" charset="-122"/>
+              </a:defRPr>
+            </a:lvl3pPr>
+            <a:lvl4pPr marL="1600200" indent="-228600" eaLnBrk="0" hangingPunct="0">
+              <a:defRPr>
+                <a:solidFill>
+                  <a:schemeClr val="tx1"/>
+                </a:solidFill>
+                <a:latin typeface="Verdana" pitchFamily="34" charset="0"/>
+                <a:ea typeface="宋体" charset="-122"/>
+              </a:defRPr>
+            </a:lvl4pPr>
+            <a:lvl5pPr marL="2057400" indent="-228600" eaLnBrk="0" hangingPunct="0">
+              <a:defRPr>
+                <a:solidFill>
+                  <a:schemeClr val="tx1"/>
+                </a:solidFill>
+                <a:latin typeface="Verdana" pitchFamily="34" charset="0"/>
+                <a:ea typeface="宋体" charset="-122"/>
+              </a:defRPr>
+            </a:lvl5pPr>
+            <a:lvl6pPr marL="2514600" indent="-228600" eaLnBrk="0" fontAlgn="base" hangingPunct="0">
+              <a:spcBef>
+                <a:spcPct val="0"/>
+              </a:spcBef>
+              <a:spcAft>
+                <a:spcPct val="0"/>
+              </a:spcAft>
+              <a:defRPr>
+                <a:solidFill>
+                  <a:schemeClr val="tx1"/>
+                </a:solidFill>
+                <a:latin typeface="Verdana" pitchFamily="34" charset="0"/>
+                <a:ea typeface="宋体" charset="-122"/>
+              </a:defRPr>
+            </a:lvl6pPr>
+            <a:lvl7pPr marL="2971800" indent="-228600" eaLnBrk="0" fontAlgn="base" hangingPunct="0">
+              <a:spcBef>
+                <a:spcPct val="0"/>
+              </a:spcBef>
+              <a:spcAft>
+                <a:spcPct val="0"/>
+              </a:spcAft>
+              <a:defRPr>
+                <a:solidFill>
+                  <a:schemeClr val="tx1"/>
+                </a:solidFill>
+                <a:latin typeface="Verdana" pitchFamily="34" charset="0"/>
+                <a:ea typeface="宋体" charset="-122"/>
+              </a:defRPr>
+            </a:lvl7pPr>
+            <a:lvl8pPr marL="3429000" indent="-228600" eaLnBrk="0" fontAlgn="base" hangingPunct="0">
+              <a:spcBef>
+                <a:spcPct val="0"/>
+              </a:spcBef>
+              <a:spcAft>
+                <a:spcPct val="0"/>
+              </a:spcAft>
+              <a:defRPr>
+                <a:solidFill>
+                  <a:schemeClr val="tx1"/>
+                </a:solidFill>
+                <a:latin typeface="Verdana" pitchFamily="34" charset="0"/>
+                <a:ea typeface="宋体" charset="-122"/>
+              </a:defRPr>
+            </a:lvl8pPr>
+            <a:lvl9pPr marL="3886200" indent="-228600" eaLnBrk="0" fontAlgn="base" hangingPunct="0">
+              <a:spcBef>
+                <a:spcPct val="0"/>
+              </a:spcBef>
+              <a:spcAft>
+                <a:spcPct val="0"/>
+              </a:spcAft>
+              <a:defRPr>
+                <a:solidFill>
+                  <a:schemeClr val="tx1"/>
+                </a:solidFill>
+                <a:latin typeface="Verdana" pitchFamily="34" charset="0"/>
+                <a:ea typeface="宋体" charset="-122"/>
+              </a:defRPr>
+            </a:lvl9pPr>
+          </a:lstStyle>
+          <a:p>
+            <a:pPr eaLnBrk="1" hangingPunct="1"/>
+            <a:fld id="{CBD02EE1-200A-499C-8840-D90C4B220FA6}" type="slidenum">
+              <a:rPr lang="en-US" altLang="zh-CN" smtClean="0"/>
+              <a:pPr eaLnBrk="1" hangingPunct="1"/>
+              <a:t>14</a:t>
+            </a:fld>
+            <a:endParaRPr lang="en-US" altLang="zh-CN" smtClean="0"/>
+          </a:p>
+        </p:txBody>
+      </p:sp>
+      <p:sp>
+        <p:nvSpPr>
+          <p:cNvPr id="14339" name="Rectangle 2"/>
+          <p:cNvSpPr>
+            <a:spLocks noGrp="1" noChangeArrowheads="1"/>
+          </p:cNvSpPr>
+          <p:nvPr>
+            <p:ph type="title"/>
+          </p:nvPr>
+        </p:nvSpPr>
+        <p:spPr/>
+        <p:txBody>
+          <a:bodyPr/>
+          <a:lstStyle/>
+          <a:p>
+            <a:pPr eaLnBrk="1" hangingPunct="1"/>
+            <a:r>
+              <a:rPr lang="en-US" altLang="zh-CN" b="1" smtClean="0">
+                <a:latin typeface="黑体" pitchFamily="49" charset="-122"/>
+                <a:ea typeface="黑体" pitchFamily="49" charset="-122"/>
+              </a:rPr>
+              <a:t>5.3 </a:t>
+            </a:r>
+            <a:r>
+              <a:rPr lang="zh-CN" altLang="en-US" b="1" smtClean="0">
+                <a:latin typeface="黑体" pitchFamily="49" charset="-122"/>
+                <a:ea typeface="黑体" pitchFamily="49" charset="-122"/>
+              </a:rPr>
+              <a:t>对判定的测试</a:t>
+            </a:r>
+          </a:p>
+        </p:txBody>
+      </p:sp>
+      <p:sp>
+        <p:nvSpPr>
+          <p:cNvPr id="14340" name="Rectangle 3"/>
+          <p:cNvSpPr>
+            <a:spLocks noGrp="1" noChangeArrowheads="1"/>
+          </p:cNvSpPr>
+          <p:nvPr>
+            <p:ph type="body" idx="1"/>
+          </p:nvPr>
+        </p:nvSpPr>
+        <p:spPr/>
+        <p:txBody>
+          <a:bodyPr/>
+          <a:lstStyle/>
+          <a:p>
+            <a:pPr algn="just" eaLnBrk="1" hangingPunct="1"/>
+            <a:r>
+              <a:rPr lang="zh-CN" altLang="en-US" sz="3400" b="1" dirty="0" smtClean="0"/>
+              <a:t>条件</a:t>
+            </a:r>
+            <a:r>
+              <a:rPr lang="zh-CN" altLang="en-US" sz="3400" b="1" dirty="0" smtClean="0"/>
+              <a:t>覆盖</a:t>
+            </a:r>
+            <a:r>
+              <a:rPr lang="en-US" altLang="zh-CN" sz="3400" b="1" dirty="0" smtClean="0"/>
+              <a:t>(</a:t>
+            </a:r>
+            <a:r>
+              <a:rPr lang="en-US" altLang="zh-CN" sz="2800" b="1" dirty="0" smtClean="0"/>
+              <a:t>Condition Coverage</a:t>
+            </a:r>
+            <a:r>
+              <a:rPr lang="en-US" altLang="zh-CN" sz="3400" b="1" dirty="0" smtClean="0"/>
+              <a:t>)</a:t>
+            </a:r>
+            <a:endParaRPr lang="en-US" altLang="zh-CN" sz="3400" b="1" dirty="0" smtClean="0"/>
+          </a:p>
+          <a:p>
+            <a:pPr lvl="1" algn="just" eaLnBrk="1" hangingPunct="1"/>
+            <a:r>
+              <a:rPr lang="zh-CN" altLang="en-US" sz="3200" b="1" dirty="0"/>
+              <a:t>设计测试用例时应保证程序中每个复合判定表达式中，每个简单判定条件的取真和取假情况至少执行一次</a:t>
+            </a:r>
+          </a:p>
+        </p:txBody>
+      </p:sp>
+    </p:spTree>
+  </p:cSld>
+  <p:clrMapOvr>
+    <a:masterClrMapping/>
+  </p:clrMapOvr>
+  <p:transition/>
+  <p:timing>
+    <p:tnLst>
+      <p:par>
+        <p:cTn id="1" dur="indefinite" restart="never" nodeType="tmRoot"/>
+      </p:par>
+    </p:tnLst>
+  </p:timing>
+</p:sld>
+</file>
+
+<file path=ppt/slides/slide15.xml><?xml version="1.0" encoding="utf-8"?>
+<p:sld xmlns:a="http://schemas.openxmlformats.org/drawingml/2006/main" xmlns:r="http://schemas.openxmlformats.org/officeDocument/2006/relationships" xmlns:p="http://schemas.openxmlformats.org/presentationml/2006/main">
+  <p:cSld>
+    <p:spTree>
+      <p:nvGrpSpPr>
+        <p:cNvPr id="1" name=""/>
+        <p:cNvGrpSpPr/>
+        <p:nvPr/>
+      </p:nvGrpSpPr>
+      <p:grpSpPr>
+        <a:xfrm>
+          <a:off x="0" y="0"/>
+          <a:ext cx="0" cy="0"/>
+          <a:chOff x="0" y="0"/>
+          <a:chExt cx="0" cy="0"/>
+        </a:xfrm>
+      </p:grpSpPr>
+      <p:sp>
+        <p:nvSpPr>
           <p:cNvPr id="15362" name="灯片编号占位符 5"/>
           <p:cNvSpPr>
             <a:spLocks noGrp="1"/>
@@ -6662,7 +7264,7 @@
             <a:fld id="{20C507CF-AD5E-402A-8DCA-BB34C0A73AB4}" type="slidenum">
               <a:rPr lang="en-US" altLang="zh-CN" smtClean="0"/>
               <a:pPr eaLnBrk="1" hangingPunct="1"/>
-              <a:t>14</a:t>
+              <a:t>15</a:t>
             </a:fld>
             <a:endParaRPr lang="en-US" altLang="zh-CN" smtClean="0"/>
           </a:p>
@@ -6830,7 +7432,7 @@
 </p:sld>
 </file>
 
-<file path=ppt/slides/slide15.xml><?xml version="1.0" encoding="utf-8"?>
+<file path=ppt/slides/slide16.xml><?xml version="1.0" encoding="utf-8"?>
 <p:sld xmlns:a="http://schemas.openxmlformats.org/drawingml/2006/main" xmlns:r="http://schemas.openxmlformats.org/officeDocument/2006/relationships" xmlns:p="http://schemas.openxmlformats.org/presentationml/2006/main">
   <p:cSld>
     <p:spTree>
@@ -6994,7 +7596,7 @@
             <a:fld id="{9DFBDE98-9742-42FB-8A41-58BEA1CE35EC}" type="slidenum">
               <a:rPr lang="en-US" altLang="zh-CN" smtClean="0"/>
               <a:pPr eaLnBrk="1" hangingPunct="1"/>
-              <a:t>15</a:t>
+              <a:t>16</a:t>
             </a:fld>
             <a:endParaRPr lang="en-US" altLang="zh-CN" smtClean="0"/>
           </a:p>
@@ -7131,272 +7733,6 @@
             </a:r>
             <a:r>
               <a:rPr lang="zh-CN" altLang="en-US" b="1" dirty="0" smtClean="0"/>
-              <a:t>条件覆盖</a:t>
-            </a:r>
-          </a:p>
-        </p:txBody>
-      </p:sp>
-    </p:spTree>
-  </p:cSld>
-  <p:clrMapOvr>
-    <a:masterClrMapping/>
-  </p:clrMapOvr>
-  <p:transition/>
-  <p:timing>
-    <p:tnLst>
-      <p:par>
-        <p:cTn id="1" dur="indefinite" restart="never" nodeType="tmRoot"/>
-      </p:par>
-    </p:tnLst>
-  </p:timing>
-</p:sld>
-</file>
-
-<file path=ppt/slides/slide16.xml><?xml version="1.0" encoding="utf-8"?>
-<p:sld xmlns:a="http://schemas.openxmlformats.org/drawingml/2006/main" xmlns:r="http://schemas.openxmlformats.org/officeDocument/2006/relationships" xmlns:p="http://schemas.openxmlformats.org/presentationml/2006/main">
-  <p:cSld>
-    <p:spTree>
-      <p:nvGrpSpPr>
-        <p:cNvPr id="1" name=""/>
-        <p:cNvGrpSpPr/>
-        <p:nvPr/>
-      </p:nvGrpSpPr>
-      <p:grpSpPr>
-        <a:xfrm>
-          <a:off x="0" y="0"/>
-          <a:ext cx="0" cy="0"/>
-          <a:chOff x="0" y="0"/>
-          <a:chExt cx="0" cy="0"/>
-        </a:xfrm>
-      </p:grpSpPr>
-      <p:sp>
-        <p:nvSpPr>
-          <p:cNvPr id="17410" name="灯片编号占位符 5"/>
-          <p:cNvSpPr>
-            <a:spLocks noGrp="1"/>
-          </p:cNvSpPr>
-          <p:nvPr>
-            <p:ph type="sldNum" sz="quarter" idx="12"/>
-          </p:nvPr>
-        </p:nvSpPr>
-        <p:spPr>
-          <a:noFill/>
-          <a:ln/>
-          <a:extLst>
-            <a:ext uri="{909E8E84-426E-40DD-AFC4-6F175D3DCCD1}">
-              <a14:hiddenFill xmlns:a14="http://schemas.microsoft.com/office/drawing/2010/main">
-                <a:solidFill>
-                  <a:srgbClr val="FFFFFF"/>
-                </a:solidFill>
-              </a14:hiddenFill>
-            </a:ext>
-            <a:ext uri="{91240B29-F687-4F45-9708-019B960494DF}">
-              <a14:hiddenLine xmlns:a14="http://schemas.microsoft.com/office/drawing/2010/main" w="9525">
-                <a:solidFill>
-                  <a:srgbClr val="000000"/>
-                </a:solidFill>
-                <a:miter lim="800000"/>
-                <a:headEnd/>
-                <a:tailEnd/>
-              </a14:hiddenLine>
-            </a:ext>
-          </a:extLst>
-        </p:spPr>
-        <p:txBody>
-          <a:bodyPr/>
-          <a:lstStyle>
-            <a:lvl1pPr eaLnBrk="0" hangingPunct="0">
-              <a:defRPr>
-                <a:solidFill>
-                  <a:schemeClr val="tx1"/>
-                </a:solidFill>
-                <a:latin typeface="Verdana" pitchFamily="34" charset="0"/>
-                <a:ea typeface="宋体" charset="-122"/>
-              </a:defRPr>
-            </a:lvl1pPr>
-            <a:lvl2pPr marL="742950" indent="-285750" eaLnBrk="0" hangingPunct="0">
-              <a:defRPr>
-                <a:solidFill>
-                  <a:schemeClr val="tx1"/>
-                </a:solidFill>
-                <a:latin typeface="Verdana" pitchFamily="34" charset="0"/>
-                <a:ea typeface="宋体" charset="-122"/>
-              </a:defRPr>
-            </a:lvl2pPr>
-            <a:lvl3pPr marL="1143000" indent="-228600" eaLnBrk="0" hangingPunct="0">
-              <a:defRPr>
-                <a:solidFill>
-                  <a:schemeClr val="tx1"/>
-                </a:solidFill>
-                <a:latin typeface="Verdana" pitchFamily="34" charset="0"/>
-                <a:ea typeface="宋体" charset="-122"/>
-              </a:defRPr>
-            </a:lvl3pPr>
-            <a:lvl4pPr marL="1600200" indent="-228600" eaLnBrk="0" hangingPunct="0">
-              <a:defRPr>
-                <a:solidFill>
-                  <a:schemeClr val="tx1"/>
-                </a:solidFill>
-                <a:latin typeface="Verdana" pitchFamily="34" charset="0"/>
-                <a:ea typeface="宋体" charset="-122"/>
-              </a:defRPr>
-            </a:lvl4pPr>
-            <a:lvl5pPr marL="2057400" indent="-228600" eaLnBrk="0" hangingPunct="0">
-              <a:defRPr>
-                <a:solidFill>
-                  <a:schemeClr val="tx1"/>
-                </a:solidFill>
-                <a:latin typeface="Verdana" pitchFamily="34" charset="0"/>
-                <a:ea typeface="宋体" charset="-122"/>
-              </a:defRPr>
-            </a:lvl5pPr>
-            <a:lvl6pPr marL="2514600" indent="-228600" eaLnBrk="0" fontAlgn="base" hangingPunct="0">
-              <a:spcBef>
-                <a:spcPct val="0"/>
-              </a:spcBef>
-              <a:spcAft>
-                <a:spcPct val="0"/>
-              </a:spcAft>
-              <a:defRPr>
-                <a:solidFill>
-                  <a:schemeClr val="tx1"/>
-                </a:solidFill>
-                <a:latin typeface="Verdana" pitchFamily="34" charset="0"/>
-                <a:ea typeface="宋体" charset="-122"/>
-              </a:defRPr>
-            </a:lvl6pPr>
-            <a:lvl7pPr marL="2971800" indent="-228600" eaLnBrk="0" fontAlgn="base" hangingPunct="0">
-              <a:spcBef>
-                <a:spcPct val="0"/>
-              </a:spcBef>
-              <a:spcAft>
-                <a:spcPct val="0"/>
-              </a:spcAft>
-              <a:defRPr>
-                <a:solidFill>
-                  <a:schemeClr val="tx1"/>
-                </a:solidFill>
-                <a:latin typeface="Verdana" pitchFamily="34" charset="0"/>
-                <a:ea typeface="宋体" charset="-122"/>
-              </a:defRPr>
-            </a:lvl7pPr>
-            <a:lvl8pPr marL="3429000" indent="-228600" eaLnBrk="0" fontAlgn="base" hangingPunct="0">
-              <a:spcBef>
-                <a:spcPct val="0"/>
-              </a:spcBef>
-              <a:spcAft>
-                <a:spcPct val="0"/>
-              </a:spcAft>
-              <a:defRPr>
-                <a:solidFill>
-                  <a:schemeClr val="tx1"/>
-                </a:solidFill>
-                <a:latin typeface="Verdana" pitchFamily="34" charset="0"/>
-                <a:ea typeface="宋体" charset="-122"/>
-              </a:defRPr>
-            </a:lvl8pPr>
-            <a:lvl9pPr marL="3886200" indent="-228600" eaLnBrk="0" fontAlgn="base" hangingPunct="0">
-              <a:spcBef>
-                <a:spcPct val="0"/>
-              </a:spcBef>
-              <a:spcAft>
-                <a:spcPct val="0"/>
-              </a:spcAft>
-              <a:defRPr>
-                <a:solidFill>
-                  <a:schemeClr val="tx1"/>
-                </a:solidFill>
-                <a:latin typeface="Verdana" pitchFamily="34" charset="0"/>
-                <a:ea typeface="宋体" charset="-122"/>
-              </a:defRPr>
-            </a:lvl9pPr>
-          </a:lstStyle>
-          <a:p>
-            <a:pPr eaLnBrk="1" hangingPunct="1"/>
-            <a:fld id="{DB27C71B-E9EB-4330-A857-3D428E5FC73E}" type="slidenum">
-              <a:rPr lang="en-US" altLang="zh-CN" smtClean="0"/>
-              <a:pPr eaLnBrk="1" hangingPunct="1"/>
-              <a:t>16</a:t>
-            </a:fld>
-            <a:endParaRPr lang="en-US" altLang="zh-CN" smtClean="0"/>
-          </a:p>
-        </p:txBody>
-      </p:sp>
-      <p:sp>
-        <p:nvSpPr>
-          <p:cNvPr id="17411" name="Rectangle 2"/>
-          <p:cNvSpPr>
-            <a:spLocks noGrp="1" noChangeArrowheads="1"/>
-          </p:cNvSpPr>
-          <p:nvPr>
-            <p:ph type="title"/>
-          </p:nvPr>
-        </p:nvSpPr>
-        <p:spPr/>
-        <p:txBody>
-          <a:bodyPr/>
-          <a:lstStyle/>
-          <a:p>
-            <a:pPr eaLnBrk="1" hangingPunct="1"/>
-            <a:r>
-              <a:rPr lang="en-US" altLang="zh-CN" b="1" smtClean="0">
-                <a:latin typeface="黑体" pitchFamily="49" charset="-122"/>
-                <a:ea typeface="黑体" pitchFamily="49" charset="-122"/>
-              </a:rPr>
-              <a:t>5.3 </a:t>
-            </a:r>
-            <a:r>
-              <a:rPr lang="zh-CN" altLang="en-US" b="1" smtClean="0">
-                <a:latin typeface="黑体" pitchFamily="49" charset="-122"/>
-                <a:ea typeface="黑体" pitchFamily="49" charset="-122"/>
-              </a:rPr>
-              <a:t>对判定的测试</a:t>
-            </a:r>
-          </a:p>
-        </p:txBody>
-      </p:sp>
-      <p:sp>
-        <p:nvSpPr>
-          <p:cNvPr id="17412" name="Rectangle 3"/>
-          <p:cNvSpPr>
-            <a:spLocks noGrp="1" noChangeArrowheads="1"/>
-          </p:cNvSpPr>
-          <p:nvPr>
-            <p:ph type="body" idx="1"/>
-          </p:nvPr>
-        </p:nvSpPr>
-        <p:spPr/>
-        <p:txBody>
-          <a:bodyPr/>
-          <a:lstStyle/>
-          <a:p>
-            <a:pPr algn="just" eaLnBrk="1" hangingPunct="1"/>
-            <a:r>
-              <a:rPr lang="zh-CN" altLang="en-US" sz="3400" b="1" dirty="0" smtClean="0"/>
-              <a:t>判定</a:t>
-            </a:r>
-            <a:r>
-              <a:rPr lang="en-US" altLang="zh-CN" sz="3400" b="1" dirty="0" smtClean="0"/>
-              <a:t>/</a:t>
-            </a:r>
-            <a:r>
-              <a:rPr lang="zh-CN" altLang="en-US" sz="3400" b="1" dirty="0" smtClean="0"/>
-              <a:t>条件覆盖</a:t>
-            </a:r>
-            <a:endParaRPr lang="en-US" altLang="zh-CN" sz="3400" b="1" dirty="0" smtClean="0"/>
-          </a:p>
-          <a:p>
-            <a:pPr lvl="1" algn="just" eaLnBrk="1" hangingPunct="1"/>
-            <a:r>
-              <a:rPr lang="zh-CN" altLang="en-US" sz="3200" b="1" dirty="0"/>
-              <a:t>测试用例的设计应满足判定节点的取真和取假分支至少执行一次，且每个简单判定条件的取真和取假情况也应至少执行一次，即判定覆盖</a:t>
-            </a:r>
-            <a:r>
-              <a:rPr lang="en-US" altLang="en-US" sz="3200" b="1" dirty="0"/>
-              <a:t>+</a:t>
-            </a:r>
-            <a:r>
-              <a:rPr lang="zh-CN" altLang="en-US" sz="3200" b="1" dirty="0"/>
               <a:t>条件覆盖</a:t>
             </a:r>
           </a:p>
@@ -7437,6 +7773,287 @@
       </p:grpSpPr>
       <p:sp>
         <p:nvSpPr>
+          <p:cNvPr id="17410" name="灯片编号占位符 5"/>
+          <p:cNvSpPr>
+            <a:spLocks noGrp="1"/>
+          </p:cNvSpPr>
+          <p:nvPr>
+            <p:ph type="sldNum" sz="quarter" idx="12"/>
+          </p:nvPr>
+        </p:nvSpPr>
+        <p:spPr>
+          <a:noFill/>
+          <a:ln/>
+          <a:extLst>
+            <a:ext uri="{909E8E84-426E-40DD-AFC4-6F175D3DCCD1}">
+              <a14:hiddenFill xmlns:a14="http://schemas.microsoft.com/office/drawing/2010/main">
+                <a:solidFill>
+                  <a:srgbClr val="FFFFFF"/>
+                </a:solidFill>
+              </a14:hiddenFill>
+            </a:ext>
+            <a:ext uri="{91240B29-F687-4F45-9708-019B960494DF}">
+              <a14:hiddenLine xmlns:a14="http://schemas.microsoft.com/office/drawing/2010/main" w="9525">
+                <a:solidFill>
+                  <a:srgbClr val="000000"/>
+                </a:solidFill>
+                <a:miter lim="800000"/>
+                <a:headEnd/>
+                <a:tailEnd/>
+              </a14:hiddenLine>
+            </a:ext>
+          </a:extLst>
+        </p:spPr>
+        <p:txBody>
+          <a:bodyPr/>
+          <a:lstStyle>
+            <a:lvl1pPr eaLnBrk="0" hangingPunct="0">
+              <a:defRPr>
+                <a:solidFill>
+                  <a:schemeClr val="tx1"/>
+                </a:solidFill>
+                <a:latin typeface="Verdana" pitchFamily="34" charset="0"/>
+                <a:ea typeface="宋体" charset="-122"/>
+              </a:defRPr>
+            </a:lvl1pPr>
+            <a:lvl2pPr marL="742950" indent="-285750" eaLnBrk="0" hangingPunct="0">
+              <a:defRPr>
+                <a:solidFill>
+                  <a:schemeClr val="tx1"/>
+                </a:solidFill>
+                <a:latin typeface="Verdana" pitchFamily="34" charset="0"/>
+                <a:ea typeface="宋体" charset="-122"/>
+              </a:defRPr>
+            </a:lvl2pPr>
+            <a:lvl3pPr marL="1143000" indent="-228600" eaLnBrk="0" hangingPunct="0">
+              <a:defRPr>
+                <a:solidFill>
+                  <a:schemeClr val="tx1"/>
+                </a:solidFill>
+                <a:latin typeface="Verdana" pitchFamily="34" charset="0"/>
+                <a:ea typeface="宋体" charset="-122"/>
+              </a:defRPr>
+            </a:lvl3pPr>
+            <a:lvl4pPr marL="1600200" indent="-228600" eaLnBrk="0" hangingPunct="0">
+              <a:defRPr>
+                <a:solidFill>
+                  <a:schemeClr val="tx1"/>
+                </a:solidFill>
+                <a:latin typeface="Verdana" pitchFamily="34" charset="0"/>
+                <a:ea typeface="宋体" charset="-122"/>
+              </a:defRPr>
+            </a:lvl4pPr>
+            <a:lvl5pPr marL="2057400" indent="-228600" eaLnBrk="0" hangingPunct="0">
+              <a:defRPr>
+                <a:solidFill>
+                  <a:schemeClr val="tx1"/>
+                </a:solidFill>
+                <a:latin typeface="Verdana" pitchFamily="34" charset="0"/>
+                <a:ea typeface="宋体" charset="-122"/>
+              </a:defRPr>
+            </a:lvl5pPr>
+            <a:lvl6pPr marL="2514600" indent="-228600" eaLnBrk="0" fontAlgn="base" hangingPunct="0">
+              <a:spcBef>
+                <a:spcPct val="0"/>
+              </a:spcBef>
+              <a:spcAft>
+                <a:spcPct val="0"/>
+              </a:spcAft>
+              <a:defRPr>
+                <a:solidFill>
+                  <a:schemeClr val="tx1"/>
+                </a:solidFill>
+                <a:latin typeface="Verdana" pitchFamily="34" charset="0"/>
+                <a:ea typeface="宋体" charset="-122"/>
+              </a:defRPr>
+            </a:lvl6pPr>
+            <a:lvl7pPr marL="2971800" indent="-228600" eaLnBrk="0" fontAlgn="base" hangingPunct="0">
+              <a:spcBef>
+                <a:spcPct val="0"/>
+              </a:spcBef>
+              <a:spcAft>
+                <a:spcPct val="0"/>
+              </a:spcAft>
+              <a:defRPr>
+                <a:solidFill>
+                  <a:schemeClr val="tx1"/>
+                </a:solidFill>
+                <a:latin typeface="Verdana" pitchFamily="34" charset="0"/>
+                <a:ea typeface="宋体" charset="-122"/>
+              </a:defRPr>
+            </a:lvl7pPr>
+            <a:lvl8pPr marL="3429000" indent="-228600" eaLnBrk="0" fontAlgn="base" hangingPunct="0">
+              <a:spcBef>
+                <a:spcPct val="0"/>
+              </a:spcBef>
+              <a:spcAft>
+                <a:spcPct val="0"/>
+              </a:spcAft>
+              <a:defRPr>
+                <a:solidFill>
+                  <a:schemeClr val="tx1"/>
+                </a:solidFill>
+                <a:latin typeface="Verdana" pitchFamily="34" charset="0"/>
+                <a:ea typeface="宋体" charset="-122"/>
+              </a:defRPr>
+            </a:lvl8pPr>
+            <a:lvl9pPr marL="3886200" indent="-228600" eaLnBrk="0" fontAlgn="base" hangingPunct="0">
+              <a:spcBef>
+                <a:spcPct val="0"/>
+              </a:spcBef>
+              <a:spcAft>
+                <a:spcPct val="0"/>
+              </a:spcAft>
+              <a:defRPr>
+                <a:solidFill>
+                  <a:schemeClr val="tx1"/>
+                </a:solidFill>
+                <a:latin typeface="Verdana" pitchFamily="34" charset="0"/>
+                <a:ea typeface="宋体" charset="-122"/>
+              </a:defRPr>
+            </a:lvl9pPr>
+          </a:lstStyle>
+          <a:p>
+            <a:pPr eaLnBrk="1" hangingPunct="1"/>
+            <a:fld id="{DB27C71B-E9EB-4330-A857-3D428E5FC73E}" type="slidenum">
+              <a:rPr lang="en-US" altLang="zh-CN" smtClean="0"/>
+              <a:pPr eaLnBrk="1" hangingPunct="1"/>
+              <a:t>17</a:t>
+            </a:fld>
+            <a:endParaRPr lang="en-US" altLang="zh-CN" smtClean="0"/>
+          </a:p>
+        </p:txBody>
+      </p:sp>
+      <p:sp>
+        <p:nvSpPr>
+          <p:cNvPr id="17411" name="Rectangle 2"/>
+          <p:cNvSpPr>
+            <a:spLocks noGrp="1" noChangeArrowheads="1"/>
+          </p:cNvSpPr>
+          <p:nvPr>
+            <p:ph type="title"/>
+          </p:nvPr>
+        </p:nvSpPr>
+        <p:spPr/>
+        <p:txBody>
+          <a:bodyPr/>
+          <a:lstStyle/>
+          <a:p>
+            <a:pPr eaLnBrk="1" hangingPunct="1"/>
+            <a:r>
+              <a:rPr lang="en-US" altLang="zh-CN" b="1" smtClean="0">
+                <a:latin typeface="黑体" pitchFamily="49" charset="-122"/>
+                <a:ea typeface="黑体" pitchFamily="49" charset="-122"/>
+              </a:rPr>
+              <a:t>5.3 </a:t>
+            </a:r>
+            <a:r>
+              <a:rPr lang="zh-CN" altLang="en-US" b="1" smtClean="0">
+                <a:latin typeface="黑体" pitchFamily="49" charset="-122"/>
+                <a:ea typeface="黑体" pitchFamily="49" charset="-122"/>
+              </a:rPr>
+              <a:t>对判定的测试</a:t>
+            </a:r>
+          </a:p>
+        </p:txBody>
+      </p:sp>
+      <p:sp>
+        <p:nvSpPr>
+          <p:cNvPr id="17412" name="Rectangle 3"/>
+          <p:cNvSpPr>
+            <a:spLocks noGrp="1" noChangeArrowheads="1"/>
+          </p:cNvSpPr>
+          <p:nvPr>
+            <p:ph type="body" idx="1"/>
+          </p:nvPr>
+        </p:nvSpPr>
+        <p:spPr/>
+        <p:txBody>
+          <a:bodyPr/>
+          <a:lstStyle/>
+          <a:p>
+            <a:pPr algn="just" eaLnBrk="1" hangingPunct="1"/>
+            <a:r>
+              <a:rPr lang="zh-CN" altLang="en-US" sz="2800" b="1" dirty="0" smtClean="0"/>
+              <a:t>判定</a:t>
+            </a:r>
+            <a:r>
+              <a:rPr lang="en-US" altLang="zh-CN" sz="2800" b="1" dirty="0" smtClean="0"/>
+              <a:t>/</a:t>
+            </a:r>
+            <a:r>
+              <a:rPr lang="zh-CN" altLang="en-US" sz="2800" b="1" dirty="0" smtClean="0"/>
+              <a:t>条件</a:t>
+            </a:r>
+            <a:r>
+              <a:rPr lang="zh-CN" altLang="en-US" sz="2800" b="1" dirty="0" smtClean="0"/>
+              <a:t>覆盖</a:t>
+            </a:r>
+            <a:r>
+              <a:rPr lang="en-US" altLang="zh-CN" sz="2800" b="1" dirty="0" smtClean="0"/>
+              <a:t>(Decision/Condition </a:t>
+            </a:r>
+            <a:r>
+              <a:rPr lang="en-US" altLang="zh-CN" sz="2800" b="1" dirty="0"/>
+              <a:t>Coverage)</a:t>
+            </a:r>
+          </a:p>
+          <a:p>
+            <a:pPr lvl="1" algn="just" eaLnBrk="1" hangingPunct="1"/>
+            <a:r>
+              <a:rPr lang="zh-CN" altLang="en-US" sz="3200" b="1" dirty="0" smtClean="0"/>
+              <a:t>测试用例</a:t>
+            </a:r>
+            <a:r>
+              <a:rPr lang="zh-CN" altLang="en-US" sz="3200" b="1" dirty="0"/>
+              <a:t>的设计应满足判定节点的取真和取假分支至少执行一次，且每个简单判定条件的取真和取假情况也应至少执行一次，即判定覆盖</a:t>
+            </a:r>
+            <a:r>
+              <a:rPr lang="en-US" altLang="en-US" sz="3200" b="1" dirty="0"/>
+              <a:t>+</a:t>
+            </a:r>
+            <a:r>
+              <a:rPr lang="zh-CN" altLang="en-US" sz="3200" b="1" dirty="0"/>
+              <a:t>条件覆盖</a:t>
+            </a:r>
+          </a:p>
+        </p:txBody>
+      </p:sp>
+    </p:spTree>
+  </p:cSld>
+  <p:clrMapOvr>
+    <a:masterClrMapping/>
+  </p:clrMapOvr>
+  <p:transition/>
+  <p:timing>
+    <p:tnLst>
+      <p:par>
+        <p:cTn id="1" dur="indefinite" restart="never" nodeType="tmRoot"/>
+      </p:par>
+    </p:tnLst>
+  </p:timing>
+</p:sld>
+</file>
+
+<file path=ppt/slides/slide18.xml><?xml version="1.0" encoding="utf-8"?>
+<p:sld xmlns:a="http://schemas.openxmlformats.org/drawingml/2006/main" xmlns:r="http://schemas.openxmlformats.org/officeDocument/2006/relationships" xmlns:p="http://schemas.openxmlformats.org/presentationml/2006/main">
+  <p:cSld>
+    <p:spTree>
+      <p:nvGrpSpPr>
+        <p:cNvPr id="1" name=""/>
+        <p:cNvGrpSpPr/>
+        <p:nvPr/>
+      </p:nvGrpSpPr>
+      <p:grpSpPr>
+        <a:xfrm>
+          <a:off x="0" y="0"/>
+          <a:ext cx="0" cy="0"/>
+          <a:chOff x="0" y="0"/>
+          <a:chExt cx="0" cy="0"/>
+        </a:xfrm>
+      </p:grpSpPr>
+      <p:sp>
+        <p:nvSpPr>
           <p:cNvPr id="18434" name="灯片编号占位符 5"/>
           <p:cNvSpPr>
             <a:spLocks noGrp="1"/>
@@ -7582,7 +8199,7 @@
             <a:fld id="{2C4A8DB0-FB39-4409-B394-3D3D31021DFF}" type="slidenum">
               <a:rPr lang="en-US" altLang="zh-CN" smtClean="0"/>
               <a:pPr eaLnBrk="1" hangingPunct="1"/>
-              <a:t>17</a:t>
+              <a:t>18</a:t>
             </a:fld>
             <a:endParaRPr lang="en-US" altLang="zh-CN" smtClean="0"/>
           </a:p>
@@ -7727,7 +8344,7 @@
 </p:sld>
 </file>
 
-<file path=ppt/slides/slide18.xml><?xml version="1.0" encoding="utf-8"?>
+<file path=ppt/slides/slide19.xml><?xml version="1.0" encoding="utf-8"?>
 <p:sld xmlns:a="http://schemas.openxmlformats.org/drawingml/2006/main" xmlns:r="http://schemas.openxmlformats.org/officeDocument/2006/relationships" xmlns:p="http://schemas.openxmlformats.org/presentationml/2006/main">
   <p:cSld>
     <p:spTree>
@@ -7891,7 +8508,7 @@
             <a:fld id="{20C507CF-AD5E-402A-8DCA-BB34C0A73AB4}" type="slidenum">
               <a:rPr lang="en-US" altLang="zh-CN" smtClean="0"/>
               <a:pPr eaLnBrk="1" hangingPunct="1"/>
-              <a:t>18</a:t>
+              <a:t>19</a:t>
             </a:fld>
             <a:endParaRPr lang="en-US" altLang="zh-CN" smtClean="0"/>
           </a:p>
@@ -7970,12 +8587,8 @@
           </a:p>
           <a:p>
             <a:pPr algn="just" eaLnBrk="1" hangingPunct="1"/>
-            <a:endParaRPr lang="en-US" altLang="zh-CN" sz="3400" b="1" dirty="0" smtClean="0"/>
-          </a:p>
-          <a:p>
-            <a:pPr algn="just" eaLnBrk="1" hangingPunct="1"/>
-            <a:r>
-              <a:rPr lang="zh-CN" altLang="en-US" sz="3400" b="1" dirty="0" smtClean="0"/>
+            <a:r>
+              <a:rPr lang="zh-CN" altLang="en-US" sz="3400" b="1" smtClean="0"/>
               <a:t>局限性</a:t>
             </a:r>
             <a:endParaRPr lang="en-US" altLang="zh-CN" sz="3400" b="1" dirty="0" smtClean="0"/>
@@ -8090,320 +8703,6 @@
         <p14:creationId xmlns:p14="http://schemas.microsoft.com/office/powerpoint/2010/main" val="3857359108"/>
       </p:ext>
     </p:extLst>
-  </p:cSld>
-  <p:clrMapOvr>
-    <a:masterClrMapping/>
-  </p:clrMapOvr>
-  <p:transition/>
-  <p:timing>
-    <p:tnLst>
-      <p:par>
-        <p:cTn id="1" dur="indefinite" restart="never" nodeType="tmRoot"/>
-      </p:par>
-    </p:tnLst>
-  </p:timing>
-</p:sld>
-</file>
-
-<file path=ppt/slides/slide19.xml><?xml version="1.0" encoding="utf-8"?>
-<p:sld xmlns:a="http://schemas.openxmlformats.org/drawingml/2006/main" xmlns:r="http://schemas.openxmlformats.org/officeDocument/2006/relationships" xmlns:p="http://schemas.openxmlformats.org/presentationml/2006/main">
-  <p:cSld>
-    <p:spTree>
-      <p:nvGrpSpPr>
-        <p:cNvPr id="1" name=""/>
-        <p:cNvGrpSpPr/>
-        <p:nvPr/>
-      </p:nvGrpSpPr>
-      <p:grpSpPr>
-        <a:xfrm>
-          <a:off x="0" y="0"/>
-          <a:ext cx="0" cy="0"/>
-          <a:chOff x="0" y="0"/>
-          <a:chExt cx="0" cy="0"/>
-        </a:xfrm>
-      </p:grpSpPr>
-      <p:sp>
-        <p:nvSpPr>
-          <p:cNvPr id="19458" name="灯片编号占位符 5"/>
-          <p:cNvSpPr>
-            <a:spLocks noGrp="1"/>
-          </p:cNvSpPr>
-          <p:nvPr>
-            <p:ph type="sldNum" sz="quarter" idx="12"/>
-          </p:nvPr>
-        </p:nvSpPr>
-        <p:spPr>
-          <a:noFill/>
-          <a:ln/>
-          <a:extLst>
-            <a:ext uri="{909E8E84-426E-40DD-AFC4-6F175D3DCCD1}">
-              <a14:hiddenFill xmlns:a14="http://schemas.microsoft.com/office/drawing/2010/main">
-                <a:solidFill>
-                  <a:srgbClr val="FFFFFF"/>
-                </a:solidFill>
-              </a14:hiddenFill>
-            </a:ext>
-            <a:ext uri="{91240B29-F687-4F45-9708-019B960494DF}">
-              <a14:hiddenLine xmlns:a14="http://schemas.microsoft.com/office/drawing/2010/main" w="9525">
-                <a:solidFill>
-                  <a:srgbClr val="000000"/>
-                </a:solidFill>
-                <a:miter lim="800000"/>
-                <a:headEnd/>
-                <a:tailEnd/>
-              </a14:hiddenLine>
-            </a:ext>
-          </a:extLst>
-        </p:spPr>
-        <p:txBody>
-          <a:bodyPr/>
-          <a:lstStyle>
-            <a:lvl1pPr eaLnBrk="0" hangingPunct="0">
-              <a:defRPr>
-                <a:solidFill>
-                  <a:schemeClr val="tx1"/>
-                </a:solidFill>
-                <a:latin typeface="Verdana" pitchFamily="34" charset="0"/>
-                <a:ea typeface="宋体" charset="-122"/>
-              </a:defRPr>
-            </a:lvl1pPr>
-            <a:lvl2pPr marL="742950" indent="-285750" eaLnBrk="0" hangingPunct="0">
-              <a:defRPr>
-                <a:solidFill>
-                  <a:schemeClr val="tx1"/>
-                </a:solidFill>
-                <a:latin typeface="Verdana" pitchFamily="34" charset="0"/>
-                <a:ea typeface="宋体" charset="-122"/>
-              </a:defRPr>
-            </a:lvl2pPr>
-            <a:lvl3pPr marL="1143000" indent="-228600" eaLnBrk="0" hangingPunct="0">
-              <a:defRPr>
-                <a:solidFill>
-                  <a:schemeClr val="tx1"/>
-                </a:solidFill>
-                <a:latin typeface="Verdana" pitchFamily="34" charset="0"/>
-                <a:ea typeface="宋体" charset="-122"/>
-              </a:defRPr>
-            </a:lvl3pPr>
-            <a:lvl4pPr marL="1600200" indent="-228600" eaLnBrk="0" hangingPunct="0">
-              <a:defRPr>
-                <a:solidFill>
-                  <a:schemeClr val="tx1"/>
-                </a:solidFill>
-                <a:latin typeface="Verdana" pitchFamily="34" charset="0"/>
-                <a:ea typeface="宋体" charset="-122"/>
-              </a:defRPr>
-            </a:lvl4pPr>
-            <a:lvl5pPr marL="2057400" indent="-228600" eaLnBrk="0" hangingPunct="0">
-              <a:defRPr>
-                <a:solidFill>
-                  <a:schemeClr val="tx1"/>
-                </a:solidFill>
-                <a:latin typeface="Verdana" pitchFamily="34" charset="0"/>
-                <a:ea typeface="宋体" charset="-122"/>
-              </a:defRPr>
-            </a:lvl5pPr>
-            <a:lvl6pPr marL="2514600" indent="-228600" eaLnBrk="0" fontAlgn="base" hangingPunct="0">
-              <a:spcBef>
-                <a:spcPct val="0"/>
-              </a:spcBef>
-              <a:spcAft>
-                <a:spcPct val="0"/>
-              </a:spcAft>
-              <a:defRPr>
-                <a:solidFill>
-                  <a:schemeClr val="tx1"/>
-                </a:solidFill>
-                <a:latin typeface="Verdana" pitchFamily="34" charset="0"/>
-                <a:ea typeface="宋体" charset="-122"/>
-              </a:defRPr>
-            </a:lvl6pPr>
-            <a:lvl7pPr marL="2971800" indent="-228600" eaLnBrk="0" fontAlgn="base" hangingPunct="0">
-              <a:spcBef>
-                <a:spcPct val="0"/>
-              </a:spcBef>
-              <a:spcAft>
-                <a:spcPct val="0"/>
-              </a:spcAft>
-              <a:defRPr>
-                <a:solidFill>
-                  <a:schemeClr val="tx1"/>
-                </a:solidFill>
-                <a:latin typeface="Verdana" pitchFamily="34" charset="0"/>
-                <a:ea typeface="宋体" charset="-122"/>
-              </a:defRPr>
-            </a:lvl7pPr>
-            <a:lvl8pPr marL="3429000" indent="-228600" eaLnBrk="0" fontAlgn="base" hangingPunct="0">
-              <a:spcBef>
-                <a:spcPct val="0"/>
-              </a:spcBef>
-              <a:spcAft>
-                <a:spcPct val="0"/>
-              </a:spcAft>
-              <a:defRPr>
-                <a:solidFill>
-                  <a:schemeClr val="tx1"/>
-                </a:solidFill>
-                <a:latin typeface="Verdana" pitchFamily="34" charset="0"/>
-                <a:ea typeface="宋体" charset="-122"/>
-              </a:defRPr>
-            </a:lvl8pPr>
-            <a:lvl9pPr marL="3886200" indent="-228600" eaLnBrk="0" fontAlgn="base" hangingPunct="0">
-              <a:spcBef>
-                <a:spcPct val="0"/>
-              </a:spcBef>
-              <a:spcAft>
-                <a:spcPct val="0"/>
-              </a:spcAft>
-              <a:defRPr>
-                <a:solidFill>
-                  <a:schemeClr val="tx1"/>
-                </a:solidFill>
-                <a:latin typeface="Verdana" pitchFamily="34" charset="0"/>
-                <a:ea typeface="宋体" charset="-122"/>
-              </a:defRPr>
-            </a:lvl9pPr>
-          </a:lstStyle>
-          <a:p>
-            <a:pPr eaLnBrk="1" hangingPunct="1"/>
-            <a:fld id="{D4CE2E62-2B97-49E1-BB8E-A6D0AFA92061}" type="slidenum">
-              <a:rPr lang="en-US" altLang="zh-CN" smtClean="0"/>
-              <a:pPr eaLnBrk="1" hangingPunct="1"/>
-              <a:t>19</a:t>
-            </a:fld>
-            <a:endParaRPr lang="en-US" altLang="zh-CN" smtClean="0"/>
-          </a:p>
-        </p:txBody>
-      </p:sp>
-      <p:sp>
-        <p:nvSpPr>
-          <p:cNvPr id="19459" name="Rectangle 2"/>
-          <p:cNvSpPr>
-            <a:spLocks noGrp="1" noChangeArrowheads="1"/>
-          </p:cNvSpPr>
-          <p:nvPr>
-            <p:ph type="title"/>
-          </p:nvPr>
-        </p:nvSpPr>
-        <p:spPr/>
-        <p:txBody>
-          <a:bodyPr/>
-          <a:lstStyle/>
-          <a:p>
-            <a:pPr eaLnBrk="1" hangingPunct="1"/>
-            <a:r>
-              <a:rPr lang="en-US" altLang="zh-CN" b="1" smtClean="0">
-                <a:latin typeface="黑体" pitchFamily="49" charset="-122"/>
-                <a:ea typeface="黑体" pitchFamily="49" charset="-122"/>
-              </a:rPr>
-              <a:t>5.3 </a:t>
-            </a:r>
-            <a:r>
-              <a:rPr lang="zh-CN" altLang="en-US" b="1" smtClean="0">
-                <a:latin typeface="黑体" pitchFamily="49" charset="-122"/>
-                <a:ea typeface="黑体" pitchFamily="49" charset="-122"/>
-              </a:rPr>
-              <a:t>对判定的测试</a:t>
-            </a:r>
-          </a:p>
-        </p:txBody>
-      </p:sp>
-      <p:sp>
-        <p:nvSpPr>
-          <p:cNvPr id="19460" name="Rectangle 3"/>
-          <p:cNvSpPr>
-            <a:spLocks noGrp="1" noChangeArrowheads="1"/>
-          </p:cNvSpPr>
-          <p:nvPr>
-            <p:ph type="body" idx="1"/>
-          </p:nvPr>
-        </p:nvSpPr>
-        <p:spPr/>
-        <p:txBody>
-          <a:bodyPr/>
-          <a:lstStyle/>
-          <a:p>
-            <a:pPr algn="just" eaLnBrk="1" hangingPunct="1"/>
-            <a:r>
-              <a:rPr lang="zh-CN" altLang="en-US" sz="3400" b="1" smtClean="0"/>
-              <a:t>测试用例设计</a:t>
-            </a:r>
-            <a:endParaRPr lang="en-US" altLang="zh-CN" sz="3400" b="1" smtClean="0"/>
-          </a:p>
-          <a:p>
-            <a:pPr lvl="1" algn="just" eaLnBrk="1" hangingPunct="1"/>
-            <a:r>
-              <a:rPr lang="zh-CN" altLang="en-US" b="1" smtClean="0"/>
-              <a:t>语句覆盖</a:t>
-            </a:r>
-            <a:endParaRPr lang="en-US" altLang="zh-CN" b="1" smtClean="0"/>
-          </a:p>
-          <a:p>
-            <a:pPr lvl="1" algn="just" eaLnBrk="1" hangingPunct="1"/>
-            <a:r>
-              <a:rPr lang="zh-CN" altLang="en-US" b="1" smtClean="0"/>
-              <a:t>判定覆盖</a:t>
-            </a:r>
-            <a:endParaRPr lang="en-US" altLang="zh-CN" b="1" smtClean="0"/>
-          </a:p>
-          <a:p>
-            <a:pPr lvl="1" algn="just" eaLnBrk="1" hangingPunct="1"/>
-            <a:r>
-              <a:rPr lang="zh-CN" altLang="en-US" b="1" smtClean="0"/>
-              <a:t>条件覆盖</a:t>
-            </a:r>
-            <a:endParaRPr lang="en-US" altLang="zh-CN" b="1" smtClean="0"/>
-          </a:p>
-          <a:p>
-            <a:pPr lvl="1" algn="just" eaLnBrk="1" hangingPunct="1"/>
-            <a:r>
-              <a:rPr lang="zh-CN" altLang="en-US" b="1" smtClean="0"/>
-              <a:t>判定</a:t>
-            </a:r>
-            <a:r>
-              <a:rPr lang="en-US" altLang="zh-CN" b="1" smtClean="0"/>
-              <a:t>/</a:t>
-            </a:r>
-            <a:r>
-              <a:rPr lang="zh-CN" altLang="en-US" b="1" smtClean="0"/>
-              <a:t>条件覆盖</a:t>
-            </a:r>
-            <a:endParaRPr lang="en-US" altLang="zh-CN" b="1" smtClean="0"/>
-          </a:p>
-          <a:p>
-            <a:pPr lvl="1" algn="just" eaLnBrk="1" hangingPunct="1"/>
-            <a:r>
-              <a:rPr lang="zh-CN" altLang="en-US" b="1" smtClean="0">
-                <a:solidFill>
-                  <a:srgbClr val="0000FF"/>
-                </a:solidFill>
-              </a:rPr>
-              <a:t>条件组合覆盖</a:t>
-            </a:r>
-            <a:endParaRPr lang="en-US" altLang="zh-CN" b="1" smtClean="0">
-              <a:solidFill>
-                <a:srgbClr val="0000FF"/>
-              </a:solidFill>
-            </a:endParaRPr>
-          </a:p>
-          <a:p>
-            <a:pPr lvl="1" algn="just" eaLnBrk="1" hangingPunct="1"/>
-            <a:r>
-              <a:rPr lang="zh-CN" altLang="en-US" b="1" smtClean="0"/>
-              <a:t>修正的判定</a:t>
-            </a:r>
-            <a:r>
-              <a:rPr lang="en-US" altLang="zh-CN" b="1" smtClean="0"/>
-              <a:t>/</a:t>
-            </a:r>
-            <a:r>
-              <a:rPr lang="zh-CN" altLang="en-US" b="1" smtClean="0"/>
-              <a:t>条件覆盖</a:t>
-            </a:r>
-          </a:p>
-        </p:txBody>
-      </p:sp>
-    </p:spTree>
   </p:cSld>
   <p:clrMapOvr>
     <a:masterClrMapping/>
@@ -8606,35 +8905,16 @@
           <a:p>
             <a:pPr eaLnBrk="1" hangingPunct="1"/>
             <a:r>
-              <a:rPr lang="zh-CN" altLang="en-US" dirty="0"/>
+              <a:rPr lang="zh-CN" altLang="en-US" b="1" dirty="0">
+                <a:latin typeface="黑体" pitchFamily="49" charset="-122"/>
+                <a:ea typeface="黑体" pitchFamily="49" charset="-122"/>
+              </a:rPr>
               <a:t>控制流分析技术</a:t>
             </a:r>
-            <a:endParaRPr lang="zh-CN" altLang="en-US" b="1" dirty="0" smtClean="0">
+            <a:endParaRPr lang="zh-CN" altLang="en-US" b="1" dirty="0">
               <a:latin typeface="黑体" pitchFamily="49" charset="-122"/>
               <a:ea typeface="黑体" pitchFamily="49" charset="-122"/>
             </a:endParaRPr>
-          </a:p>
-        </p:txBody>
-      </p:sp>
-      <p:sp>
-        <p:nvSpPr>
-          <p:cNvPr id="5124" name="Rectangle 3"/>
-          <p:cNvSpPr>
-            <a:spLocks noGrp="1" noChangeArrowheads="1"/>
-          </p:cNvSpPr>
-          <p:nvPr>
-            <p:ph type="body" idx="1"/>
-          </p:nvPr>
-        </p:nvSpPr>
-        <p:spPr/>
-        <p:txBody>
-          <a:bodyPr/>
-          <a:lstStyle/>
-          <a:p>
-            <a:pPr marL="471487" lvl="1" indent="0" eaLnBrk="1" hangingPunct="1">
-              <a:buNone/>
-            </a:pPr>
-            <a:endParaRPr lang="zh-CN" altLang="en-US" dirty="0" smtClean="0"/>
           </a:p>
         </p:txBody>
       </p:sp>
@@ -8727,7 +9007,7 @@
       </p:grpSpPr>
       <p:sp>
         <p:nvSpPr>
-          <p:cNvPr id="20482" name="灯片编号占位符 5"/>
+          <p:cNvPr id="19458" name="灯片编号占位符 5"/>
           <p:cNvSpPr>
             <a:spLocks noGrp="1"/>
           </p:cNvSpPr>
@@ -8869,7 +9149,7 @@
           </a:lstStyle>
           <a:p>
             <a:pPr eaLnBrk="1" hangingPunct="1"/>
-            <a:fld id="{E407298B-8B19-46B5-965F-EA2CCB87EF7E}" type="slidenum">
+            <a:fld id="{D4CE2E62-2B97-49E1-BB8E-A6D0AFA92061}" type="slidenum">
               <a:rPr lang="en-US" altLang="zh-CN" smtClean="0"/>
               <a:pPr eaLnBrk="1" hangingPunct="1"/>
               <a:t>20</a:t>
@@ -8880,7 +9160,7 @@
       </p:sp>
       <p:sp>
         <p:nvSpPr>
-          <p:cNvPr id="20483" name="Rectangle 2"/>
+          <p:cNvPr id="19459" name="Rectangle 2"/>
           <p:cNvSpPr>
             <a:spLocks noGrp="1" noChangeArrowheads="1"/>
           </p:cNvSpPr>
@@ -8913,7 +9193,7 @@
       </p:sp>
       <p:sp>
         <p:nvSpPr>
-          <p:cNvPr id="20484" name="Rectangle 3"/>
+          <p:cNvPr id="19460" name="Rectangle 3"/>
           <p:cNvSpPr>
             <a:spLocks noGrp="1" noChangeArrowheads="1"/>
           </p:cNvSpPr>
@@ -8928,36 +9208,80 @@
           <a:p>
             <a:pPr algn="just" eaLnBrk="1" hangingPunct="1"/>
             <a:r>
-              <a:rPr lang="zh-CN" altLang="en-US" sz="3400" b="1" dirty="0" smtClean="0"/>
+              <a:rPr lang="zh-CN" altLang="en-US" sz="3400" b="1" smtClean="0"/>
+              <a:t>测试用例设计</a:t>
+            </a:r>
+            <a:endParaRPr lang="en-US" altLang="zh-CN" sz="3400" b="1" smtClean="0"/>
+          </a:p>
+          <a:p>
+            <a:pPr lvl="1" algn="just" eaLnBrk="1" hangingPunct="1"/>
+            <a:r>
+              <a:rPr lang="zh-CN" altLang="en-US" b="1" smtClean="0"/>
+              <a:t>语句覆盖</a:t>
+            </a:r>
+            <a:endParaRPr lang="en-US" altLang="zh-CN" b="1" smtClean="0"/>
+          </a:p>
+          <a:p>
+            <a:pPr lvl="1" algn="just" eaLnBrk="1" hangingPunct="1"/>
+            <a:r>
+              <a:rPr lang="zh-CN" altLang="en-US" b="1" smtClean="0"/>
+              <a:t>判定覆盖</a:t>
+            </a:r>
+            <a:endParaRPr lang="en-US" altLang="zh-CN" b="1" smtClean="0"/>
+          </a:p>
+          <a:p>
+            <a:pPr lvl="1" algn="just" eaLnBrk="1" hangingPunct="1"/>
+            <a:r>
+              <a:rPr lang="zh-CN" altLang="en-US" b="1" smtClean="0"/>
+              <a:t>条件覆盖</a:t>
+            </a:r>
+            <a:endParaRPr lang="en-US" altLang="zh-CN" b="1" smtClean="0"/>
+          </a:p>
+          <a:p>
+            <a:pPr lvl="1" algn="just" eaLnBrk="1" hangingPunct="1"/>
+            <a:r>
+              <a:rPr lang="zh-CN" altLang="en-US" b="1" smtClean="0"/>
+              <a:t>判定</a:t>
+            </a:r>
+            <a:r>
+              <a:rPr lang="en-US" altLang="zh-CN" b="1" smtClean="0"/>
+              <a:t>/</a:t>
+            </a:r>
+            <a:r>
+              <a:rPr lang="zh-CN" altLang="en-US" b="1" smtClean="0"/>
+              <a:t>条件覆盖</a:t>
+            </a:r>
+            <a:endParaRPr lang="en-US" altLang="zh-CN" b="1" smtClean="0"/>
+          </a:p>
+          <a:p>
+            <a:pPr lvl="1" algn="just" eaLnBrk="1" hangingPunct="1"/>
+            <a:r>
+              <a:rPr lang="zh-CN" altLang="en-US" b="1" smtClean="0">
+                <a:solidFill>
+                  <a:srgbClr val="0000FF"/>
+                </a:solidFill>
+              </a:rPr>
               <a:t>条件组合覆盖</a:t>
             </a:r>
-            <a:endParaRPr lang="en-US" altLang="zh-CN" sz="3400" b="1" dirty="0" smtClean="0"/>
+            <a:endParaRPr lang="en-US" altLang="zh-CN" b="1" smtClean="0">
+              <a:solidFill>
+                <a:srgbClr val="0000FF"/>
+              </a:solidFill>
+            </a:endParaRPr>
           </a:p>
           <a:p>
             <a:pPr lvl="1" algn="just" eaLnBrk="1" hangingPunct="1"/>
             <a:r>
-              <a:rPr lang="zh-CN" altLang="en-US" sz="3200" b="1" dirty="0"/>
-              <a:t>测试用例的设计应满足每个判定节点中，所有简单判定条件的所有可能的取值组合情况应至少执行一次</a:t>
-            </a:r>
-            <a:endParaRPr lang="en-US" altLang="zh-CN" sz="3200" b="1" dirty="0"/>
-          </a:p>
-          <a:p>
-            <a:pPr lvl="1" algn="just" eaLnBrk="1" hangingPunct="1"/>
-            <a:r>
-              <a:rPr lang="zh-CN" altLang="en-US" sz="3200" b="1" dirty="0"/>
-              <a:t>实质是通过列出</a:t>
-            </a:r>
-            <a:r>
-              <a:rPr lang="zh-CN" altLang="en-US" sz="3200" b="1" dirty="0">
-                <a:solidFill>
-                  <a:srgbClr val="FF0000"/>
-                </a:solidFill>
-              </a:rPr>
-              <a:t>真值表</a:t>
-            </a:r>
-            <a:r>
-              <a:rPr lang="zh-CN" altLang="en-US" sz="3200" b="1" dirty="0"/>
-              <a:t>的方式来得到完全的覆盖，即以冗余换取方法的简单性</a:t>
+              <a:rPr lang="zh-CN" altLang="en-US" b="1" smtClean="0"/>
+              <a:t>修正的判定</a:t>
+            </a:r>
+            <a:r>
+              <a:rPr lang="en-US" altLang="zh-CN" b="1" smtClean="0"/>
+              <a:t>/</a:t>
+            </a:r>
+            <a:r>
+              <a:rPr lang="zh-CN" altLang="en-US" b="1" smtClean="0"/>
+              <a:t>条件覆盖</a:t>
             </a:r>
           </a:p>
         </p:txBody>
@@ -8997,6 +9321,299 @@
       </p:grpSpPr>
       <p:sp>
         <p:nvSpPr>
+          <p:cNvPr id="20482" name="灯片编号占位符 5"/>
+          <p:cNvSpPr>
+            <a:spLocks noGrp="1"/>
+          </p:cNvSpPr>
+          <p:nvPr>
+            <p:ph type="sldNum" sz="quarter" idx="12"/>
+          </p:nvPr>
+        </p:nvSpPr>
+        <p:spPr>
+          <a:noFill/>
+          <a:ln/>
+          <a:extLst>
+            <a:ext uri="{909E8E84-426E-40DD-AFC4-6F175D3DCCD1}">
+              <a14:hiddenFill xmlns:a14="http://schemas.microsoft.com/office/drawing/2010/main">
+                <a:solidFill>
+                  <a:srgbClr val="FFFFFF"/>
+                </a:solidFill>
+              </a14:hiddenFill>
+            </a:ext>
+            <a:ext uri="{91240B29-F687-4F45-9708-019B960494DF}">
+              <a14:hiddenLine xmlns:a14="http://schemas.microsoft.com/office/drawing/2010/main" w="9525">
+                <a:solidFill>
+                  <a:srgbClr val="000000"/>
+                </a:solidFill>
+                <a:miter lim="800000"/>
+                <a:headEnd/>
+                <a:tailEnd/>
+              </a14:hiddenLine>
+            </a:ext>
+          </a:extLst>
+        </p:spPr>
+        <p:txBody>
+          <a:bodyPr/>
+          <a:lstStyle>
+            <a:lvl1pPr eaLnBrk="0" hangingPunct="0">
+              <a:defRPr>
+                <a:solidFill>
+                  <a:schemeClr val="tx1"/>
+                </a:solidFill>
+                <a:latin typeface="Verdana" pitchFamily="34" charset="0"/>
+                <a:ea typeface="宋体" charset="-122"/>
+              </a:defRPr>
+            </a:lvl1pPr>
+            <a:lvl2pPr marL="742950" indent="-285750" eaLnBrk="0" hangingPunct="0">
+              <a:defRPr>
+                <a:solidFill>
+                  <a:schemeClr val="tx1"/>
+                </a:solidFill>
+                <a:latin typeface="Verdana" pitchFamily="34" charset="0"/>
+                <a:ea typeface="宋体" charset="-122"/>
+              </a:defRPr>
+            </a:lvl2pPr>
+            <a:lvl3pPr marL="1143000" indent="-228600" eaLnBrk="0" hangingPunct="0">
+              <a:defRPr>
+                <a:solidFill>
+                  <a:schemeClr val="tx1"/>
+                </a:solidFill>
+                <a:latin typeface="Verdana" pitchFamily="34" charset="0"/>
+                <a:ea typeface="宋体" charset="-122"/>
+              </a:defRPr>
+            </a:lvl3pPr>
+            <a:lvl4pPr marL="1600200" indent="-228600" eaLnBrk="0" hangingPunct="0">
+              <a:defRPr>
+                <a:solidFill>
+                  <a:schemeClr val="tx1"/>
+                </a:solidFill>
+                <a:latin typeface="Verdana" pitchFamily="34" charset="0"/>
+                <a:ea typeface="宋体" charset="-122"/>
+              </a:defRPr>
+            </a:lvl4pPr>
+            <a:lvl5pPr marL="2057400" indent="-228600" eaLnBrk="0" hangingPunct="0">
+              <a:defRPr>
+                <a:solidFill>
+                  <a:schemeClr val="tx1"/>
+                </a:solidFill>
+                <a:latin typeface="Verdana" pitchFamily="34" charset="0"/>
+                <a:ea typeface="宋体" charset="-122"/>
+              </a:defRPr>
+            </a:lvl5pPr>
+            <a:lvl6pPr marL="2514600" indent="-228600" eaLnBrk="0" fontAlgn="base" hangingPunct="0">
+              <a:spcBef>
+                <a:spcPct val="0"/>
+              </a:spcBef>
+              <a:spcAft>
+                <a:spcPct val="0"/>
+              </a:spcAft>
+              <a:defRPr>
+                <a:solidFill>
+                  <a:schemeClr val="tx1"/>
+                </a:solidFill>
+                <a:latin typeface="Verdana" pitchFamily="34" charset="0"/>
+                <a:ea typeface="宋体" charset="-122"/>
+              </a:defRPr>
+            </a:lvl6pPr>
+            <a:lvl7pPr marL="2971800" indent="-228600" eaLnBrk="0" fontAlgn="base" hangingPunct="0">
+              <a:spcBef>
+                <a:spcPct val="0"/>
+              </a:spcBef>
+              <a:spcAft>
+                <a:spcPct val="0"/>
+              </a:spcAft>
+              <a:defRPr>
+                <a:solidFill>
+                  <a:schemeClr val="tx1"/>
+                </a:solidFill>
+                <a:latin typeface="Verdana" pitchFamily="34" charset="0"/>
+                <a:ea typeface="宋体" charset="-122"/>
+              </a:defRPr>
+            </a:lvl7pPr>
+            <a:lvl8pPr marL="3429000" indent="-228600" eaLnBrk="0" fontAlgn="base" hangingPunct="0">
+              <a:spcBef>
+                <a:spcPct val="0"/>
+              </a:spcBef>
+              <a:spcAft>
+                <a:spcPct val="0"/>
+              </a:spcAft>
+              <a:defRPr>
+                <a:solidFill>
+                  <a:schemeClr val="tx1"/>
+                </a:solidFill>
+                <a:latin typeface="Verdana" pitchFamily="34" charset="0"/>
+                <a:ea typeface="宋体" charset="-122"/>
+              </a:defRPr>
+            </a:lvl8pPr>
+            <a:lvl9pPr marL="3886200" indent="-228600" eaLnBrk="0" fontAlgn="base" hangingPunct="0">
+              <a:spcBef>
+                <a:spcPct val="0"/>
+              </a:spcBef>
+              <a:spcAft>
+                <a:spcPct val="0"/>
+              </a:spcAft>
+              <a:defRPr>
+                <a:solidFill>
+                  <a:schemeClr val="tx1"/>
+                </a:solidFill>
+                <a:latin typeface="Verdana" pitchFamily="34" charset="0"/>
+                <a:ea typeface="宋体" charset="-122"/>
+              </a:defRPr>
+            </a:lvl9pPr>
+          </a:lstStyle>
+          <a:p>
+            <a:pPr eaLnBrk="1" hangingPunct="1"/>
+            <a:fld id="{E407298B-8B19-46B5-965F-EA2CCB87EF7E}" type="slidenum">
+              <a:rPr lang="en-US" altLang="zh-CN" smtClean="0"/>
+              <a:pPr eaLnBrk="1" hangingPunct="1"/>
+              <a:t>21</a:t>
+            </a:fld>
+            <a:endParaRPr lang="en-US" altLang="zh-CN" smtClean="0"/>
+          </a:p>
+        </p:txBody>
+      </p:sp>
+      <p:sp>
+        <p:nvSpPr>
+          <p:cNvPr id="20483" name="Rectangle 2"/>
+          <p:cNvSpPr>
+            <a:spLocks noGrp="1" noChangeArrowheads="1"/>
+          </p:cNvSpPr>
+          <p:nvPr>
+            <p:ph type="title"/>
+          </p:nvPr>
+        </p:nvSpPr>
+        <p:spPr/>
+        <p:txBody>
+          <a:bodyPr/>
+          <a:lstStyle/>
+          <a:p>
+            <a:pPr eaLnBrk="1" hangingPunct="1"/>
+            <a:r>
+              <a:rPr lang="en-US" altLang="zh-CN" b="1" smtClean="0">
+                <a:latin typeface="黑体" pitchFamily="49" charset="-122"/>
+                <a:ea typeface="黑体" pitchFamily="49" charset="-122"/>
+              </a:rPr>
+              <a:t>5.3 </a:t>
+            </a:r>
+            <a:r>
+              <a:rPr lang="zh-CN" altLang="en-US" b="1" smtClean="0">
+                <a:latin typeface="黑体" pitchFamily="49" charset="-122"/>
+                <a:ea typeface="黑体" pitchFamily="49" charset="-122"/>
+              </a:rPr>
+              <a:t>对判定的测试</a:t>
+            </a:r>
+          </a:p>
+        </p:txBody>
+      </p:sp>
+      <p:sp>
+        <p:nvSpPr>
+          <p:cNvPr id="20484" name="Rectangle 3"/>
+          <p:cNvSpPr>
+            <a:spLocks noGrp="1" noChangeArrowheads="1"/>
+          </p:cNvSpPr>
+          <p:nvPr>
+            <p:ph type="body" idx="1"/>
+          </p:nvPr>
+        </p:nvSpPr>
+        <p:spPr/>
+        <p:txBody>
+          <a:bodyPr/>
+          <a:lstStyle/>
+          <a:p>
+            <a:pPr algn="just" eaLnBrk="1" hangingPunct="1"/>
+            <a:r>
+              <a:rPr lang="zh-CN" altLang="en-US" sz="3400" b="1" dirty="0" smtClean="0"/>
+              <a:t>条件组合</a:t>
+            </a:r>
+            <a:r>
+              <a:rPr lang="zh-CN" altLang="en-US" sz="3400" b="1" dirty="0" smtClean="0"/>
+              <a:t>覆盖</a:t>
+            </a:r>
+            <a:r>
+              <a:rPr lang="en-US" altLang="zh-CN" sz="2800" b="1" dirty="0"/>
+              <a:t>(</a:t>
+            </a:r>
+            <a:r>
+              <a:rPr lang="en-US" altLang="zh-CN" sz="2400" b="1" dirty="0"/>
+              <a:t>Condition </a:t>
+            </a:r>
+            <a:r>
+              <a:rPr lang="en-US" altLang="zh-CN" sz="2400" b="1" dirty="0" smtClean="0"/>
+              <a:t>Combination Coverage</a:t>
+            </a:r>
+            <a:r>
+              <a:rPr lang="en-US" altLang="zh-CN" sz="2400" b="1" dirty="0"/>
+              <a:t>)</a:t>
+            </a:r>
+          </a:p>
+          <a:p>
+            <a:pPr lvl="1" algn="just" eaLnBrk="1" hangingPunct="1"/>
+            <a:r>
+              <a:rPr lang="zh-CN" altLang="en-US" sz="3200" b="1" dirty="0" smtClean="0"/>
+              <a:t>测试用例</a:t>
+            </a:r>
+            <a:r>
+              <a:rPr lang="zh-CN" altLang="en-US" sz="3200" b="1" dirty="0"/>
+              <a:t>的设计应满足每个判定节点中，所有简单判定条件的所有可能的取值组合情况应至少执行一次</a:t>
+            </a:r>
+            <a:endParaRPr lang="en-US" altLang="zh-CN" sz="3200" b="1" dirty="0"/>
+          </a:p>
+          <a:p>
+            <a:pPr lvl="1" algn="just" eaLnBrk="1" hangingPunct="1"/>
+            <a:r>
+              <a:rPr lang="zh-CN" altLang="en-US" sz="3200" b="1" dirty="0"/>
+              <a:t>实质是通过列出</a:t>
+            </a:r>
+            <a:r>
+              <a:rPr lang="zh-CN" altLang="en-US" sz="3200" b="1" dirty="0">
+                <a:solidFill>
+                  <a:srgbClr val="FF0000"/>
+                </a:solidFill>
+              </a:rPr>
+              <a:t>真值表</a:t>
+            </a:r>
+            <a:r>
+              <a:rPr lang="zh-CN" altLang="en-US" sz="3200" b="1" dirty="0"/>
+              <a:t>的方式来得到完全的覆盖，即以冗余换取方法的简单性</a:t>
+            </a:r>
+          </a:p>
+        </p:txBody>
+      </p:sp>
+    </p:spTree>
+  </p:cSld>
+  <p:clrMapOvr>
+    <a:masterClrMapping/>
+  </p:clrMapOvr>
+  <p:transition/>
+  <p:timing>
+    <p:tnLst>
+      <p:par>
+        <p:cTn id="1" dur="indefinite" restart="never" nodeType="tmRoot"/>
+      </p:par>
+    </p:tnLst>
+  </p:timing>
+</p:sld>
+</file>
+
+<file path=ppt/slides/slide22.xml><?xml version="1.0" encoding="utf-8"?>
+<p:sld xmlns:a="http://schemas.openxmlformats.org/drawingml/2006/main" xmlns:r="http://schemas.openxmlformats.org/officeDocument/2006/relationships" xmlns:p="http://schemas.openxmlformats.org/presentationml/2006/main">
+  <p:cSld>
+    <p:spTree>
+      <p:nvGrpSpPr>
+        <p:cNvPr id="1" name=""/>
+        <p:cNvGrpSpPr/>
+        <p:nvPr/>
+      </p:nvGrpSpPr>
+      <p:grpSpPr>
+        <a:xfrm>
+          <a:off x="0" y="0"/>
+          <a:ext cx="0" cy="0"/>
+          <a:chOff x="0" y="0"/>
+          <a:chExt cx="0" cy="0"/>
+        </a:xfrm>
+      </p:grpSpPr>
+      <p:sp>
+        <p:nvSpPr>
           <p:cNvPr id="21506" name="灯片编号占位符 5"/>
           <p:cNvSpPr>
             <a:spLocks noGrp="1"/>
@@ -9142,7 +9759,7 @@
             <a:fld id="{B6F7FB28-BEF4-4559-89DC-2F11599C1A40}" type="slidenum">
               <a:rPr lang="en-US" altLang="zh-CN" smtClean="0"/>
               <a:pPr eaLnBrk="1" hangingPunct="1"/>
-              <a:t>21</a:t>
+              <a:t>22</a:t>
             </a:fld>
             <a:endParaRPr lang="en-US" altLang="zh-CN" smtClean="0"/>
           </a:p>
@@ -9274,7 +9891,7 @@
 </p:sld>
 </file>
 
-<file path=ppt/slides/slide22.xml><?xml version="1.0" encoding="utf-8"?>
+<file path=ppt/slides/slide23.xml><?xml version="1.0" encoding="utf-8"?>
 <p:sld xmlns:a="http://schemas.openxmlformats.org/drawingml/2006/main" xmlns:r="http://schemas.openxmlformats.org/officeDocument/2006/relationships" xmlns:p="http://schemas.openxmlformats.org/presentationml/2006/main">
   <p:cSld>
     <p:spTree>
@@ -9438,7 +10055,7 @@
             <a:fld id="{11D3DD42-AC26-434A-AEEA-1EEAD5B1B0C7}" type="slidenum">
               <a:rPr lang="en-US" altLang="zh-CN" smtClean="0"/>
               <a:pPr eaLnBrk="1" hangingPunct="1"/>
-              <a:t>22</a:t>
+              <a:t>23</a:t>
             </a:fld>
             <a:endParaRPr lang="en-US" altLang="zh-CN" smtClean="0"/>
           </a:p>
@@ -9516,324 +10133,6 @@
             <a:r>
               <a:rPr lang="zh-CN" altLang="en-US" sz="3200" b="1" dirty="0"/>
               <a:t>将大得惊人</a:t>
-            </a:r>
-          </a:p>
-        </p:txBody>
-      </p:sp>
-    </p:spTree>
-  </p:cSld>
-  <p:clrMapOvr>
-    <a:masterClrMapping/>
-  </p:clrMapOvr>
-  <p:transition/>
-  <p:timing>
-    <p:tnLst>
-      <p:par>
-        <p:cTn id="1" dur="indefinite" restart="never" nodeType="tmRoot"/>
-      </p:par>
-    </p:tnLst>
-  </p:timing>
-</p:sld>
-</file>
-
-<file path=ppt/slides/slide23.xml><?xml version="1.0" encoding="utf-8"?>
-<p:sld xmlns:a="http://schemas.openxmlformats.org/drawingml/2006/main" xmlns:r="http://schemas.openxmlformats.org/officeDocument/2006/relationships" xmlns:p="http://schemas.openxmlformats.org/presentationml/2006/main">
-  <p:cSld>
-    <p:spTree>
-      <p:nvGrpSpPr>
-        <p:cNvPr id="1" name=""/>
-        <p:cNvGrpSpPr/>
-        <p:nvPr/>
-      </p:nvGrpSpPr>
-      <p:grpSpPr>
-        <a:xfrm>
-          <a:off x="0" y="0"/>
-          <a:ext cx="0" cy="0"/>
-          <a:chOff x="0" y="0"/>
-          <a:chExt cx="0" cy="0"/>
-        </a:xfrm>
-      </p:grpSpPr>
-      <p:sp>
-        <p:nvSpPr>
-          <p:cNvPr id="23554" name="灯片编号占位符 5"/>
-          <p:cNvSpPr>
-            <a:spLocks noGrp="1"/>
-          </p:cNvSpPr>
-          <p:nvPr>
-            <p:ph type="sldNum" sz="quarter" idx="12"/>
-          </p:nvPr>
-        </p:nvSpPr>
-        <p:spPr>
-          <a:noFill/>
-          <a:ln/>
-          <a:extLst>
-            <a:ext uri="{909E8E84-426E-40DD-AFC4-6F175D3DCCD1}">
-              <a14:hiddenFill xmlns:a14="http://schemas.microsoft.com/office/drawing/2010/main">
-                <a:solidFill>
-                  <a:srgbClr val="FFFFFF"/>
-                </a:solidFill>
-              </a14:hiddenFill>
-            </a:ext>
-            <a:ext uri="{91240B29-F687-4F45-9708-019B960494DF}">
-              <a14:hiddenLine xmlns:a14="http://schemas.microsoft.com/office/drawing/2010/main" w="9525">
-                <a:solidFill>
-                  <a:srgbClr val="000000"/>
-                </a:solidFill>
-                <a:miter lim="800000"/>
-                <a:headEnd/>
-                <a:tailEnd/>
-              </a14:hiddenLine>
-            </a:ext>
-          </a:extLst>
-        </p:spPr>
-        <p:txBody>
-          <a:bodyPr/>
-          <a:lstStyle>
-            <a:lvl1pPr eaLnBrk="0" hangingPunct="0">
-              <a:defRPr>
-                <a:solidFill>
-                  <a:schemeClr val="tx1"/>
-                </a:solidFill>
-                <a:latin typeface="Verdana" pitchFamily="34" charset="0"/>
-                <a:ea typeface="宋体" charset="-122"/>
-              </a:defRPr>
-            </a:lvl1pPr>
-            <a:lvl2pPr marL="742950" indent="-285750" eaLnBrk="0" hangingPunct="0">
-              <a:defRPr>
-                <a:solidFill>
-                  <a:schemeClr val="tx1"/>
-                </a:solidFill>
-                <a:latin typeface="Verdana" pitchFamily="34" charset="0"/>
-                <a:ea typeface="宋体" charset="-122"/>
-              </a:defRPr>
-            </a:lvl2pPr>
-            <a:lvl3pPr marL="1143000" indent="-228600" eaLnBrk="0" hangingPunct="0">
-              <a:defRPr>
-                <a:solidFill>
-                  <a:schemeClr val="tx1"/>
-                </a:solidFill>
-                <a:latin typeface="Verdana" pitchFamily="34" charset="0"/>
-                <a:ea typeface="宋体" charset="-122"/>
-              </a:defRPr>
-            </a:lvl3pPr>
-            <a:lvl4pPr marL="1600200" indent="-228600" eaLnBrk="0" hangingPunct="0">
-              <a:defRPr>
-                <a:solidFill>
-                  <a:schemeClr val="tx1"/>
-                </a:solidFill>
-                <a:latin typeface="Verdana" pitchFamily="34" charset="0"/>
-                <a:ea typeface="宋体" charset="-122"/>
-              </a:defRPr>
-            </a:lvl4pPr>
-            <a:lvl5pPr marL="2057400" indent="-228600" eaLnBrk="0" hangingPunct="0">
-              <a:defRPr>
-                <a:solidFill>
-                  <a:schemeClr val="tx1"/>
-                </a:solidFill>
-                <a:latin typeface="Verdana" pitchFamily="34" charset="0"/>
-                <a:ea typeface="宋体" charset="-122"/>
-              </a:defRPr>
-            </a:lvl5pPr>
-            <a:lvl6pPr marL="2514600" indent="-228600" eaLnBrk="0" fontAlgn="base" hangingPunct="0">
-              <a:spcBef>
-                <a:spcPct val="0"/>
-              </a:spcBef>
-              <a:spcAft>
-                <a:spcPct val="0"/>
-              </a:spcAft>
-              <a:defRPr>
-                <a:solidFill>
-                  <a:schemeClr val="tx1"/>
-                </a:solidFill>
-                <a:latin typeface="Verdana" pitchFamily="34" charset="0"/>
-                <a:ea typeface="宋体" charset="-122"/>
-              </a:defRPr>
-            </a:lvl6pPr>
-            <a:lvl7pPr marL="2971800" indent="-228600" eaLnBrk="0" fontAlgn="base" hangingPunct="0">
-              <a:spcBef>
-                <a:spcPct val="0"/>
-              </a:spcBef>
-              <a:spcAft>
-                <a:spcPct val="0"/>
-              </a:spcAft>
-              <a:defRPr>
-                <a:solidFill>
-                  <a:schemeClr val="tx1"/>
-                </a:solidFill>
-                <a:latin typeface="Verdana" pitchFamily="34" charset="0"/>
-                <a:ea typeface="宋体" charset="-122"/>
-              </a:defRPr>
-            </a:lvl7pPr>
-            <a:lvl8pPr marL="3429000" indent="-228600" eaLnBrk="0" fontAlgn="base" hangingPunct="0">
-              <a:spcBef>
-                <a:spcPct val="0"/>
-              </a:spcBef>
-              <a:spcAft>
-                <a:spcPct val="0"/>
-              </a:spcAft>
-              <a:defRPr>
-                <a:solidFill>
-                  <a:schemeClr val="tx1"/>
-                </a:solidFill>
-                <a:latin typeface="Verdana" pitchFamily="34" charset="0"/>
-                <a:ea typeface="宋体" charset="-122"/>
-              </a:defRPr>
-            </a:lvl8pPr>
-            <a:lvl9pPr marL="3886200" indent="-228600" eaLnBrk="0" fontAlgn="base" hangingPunct="0">
-              <a:spcBef>
-                <a:spcPct val="0"/>
-              </a:spcBef>
-              <a:spcAft>
-                <a:spcPct val="0"/>
-              </a:spcAft>
-              <a:defRPr>
-                <a:solidFill>
-                  <a:schemeClr val="tx1"/>
-                </a:solidFill>
-                <a:latin typeface="Verdana" pitchFamily="34" charset="0"/>
-                <a:ea typeface="宋体" charset="-122"/>
-              </a:defRPr>
-            </a:lvl9pPr>
-          </a:lstStyle>
-          <a:p>
-            <a:pPr eaLnBrk="1" hangingPunct="1"/>
-            <a:fld id="{F7BDD3FE-3A4A-441C-959D-98C6805D57D7}" type="slidenum">
-              <a:rPr lang="en-US" altLang="zh-CN" smtClean="0"/>
-              <a:pPr eaLnBrk="1" hangingPunct="1"/>
-              <a:t>23</a:t>
-            </a:fld>
-            <a:endParaRPr lang="en-US" altLang="zh-CN" smtClean="0"/>
-          </a:p>
-        </p:txBody>
-      </p:sp>
-      <p:sp>
-        <p:nvSpPr>
-          <p:cNvPr id="23555" name="Rectangle 2"/>
-          <p:cNvSpPr>
-            <a:spLocks noGrp="1" noChangeArrowheads="1"/>
-          </p:cNvSpPr>
-          <p:nvPr>
-            <p:ph type="title"/>
-          </p:nvPr>
-        </p:nvSpPr>
-        <p:spPr/>
-        <p:txBody>
-          <a:bodyPr/>
-          <a:lstStyle/>
-          <a:p>
-            <a:pPr eaLnBrk="1" hangingPunct="1"/>
-            <a:r>
-              <a:rPr lang="en-US" altLang="zh-CN" b="1" smtClean="0">
-                <a:latin typeface="黑体" pitchFamily="49" charset="-122"/>
-                <a:ea typeface="黑体" pitchFamily="49" charset="-122"/>
-              </a:rPr>
-              <a:t>5.3 </a:t>
-            </a:r>
-            <a:r>
-              <a:rPr lang="zh-CN" altLang="en-US" b="1" smtClean="0">
-                <a:latin typeface="黑体" pitchFamily="49" charset="-122"/>
-                <a:ea typeface="黑体" pitchFamily="49" charset="-122"/>
-              </a:rPr>
-              <a:t>对判定的测试</a:t>
-            </a:r>
-          </a:p>
-        </p:txBody>
-      </p:sp>
-      <p:sp>
-        <p:nvSpPr>
-          <p:cNvPr id="23556" name="Rectangle 3"/>
-          <p:cNvSpPr>
-            <a:spLocks noGrp="1" noChangeArrowheads="1"/>
-          </p:cNvSpPr>
-          <p:nvPr>
-            <p:ph type="body" idx="1"/>
-          </p:nvPr>
-        </p:nvSpPr>
-        <p:spPr/>
-        <p:txBody>
-          <a:bodyPr/>
-          <a:lstStyle/>
-          <a:p>
-            <a:pPr algn="just" eaLnBrk="1" hangingPunct="1"/>
-            <a:r>
-              <a:rPr lang="zh-CN" altLang="en-US" sz="3400" b="1" smtClean="0"/>
-              <a:t>测试用例设计</a:t>
-            </a:r>
-            <a:endParaRPr lang="en-US" altLang="zh-CN" sz="3400" b="1" smtClean="0"/>
-          </a:p>
-          <a:p>
-            <a:pPr lvl="1" algn="just" eaLnBrk="1" hangingPunct="1"/>
-            <a:r>
-              <a:rPr lang="zh-CN" altLang="en-US" b="1" smtClean="0"/>
-              <a:t>语句覆盖</a:t>
-            </a:r>
-            <a:endParaRPr lang="en-US" altLang="zh-CN" b="1" smtClean="0"/>
-          </a:p>
-          <a:p>
-            <a:pPr lvl="1" algn="just" eaLnBrk="1" hangingPunct="1"/>
-            <a:r>
-              <a:rPr lang="zh-CN" altLang="en-US" b="1" smtClean="0"/>
-              <a:t>判定覆盖</a:t>
-            </a:r>
-            <a:endParaRPr lang="en-US" altLang="zh-CN" b="1" smtClean="0"/>
-          </a:p>
-          <a:p>
-            <a:pPr lvl="1" algn="just" eaLnBrk="1" hangingPunct="1"/>
-            <a:r>
-              <a:rPr lang="zh-CN" altLang="en-US" b="1" smtClean="0"/>
-              <a:t>条件覆盖</a:t>
-            </a:r>
-            <a:endParaRPr lang="en-US" altLang="zh-CN" b="1" smtClean="0"/>
-          </a:p>
-          <a:p>
-            <a:pPr lvl="1" algn="just" eaLnBrk="1" hangingPunct="1"/>
-            <a:r>
-              <a:rPr lang="zh-CN" altLang="en-US" b="1" smtClean="0"/>
-              <a:t>判定</a:t>
-            </a:r>
-            <a:r>
-              <a:rPr lang="en-US" altLang="zh-CN" b="1" smtClean="0"/>
-              <a:t>/</a:t>
-            </a:r>
-            <a:r>
-              <a:rPr lang="zh-CN" altLang="en-US" b="1" smtClean="0"/>
-              <a:t>条件覆盖</a:t>
-            </a:r>
-            <a:endParaRPr lang="en-US" altLang="zh-CN" b="1" smtClean="0"/>
-          </a:p>
-          <a:p>
-            <a:pPr lvl="1" algn="just" eaLnBrk="1" hangingPunct="1"/>
-            <a:r>
-              <a:rPr lang="zh-CN" altLang="en-US" b="1" smtClean="0"/>
-              <a:t>条件组合覆盖</a:t>
-            </a:r>
-            <a:endParaRPr lang="en-US" altLang="zh-CN" b="1" smtClean="0"/>
-          </a:p>
-          <a:p>
-            <a:pPr lvl="1" algn="just" eaLnBrk="1" hangingPunct="1"/>
-            <a:r>
-              <a:rPr lang="zh-CN" altLang="en-US" b="1" smtClean="0">
-                <a:solidFill>
-                  <a:srgbClr val="0000FF"/>
-                </a:solidFill>
-              </a:rPr>
-              <a:t>修正的判定</a:t>
-            </a:r>
-            <a:r>
-              <a:rPr lang="en-US" altLang="zh-CN" b="1" smtClean="0">
-                <a:solidFill>
-                  <a:srgbClr val="0000FF"/>
-                </a:solidFill>
-              </a:rPr>
-              <a:t>/</a:t>
-            </a:r>
-            <a:r>
-              <a:rPr lang="zh-CN" altLang="en-US" b="1" smtClean="0">
-                <a:solidFill>
-                  <a:srgbClr val="0000FF"/>
-                </a:solidFill>
-              </a:rPr>
-              <a:t>条件覆盖</a:t>
             </a:r>
           </a:p>
         </p:txBody>
@@ -9873,7 +10172,7 @@
       </p:grpSpPr>
       <p:sp>
         <p:nvSpPr>
-          <p:cNvPr id="24578" name="灯片编号占位符 5"/>
+          <p:cNvPr id="23554" name="灯片编号占位符 5"/>
           <p:cNvSpPr>
             <a:spLocks noGrp="1"/>
           </p:cNvSpPr>
@@ -10015,7 +10314,7 @@
           </a:lstStyle>
           <a:p>
             <a:pPr eaLnBrk="1" hangingPunct="1"/>
-            <a:fld id="{9604C1B8-E16C-494A-BB97-FDEBFFEF3ED5}" type="slidenum">
+            <a:fld id="{F7BDD3FE-3A4A-441C-959D-98C6805D57D7}" type="slidenum">
               <a:rPr lang="en-US" altLang="zh-CN" smtClean="0"/>
               <a:pPr eaLnBrk="1" hangingPunct="1"/>
               <a:t>24</a:t>
@@ -10026,7 +10325,7 @@
       </p:sp>
       <p:sp>
         <p:nvSpPr>
-          <p:cNvPr id="24579" name="Rectangle 2"/>
+          <p:cNvPr id="23555" name="Rectangle 2"/>
           <p:cNvSpPr>
             <a:spLocks noGrp="1" noChangeArrowheads="1"/>
           </p:cNvSpPr>
@@ -10059,7 +10358,7 @@
       </p:sp>
       <p:sp>
         <p:nvSpPr>
-          <p:cNvPr id="24580" name="Rectangle 3"/>
+          <p:cNvPr id="23556" name="Rectangle 3"/>
           <p:cNvSpPr>
             <a:spLocks noGrp="1" noChangeArrowheads="1"/>
           </p:cNvSpPr>
@@ -10074,52 +10373,84 @@
           <a:p>
             <a:pPr algn="just" eaLnBrk="1" hangingPunct="1"/>
             <a:r>
-              <a:rPr lang="zh-CN" altLang="en-US" sz="3400" b="1" dirty="0" smtClean="0"/>
+              <a:rPr lang="zh-CN" altLang="en-US" sz="3400" b="1" smtClean="0"/>
+              <a:t>测试用例设计</a:t>
+            </a:r>
+            <a:endParaRPr lang="en-US" altLang="zh-CN" sz="3400" b="1" smtClean="0"/>
+          </a:p>
+          <a:p>
+            <a:pPr lvl="1" algn="just" eaLnBrk="1" hangingPunct="1"/>
+            <a:r>
+              <a:rPr lang="zh-CN" altLang="en-US" b="1" smtClean="0"/>
+              <a:t>语句覆盖</a:t>
+            </a:r>
+            <a:endParaRPr lang="en-US" altLang="zh-CN" b="1" smtClean="0"/>
+          </a:p>
+          <a:p>
+            <a:pPr lvl="1" algn="just" eaLnBrk="1" hangingPunct="1"/>
+            <a:r>
+              <a:rPr lang="zh-CN" altLang="en-US" b="1" smtClean="0"/>
+              <a:t>判定覆盖</a:t>
+            </a:r>
+            <a:endParaRPr lang="en-US" altLang="zh-CN" b="1" smtClean="0"/>
+          </a:p>
+          <a:p>
+            <a:pPr lvl="1" algn="just" eaLnBrk="1" hangingPunct="1"/>
+            <a:r>
+              <a:rPr lang="zh-CN" altLang="en-US" b="1" smtClean="0"/>
+              <a:t>条件覆盖</a:t>
+            </a:r>
+            <a:endParaRPr lang="en-US" altLang="zh-CN" b="1" smtClean="0"/>
+          </a:p>
+          <a:p>
+            <a:pPr lvl="1" algn="just" eaLnBrk="1" hangingPunct="1"/>
+            <a:r>
+              <a:rPr lang="zh-CN" altLang="en-US" b="1" smtClean="0"/>
+              <a:t>判定</a:t>
+            </a:r>
+            <a:r>
+              <a:rPr lang="en-US" altLang="zh-CN" b="1" smtClean="0"/>
+              <a:t>/</a:t>
+            </a:r>
+            <a:r>
+              <a:rPr lang="zh-CN" altLang="en-US" b="1" smtClean="0"/>
+              <a:t>条件覆盖</a:t>
+            </a:r>
+            <a:endParaRPr lang="en-US" altLang="zh-CN" b="1" smtClean="0"/>
+          </a:p>
+          <a:p>
+            <a:pPr lvl="1" algn="just" eaLnBrk="1" hangingPunct="1"/>
+            <a:r>
+              <a:rPr lang="zh-CN" altLang="en-US" b="1" smtClean="0"/>
+              <a:t>条件组合覆盖</a:t>
+            </a:r>
+            <a:endParaRPr lang="en-US" altLang="zh-CN" b="1" smtClean="0"/>
+          </a:p>
+          <a:p>
+            <a:pPr lvl="1" algn="just" eaLnBrk="1" hangingPunct="1"/>
+            <a:r>
+              <a:rPr lang="zh-CN" altLang="en-US" b="1" smtClean="0">
+                <a:solidFill>
+                  <a:srgbClr val="0000FF"/>
+                </a:solidFill>
+              </a:rPr>
               <a:t>修正的判定</a:t>
             </a:r>
             <a:r>
-              <a:rPr lang="en-US" altLang="zh-CN" sz="3400" b="1" dirty="0" smtClean="0"/>
+              <a:rPr lang="en-US" altLang="zh-CN" b="1" smtClean="0">
+                <a:solidFill>
+                  <a:srgbClr val="0000FF"/>
+                </a:solidFill>
+              </a:rPr>
               <a:t>/</a:t>
             </a:r>
             <a:r>
-              <a:rPr lang="zh-CN" altLang="en-US" sz="3400" b="1" dirty="0" smtClean="0"/>
+              <a:rPr lang="zh-CN" altLang="en-US" b="1" smtClean="0">
+                <a:solidFill>
+                  <a:srgbClr val="0000FF"/>
+                </a:solidFill>
+              </a:rPr>
               <a:t>条件覆盖</a:t>
-            </a:r>
-            <a:endParaRPr lang="en-US" altLang="zh-CN" sz="3400" b="1" dirty="0" smtClean="0"/>
-          </a:p>
-          <a:p>
-            <a:pPr algn="just" eaLnBrk="1" hangingPunct="1"/>
-            <a:r>
-              <a:rPr lang="zh-CN" altLang="en-US" sz="3400" b="1" dirty="0" smtClean="0"/>
-              <a:t>在满足判定</a:t>
-            </a:r>
-            <a:r>
-              <a:rPr lang="en-US" altLang="en-US" sz="3400" b="1" dirty="0" smtClean="0"/>
-              <a:t>/</a:t>
-            </a:r>
-            <a:r>
-              <a:rPr lang="zh-CN" altLang="en-US" sz="3400" b="1" dirty="0" smtClean="0"/>
-              <a:t>条件覆盖的基础上，每个简单判定条件都应</a:t>
-            </a:r>
-            <a:r>
-              <a:rPr lang="zh-CN" altLang="en-US" sz="3400" b="1" dirty="0" smtClean="0">
-                <a:solidFill>
-                  <a:srgbClr val="FF0000"/>
-                </a:solidFill>
-              </a:rPr>
-              <a:t>独立地影响</a:t>
-            </a:r>
-            <a:r>
-              <a:rPr lang="zh-CN" altLang="en-US" sz="3400" b="1" dirty="0" smtClean="0"/>
-              <a:t>到整个判定表达式的取值</a:t>
-            </a:r>
-            <a:endParaRPr lang="en-US" altLang="zh-CN" sz="3400" b="1" dirty="0" smtClean="0"/>
-          </a:p>
-          <a:p>
-            <a:pPr algn="just" eaLnBrk="1" hangingPunct="1"/>
-            <a:r>
-              <a:rPr lang="zh-CN" altLang="en-US" sz="3400" b="1" dirty="0" smtClean="0"/>
-              <a:t>实质是利用简单判定条件的独立影响性来消除测试用例的冗余。</a:t>
             </a:r>
           </a:p>
         </p:txBody>
@@ -10159,6 +10490,310 @@
       </p:grpSpPr>
       <p:sp>
         <p:nvSpPr>
+          <p:cNvPr id="24578" name="灯片编号占位符 5"/>
+          <p:cNvSpPr>
+            <a:spLocks noGrp="1"/>
+          </p:cNvSpPr>
+          <p:nvPr>
+            <p:ph type="sldNum" sz="quarter" idx="12"/>
+          </p:nvPr>
+        </p:nvSpPr>
+        <p:spPr>
+          <a:noFill/>
+          <a:ln/>
+          <a:extLst>
+            <a:ext uri="{909E8E84-426E-40DD-AFC4-6F175D3DCCD1}">
+              <a14:hiddenFill xmlns:a14="http://schemas.microsoft.com/office/drawing/2010/main">
+                <a:solidFill>
+                  <a:srgbClr val="FFFFFF"/>
+                </a:solidFill>
+              </a14:hiddenFill>
+            </a:ext>
+            <a:ext uri="{91240B29-F687-4F45-9708-019B960494DF}">
+              <a14:hiddenLine xmlns:a14="http://schemas.microsoft.com/office/drawing/2010/main" w="9525">
+                <a:solidFill>
+                  <a:srgbClr val="000000"/>
+                </a:solidFill>
+                <a:miter lim="800000"/>
+                <a:headEnd/>
+                <a:tailEnd/>
+              </a14:hiddenLine>
+            </a:ext>
+          </a:extLst>
+        </p:spPr>
+        <p:txBody>
+          <a:bodyPr/>
+          <a:lstStyle>
+            <a:lvl1pPr eaLnBrk="0" hangingPunct="0">
+              <a:defRPr>
+                <a:solidFill>
+                  <a:schemeClr val="tx1"/>
+                </a:solidFill>
+                <a:latin typeface="Verdana" pitchFamily="34" charset="0"/>
+                <a:ea typeface="宋体" charset="-122"/>
+              </a:defRPr>
+            </a:lvl1pPr>
+            <a:lvl2pPr marL="742950" indent="-285750" eaLnBrk="0" hangingPunct="0">
+              <a:defRPr>
+                <a:solidFill>
+                  <a:schemeClr val="tx1"/>
+                </a:solidFill>
+                <a:latin typeface="Verdana" pitchFamily="34" charset="0"/>
+                <a:ea typeface="宋体" charset="-122"/>
+              </a:defRPr>
+            </a:lvl2pPr>
+            <a:lvl3pPr marL="1143000" indent="-228600" eaLnBrk="0" hangingPunct="0">
+              <a:defRPr>
+                <a:solidFill>
+                  <a:schemeClr val="tx1"/>
+                </a:solidFill>
+                <a:latin typeface="Verdana" pitchFamily="34" charset="0"/>
+                <a:ea typeface="宋体" charset="-122"/>
+              </a:defRPr>
+            </a:lvl3pPr>
+            <a:lvl4pPr marL="1600200" indent="-228600" eaLnBrk="0" hangingPunct="0">
+              <a:defRPr>
+                <a:solidFill>
+                  <a:schemeClr val="tx1"/>
+                </a:solidFill>
+                <a:latin typeface="Verdana" pitchFamily="34" charset="0"/>
+                <a:ea typeface="宋体" charset="-122"/>
+              </a:defRPr>
+            </a:lvl4pPr>
+            <a:lvl5pPr marL="2057400" indent="-228600" eaLnBrk="0" hangingPunct="0">
+              <a:defRPr>
+                <a:solidFill>
+                  <a:schemeClr val="tx1"/>
+                </a:solidFill>
+                <a:latin typeface="Verdana" pitchFamily="34" charset="0"/>
+                <a:ea typeface="宋体" charset="-122"/>
+              </a:defRPr>
+            </a:lvl5pPr>
+            <a:lvl6pPr marL="2514600" indent="-228600" eaLnBrk="0" fontAlgn="base" hangingPunct="0">
+              <a:spcBef>
+                <a:spcPct val="0"/>
+              </a:spcBef>
+              <a:spcAft>
+                <a:spcPct val="0"/>
+              </a:spcAft>
+              <a:defRPr>
+                <a:solidFill>
+                  <a:schemeClr val="tx1"/>
+                </a:solidFill>
+                <a:latin typeface="Verdana" pitchFamily="34" charset="0"/>
+                <a:ea typeface="宋体" charset="-122"/>
+              </a:defRPr>
+            </a:lvl6pPr>
+            <a:lvl7pPr marL="2971800" indent="-228600" eaLnBrk="0" fontAlgn="base" hangingPunct="0">
+              <a:spcBef>
+                <a:spcPct val="0"/>
+              </a:spcBef>
+              <a:spcAft>
+                <a:spcPct val="0"/>
+              </a:spcAft>
+              <a:defRPr>
+                <a:solidFill>
+                  <a:schemeClr val="tx1"/>
+                </a:solidFill>
+                <a:latin typeface="Verdana" pitchFamily="34" charset="0"/>
+                <a:ea typeface="宋体" charset="-122"/>
+              </a:defRPr>
+            </a:lvl7pPr>
+            <a:lvl8pPr marL="3429000" indent="-228600" eaLnBrk="0" fontAlgn="base" hangingPunct="0">
+              <a:spcBef>
+                <a:spcPct val="0"/>
+              </a:spcBef>
+              <a:spcAft>
+                <a:spcPct val="0"/>
+              </a:spcAft>
+              <a:defRPr>
+                <a:solidFill>
+                  <a:schemeClr val="tx1"/>
+                </a:solidFill>
+                <a:latin typeface="Verdana" pitchFamily="34" charset="0"/>
+                <a:ea typeface="宋体" charset="-122"/>
+              </a:defRPr>
+            </a:lvl8pPr>
+            <a:lvl9pPr marL="3886200" indent="-228600" eaLnBrk="0" fontAlgn="base" hangingPunct="0">
+              <a:spcBef>
+                <a:spcPct val="0"/>
+              </a:spcBef>
+              <a:spcAft>
+                <a:spcPct val="0"/>
+              </a:spcAft>
+              <a:defRPr>
+                <a:solidFill>
+                  <a:schemeClr val="tx1"/>
+                </a:solidFill>
+                <a:latin typeface="Verdana" pitchFamily="34" charset="0"/>
+                <a:ea typeface="宋体" charset="-122"/>
+              </a:defRPr>
+            </a:lvl9pPr>
+          </a:lstStyle>
+          <a:p>
+            <a:pPr eaLnBrk="1" hangingPunct="1"/>
+            <a:fld id="{9604C1B8-E16C-494A-BB97-FDEBFFEF3ED5}" type="slidenum">
+              <a:rPr lang="en-US" altLang="zh-CN" smtClean="0"/>
+              <a:pPr eaLnBrk="1" hangingPunct="1"/>
+              <a:t>25</a:t>
+            </a:fld>
+            <a:endParaRPr lang="en-US" altLang="zh-CN" smtClean="0"/>
+          </a:p>
+        </p:txBody>
+      </p:sp>
+      <p:sp>
+        <p:nvSpPr>
+          <p:cNvPr id="24579" name="Rectangle 2"/>
+          <p:cNvSpPr>
+            <a:spLocks noGrp="1" noChangeArrowheads="1"/>
+          </p:cNvSpPr>
+          <p:nvPr>
+            <p:ph type="title"/>
+          </p:nvPr>
+        </p:nvSpPr>
+        <p:spPr/>
+        <p:txBody>
+          <a:bodyPr/>
+          <a:lstStyle/>
+          <a:p>
+            <a:pPr eaLnBrk="1" hangingPunct="1"/>
+            <a:r>
+              <a:rPr lang="en-US" altLang="zh-CN" b="1" smtClean="0">
+                <a:latin typeface="黑体" pitchFamily="49" charset="-122"/>
+                <a:ea typeface="黑体" pitchFamily="49" charset="-122"/>
+              </a:rPr>
+              <a:t>5.3 </a:t>
+            </a:r>
+            <a:r>
+              <a:rPr lang="zh-CN" altLang="en-US" b="1" smtClean="0">
+                <a:latin typeface="黑体" pitchFamily="49" charset="-122"/>
+                <a:ea typeface="黑体" pitchFamily="49" charset="-122"/>
+              </a:rPr>
+              <a:t>对判定的测试</a:t>
+            </a:r>
+          </a:p>
+        </p:txBody>
+      </p:sp>
+      <p:sp>
+        <p:nvSpPr>
+          <p:cNvPr id="24580" name="Rectangle 3"/>
+          <p:cNvSpPr>
+            <a:spLocks noGrp="1" noChangeArrowheads="1"/>
+          </p:cNvSpPr>
+          <p:nvPr>
+            <p:ph type="body" idx="1"/>
+          </p:nvPr>
+        </p:nvSpPr>
+        <p:spPr/>
+        <p:txBody>
+          <a:bodyPr/>
+          <a:lstStyle/>
+          <a:p>
+            <a:pPr algn="just" eaLnBrk="1" hangingPunct="1"/>
+            <a:r>
+              <a:rPr lang="zh-CN" altLang="en-US" sz="3400" b="1" dirty="0" smtClean="0"/>
+              <a:t>修正的判定</a:t>
+            </a:r>
+            <a:r>
+              <a:rPr lang="en-US" altLang="zh-CN" sz="3400" b="1" dirty="0" smtClean="0"/>
+              <a:t>/</a:t>
+            </a:r>
+            <a:r>
+              <a:rPr lang="zh-CN" altLang="en-US" sz="3400" b="1" dirty="0" smtClean="0"/>
+              <a:t>条件</a:t>
+            </a:r>
+            <a:r>
+              <a:rPr lang="zh-CN" altLang="en-US" sz="3400" b="1" dirty="0" smtClean="0"/>
+              <a:t>覆盖</a:t>
+            </a:r>
+            <a:endParaRPr lang="en-US" altLang="zh-CN" sz="3400" b="1" dirty="0" smtClean="0"/>
+          </a:p>
+          <a:p>
+            <a:pPr marL="0" indent="0" algn="just" eaLnBrk="1" hangingPunct="1">
+              <a:buNone/>
+            </a:pPr>
+            <a:r>
+              <a:rPr lang="en-US" altLang="zh-CN" sz="2400" b="1" dirty="0" smtClean="0"/>
+              <a:t>(Modified Decision/Condition </a:t>
+            </a:r>
+            <a:r>
+              <a:rPr lang="en-US" altLang="zh-CN" sz="2400" b="1" dirty="0"/>
+              <a:t>Coverage)</a:t>
+            </a:r>
+            <a:endParaRPr lang="en-US" altLang="zh-CN" sz="2000" b="1" dirty="0" smtClean="0"/>
+          </a:p>
+          <a:p>
+            <a:pPr algn="just" eaLnBrk="1" hangingPunct="1"/>
+            <a:r>
+              <a:rPr lang="zh-CN" altLang="en-US" sz="3400" b="1" dirty="0" smtClean="0"/>
+              <a:t>在满足判定</a:t>
+            </a:r>
+            <a:r>
+              <a:rPr lang="en-US" altLang="en-US" sz="3400" b="1" dirty="0" smtClean="0"/>
+              <a:t>/</a:t>
+            </a:r>
+            <a:r>
+              <a:rPr lang="zh-CN" altLang="en-US" sz="3400" b="1" dirty="0" smtClean="0"/>
+              <a:t>条件覆盖的基础上，每个简单判定条件都应</a:t>
+            </a:r>
+            <a:r>
+              <a:rPr lang="zh-CN" altLang="en-US" sz="3400" b="1" dirty="0" smtClean="0">
+                <a:solidFill>
+                  <a:srgbClr val="FF0000"/>
+                </a:solidFill>
+              </a:rPr>
+              <a:t>独立地影响</a:t>
+            </a:r>
+            <a:r>
+              <a:rPr lang="zh-CN" altLang="en-US" sz="3400" b="1" dirty="0" smtClean="0"/>
+              <a:t>到整个判定表达式的取值</a:t>
+            </a:r>
+            <a:endParaRPr lang="en-US" altLang="zh-CN" sz="3400" b="1" dirty="0" smtClean="0"/>
+          </a:p>
+          <a:p>
+            <a:pPr algn="just" eaLnBrk="1" hangingPunct="1"/>
+            <a:r>
+              <a:rPr lang="zh-CN" altLang="en-US" sz="3400" b="1" dirty="0" smtClean="0"/>
+              <a:t>实质是利用简单判定条件的独立影响性来消除测试用例的冗余。</a:t>
+            </a:r>
+          </a:p>
+        </p:txBody>
+      </p:sp>
+    </p:spTree>
+  </p:cSld>
+  <p:clrMapOvr>
+    <a:masterClrMapping/>
+  </p:clrMapOvr>
+  <p:transition/>
+  <p:timing>
+    <p:tnLst>
+      <p:par>
+        <p:cTn id="1" dur="indefinite" restart="never" nodeType="tmRoot"/>
+      </p:par>
+    </p:tnLst>
+  </p:timing>
+</p:sld>
+</file>
+
+<file path=ppt/slides/slide26.xml><?xml version="1.0" encoding="utf-8"?>
+<p:sld xmlns:a="http://schemas.openxmlformats.org/drawingml/2006/main" xmlns:r="http://schemas.openxmlformats.org/officeDocument/2006/relationships" xmlns:p="http://schemas.openxmlformats.org/presentationml/2006/main">
+  <p:cSld>
+    <p:spTree>
+      <p:nvGrpSpPr>
+        <p:cNvPr id="1" name=""/>
+        <p:cNvGrpSpPr/>
+        <p:nvPr/>
+      </p:nvGrpSpPr>
+      <p:grpSpPr>
+        <a:xfrm>
+          <a:off x="0" y="0"/>
+          <a:ext cx="0" cy="0"/>
+          <a:chOff x="0" y="0"/>
+          <a:chExt cx="0" cy="0"/>
+        </a:xfrm>
+      </p:grpSpPr>
+      <p:sp>
+        <p:nvSpPr>
           <p:cNvPr id="25602" name="灯片编号占位符 5"/>
           <p:cNvSpPr>
             <a:spLocks noGrp="1"/>
@@ -10304,7 +10939,7 @@
             <a:fld id="{AFE73AF3-B26E-4272-9910-CC54C08A2711}" type="slidenum">
               <a:rPr lang="en-US" altLang="zh-CN" smtClean="0"/>
               <a:pPr eaLnBrk="1" hangingPunct="1"/>
-              <a:t>25</a:t>
+              <a:t>26</a:t>
             </a:fld>
             <a:endParaRPr lang="en-US" altLang="zh-CN" smtClean="0"/>
           </a:p>
@@ -12191,7 +12826,7 @@
 </p:sld>
 </file>
 
-<file path=ppt/slides/slide26.xml><?xml version="1.0" encoding="utf-8"?>
+<file path=ppt/slides/slide27.xml><?xml version="1.0" encoding="utf-8"?>
 <p:sld xmlns:a="http://schemas.openxmlformats.org/drawingml/2006/main" xmlns:r="http://schemas.openxmlformats.org/officeDocument/2006/relationships" xmlns:p="http://schemas.openxmlformats.org/presentationml/2006/main">
   <p:cSld>
     <p:spTree>
@@ -12290,7 +12925,7 @@
               <a:pPr>
                 <a:defRPr/>
               </a:pPr>
-              <a:t>26</a:t>
+              <a:t>27</a:t>
             </a:fld>
             <a:endParaRPr lang="en-US" altLang="zh-CN"/>
           </a:p>
@@ -12357,7 +12992,7 @@
 </p:sld>
 </file>
 
-<file path=ppt/slides/slide27.xml><?xml version="1.0" encoding="utf-8"?>
+<file path=ppt/slides/slide28.xml><?xml version="1.0" encoding="utf-8"?>
 <p:sld xmlns:a="http://schemas.openxmlformats.org/drawingml/2006/main" xmlns:r="http://schemas.openxmlformats.org/officeDocument/2006/relationships" xmlns:p="http://schemas.openxmlformats.org/presentationml/2006/main">
   <p:cSld>
     <p:spTree>
@@ -12521,7 +13156,7 @@
             <a:fld id="{95108F07-F9B6-4113-82D6-CD961A5E42C0}" type="slidenum">
               <a:rPr lang="en-US" altLang="zh-CN" smtClean="0"/>
               <a:pPr eaLnBrk="1" hangingPunct="1"/>
-              <a:t>27</a:t>
+              <a:t>28</a:t>
             </a:fld>
             <a:endParaRPr lang="en-US" altLang="zh-CN" smtClean="0"/>
           </a:p>
@@ -12615,7 +13250,7 @@
 </p:sld>
 </file>
 
-<file path=ppt/slides/slide28.xml><?xml version="1.0" encoding="utf-8"?>
+<file path=ppt/slides/slide29.xml><?xml version="1.0" encoding="utf-8"?>
 <p:sld xmlns:a="http://schemas.openxmlformats.org/drawingml/2006/main" xmlns:r="http://schemas.openxmlformats.org/officeDocument/2006/relationships" xmlns:p="http://schemas.openxmlformats.org/presentationml/2006/main">
   <p:cSld>
     <p:spTree>
@@ -12779,7 +13414,7 @@
             <a:fld id="{3439A0C1-A167-493F-A8DD-ED320C689FA5}" type="slidenum">
               <a:rPr lang="en-US" altLang="zh-CN" smtClean="0"/>
               <a:pPr eaLnBrk="1" hangingPunct="1"/>
-              <a:t>28</a:t>
+              <a:t>29</a:t>
             </a:fld>
             <a:endParaRPr lang="en-US" altLang="zh-CN" smtClean="0"/>
           </a:p>
@@ -12917,527 +13552,6 @@
     <p:extLst>
       <p:ext uri="{BB962C8B-B14F-4D97-AF65-F5344CB8AC3E}">
         <p14:creationId xmlns:p14="http://schemas.microsoft.com/office/powerpoint/2010/main" val="2672640280"/>
-      </p:ext>
-    </p:extLst>
-  </p:cSld>
-  <p:clrMapOvr>
-    <a:masterClrMapping/>
-  </p:clrMapOvr>
-  <p:transition/>
-</p:sld>
-</file>
-
-<file path=ppt/slides/slide29.xml><?xml version="1.0" encoding="utf-8"?>
-<p:sld xmlns:a="http://schemas.openxmlformats.org/drawingml/2006/main" xmlns:r="http://schemas.openxmlformats.org/officeDocument/2006/relationships" xmlns:p="http://schemas.openxmlformats.org/presentationml/2006/main">
-  <p:cSld>
-    <p:spTree>
-      <p:nvGrpSpPr>
-        <p:cNvPr id="1" name=""/>
-        <p:cNvGrpSpPr/>
-        <p:nvPr/>
-      </p:nvGrpSpPr>
-      <p:grpSpPr>
-        <a:xfrm>
-          <a:off x="0" y="0"/>
-          <a:ext cx="0" cy="0"/>
-          <a:chOff x="0" y="0"/>
-          <a:chExt cx="0" cy="0"/>
-        </a:xfrm>
-      </p:grpSpPr>
-      <p:sp>
-        <p:nvSpPr>
-          <p:cNvPr id="68610" name="灯片编号占位符 5"/>
-          <p:cNvSpPr>
-            <a:spLocks noGrp="1"/>
-          </p:cNvSpPr>
-          <p:nvPr>
-            <p:ph type="sldNum" sz="quarter" idx="12"/>
-          </p:nvPr>
-        </p:nvSpPr>
-        <p:spPr>
-          <a:noFill/>
-          <a:ln/>
-          <a:extLst>
-            <a:ext uri="{909E8E84-426E-40DD-AFC4-6F175D3DCCD1}">
-              <a14:hiddenFill xmlns:a14="http://schemas.microsoft.com/office/drawing/2010/main">
-                <a:solidFill>
-                  <a:srgbClr val="FFFFFF"/>
-                </a:solidFill>
-              </a14:hiddenFill>
-            </a:ext>
-            <a:ext uri="{91240B29-F687-4F45-9708-019B960494DF}">
-              <a14:hiddenLine xmlns:a14="http://schemas.microsoft.com/office/drawing/2010/main" w="9525">
-                <a:solidFill>
-                  <a:srgbClr val="000000"/>
-                </a:solidFill>
-                <a:miter lim="800000"/>
-                <a:headEnd/>
-                <a:tailEnd/>
-              </a14:hiddenLine>
-            </a:ext>
-          </a:extLst>
-        </p:spPr>
-        <p:txBody>
-          <a:bodyPr/>
-          <a:lstStyle>
-            <a:lvl1pPr eaLnBrk="0" hangingPunct="0">
-              <a:defRPr>
-                <a:solidFill>
-                  <a:schemeClr val="tx1"/>
-                </a:solidFill>
-                <a:latin typeface="Verdana" pitchFamily="34" charset="0"/>
-                <a:ea typeface="宋体" pitchFamily="2" charset="-122"/>
-              </a:defRPr>
-            </a:lvl1pPr>
-            <a:lvl2pPr marL="742950" indent="-285750" eaLnBrk="0" hangingPunct="0">
-              <a:defRPr>
-                <a:solidFill>
-                  <a:schemeClr val="tx1"/>
-                </a:solidFill>
-                <a:latin typeface="Verdana" pitchFamily="34" charset="0"/>
-                <a:ea typeface="宋体" pitchFamily="2" charset="-122"/>
-              </a:defRPr>
-            </a:lvl2pPr>
-            <a:lvl3pPr marL="1143000" indent="-228600" eaLnBrk="0" hangingPunct="0">
-              <a:defRPr>
-                <a:solidFill>
-                  <a:schemeClr val="tx1"/>
-                </a:solidFill>
-                <a:latin typeface="Verdana" pitchFamily="34" charset="0"/>
-                <a:ea typeface="宋体" pitchFamily="2" charset="-122"/>
-              </a:defRPr>
-            </a:lvl3pPr>
-            <a:lvl4pPr marL="1600200" indent="-228600" eaLnBrk="0" hangingPunct="0">
-              <a:defRPr>
-                <a:solidFill>
-                  <a:schemeClr val="tx1"/>
-                </a:solidFill>
-                <a:latin typeface="Verdana" pitchFamily="34" charset="0"/>
-                <a:ea typeface="宋体" pitchFamily="2" charset="-122"/>
-              </a:defRPr>
-            </a:lvl4pPr>
-            <a:lvl5pPr marL="2057400" indent="-228600" eaLnBrk="0" hangingPunct="0">
-              <a:defRPr>
-                <a:solidFill>
-                  <a:schemeClr val="tx1"/>
-                </a:solidFill>
-                <a:latin typeface="Verdana" pitchFamily="34" charset="0"/>
-                <a:ea typeface="宋体" pitchFamily="2" charset="-122"/>
-              </a:defRPr>
-            </a:lvl5pPr>
-            <a:lvl6pPr marL="2514600" indent="-228600" eaLnBrk="0" fontAlgn="base" hangingPunct="0">
-              <a:spcBef>
-                <a:spcPct val="0"/>
-              </a:spcBef>
-              <a:spcAft>
-                <a:spcPct val="0"/>
-              </a:spcAft>
-              <a:defRPr>
-                <a:solidFill>
-                  <a:schemeClr val="tx1"/>
-                </a:solidFill>
-                <a:latin typeface="Verdana" pitchFamily="34" charset="0"/>
-                <a:ea typeface="宋体" pitchFamily="2" charset="-122"/>
-              </a:defRPr>
-            </a:lvl6pPr>
-            <a:lvl7pPr marL="2971800" indent="-228600" eaLnBrk="0" fontAlgn="base" hangingPunct="0">
-              <a:spcBef>
-                <a:spcPct val="0"/>
-              </a:spcBef>
-              <a:spcAft>
-                <a:spcPct val="0"/>
-              </a:spcAft>
-              <a:defRPr>
-                <a:solidFill>
-                  <a:schemeClr val="tx1"/>
-                </a:solidFill>
-                <a:latin typeface="Verdana" pitchFamily="34" charset="0"/>
-                <a:ea typeface="宋体" pitchFamily="2" charset="-122"/>
-              </a:defRPr>
-            </a:lvl7pPr>
-            <a:lvl8pPr marL="3429000" indent="-228600" eaLnBrk="0" fontAlgn="base" hangingPunct="0">
-              <a:spcBef>
-                <a:spcPct val="0"/>
-              </a:spcBef>
-              <a:spcAft>
-                <a:spcPct val="0"/>
-              </a:spcAft>
-              <a:defRPr>
-                <a:solidFill>
-                  <a:schemeClr val="tx1"/>
-                </a:solidFill>
-                <a:latin typeface="Verdana" pitchFamily="34" charset="0"/>
-                <a:ea typeface="宋体" pitchFamily="2" charset="-122"/>
-              </a:defRPr>
-            </a:lvl8pPr>
-            <a:lvl9pPr marL="3886200" indent="-228600" eaLnBrk="0" fontAlgn="base" hangingPunct="0">
-              <a:spcBef>
-                <a:spcPct val="0"/>
-              </a:spcBef>
-              <a:spcAft>
-                <a:spcPct val="0"/>
-              </a:spcAft>
-              <a:defRPr>
-                <a:solidFill>
-                  <a:schemeClr val="tx1"/>
-                </a:solidFill>
-                <a:latin typeface="Verdana" pitchFamily="34" charset="0"/>
-                <a:ea typeface="宋体" pitchFamily="2" charset="-122"/>
-              </a:defRPr>
-            </a:lvl9pPr>
-          </a:lstStyle>
-          <a:p>
-            <a:pPr eaLnBrk="1" hangingPunct="1"/>
-            <a:fld id="{64306233-16B8-4AD1-802C-11D77C72DF5B}" type="slidenum">
-              <a:rPr lang="en-US" altLang="zh-CN" smtClean="0"/>
-              <a:pPr eaLnBrk="1" hangingPunct="1"/>
-              <a:t>29</a:t>
-            </a:fld>
-            <a:endParaRPr lang="en-US" altLang="zh-CN" smtClean="0"/>
-          </a:p>
-        </p:txBody>
-      </p:sp>
-      <p:sp>
-        <p:nvSpPr>
-          <p:cNvPr id="68611" name="Rectangle 2"/>
-          <p:cNvSpPr>
-            <a:spLocks noGrp="1" noChangeArrowheads="1"/>
-          </p:cNvSpPr>
-          <p:nvPr>
-            <p:ph type="title"/>
-          </p:nvPr>
-        </p:nvSpPr>
-        <p:spPr/>
-        <p:txBody>
-          <a:bodyPr/>
-          <a:lstStyle/>
-          <a:p>
-            <a:pPr eaLnBrk="1" hangingPunct="1"/>
-            <a:r>
-              <a:rPr lang="en-US" altLang="zh-CN" b="1" smtClean="0">
-                <a:latin typeface="黑体" pitchFamily="2" charset="-122"/>
-                <a:ea typeface="黑体" pitchFamily="2" charset="-122"/>
-              </a:rPr>
-              <a:t>5.3 </a:t>
-            </a:r>
-            <a:r>
-              <a:rPr lang="zh-CN" altLang="en-US" b="1" smtClean="0">
-                <a:latin typeface="黑体" pitchFamily="2" charset="-122"/>
-                <a:ea typeface="黑体" pitchFamily="2" charset="-122"/>
-              </a:rPr>
-              <a:t>对判定的测试</a:t>
-            </a:r>
-          </a:p>
-        </p:txBody>
-      </p:sp>
-      <p:sp>
-        <p:nvSpPr>
-          <p:cNvPr id="68612" name="Rectangle 3"/>
-          <p:cNvSpPr>
-            <a:spLocks noGrp="1" noChangeArrowheads="1"/>
-          </p:cNvSpPr>
-          <p:nvPr>
-            <p:ph type="body" idx="1"/>
-          </p:nvPr>
-        </p:nvSpPr>
-        <p:spPr/>
-        <p:txBody>
-          <a:bodyPr/>
-          <a:lstStyle/>
-          <a:p>
-            <a:pPr eaLnBrk="1" hangingPunct="1"/>
-            <a:r>
-              <a:rPr lang="zh-CN" altLang="en-US" sz="3400" b="1" smtClean="0">
-                <a:solidFill>
-                  <a:srgbClr val="0000FF"/>
-                </a:solidFill>
-                <a:ea typeface="华文新魏" pitchFamily="2" charset="-122"/>
-              </a:rPr>
-              <a:t>代码说明</a:t>
-            </a:r>
-            <a:endParaRPr lang="en-US" altLang="zh-CN" sz="3400" b="1" smtClean="0">
-              <a:solidFill>
-                <a:srgbClr val="0000FF"/>
-              </a:solidFill>
-              <a:ea typeface="华文新魏" pitchFamily="2" charset="-122"/>
-            </a:endParaRPr>
-          </a:p>
-          <a:p>
-            <a:pPr eaLnBrk="1" hangingPunct="1"/>
-            <a:r>
-              <a:rPr lang="zh-CN" altLang="en-US" sz="3400" b="1" smtClean="0">
-                <a:solidFill>
-                  <a:srgbClr val="0000FF"/>
-                </a:solidFill>
-                <a:ea typeface="华文新魏" pitchFamily="2" charset="-122"/>
-              </a:rPr>
-              <a:t>共包含</a:t>
-            </a:r>
-            <a:r>
-              <a:rPr lang="en-US" altLang="en-US" sz="3400" b="1" smtClean="0">
-                <a:solidFill>
-                  <a:srgbClr val="0000FF"/>
-                </a:solidFill>
-                <a:ea typeface="华文新魏" pitchFamily="2" charset="-122"/>
-              </a:rPr>
-              <a:t>5</a:t>
-            </a:r>
-            <a:r>
-              <a:rPr lang="zh-CN" altLang="en-US" sz="3400" b="1" smtClean="0">
-                <a:solidFill>
-                  <a:srgbClr val="0000FF"/>
-                </a:solidFill>
-                <a:ea typeface="华文新魏" pitchFamily="2" charset="-122"/>
-              </a:rPr>
-              <a:t>个判定节点，含</a:t>
-            </a:r>
-            <a:r>
-              <a:rPr lang="en-US" altLang="en-US" sz="3400" b="1" smtClean="0">
-                <a:solidFill>
-                  <a:srgbClr val="0000FF"/>
-                </a:solidFill>
-                <a:ea typeface="华文新魏" pitchFamily="2" charset="-122"/>
-              </a:rPr>
-              <a:t>13</a:t>
-            </a:r>
-            <a:r>
-              <a:rPr lang="zh-CN" altLang="en-US" sz="3400" b="1" smtClean="0">
-                <a:solidFill>
-                  <a:srgbClr val="0000FF"/>
-                </a:solidFill>
-                <a:ea typeface="华文新魏" pitchFamily="2" charset="-122"/>
-              </a:rPr>
-              <a:t>个简单逻辑判定条件</a:t>
-            </a:r>
-            <a:endParaRPr lang="en-US" altLang="zh-CN" sz="3400" b="1" smtClean="0">
-              <a:solidFill>
-                <a:srgbClr val="0000FF"/>
-              </a:solidFill>
-              <a:ea typeface="华文新魏" pitchFamily="2" charset="-122"/>
-            </a:endParaRPr>
-          </a:p>
-          <a:p>
-            <a:pPr lvl="1"/>
-            <a:r>
-              <a:rPr lang="en-US" altLang="en-US" b="1" smtClean="0">
-                <a:solidFill>
-                  <a:srgbClr val="0000FF"/>
-                </a:solidFill>
-                <a:ea typeface="华文新魏" pitchFamily="2" charset="-122"/>
-              </a:rPr>
-              <a:t>T1</a:t>
-            </a:r>
-            <a:r>
-              <a:rPr lang="zh-CN" altLang="en-US" b="1" smtClean="0">
-                <a:solidFill>
-                  <a:srgbClr val="0000FF"/>
-                </a:solidFill>
-                <a:ea typeface="华文新魏" pitchFamily="2" charset="-122"/>
-              </a:rPr>
-              <a:t>：</a:t>
-            </a:r>
-            <a:r>
-              <a:rPr lang="en-US" altLang="en-US" b="1" smtClean="0">
-                <a:solidFill>
-                  <a:srgbClr val="0000FF"/>
-                </a:solidFill>
-                <a:ea typeface="华文新魏" pitchFamily="2" charset="-122"/>
-              </a:rPr>
-              <a:t>date.m_month % 2 == 1</a:t>
-            </a:r>
-            <a:endParaRPr lang="zh-CN" altLang="en-US" b="1" smtClean="0">
-              <a:solidFill>
-                <a:srgbClr val="0000FF"/>
-              </a:solidFill>
-              <a:ea typeface="华文新魏" pitchFamily="2" charset="-122"/>
-            </a:endParaRPr>
-          </a:p>
-          <a:p>
-            <a:pPr lvl="1"/>
-            <a:r>
-              <a:rPr lang="en-US" altLang="en-US" b="1" smtClean="0">
-                <a:solidFill>
-                  <a:srgbClr val="0000FF"/>
-                </a:solidFill>
-                <a:ea typeface="华文新魏" pitchFamily="2" charset="-122"/>
-              </a:rPr>
-              <a:t>T2</a:t>
-            </a:r>
-            <a:r>
-              <a:rPr lang="zh-CN" altLang="en-US" b="1" smtClean="0">
-                <a:solidFill>
-                  <a:srgbClr val="0000FF"/>
-                </a:solidFill>
-                <a:ea typeface="华文新魏" pitchFamily="2" charset="-122"/>
-              </a:rPr>
-              <a:t>：</a:t>
-            </a:r>
-            <a:r>
-              <a:rPr lang="en-US" altLang="en-US" b="1" smtClean="0">
-                <a:solidFill>
-                  <a:srgbClr val="0000FF"/>
-                </a:solidFill>
-                <a:ea typeface="华文新魏" pitchFamily="2" charset="-122"/>
-              </a:rPr>
-              <a:t>date.m_month &lt; 8</a:t>
-            </a:r>
-            <a:endParaRPr lang="zh-CN" altLang="en-US" b="1" smtClean="0">
-              <a:solidFill>
-                <a:srgbClr val="0000FF"/>
-              </a:solidFill>
-              <a:ea typeface="华文新魏" pitchFamily="2" charset="-122"/>
-            </a:endParaRPr>
-          </a:p>
-          <a:p>
-            <a:pPr lvl="1"/>
-            <a:r>
-              <a:rPr lang="en-US" altLang="en-US" b="1" smtClean="0">
-                <a:solidFill>
-                  <a:srgbClr val="0000FF"/>
-                </a:solidFill>
-                <a:ea typeface="华文新魏" pitchFamily="2" charset="-122"/>
-              </a:rPr>
-              <a:t>T3</a:t>
-            </a:r>
-            <a:r>
-              <a:rPr lang="zh-CN" altLang="en-US" b="1" smtClean="0">
-                <a:solidFill>
-                  <a:srgbClr val="0000FF"/>
-                </a:solidFill>
-                <a:ea typeface="华文新魏" pitchFamily="2" charset="-122"/>
-              </a:rPr>
-              <a:t>：</a:t>
-            </a:r>
-            <a:r>
-              <a:rPr lang="en-US" altLang="en-US" b="1" smtClean="0">
-                <a:solidFill>
-                  <a:srgbClr val="0000FF"/>
-                </a:solidFill>
-                <a:ea typeface="华文新魏" pitchFamily="2" charset="-122"/>
-              </a:rPr>
-              <a:t>date.m_month % 2 == 0</a:t>
-            </a:r>
-            <a:endParaRPr lang="zh-CN" altLang="en-US" b="1" smtClean="0">
-              <a:solidFill>
-                <a:srgbClr val="0000FF"/>
-              </a:solidFill>
-              <a:ea typeface="华文新魏" pitchFamily="2" charset="-122"/>
-            </a:endParaRPr>
-          </a:p>
-          <a:p>
-            <a:pPr lvl="1"/>
-            <a:r>
-              <a:rPr lang="en-US" altLang="en-US" b="1" smtClean="0">
-                <a:solidFill>
-                  <a:srgbClr val="0000FF"/>
-                </a:solidFill>
-                <a:ea typeface="华文新魏" pitchFamily="2" charset="-122"/>
-              </a:rPr>
-              <a:t>T4</a:t>
-            </a:r>
-            <a:r>
-              <a:rPr lang="zh-CN" altLang="en-US" b="1" smtClean="0">
-                <a:solidFill>
-                  <a:srgbClr val="0000FF"/>
-                </a:solidFill>
-                <a:ea typeface="华文新魏" pitchFamily="2" charset="-122"/>
-              </a:rPr>
-              <a:t>：</a:t>
-            </a:r>
-            <a:r>
-              <a:rPr lang="en-US" altLang="en-US" b="1" smtClean="0">
-                <a:solidFill>
-                  <a:srgbClr val="0000FF"/>
-                </a:solidFill>
-                <a:ea typeface="华文新魏" pitchFamily="2" charset="-122"/>
-              </a:rPr>
-              <a:t>date.m_month &gt;= 8</a:t>
-            </a:r>
-            <a:endParaRPr lang="zh-CN" altLang="en-US" b="1" smtClean="0">
-              <a:solidFill>
-                <a:srgbClr val="0000FF"/>
-              </a:solidFill>
-              <a:ea typeface="华文新魏" pitchFamily="2" charset="-122"/>
-            </a:endParaRPr>
-          </a:p>
-          <a:p>
-            <a:pPr lvl="1"/>
-            <a:r>
-              <a:rPr lang="en-US" altLang="en-US" b="1" smtClean="0">
-                <a:solidFill>
-                  <a:srgbClr val="0000FF"/>
-                </a:solidFill>
-                <a:ea typeface="华文新魏" pitchFamily="2" charset="-122"/>
-              </a:rPr>
-              <a:t>T5</a:t>
-            </a:r>
-            <a:r>
-              <a:rPr lang="zh-CN" altLang="en-US" b="1" smtClean="0">
-                <a:solidFill>
-                  <a:srgbClr val="0000FF"/>
-                </a:solidFill>
-                <a:ea typeface="华文新魏" pitchFamily="2" charset="-122"/>
-              </a:rPr>
-              <a:t>：</a:t>
-            </a:r>
-            <a:r>
-              <a:rPr lang="en-US" altLang="en-US" b="1" smtClean="0">
-                <a:solidFill>
-                  <a:srgbClr val="0000FF"/>
-                </a:solidFill>
-                <a:ea typeface="华文新魏" pitchFamily="2" charset="-122"/>
-              </a:rPr>
-              <a:t>date.m_month == 4 </a:t>
-            </a:r>
-            <a:endParaRPr lang="zh-CN" altLang="en-US" b="1" smtClean="0">
-              <a:solidFill>
-                <a:srgbClr val="0000FF"/>
-              </a:solidFill>
-              <a:ea typeface="华文新魏" pitchFamily="2" charset="-122"/>
-            </a:endParaRPr>
-          </a:p>
-          <a:p>
-            <a:pPr lvl="1"/>
-            <a:r>
-              <a:rPr lang="en-US" altLang="en-US" b="1" smtClean="0">
-                <a:solidFill>
-                  <a:srgbClr val="0000FF"/>
-                </a:solidFill>
-                <a:ea typeface="华文新魏" pitchFamily="2" charset="-122"/>
-              </a:rPr>
-              <a:t>T6</a:t>
-            </a:r>
-            <a:r>
-              <a:rPr lang="zh-CN" altLang="en-US" b="1" smtClean="0">
-                <a:solidFill>
-                  <a:srgbClr val="0000FF"/>
-                </a:solidFill>
-                <a:ea typeface="华文新魏" pitchFamily="2" charset="-122"/>
-              </a:rPr>
-              <a:t>：</a:t>
-            </a:r>
-            <a:r>
-              <a:rPr lang="en-US" altLang="en-US" b="1" smtClean="0">
-                <a:solidFill>
-                  <a:srgbClr val="0000FF"/>
-                </a:solidFill>
-                <a:ea typeface="华文新魏" pitchFamily="2" charset="-122"/>
-              </a:rPr>
-              <a:t>date.m_month == 6</a:t>
-            </a:r>
-            <a:endParaRPr lang="en-US" altLang="zh-CN" b="1" smtClean="0">
-              <a:solidFill>
-                <a:srgbClr val="0000FF"/>
-              </a:solidFill>
-              <a:ea typeface="华文新魏" pitchFamily="2" charset="-122"/>
-            </a:endParaRPr>
-          </a:p>
-        </p:txBody>
-      </p:sp>
-    </p:spTree>
-    <p:extLst>
-      <p:ext uri="{BB962C8B-B14F-4D97-AF65-F5344CB8AC3E}">
-        <p14:creationId xmlns:p14="http://schemas.microsoft.com/office/powerpoint/2010/main" val="2673163242"/>
       </p:ext>
     </p:extLst>
   </p:cSld>
@@ -13480,11 +13594,18 @@
           <a:bodyPr/>
           <a:lstStyle/>
           <a:p>
-            <a:r>
-              <a:rPr lang="zh-CN" altLang="en-US" dirty="0" smtClean="0"/>
+            <a:pPr eaLnBrk="1" hangingPunct="1"/>
+            <a:r>
+              <a:rPr lang="zh-CN" altLang="en-US" b="1" dirty="0">
+                <a:latin typeface="黑体" pitchFamily="49" charset="-122"/>
+                <a:ea typeface="黑体" pitchFamily="49" charset="-122"/>
+              </a:rPr>
               <a:t>控制流分析技术</a:t>
             </a:r>
-            <a:endParaRPr lang="zh-CN" altLang="en-US" dirty="0"/>
+            <a:endParaRPr lang="zh-CN" altLang="en-US" b="1" dirty="0">
+              <a:latin typeface="黑体" pitchFamily="49" charset="-122"/>
+              <a:ea typeface="黑体" pitchFamily="49" charset="-122"/>
+            </a:endParaRPr>
           </a:p>
         </p:txBody>
       </p:sp>
@@ -13521,7 +13642,11 @@
           <a:p>
             <a:pPr lvl="1" algn="just" eaLnBrk="1" hangingPunct="1"/>
             <a:r>
-              <a:rPr lang="zh-CN" altLang="en-US" b="1" dirty="0"/>
+              <a:rPr lang="zh-CN" altLang="en-US" b="1" dirty="0">
+                <a:solidFill>
+                  <a:srgbClr val="FF0000"/>
+                </a:solidFill>
+              </a:rPr>
               <a:t>焦点：判定表达式</a:t>
             </a:r>
           </a:p>
@@ -13664,6 +13789,527 @@
       </p:grpSpPr>
       <p:sp>
         <p:nvSpPr>
+          <p:cNvPr id="68610" name="灯片编号占位符 5"/>
+          <p:cNvSpPr>
+            <a:spLocks noGrp="1"/>
+          </p:cNvSpPr>
+          <p:nvPr>
+            <p:ph type="sldNum" sz="quarter" idx="12"/>
+          </p:nvPr>
+        </p:nvSpPr>
+        <p:spPr>
+          <a:noFill/>
+          <a:ln/>
+          <a:extLst>
+            <a:ext uri="{909E8E84-426E-40DD-AFC4-6F175D3DCCD1}">
+              <a14:hiddenFill xmlns:a14="http://schemas.microsoft.com/office/drawing/2010/main">
+                <a:solidFill>
+                  <a:srgbClr val="FFFFFF"/>
+                </a:solidFill>
+              </a14:hiddenFill>
+            </a:ext>
+            <a:ext uri="{91240B29-F687-4F45-9708-019B960494DF}">
+              <a14:hiddenLine xmlns:a14="http://schemas.microsoft.com/office/drawing/2010/main" w="9525">
+                <a:solidFill>
+                  <a:srgbClr val="000000"/>
+                </a:solidFill>
+                <a:miter lim="800000"/>
+                <a:headEnd/>
+                <a:tailEnd/>
+              </a14:hiddenLine>
+            </a:ext>
+          </a:extLst>
+        </p:spPr>
+        <p:txBody>
+          <a:bodyPr/>
+          <a:lstStyle>
+            <a:lvl1pPr eaLnBrk="0" hangingPunct="0">
+              <a:defRPr>
+                <a:solidFill>
+                  <a:schemeClr val="tx1"/>
+                </a:solidFill>
+                <a:latin typeface="Verdana" pitchFamily="34" charset="0"/>
+                <a:ea typeface="宋体" pitchFamily="2" charset="-122"/>
+              </a:defRPr>
+            </a:lvl1pPr>
+            <a:lvl2pPr marL="742950" indent="-285750" eaLnBrk="0" hangingPunct="0">
+              <a:defRPr>
+                <a:solidFill>
+                  <a:schemeClr val="tx1"/>
+                </a:solidFill>
+                <a:latin typeface="Verdana" pitchFamily="34" charset="0"/>
+                <a:ea typeface="宋体" pitchFamily="2" charset="-122"/>
+              </a:defRPr>
+            </a:lvl2pPr>
+            <a:lvl3pPr marL="1143000" indent="-228600" eaLnBrk="0" hangingPunct="0">
+              <a:defRPr>
+                <a:solidFill>
+                  <a:schemeClr val="tx1"/>
+                </a:solidFill>
+                <a:latin typeface="Verdana" pitchFamily="34" charset="0"/>
+                <a:ea typeface="宋体" pitchFamily="2" charset="-122"/>
+              </a:defRPr>
+            </a:lvl3pPr>
+            <a:lvl4pPr marL="1600200" indent="-228600" eaLnBrk="0" hangingPunct="0">
+              <a:defRPr>
+                <a:solidFill>
+                  <a:schemeClr val="tx1"/>
+                </a:solidFill>
+                <a:latin typeface="Verdana" pitchFamily="34" charset="0"/>
+                <a:ea typeface="宋体" pitchFamily="2" charset="-122"/>
+              </a:defRPr>
+            </a:lvl4pPr>
+            <a:lvl5pPr marL="2057400" indent="-228600" eaLnBrk="0" hangingPunct="0">
+              <a:defRPr>
+                <a:solidFill>
+                  <a:schemeClr val="tx1"/>
+                </a:solidFill>
+                <a:latin typeface="Verdana" pitchFamily="34" charset="0"/>
+                <a:ea typeface="宋体" pitchFamily="2" charset="-122"/>
+              </a:defRPr>
+            </a:lvl5pPr>
+            <a:lvl6pPr marL="2514600" indent="-228600" eaLnBrk="0" fontAlgn="base" hangingPunct="0">
+              <a:spcBef>
+                <a:spcPct val="0"/>
+              </a:spcBef>
+              <a:spcAft>
+                <a:spcPct val="0"/>
+              </a:spcAft>
+              <a:defRPr>
+                <a:solidFill>
+                  <a:schemeClr val="tx1"/>
+                </a:solidFill>
+                <a:latin typeface="Verdana" pitchFamily="34" charset="0"/>
+                <a:ea typeface="宋体" pitchFamily="2" charset="-122"/>
+              </a:defRPr>
+            </a:lvl6pPr>
+            <a:lvl7pPr marL="2971800" indent="-228600" eaLnBrk="0" fontAlgn="base" hangingPunct="0">
+              <a:spcBef>
+                <a:spcPct val="0"/>
+              </a:spcBef>
+              <a:spcAft>
+                <a:spcPct val="0"/>
+              </a:spcAft>
+              <a:defRPr>
+                <a:solidFill>
+                  <a:schemeClr val="tx1"/>
+                </a:solidFill>
+                <a:latin typeface="Verdana" pitchFamily="34" charset="0"/>
+                <a:ea typeface="宋体" pitchFamily="2" charset="-122"/>
+              </a:defRPr>
+            </a:lvl7pPr>
+            <a:lvl8pPr marL="3429000" indent="-228600" eaLnBrk="0" fontAlgn="base" hangingPunct="0">
+              <a:spcBef>
+                <a:spcPct val="0"/>
+              </a:spcBef>
+              <a:spcAft>
+                <a:spcPct val="0"/>
+              </a:spcAft>
+              <a:defRPr>
+                <a:solidFill>
+                  <a:schemeClr val="tx1"/>
+                </a:solidFill>
+                <a:latin typeface="Verdana" pitchFamily="34" charset="0"/>
+                <a:ea typeface="宋体" pitchFamily="2" charset="-122"/>
+              </a:defRPr>
+            </a:lvl8pPr>
+            <a:lvl9pPr marL="3886200" indent="-228600" eaLnBrk="0" fontAlgn="base" hangingPunct="0">
+              <a:spcBef>
+                <a:spcPct val="0"/>
+              </a:spcBef>
+              <a:spcAft>
+                <a:spcPct val="0"/>
+              </a:spcAft>
+              <a:defRPr>
+                <a:solidFill>
+                  <a:schemeClr val="tx1"/>
+                </a:solidFill>
+                <a:latin typeface="Verdana" pitchFamily="34" charset="0"/>
+                <a:ea typeface="宋体" pitchFamily="2" charset="-122"/>
+              </a:defRPr>
+            </a:lvl9pPr>
+          </a:lstStyle>
+          <a:p>
+            <a:pPr eaLnBrk="1" hangingPunct="1"/>
+            <a:fld id="{64306233-16B8-4AD1-802C-11D77C72DF5B}" type="slidenum">
+              <a:rPr lang="en-US" altLang="zh-CN" smtClean="0"/>
+              <a:pPr eaLnBrk="1" hangingPunct="1"/>
+              <a:t>30</a:t>
+            </a:fld>
+            <a:endParaRPr lang="en-US" altLang="zh-CN" smtClean="0"/>
+          </a:p>
+        </p:txBody>
+      </p:sp>
+      <p:sp>
+        <p:nvSpPr>
+          <p:cNvPr id="68611" name="Rectangle 2"/>
+          <p:cNvSpPr>
+            <a:spLocks noGrp="1" noChangeArrowheads="1"/>
+          </p:cNvSpPr>
+          <p:nvPr>
+            <p:ph type="title"/>
+          </p:nvPr>
+        </p:nvSpPr>
+        <p:spPr/>
+        <p:txBody>
+          <a:bodyPr/>
+          <a:lstStyle/>
+          <a:p>
+            <a:pPr eaLnBrk="1" hangingPunct="1"/>
+            <a:r>
+              <a:rPr lang="en-US" altLang="zh-CN" b="1" smtClean="0">
+                <a:latin typeface="黑体" pitchFamily="2" charset="-122"/>
+                <a:ea typeface="黑体" pitchFamily="2" charset="-122"/>
+              </a:rPr>
+              <a:t>5.3 </a:t>
+            </a:r>
+            <a:r>
+              <a:rPr lang="zh-CN" altLang="en-US" b="1" smtClean="0">
+                <a:latin typeface="黑体" pitchFamily="2" charset="-122"/>
+                <a:ea typeface="黑体" pitchFamily="2" charset="-122"/>
+              </a:rPr>
+              <a:t>对判定的测试</a:t>
+            </a:r>
+          </a:p>
+        </p:txBody>
+      </p:sp>
+      <p:sp>
+        <p:nvSpPr>
+          <p:cNvPr id="68612" name="Rectangle 3"/>
+          <p:cNvSpPr>
+            <a:spLocks noGrp="1" noChangeArrowheads="1"/>
+          </p:cNvSpPr>
+          <p:nvPr>
+            <p:ph type="body" idx="1"/>
+          </p:nvPr>
+        </p:nvSpPr>
+        <p:spPr/>
+        <p:txBody>
+          <a:bodyPr/>
+          <a:lstStyle/>
+          <a:p>
+            <a:pPr eaLnBrk="1" hangingPunct="1"/>
+            <a:r>
+              <a:rPr lang="zh-CN" altLang="en-US" sz="3400" b="1" smtClean="0">
+                <a:solidFill>
+                  <a:srgbClr val="0000FF"/>
+                </a:solidFill>
+                <a:ea typeface="华文新魏" pitchFamily="2" charset="-122"/>
+              </a:rPr>
+              <a:t>代码说明</a:t>
+            </a:r>
+            <a:endParaRPr lang="en-US" altLang="zh-CN" sz="3400" b="1" smtClean="0">
+              <a:solidFill>
+                <a:srgbClr val="0000FF"/>
+              </a:solidFill>
+              <a:ea typeface="华文新魏" pitchFamily="2" charset="-122"/>
+            </a:endParaRPr>
+          </a:p>
+          <a:p>
+            <a:pPr eaLnBrk="1" hangingPunct="1"/>
+            <a:r>
+              <a:rPr lang="zh-CN" altLang="en-US" sz="3400" b="1" smtClean="0">
+                <a:solidFill>
+                  <a:srgbClr val="0000FF"/>
+                </a:solidFill>
+                <a:ea typeface="华文新魏" pitchFamily="2" charset="-122"/>
+              </a:rPr>
+              <a:t>共包含</a:t>
+            </a:r>
+            <a:r>
+              <a:rPr lang="en-US" altLang="en-US" sz="3400" b="1" smtClean="0">
+                <a:solidFill>
+                  <a:srgbClr val="0000FF"/>
+                </a:solidFill>
+                <a:ea typeface="华文新魏" pitchFamily="2" charset="-122"/>
+              </a:rPr>
+              <a:t>5</a:t>
+            </a:r>
+            <a:r>
+              <a:rPr lang="zh-CN" altLang="en-US" sz="3400" b="1" smtClean="0">
+                <a:solidFill>
+                  <a:srgbClr val="0000FF"/>
+                </a:solidFill>
+                <a:ea typeface="华文新魏" pitchFamily="2" charset="-122"/>
+              </a:rPr>
+              <a:t>个判定节点，含</a:t>
+            </a:r>
+            <a:r>
+              <a:rPr lang="en-US" altLang="en-US" sz="3400" b="1" smtClean="0">
+                <a:solidFill>
+                  <a:srgbClr val="0000FF"/>
+                </a:solidFill>
+                <a:ea typeface="华文新魏" pitchFamily="2" charset="-122"/>
+              </a:rPr>
+              <a:t>13</a:t>
+            </a:r>
+            <a:r>
+              <a:rPr lang="zh-CN" altLang="en-US" sz="3400" b="1" smtClean="0">
+                <a:solidFill>
+                  <a:srgbClr val="0000FF"/>
+                </a:solidFill>
+                <a:ea typeface="华文新魏" pitchFamily="2" charset="-122"/>
+              </a:rPr>
+              <a:t>个简单逻辑判定条件</a:t>
+            </a:r>
+            <a:endParaRPr lang="en-US" altLang="zh-CN" sz="3400" b="1" smtClean="0">
+              <a:solidFill>
+                <a:srgbClr val="0000FF"/>
+              </a:solidFill>
+              <a:ea typeface="华文新魏" pitchFamily="2" charset="-122"/>
+            </a:endParaRPr>
+          </a:p>
+          <a:p>
+            <a:pPr lvl="1"/>
+            <a:r>
+              <a:rPr lang="en-US" altLang="en-US" b="1" smtClean="0">
+                <a:solidFill>
+                  <a:srgbClr val="0000FF"/>
+                </a:solidFill>
+                <a:ea typeface="华文新魏" pitchFamily="2" charset="-122"/>
+              </a:rPr>
+              <a:t>T1</a:t>
+            </a:r>
+            <a:r>
+              <a:rPr lang="zh-CN" altLang="en-US" b="1" smtClean="0">
+                <a:solidFill>
+                  <a:srgbClr val="0000FF"/>
+                </a:solidFill>
+                <a:ea typeface="华文新魏" pitchFamily="2" charset="-122"/>
+              </a:rPr>
+              <a:t>：</a:t>
+            </a:r>
+            <a:r>
+              <a:rPr lang="en-US" altLang="en-US" b="1" smtClean="0">
+                <a:solidFill>
+                  <a:srgbClr val="0000FF"/>
+                </a:solidFill>
+                <a:ea typeface="华文新魏" pitchFamily="2" charset="-122"/>
+              </a:rPr>
+              <a:t>date.m_month % 2 == 1</a:t>
+            </a:r>
+            <a:endParaRPr lang="zh-CN" altLang="en-US" b="1" smtClean="0">
+              <a:solidFill>
+                <a:srgbClr val="0000FF"/>
+              </a:solidFill>
+              <a:ea typeface="华文新魏" pitchFamily="2" charset="-122"/>
+            </a:endParaRPr>
+          </a:p>
+          <a:p>
+            <a:pPr lvl="1"/>
+            <a:r>
+              <a:rPr lang="en-US" altLang="en-US" b="1" smtClean="0">
+                <a:solidFill>
+                  <a:srgbClr val="0000FF"/>
+                </a:solidFill>
+                <a:ea typeface="华文新魏" pitchFamily="2" charset="-122"/>
+              </a:rPr>
+              <a:t>T2</a:t>
+            </a:r>
+            <a:r>
+              <a:rPr lang="zh-CN" altLang="en-US" b="1" smtClean="0">
+                <a:solidFill>
+                  <a:srgbClr val="0000FF"/>
+                </a:solidFill>
+                <a:ea typeface="华文新魏" pitchFamily="2" charset="-122"/>
+              </a:rPr>
+              <a:t>：</a:t>
+            </a:r>
+            <a:r>
+              <a:rPr lang="en-US" altLang="en-US" b="1" smtClean="0">
+                <a:solidFill>
+                  <a:srgbClr val="0000FF"/>
+                </a:solidFill>
+                <a:ea typeface="华文新魏" pitchFamily="2" charset="-122"/>
+              </a:rPr>
+              <a:t>date.m_month &lt; 8</a:t>
+            </a:r>
+            <a:endParaRPr lang="zh-CN" altLang="en-US" b="1" smtClean="0">
+              <a:solidFill>
+                <a:srgbClr val="0000FF"/>
+              </a:solidFill>
+              <a:ea typeface="华文新魏" pitchFamily="2" charset="-122"/>
+            </a:endParaRPr>
+          </a:p>
+          <a:p>
+            <a:pPr lvl="1"/>
+            <a:r>
+              <a:rPr lang="en-US" altLang="en-US" b="1" smtClean="0">
+                <a:solidFill>
+                  <a:srgbClr val="0000FF"/>
+                </a:solidFill>
+                <a:ea typeface="华文新魏" pitchFamily="2" charset="-122"/>
+              </a:rPr>
+              <a:t>T3</a:t>
+            </a:r>
+            <a:r>
+              <a:rPr lang="zh-CN" altLang="en-US" b="1" smtClean="0">
+                <a:solidFill>
+                  <a:srgbClr val="0000FF"/>
+                </a:solidFill>
+                <a:ea typeface="华文新魏" pitchFamily="2" charset="-122"/>
+              </a:rPr>
+              <a:t>：</a:t>
+            </a:r>
+            <a:r>
+              <a:rPr lang="en-US" altLang="en-US" b="1" smtClean="0">
+                <a:solidFill>
+                  <a:srgbClr val="0000FF"/>
+                </a:solidFill>
+                <a:ea typeface="华文新魏" pitchFamily="2" charset="-122"/>
+              </a:rPr>
+              <a:t>date.m_month % 2 == 0</a:t>
+            </a:r>
+            <a:endParaRPr lang="zh-CN" altLang="en-US" b="1" smtClean="0">
+              <a:solidFill>
+                <a:srgbClr val="0000FF"/>
+              </a:solidFill>
+              <a:ea typeface="华文新魏" pitchFamily="2" charset="-122"/>
+            </a:endParaRPr>
+          </a:p>
+          <a:p>
+            <a:pPr lvl="1"/>
+            <a:r>
+              <a:rPr lang="en-US" altLang="en-US" b="1" smtClean="0">
+                <a:solidFill>
+                  <a:srgbClr val="0000FF"/>
+                </a:solidFill>
+                <a:ea typeface="华文新魏" pitchFamily="2" charset="-122"/>
+              </a:rPr>
+              <a:t>T4</a:t>
+            </a:r>
+            <a:r>
+              <a:rPr lang="zh-CN" altLang="en-US" b="1" smtClean="0">
+                <a:solidFill>
+                  <a:srgbClr val="0000FF"/>
+                </a:solidFill>
+                <a:ea typeface="华文新魏" pitchFamily="2" charset="-122"/>
+              </a:rPr>
+              <a:t>：</a:t>
+            </a:r>
+            <a:r>
+              <a:rPr lang="en-US" altLang="en-US" b="1" smtClean="0">
+                <a:solidFill>
+                  <a:srgbClr val="0000FF"/>
+                </a:solidFill>
+                <a:ea typeface="华文新魏" pitchFamily="2" charset="-122"/>
+              </a:rPr>
+              <a:t>date.m_month &gt;= 8</a:t>
+            </a:r>
+            <a:endParaRPr lang="zh-CN" altLang="en-US" b="1" smtClean="0">
+              <a:solidFill>
+                <a:srgbClr val="0000FF"/>
+              </a:solidFill>
+              <a:ea typeface="华文新魏" pitchFamily="2" charset="-122"/>
+            </a:endParaRPr>
+          </a:p>
+          <a:p>
+            <a:pPr lvl="1"/>
+            <a:r>
+              <a:rPr lang="en-US" altLang="en-US" b="1" smtClean="0">
+                <a:solidFill>
+                  <a:srgbClr val="0000FF"/>
+                </a:solidFill>
+                <a:ea typeface="华文新魏" pitchFamily="2" charset="-122"/>
+              </a:rPr>
+              <a:t>T5</a:t>
+            </a:r>
+            <a:r>
+              <a:rPr lang="zh-CN" altLang="en-US" b="1" smtClean="0">
+                <a:solidFill>
+                  <a:srgbClr val="0000FF"/>
+                </a:solidFill>
+                <a:ea typeface="华文新魏" pitchFamily="2" charset="-122"/>
+              </a:rPr>
+              <a:t>：</a:t>
+            </a:r>
+            <a:r>
+              <a:rPr lang="en-US" altLang="en-US" b="1" smtClean="0">
+                <a:solidFill>
+                  <a:srgbClr val="0000FF"/>
+                </a:solidFill>
+                <a:ea typeface="华文新魏" pitchFamily="2" charset="-122"/>
+              </a:rPr>
+              <a:t>date.m_month == 4 </a:t>
+            </a:r>
+            <a:endParaRPr lang="zh-CN" altLang="en-US" b="1" smtClean="0">
+              <a:solidFill>
+                <a:srgbClr val="0000FF"/>
+              </a:solidFill>
+              <a:ea typeface="华文新魏" pitchFamily="2" charset="-122"/>
+            </a:endParaRPr>
+          </a:p>
+          <a:p>
+            <a:pPr lvl="1"/>
+            <a:r>
+              <a:rPr lang="en-US" altLang="en-US" b="1" smtClean="0">
+                <a:solidFill>
+                  <a:srgbClr val="0000FF"/>
+                </a:solidFill>
+                <a:ea typeface="华文新魏" pitchFamily="2" charset="-122"/>
+              </a:rPr>
+              <a:t>T6</a:t>
+            </a:r>
+            <a:r>
+              <a:rPr lang="zh-CN" altLang="en-US" b="1" smtClean="0">
+                <a:solidFill>
+                  <a:srgbClr val="0000FF"/>
+                </a:solidFill>
+                <a:ea typeface="华文新魏" pitchFamily="2" charset="-122"/>
+              </a:rPr>
+              <a:t>：</a:t>
+            </a:r>
+            <a:r>
+              <a:rPr lang="en-US" altLang="en-US" b="1" smtClean="0">
+                <a:solidFill>
+                  <a:srgbClr val="0000FF"/>
+                </a:solidFill>
+                <a:ea typeface="华文新魏" pitchFamily="2" charset="-122"/>
+              </a:rPr>
+              <a:t>date.m_month == 6</a:t>
+            </a:r>
+            <a:endParaRPr lang="en-US" altLang="zh-CN" b="1" smtClean="0">
+              <a:solidFill>
+                <a:srgbClr val="0000FF"/>
+              </a:solidFill>
+              <a:ea typeface="华文新魏" pitchFamily="2" charset="-122"/>
+            </a:endParaRPr>
+          </a:p>
+        </p:txBody>
+      </p:sp>
+    </p:spTree>
+    <p:extLst>
+      <p:ext uri="{BB962C8B-B14F-4D97-AF65-F5344CB8AC3E}">
+        <p14:creationId xmlns:p14="http://schemas.microsoft.com/office/powerpoint/2010/main" val="2673163242"/>
+      </p:ext>
+    </p:extLst>
+  </p:cSld>
+  <p:clrMapOvr>
+    <a:masterClrMapping/>
+  </p:clrMapOvr>
+  <p:transition/>
+</p:sld>
+</file>
+
+<file path=ppt/slides/slide31.xml><?xml version="1.0" encoding="utf-8"?>
+<p:sld xmlns:a="http://schemas.openxmlformats.org/drawingml/2006/main" xmlns:r="http://schemas.openxmlformats.org/officeDocument/2006/relationships" xmlns:p="http://schemas.openxmlformats.org/presentationml/2006/main">
+  <p:cSld>
+    <p:spTree>
+      <p:nvGrpSpPr>
+        <p:cNvPr id="1" name=""/>
+        <p:cNvGrpSpPr/>
+        <p:nvPr/>
+      </p:nvGrpSpPr>
+      <p:grpSpPr>
+        <a:xfrm>
+          <a:off x="0" y="0"/>
+          <a:ext cx="0" cy="0"/>
+          <a:chOff x="0" y="0"/>
+          <a:chExt cx="0" cy="0"/>
+        </a:xfrm>
+      </p:grpSpPr>
+      <p:sp>
+        <p:nvSpPr>
           <p:cNvPr id="69634" name="灯片编号占位符 5"/>
           <p:cNvSpPr>
             <a:spLocks noGrp="1"/>
@@ -13809,7 +14455,7 @@
             <a:fld id="{630F4716-784F-47D5-9B98-8EA5CB863519}" type="slidenum">
               <a:rPr lang="en-US" altLang="zh-CN" smtClean="0"/>
               <a:pPr eaLnBrk="1" hangingPunct="1"/>
-              <a:t>30</a:t>
+              <a:t>31</a:t>
             </a:fld>
             <a:endParaRPr lang="en-US" altLang="zh-CN" smtClean="0"/>
           </a:p>
@@ -14148,7 +14794,7 @@
 </p:sld>
 </file>
 
-<file path=ppt/slides/slide31.xml><?xml version="1.0" encoding="utf-8"?>
+<file path=ppt/slides/slide32.xml><?xml version="1.0" encoding="utf-8"?>
 <p:sld xmlns:a="http://schemas.openxmlformats.org/drawingml/2006/main" xmlns:r="http://schemas.openxmlformats.org/officeDocument/2006/relationships" xmlns:p="http://schemas.openxmlformats.org/presentationml/2006/main">
   <p:cSld>
     <p:spTree>
@@ -14312,7 +14958,7 @@
             <a:fld id="{A4F1E665-DD29-488F-A394-0E1B50A195CE}" type="slidenum">
               <a:rPr lang="en-US" altLang="zh-CN" smtClean="0"/>
               <a:pPr eaLnBrk="1" hangingPunct="1"/>
-              <a:t>31</a:t>
+              <a:t>32</a:t>
             </a:fld>
             <a:endParaRPr lang="en-US" altLang="zh-CN" smtClean="0"/>
           </a:p>
@@ -14480,7 +15126,7 @@
 </p:sld>
 </file>
 
-<file path=ppt/slides/slide32.xml><?xml version="1.0" encoding="utf-8"?>
+<file path=ppt/slides/slide33.xml><?xml version="1.0" encoding="utf-8"?>
 <p:sld xmlns:a="http://schemas.openxmlformats.org/drawingml/2006/main" xmlns:r="http://schemas.openxmlformats.org/officeDocument/2006/relationships" xmlns:p="http://schemas.openxmlformats.org/presentationml/2006/main">
   <p:cSld>
     <p:spTree>
@@ -14644,7 +15290,7 @@
             <a:fld id="{8EA69E5B-8A00-4C16-94B2-0692BF07ABEA}" type="slidenum">
               <a:rPr lang="en-US" altLang="zh-CN" smtClean="0"/>
               <a:pPr eaLnBrk="1" hangingPunct="1"/>
-              <a:t>32</a:t>
+              <a:t>33</a:t>
             </a:fld>
             <a:endParaRPr lang="en-US" altLang="zh-CN" smtClean="0"/>
           </a:p>
@@ -14812,7 +15458,7 @@
 </p:sld>
 </file>
 
-<file path=ppt/slides/slide33.xml><?xml version="1.0" encoding="utf-8"?>
+<file path=ppt/slides/slide34.xml><?xml version="1.0" encoding="utf-8"?>
 <p:sld xmlns:a="http://schemas.openxmlformats.org/drawingml/2006/main" xmlns:r="http://schemas.openxmlformats.org/officeDocument/2006/relationships" xmlns:p="http://schemas.openxmlformats.org/presentationml/2006/main">
   <p:cSld>
     <p:spTree>
@@ -14976,7 +15622,7 @@
             <a:fld id="{A9D2AC7D-770F-4BE7-B687-3579EE88C1E1}" type="slidenum">
               <a:rPr lang="en-US" altLang="zh-CN" smtClean="0"/>
               <a:pPr eaLnBrk="1" hangingPunct="1"/>
-              <a:t>33</a:t>
+              <a:t>34</a:t>
             </a:fld>
             <a:endParaRPr lang="en-US" altLang="zh-CN" smtClean="0"/>
           </a:p>
@@ -15099,7 +15745,7 @@
 </p:sld>
 </file>
 
-<file path=ppt/slides/slide34.xml><?xml version="1.0" encoding="utf-8"?>
+<file path=ppt/slides/slide35.xml><?xml version="1.0" encoding="utf-8"?>
 <p:sld xmlns:a="http://schemas.openxmlformats.org/drawingml/2006/main" xmlns:r="http://schemas.openxmlformats.org/officeDocument/2006/relationships" xmlns:p="http://schemas.openxmlformats.org/presentationml/2006/main">
   <p:cSld>
     <p:spTree>
@@ -15263,7 +15909,7 @@
             <a:fld id="{66C6CDEB-B40A-4A35-A09C-EED8FEADBE9C}" type="slidenum">
               <a:rPr lang="en-US" altLang="zh-CN" smtClean="0"/>
               <a:pPr eaLnBrk="1" hangingPunct="1"/>
-              <a:t>34</a:t>
+              <a:t>35</a:t>
             </a:fld>
             <a:endParaRPr lang="en-US" altLang="zh-CN" smtClean="0"/>
           </a:p>
@@ -15414,7 +16060,7 @@
 </p:sld>
 </file>
 
-<file path=ppt/slides/slide35.xml><?xml version="1.0" encoding="utf-8"?>
+<file path=ppt/slides/slide36.xml><?xml version="1.0" encoding="utf-8"?>
 <p:sld xmlns:a="http://schemas.openxmlformats.org/drawingml/2006/main" xmlns:r="http://schemas.openxmlformats.org/officeDocument/2006/relationships" xmlns:p="http://schemas.openxmlformats.org/presentationml/2006/main">
   <p:cSld>
     <p:spTree>
@@ -15609,7 +16255,7 @@
             <a:fld id="{47BBDF7B-F768-4D32-9888-4E638ED8D6EB}" type="slidenum">
               <a:rPr lang="en-US" altLang="zh-CN" smtClean="0"/>
               <a:pPr eaLnBrk="1" hangingPunct="1"/>
-              <a:t>35</a:t>
+              <a:t>36</a:t>
             </a:fld>
             <a:endParaRPr lang="en-US" altLang="zh-CN" smtClean="0"/>
           </a:p>
@@ -16689,7 +17335,19 @@
             <a:pPr algn="just" eaLnBrk="1" hangingPunct="1"/>
             <a:r>
               <a:rPr lang="zh-CN" altLang="en-US" sz="3400" b="1" dirty="0" smtClean="0"/>
-              <a:t>语句覆盖</a:t>
+              <a:t>语句</a:t>
+            </a:r>
+            <a:r>
+              <a:rPr lang="zh-CN" altLang="en-US" sz="3400" b="1" dirty="0" smtClean="0"/>
+              <a:t>覆盖（</a:t>
+            </a:r>
+            <a:r>
+              <a:rPr lang="en-US" altLang="zh-CN" sz="2400" b="1" dirty="0" smtClean="0"/>
+              <a:t>Statement Coverage</a:t>
+            </a:r>
+            <a:r>
+              <a:rPr lang="zh-CN" altLang="en-US" sz="3400" b="1" dirty="0" smtClean="0"/>
+              <a:t>）</a:t>
             </a:r>
             <a:endParaRPr lang="en-US" altLang="zh-CN" sz="3400" b="1" dirty="0" smtClean="0"/>
           </a:p>
@@ -17081,7 +17739,7 @@
       </p:grpSpPr>
       <p:sp>
         <p:nvSpPr>
-          <p:cNvPr id="10242" name="灯片编号占位符 5"/>
+          <p:cNvPr id="9218" name="灯片编号占位符 5"/>
           <p:cNvSpPr>
             <a:spLocks noGrp="1"/>
           </p:cNvSpPr>
@@ -17223,7 +17881,7 @@
           </a:lstStyle>
           <a:p>
             <a:pPr eaLnBrk="1" hangingPunct="1"/>
-            <a:fld id="{865B32D5-27C3-4636-B8A4-7CB4D72CA079}" type="slidenum">
+            <a:fld id="{4143C7B9-5A10-4B74-BCD0-0885223FDEE8}" type="slidenum">
               <a:rPr lang="en-US" altLang="zh-CN" smtClean="0"/>
               <a:pPr eaLnBrk="1" hangingPunct="1"/>
               <a:t>9</a:t>
@@ -17234,7 +17892,7 @@
       </p:sp>
       <p:sp>
         <p:nvSpPr>
-          <p:cNvPr id="10243" name="Rectangle 2"/>
+          <p:cNvPr id="9219" name="Rectangle 2"/>
           <p:cNvSpPr>
             <a:spLocks noGrp="1" noChangeArrowheads="1"/>
           </p:cNvSpPr>
@@ -17267,7 +17925,7 @@
       </p:sp>
       <p:sp>
         <p:nvSpPr>
-          <p:cNvPr id="10244" name="Rectangle 3"/>
+          <p:cNvPr id="9220" name="Rectangle 3"/>
           <p:cNvSpPr>
             <a:spLocks noGrp="1" noChangeArrowheads="1"/>
           </p:cNvSpPr>
@@ -17275,92 +17933,350 @@
             <p:ph type="body" idx="1"/>
           </p:nvPr>
         </p:nvSpPr>
-        <p:spPr/>
+        <p:spPr>
+          <a:xfrm>
+            <a:off x="539552" y="1772816"/>
+            <a:ext cx="8001000" cy="4267200"/>
+          </a:xfrm>
+        </p:spPr>
         <p:txBody>
           <a:bodyPr/>
           <a:lstStyle/>
           <a:p>
             <a:pPr algn="just" eaLnBrk="1" hangingPunct="1"/>
             <a:r>
-              <a:rPr lang="zh-CN" altLang="en-US" sz="3400" b="1" smtClean="0"/>
-              <a:t>测试用例设计</a:t>
-            </a:r>
-            <a:endParaRPr lang="en-US" altLang="zh-CN" sz="3400" b="1" smtClean="0"/>
-          </a:p>
-          <a:p>
-            <a:pPr lvl="1" algn="just" eaLnBrk="1" hangingPunct="1"/>
-            <a:r>
-              <a:rPr lang="zh-CN" altLang="en-US" b="1" smtClean="0"/>
-              <a:t>语句覆盖</a:t>
-            </a:r>
-            <a:endParaRPr lang="en-US" altLang="zh-CN" b="1" smtClean="0"/>
-          </a:p>
-          <a:p>
-            <a:pPr lvl="1" algn="just" eaLnBrk="1" hangingPunct="1"/>
-            <a:r>
-              <a:rPr lang="zh-CN" altLang="en-US" b="1" smtClean="0">
-                <a:solidFill>
-                  <a:srgbClr val="0000FF"/>
+              <a:rPr lang="zh-CN" altLang="en-US" sz="3400" b="1" dirty="0" smtClean="0"/>
+              <a:t>请找出下列代码中</a:t>
+            </a:r>
+            <a:r>
+              <a:rPr lang="zh-CN" altLang="en-US" sz="3400" b="1" dirty="0" smtClean="0">
+                <a:solidFill>
+                  <a:srgbClr val="FF0000"/>
                 </a:solidFill>
               </a:rPr>
-              <a:t>判定覆盖</a:t>
-            </a:r>
-            <a:endParaRPr lang="en-US" altLang="zh-CN" b="1" smtClean="0">
-              <a:solidFill>
-                <a:srgbClr val="0000FF"/>
-              </a:solidFill>
-            </a:endParaRPr>
-          </a:p>
-          <a:p>
-            <a:pPr lvl="1" algn="just" eaLnBrk="1" hangingPunct="1"/>
-            <a:r>
-              <a:rPr lang="zh-CN" altLang="en-US" b="1" smtClean="0"/>
-              <a:t>条件覆盖</a:t>
-            </a:r>
-            <a:endParaRPr lang="en-US" altLang="zh-CN" b="1" smtClean="0"/>
-          </a:p>
-          <a:p>
-            <a:pPr lvl="1" algn="just" eaLnBrk="1" hangingPunct="1"/>
-            <a:r>
-              <a:rPr lang="zh-CN" altLang="en-US" b="1" smtClean="0"/>
-              <a:t>判定</a:t>
-            </a:r>
-            <a:r>
-              <a:rPr lang="en-US" altLang="zh-CN" b="1" smtClean="0"/>
-              <a:t>/</a:t>
-            </a:r>
-            <a:r>
-              <a:rPr lang="zh-CN" altLang="en-US" b="1" smtClean="0"/>
-              <a:t>条件覆盖</a:t>
-            </a:r>
-            <a:endParaRPr lang="en-US" altLang="zh-CN" b="1" smtClean="0"/>
-          </a:p>
-          <a:p>
-            <a:pPr lvl="1" algn="just" eaLnBrk="1" hangingPunct="1"/>
-            <a:r>
-              <a:rPr lang="zh-CN" altLang="en-US" b="1" smtClean="0"/>
-              <a:t>条件组合覆盖</a:t>
-            </a:r>
-            <a:endParaRPr lang="en-US" altLang="zh-CN" b="1" smtClean="0"/>
-          </a:p>
-          <a:p>
-            <a:pPr lvl="1" algn="just" eaLnBrk="1" hangingPunct="1"/>
-            <a:r>
-              <a:rPr lang="zh-CN" altLang="en-US" b="1" smtClean="0"/>
-              <a:t>修正的判定</a:t>
-            </a:r>
-            <a:r>
-              <a:rPr lang="en-US" altLang="zh-CN" b="1" smtClean="0"/>
-              <a:t>/</a:t>
-            </a:r>
-            <a:r>
-              <a:rPr lang="zh-CN" altLang="en-US" b="1" smtClean="0"/>
-              <a:t>条件覆盖</a:t>
-            </a:r>
+              <a:t>隐式分支</a:t>
+            </a:r>
+            <a:r>
+              <a:rPr lang="zh-CN" altLang="en-US" sz="3400" b="1" dirty="0" smtClean="0"/>
+              <a:t>的缺陷</a:t>
+            </a:r>
+            <a:endParaRPr lang="en-US" altLang="zh-CN" sz="3400" b="1" dirty="0" smtClean="0"/>
+          </a:p>
+          <a:p>
+            <a:pPr marL="0" indent="0" algn="just" eaLnBrk="1" hangingPunct="1">
+              <a:buNone/>
+            </a:pPr>
+            <a:r>
+              <a:rPr lang="en-US" altLang="zh-CN" sz="2000" b="1" dirty="0" err="1" smtClean="0"/>
+              <a:t>int</a:t>
+            </a:r>
+            <a:r>
+              <a:rPr lang="en-US" altLang="zh-CN" sz="2000" b="1" dirty="0" smtClean="0"/>
+              <a:t> SampleFunc2(</a:t>
+            </a:r>
+            <a:r>
+              <a:rPr lang="en-US" altLang="zh-CN" sz="2000" b="1" dirty="0" err="1" smtClean="0"/>
+              <a:t>bool</a:t>
+            </a:r>
+            <a:r>
+              <a:rPr lang="en-US" altLang="zh-CN" sz="2000" b="1" dirty="0" smtClean="0"/>
+              <a:t> </a:t>
+            </a:r>
+            <a:r>
+              <a:rPr lang="en-US" altLang="zh-CN" sz="2000" b="1" dirty="0" err="1" smtClean="0"/>
+              <a:t>bFlag</a:t>
+            </a:r>
+            <a:r>
+              <a:rPr lang="en-US" altLang="zh-CN" sz="2000" b="1" dirty="0" smtClean="0"/>
+              <a:t>)</a:t>
+            </a:r>
+          </a:p>
+          <a:p>
+            <a:pPr marL="0" indent="0" algn="just" eaLnBrk="1" hangingPunct="1">
+              <a:buNone/>
+            </a:pPr>
+            <a:r>
+              <a:rPr lang="en-US" altLang="zh-CN" sz="2000" b="1" dirty="0" smtClean="0"/>
+              <a:t>{</a:t>
+            </a:r>
+          </a:p>
+          <a:p>
+            <a:pPr marL="781050" lvl="1" indent="-342900" algn="just" eaLnBrk="1" hangingPunct="1">
+              <a:buFont typeface="+mj-lt"/>
+              <a:buAutoNum type="arabicPeriod"/>
+            </a:pPr>
+            <a:r>
+              <a:rPr lang="en-US" altLang="zh-CN" sz="1600" b="1" dirty="0" err="1" smtClean="0"/>
+              <a:t>int</a:t>
+            </a:r>
+            <a:r>
+              <a:rPr lang="en-US" altLang="zh-CN" sz="1600" b="1" dirty="0" smtClean="0"/>
+              <a:t>  *</a:t>
+            </a:r>
+            <a:r>
+              <a:rPr lang="en-US" altLang="zh-CN" sz="1600" b="1" dirty="0" err="1" smtClean="0"/>
+              <a:t>pArray</a:t>
+            </a:r>
+            <a:r>
+              <a:rPr lang="en-US" altLang="zh-CN" sz="1600" b="1" dirty="0" smtClean="0"/>
+              <a:t> = NULL;</a:t>
+            </a:r>
+            <a:endParaRPr lang="en-US" altLang="zh-CN" sz="1600" b="1" dirty="0"/>
+          </a:p>
+          <a:p>
+            <a:pPr marL="781050" lvl="1" indent="-342900" algn="just" eaLnBrk="1" hangingPunct="1">
+              <a:buFont typeface="+mj-lt"/>
+              <a:buAutoNum type="arabicPeriod"/>
+            </a:pPr>
+            <a:r>
+              <a:rPr lang="en-US" altLang="zh-CN" sz="1600" b="1" dirty="0" err="1" smtClean="0"/>
+              <a:t>int</a:t>
+            </a:r>
+            <a:r>
+              <a:rPr lang="en-US" altLang="zh-CN" sz="1600" b="1" dirty="0" smtClean="0"/>
+              <a:t> sum = 0;</a:t>
+            </a:r>
+          </a:p>
+          <a:p>
+            <a:pPr marL="781050" lvl="1" indent="-342900" algn="just" eaLnBrk="1" hangingPunct="1">
+              <a:buFont typeface="+mj-lt"/>
+              <a:buAutoNum type="arabicPeriod"/>
+            </a:pPr>
+            <a:r>
+              <a:rPr lang="en-US" altLang="zh-CN" sz="1600" b="1" dirty="0" smtClean="0"/>
+              <a:t>if(</a:t>
+            </a:r>
+            <a:r>
+              <a:rPr lang="en-US" altLang="zh-CN" sz="1600" b="1" dirty="0" err="1"/>
+              <a:t>bFlag</a:t>
+            </a:r>
+            <a:r>
+              <a:rPr lang="en-US" altLang="zh-CN" sz="1600" b="1" dirty="0" smtClean="0"/>
+              <a:t>)</a:t>
+            </a:r>
+          </a:p>
+          <a:p>
+            <a:pPr marL="781050" lvl="1" indent="-342900" algn="just" eaLnBrk="1" hangingPunct="1">
+              <a:buFont typeface="+mj-lt"/>
+              <a:buAutoNum type="arabicPeriod"/>
+            </a:pPr>
+            <a:r>
+              <a:rPr lang="en-US" altLang="zh-CN" sz="1600" b="1" dirty="0" smtClean="0"/>
+              <a:t>      </a:t>
+            </a:r>
+            <a:r>
+              <a:rPr lang="en-US" altLang="zh-CN" sz="1600" b="1" dirty="0" err="1" smtClean="0"/>
+              <a:t>pArray</a:t>
+            </a:r>
+            <a:r>
+              <a:rPr lang="en-US" altLang="zh-CN" sz="1600" b="1" dirty="0" smtClean="0"/>
+              <a:t> = new </a:t>
+            </a:r>
+            <a:r>
+              <a:rPr lang="en-US" altLang="zh-CN" sz="1600" b="1" dirty="0" err="1" smtClean="0"/>
+              <a:t>int</a:t>
+            </a:r>
+            <a:r>
+              <a:rPr lang="en-US" altLang="zh-CN" sz="1600" b="1" dirty="0" smtClean="0"/>
+              <a:t>[5];</a:t>
+            </a:r>
+          </a:p>
+          <a:p>
+            <a:pPr marL="781050" lvl="1" indent="-342900" algn="just" eaLnBrk="1" hangingPunct="1">
+              <a:buFont typeface="+mj-lt"/>
+              <a:buAutoNum type="arabicPeriod"/>
+            </a:pPr>
+            <a:r>
+              <a:rPr lang="en-US" altLang="zh-CN" sz="1600" b="1" dirty="0" smtClean="0"/>
+              <a:t>for(</a:t>
+            </a:r>
+            <a:r>
+              <a:rPr lang="en-US" altLang="zh-CN" sz="1600" b="1" dirty="0" err="1" smtClean="0"/>
+              <a:t>int</a:t>
+            </a:r>
+            <a:r>
+              <a:rPr lang="en-US" altLang="zh-CN" sz="1600" b="1" dirty="0" smtClean="0"/>
+              <a:t> i = 0;i &lt; 5 ;i++){</a:t>
+            </a:r>
+          </a:p>
+          <a:p>
+            <a:pPr marL="781050" lvl="1" indent="-342900" algn="just" eaLnBrk="1" hangingPunct="1">
+              <a:buFont typeface="+mj-lt"/>
+              <a:buAutoNum type="arabicPeriod"/>
+            </a:pPr>
+            <a:r>
+              <a:rPr lang="en-US" altLang="zh-CN" sz="1300" b="1" dirty="0" smtClean="0"/>
+              <a:t>       </a:t>
+            </a:r>
+            <a:r>
+              <a:rPr lang="en-US" altLang="zh-CN" sz="1300" b="1" dirty="0" err="1" smtClean="0"/>
+              <a:t>pArray</a:t>
+            </a:r>
+            <a:r>
+              <a:rPr lang="en-US" altLang="zh-CN" sz="1300" b="1" dirty="0" smtClean="0"/>
+              <a:t> [i] = i</a:t>
+            </a:r>
+            <a:r>
+              <a:rPr lang="zh-CN" altLang="en-US" sz="1300" b="1" dirty="0" smtClean="0"/>
+              <a:t>；</a:t>
+            </a:r>
+            <a:endParaRPr lang="en-US" altLang="zh-CN" sz="1300" b="1" dirty="0"/>
+          </a:p>
+          <a:p>
+            <a:pPr marL="781050" lvl="1" indent="-342900" algn="just" eaLnBrk="1" hangingPunct="1">
+              <a:buFont typeface="+mj-lt"/>
+              <a:buAutoNum type="arabicPeriod"/>
+            </a:pPr>
+            <a:r>
+              <a:rPr lang="en-US" altLang="zh-CN" sz="1300" b="1" dirty="0" smtClean="0"/>
+              <a:t>       sum = </a:t>
+            </a:r>
+            <a:r>
+              <a:rPr lang="en-US" altLang="zh-CN" sz="1300" b="1" dirty="0"/>
+              <a:t>sum + </a:t>
+            </a:r>
+            <a:r>
+              <a:rPr lang="en-US" altLang="zh-CN" sz="1300" b="1" dirty="0" err="1"/>
+              <a:t>pArray</a:t>
+            </a:r>
+            <a:r>
+              <a:rPr lang="en-US" altLang="zh-CN" sz="1300" b="1" dirty="0"/>
+              <a:t> </a:t>
+            </a:r>
+            <a:r>
+              <a:rPr lang="en-US" altLang="zh-CN" sz="1300" b="1" dirty="0" smtClean="0"/>
+              <a:t>[i]*i;</a:t>
+            </a:r>
+          </a:p>
+          <a:p>
+            <a:pPr marL="781050" lvl="1" indent="-342900" algn="just" eaLnBrk="1" hangingPunct="1">
+              <a:buFont typeface="+mj-lt"/>
+              <a:buAutoNum type="arabicPeriod"/>
+            </a:pPr>
+            <a:r>
+              <a:rPr lang="en-US" altLang="zh-CN" sz="1600" b="1" dirty="0" smtClean="0"/>
+              <a:t>}</a:t>
+            </a:r>
+          </a:p>
+          <a:p>
+            <a:pPr marL="781050" lvl="1" indent="-342900" algn="just" eaLnBrk="1" hangingPunct="1">
+              <a:buFont typeface="+mj-lt"/>
+              <a:buAutoNum type="arabicPeriod"/>
+            </a:pPr>
+            <a:r>
+              <a:rPr lang="en-US" altLang="zh-CN" sz="1600" b="1" dirty="0" smtClean="0"/>
+              <a:t>if ( </a:t>
+            </a:r>
+            <a:r>
+              <a:rPr lang="en-US" altLang="zh-CN" sz="1600" b="1" dirty="0" err="1"/>
+              <a:t>pArray</a:t>
+            </a:r>
+            <a:r>
+              <a:rPr lang="en-US" altLang="zh-CN" sz="1600" b="1" dirty="0"/>
+              <a:t> </a:t>
+            </a:r>
+            <a:r>
+              <a:rPr lang="en-US" altLang="zh-CN" sz="1600" b="1" dirty="0" smtClean="0"/>
+              <a:t>){</a:t>
+            </a:r>
+          </a:p>
+          <a:p>
+            <a:pPr marL="781050" lvl="1" indent="-342900" algn="just" eaLnBrk="1" hangingPunct="1">
+              <a:buFont typeface="+mj-lt"/>
+              <a:buAutoNum type="arabicPeriod"/>
+            </a:pPr>
+            <a:r>
+              <a:rPr lang="en-US" altLang="zh-CN" sz="1600" b="1" dirty="0" smtClean="0"/>
+              <a:t>    </a:t>
+            </a:r>
+            <a:r>
+              <a:rPr lang="en-US" altLang="zh-CN" sz="1300" b="1" dirty="0" smtClean="0"/>
+              <a:t>delete </a:t>
+            </a:r>
+            <a:r>
+              <a:rPr lang="en-US" altLang="zh-CN" sz="1300" b="1" dirty="0" err="1"/>
+              <a:t>pArray</a:t>
+            </a:r>
+            <a:r>
+              <a:rPr lang="en-US" altLang="zh-CN" sz="1300" b="1" dirty="0"/>
+              <a:t> </a:t>
+            </a:r>
+            <a:r>
+              <a:rPr lang="en-US" altLang="zh-CN" sz="1300" b="1" dirty="0" smtClean="0"/>
+              <a:t>;</a:t>
+            </a:r>
+          </a:p>
+          <a:p>
+            <a:pPr marL="781050" lvl="1" indent="-342900" algn="just" eaLnBrk="1" hangingPunct="1">
+              <a:buFont typeface="+mj-lt"/>
+              <a:buAutoNum type="arabicPeriod"/>
+            </a:pPr>
+            <a:r>
+              <a:rPr lang="en-US" altLang="zh-CN" sz="1300" b="1" dirty="0"/>
+              <a:t> </a:t>
+            </a:r>
+            <a:r>
+              <a:rPr lang="en-US" altLang="zh-CN" sz="1300" b="1" dirty="0" smtClean="0"/>
+              <a:t>    </a:t>
+            </a:r>
+            <a:r>
+              <a:rPr lang="en-US" altLang="zh-CN" sz="1300" b="1" dirty="0" err="1" smtClean="0"/>
+              <a:t>pArray</a:t>
+            </a:r>
+            <a:r>
+              <a:rPr lang="en-US" altLang="zh-CN" sz="1300" b="1" dirty="0" smtClean="0"/>
+              <a:t>  = NULL;</a:t>
+            </a:r>
+          </a:p>
+          <a:p>
+            <a:pPr marL="781050" lvl="1" indent="-342900" algn="just" eaLnBrk="1" hangingPunct="1">
+              <a:buFont typeface="+mj-lt"/>
+              <a:buAutoNum type="arabicPeriod"/>
+            </a:pPr>
+            <a:r>
+              <a:rPr lang="en-US" altLang="zh-CN" sz="1600" b="1" dirty="0" smtClean="0"/>
+              <a:t>}</a:t>
+            </a:r>
+          </a:p>
+          <a:p>
+            <a:pPr marL="781050" lvl="1" indent="-342900" algn="just" eaLnBrk="1" hangingPunct="1">
+              <a:buFont typeface="+mj-lt"/>
+              <a:buAutoNum type="arabicPeriod"/>
+            </a:pPr>
+            <a:r>
+              <a:rPr lang="en-US" altLang="zh-CN" sz="1600" b="1" dirty="0" smtClean="0"/>
+              <a:t>return sum;</a:t>
+            </a:r>
+            <a:endParaRPr lang="en-US" altLang="zh-CN" sz="1600" b="1" dirty="0" smtClean="0"/>
+          </a:p>
+          <a:p>
+            <a:pPr marL="0" indent="0" algn="just" eaLnBrk="1" hangingPunct="1">
+              <a:buNone/>
+            </a:pPr>
+            <a:r>
+              <a:rPr lang="en-US" altLang="zh-CN" sz="2000" b="1" dirty="0" smtClean="0"/>
+              <a:t>}</a:t>
+            </a:r>
+            <a:endParaRPr lang="en-US" altLang="zh-CN" sz="2000" b="1" dirty="0" smtClean="0"/>
+          </a:p>
+          <a:p>
+            <a:pPr algn="just" eaLnBrk="1" hangingPunct="1"/>
+            <a:endParaRPr lang="en-US" altLang="zh-CN" sz="3400" b="1" dirty="0" smtClean="0"/>
+          </a:p>
+          <a:p>
+            <a:pPr marL="0" indent="0" algn="just" eaLnBrk="1" hangingPunct="1">
+              <a:buNone/>
+            </a:pPr>
+            <a:endParaRPr lang="en-US" altLang="zh-CN" sz="3400" b="1" dirty="0" smtClean="0"/>
           </a:p>
         </p:txBody>
       </p:sp>
     </p:spTree>
+    <p:extLst>
+      <p:ext uri="{BB962C8B-B14F-4D97-AF65-F5344CB8AC3E}">
+        <p14:creationId xmlns:p14="http://schemas.microsoft.com/office/powerpoint/2010/main" val="3165661570"/>
+      </p:ext>
+    </p:extLst>
   </p:cSld>
   <p:clrMapOvr>
     <a:masterClrMapping/>

--- a/PPT/第二部分 软件测试技术/5.3  白盒测试技术-对于判定的测试.pptx
+++ b/PPT/第二部分 软件测试技术/5.3  白盒测试技术-对于判定的测试.pptx
@@ -7055,11 +7055,7 @@
             <a:pPr algn="just" eaLnBrk="1" hangingPunct="1"/>
             <a:r>
               <a:rPr lang="zh-CN" altLang="en-US" sz="3400" b="1" dirty="0" smtClean="0"/>
-              <a:t>条件</a:t>
-            </a:r>
-            <a:r>
-              <a:rPr lang="zh-CN" altLang="en-US" sz="3400" b="1" dirty="0" smtClean="0"/>
-              <a:t>覆盖</a:t>
+              <a:t>条件覆盖</a:t>
             </a:r>
             <a:r>
               <a:rPr lang="en-US" altLang="zh-CN" sz="3400" b="1" dirty="0" smtClean="0"/>
@@ -7073,7 +7069,6 @@
               <a:rPr lang="en-US" altLang="zh-CN" sz="3400" b="1" dirty="0" smtClean="0"/>
               <a:t>)</a:t>
             </a:r>
-            <a:endParaRPr lang="en-US" altLang="zh-CN" sz="3400" b="1" dirty="0" smtClean="0"/>
           </a:p>
           <a:p>
             <a:pPr lvl="1" algn="just" eaLnBrk="1" hangingPunct="1"/>
@@ -7983,11 +7978,7 @@
             </a:r>
             <a:r>
               <a:rPr lang="zh-CN" altLang="en-US" sz="2800" b="1" dirty="0" smtClean="0"/>
-              <a:t>条件</a:t>
-            </a:r>
-            <a:r>
-              <a:rPr lang="zh-CN" altLang="en-US" sz="2800" b="1" dirty="0" smtClean="0"/>
-              <a:t>覆盖</a:t>
+              <a:t>条件覆盖</a:t>
             </a:r>
             <a:r>
               <a:rPr lang="en-US" altLang="zh-CN" sz="2800" b="1" dirty="0" smtClean="0"/>
@@ -8911,10 +8902,6 @@
               </a:rPr>
               <a:t>控制流分析技术</a:t>
             </a:r>
-            <a:endParaRPr lang="zh-CN" altLang="en-US" b="1" dirty="0">
-              <a:latin typeface="黑体" pitchFamily="49" charset="-122"/>
-              <a:ea typeface="黑体" pitchFamily="49" charset="-122"/>
-            </a:endParaRPr>
           </a:p>
         </p:txBody>
       </p:sp>
@@ -9523,11 +9510,7 @@
             <a:pPr algn="just" eaLnBrk="1" hangingPunct="1"/>
             <a:r>
               <a:rPr lang="zh-CN" altLang="en-US" sz="3400" b="1" dirty="0" smtClean="0"/>
-              <a:t>条件组合</a:t>
-            </a:r>
-            <a:r>
-              <a:rPr lang="zh-CN" altLang="en-US" sz="3400" b="1" dirty="0" smtClean="0"/>
-              <a:t>覆盖</a:t>
+              <a:t>条件组合覆盖</a:t>
             </a:r>
             <a:r>
               <a:rPr lang="en-US" altLang="zh-CN" sz="2800" b="1" dirty="0"/>
@@ -10700,11 +10683,7 @@
             </a:r>
             <a:r>
               <a:rPr lang="zh-CN" altLang="en-US" sz="3400" b="1" dirty="0" smtClean="0"/>
-              <a:t>条件</a:t>
-            </a:r>
-            <a:r>
-              <a:rPr lang="zh-CN" altLang="en-US" sz="3400" b="1" dirty="0" smtClean="0"/>
-              <a:t>覆盖</a:t>
+              <a:t>条件覆盖</a:t>
             </a:r>
             <a:endParaRPr lang="en-US" altLang="zh-CN" sz="3400" b="1" dirty="0" smtClean="0"/>
           </a:p>
@@ -13602,10 +13581,6 @@
               </a:rPr>
               <a:t>控制流分析技术</a:t>
             </a:r>
-            <a:endParaRPr lang="zh-CN" altLang="en-US" b="1" dirty="0">
-              <a:latin typeface="黑体" pitchFamily="49" charset="-122"/>
-              <a:ea typeface="黑体" pitchFamily="49" charset="-122"/>
-            </a:endParaRPr>
           </a:p>
         </p:txBody>
       </p:sp>
@@ -17335,11 +17310,7 @@
             <a:pPr algn="just" eaLnBrk="1" hangingPunct="1"/>
             <a:r>
               <a:rPr lang="zh-CN" altLang="en-US" sz="3400" b="1" dirty="0" smtClean="0"/>
-              <a:t>语句</a:t>
-            </a:r>
-            <a:r>
-              <a:rPr lang="zh-CN" altLang="en-US" sz="3400" b="1" dirty="0" smtClean="0"/>
-              <a:t>覆盖（</a:t>
+              <a:t>语句覆盖（</a:t>
             </a:r>
             <a:r>
               <a:rPr lang="en-US" altLang="zh-CN" sz="2400" b="1" dirty="0" smtClean="0"/>
@@ -18247,7 +18218,6 @@
               <a:rPr lang="en-US" altLang="zh-CN" sz="1600" b="1" dirty="0" smtClean="0"/>
               <a:t>return sum;</a:t>
             </a:r>
-            <a:endParaRPr lang="en-US" altLang="zh-CN" sz="1600" b="1" dirty="0" smtClean="0"/>
           </a:p>
           <a:p>
             <a:pPr marL="0" indent="0" algn="just" eaLnBrk="1" hangingPunct="1">
@@ -18257,7 +18227,6 @@
               <a:rPr lang="en-US" altLang="zh-CN" sz="2000" b="1" dirty="0" smtClean="0"/>
               <a:t>}</a:t>
             </a:r>
-            <a:endParaRPr lang="en-US" altLang="zh-CN" sz="2000" b="1" dirty="0" smtClean="0"/>
           </a:p>
           <a:p>
             <a:pPr algn="just" eaLnBrk="1" hangingPunct="1"/>
